--- a/docs/MS_Template_Creator_Summary.pptx
+++ b/docs/MS_Template_Creator_Summary.pptx
@@ -2141,7 +2141,7 @@
           </a:ln>
           <a:extLst>
             <a:ext uri="{C572A759-6A51-4108-AA02-DFA0A04FC94B}">
-              <ma14:wrappingTextBoxFlag xmlns="" xmlns:ma14="http://schemas.microsoft.com/office/mac/drawingml/2011/main" val="1"/>
+              <ma14:wrappingTextBoxFlag xmlns:ma14="http://schemas.microsoft.com/office/mac/drawingml/2011/main" xmlns="" val="1"/>
             </a:ext>
           </a:extLst>
         </p:spPr>
@@ -2180,7 +2180,7 @@
           </a:ln>
           <a:extLst>
             <a:ext uri="{C572A759-6A51-4108-AA02-DFA0A04FC94B}">
-              <ma14:wrappingTextBoxFlag xmlns="" xmlns:ma14="http://schemas.microsoft.com/office/mac/drawingml/2011/main" val="1"/>
+              <ma14:wrappingTextBoxFlag xmlns:ma14="http://schemas.microsoft.com/office/mac/drawingml/2011/main" xmlns="" val="1"/>
             </a:ext>
           </a:extLst>
         </p:spPr>
@@ -3118,7 +3118,7 @@
           </a:ln>
           <a:extLst>
             <a:ext uri="{C572A759-6A51-4108-AA02-DFA0A04FC94B}">
-              <ma14:wrappingTextBoxFlag xmlns="" xmlns:ma14="http://schemas.microsoft.com/office/mac/drawingml/2011/main" val="1"/>
+              <ma14:wrappingTextBoxFlag xmlns:ma14="http://schemas.microsoft.com/office/mac/drawingml/2011/main" xmlns="" val="1"/>
             </a:ext>
           </a:extLst>
         </p:spPr>
@@ -4193,7 +4193,7 @@
           </a:ln>
           <a:extLst>
             <a:ext uri="{C572A759-6A51-4108-AA02-DFA0A04FC94B}">
-              <ma14:wrappingTextBoxFlag xmlns="" xmlns:ma14="http://schemas.microsoft.com/office/mac/drawingml/2011/main" val="1"/>
+              <ma14:wrappingTextBoxFlag xmlns:ma14="http://schemas.microsoft.com/office/mac/drawingml/2011/main" xmlns="" val="1"/>
             </a:ext>
           </a:extLst>
         </p:spPr>
@@ -4231,7 +4231,7 @@
           </a:ln>
           <a:extLst>
             <a:ext uri="{C572A759-6A51-4108-AA02-DFA0A04FC94B}">
-              <ma14:wrappingTextBoxFlag xmlns="" xmlns:ma14="http://schemas.microsoft.com/office/mac/drawingml/2011/main" val="1"/>
+              <ma14:wrappingTextBoxFlag xmlns:ma14="http://schemas.microsoft.com/office/mac/drawingml/2011/main" xmlns="" val="1"/>
             </a:ext>
           </a:extLst>
         </p:spPr>
@@ -4331,7 +4331,7 @@
           </a:ln>
           <a:extLst>
             <a:ext uri="{C572A759-6A51-4108-AA02-DFA0A04FC94B}">
-              <ma14:wrappingTextBoxFlag xmlns="" xmlns:ma14="http://schemas.microsoft.com/office/mac/drawingml/2011/main" val="1"/>
+              <ma14:wrappingTextBoxFlag xmlns:ma14="http://schemas.microsoft.com/office/mac/drawingml/2011/main" xmlns="" val="1"/>
             </a:ext>
           </a:extLst>
         </p:spPr>
@@ -4369,7 +4369,7 @@
           </a:ln>
           <a:extLst>
             <a:ext uri="{C572A759-6A51-4108-AA02-DFA0A04FC94B}">
-              <ma14:wrappingTextBoxFlag xmlns="" xmlns:ma14="http://schemas.microsoft.com/office/mac/drawingml/2011/main" val="1"/>
+              <ma14:wrappingTextBoxFlag xmlns:ma14="http://schemas.microsoft.com/office/mac/drawingml/2011/main" xmlns="" val="1"/>
             </a:ext>
           </a:extLst>
         </p:spPr>
@@ -4486,7 +4486,7 @@
           </a:ln>
           <a:extLst>
             <a:ext uri="{C572A759-6A51-4108-AA02-DFA0A04FC94B}">
-              <ma14:wrappingTextBoxFlag xmlns="" xmlns:ma14="http://schemas.microsoft.com/office/mac/drawingml/2011/main" val="1"/>
+              <ma14:wrappingTextBoxFlag xmlns:ma14="http://schemas.microsoft.com/office/mac/drawingml/2011/main" xmlns="" val="1"/>
             </a:ext>
           </a:extLst>
         </p:spPr>
@@ -4524,7 +4524,7 @@
           </a:ln>
           <a:extLst>
             <a:ext uri="{C572A759-6A51-4108-AA02-DFA0A04FC94B}">
-              <ma14:wrappingTextBoxFlag xmlns="" xmlns:ma14="http://schemas.microsoft.com/office/mac/drawingml/2011/main" val="1"/>
+              <ma14:wrappingTextBoxFlag xmlns:ma14="http://schemas.microsoft.com/office/mac/drawingml/2011/main" xmlns="" val="1"/>
             </a:ext>
           </a:extLst>
         </p:spPr>
@@ -4658,7 +4658,7 @@
           </a:ln>
           <a:extLst>
             <a:ext uri="{C572A759-6A51-4108-AA02-DFA0A04FC94B}">
-              <ma14:wrappingTextBoxFlag xmlns="" xmlns:ma14="http://schemas.microsoft.com/office/mac/drawingml/2011/main" val="1"/>
+              <ma14:wrappingTextBoxFlag xmlns:ma14="http://schemas.microsoft.com/office/mac/drawingml/2011/main" xmlns="" val="1"/>
             </a:ext>
           </a:extLst>
         </p:spPr>
@@ -4732,7 +4732,7 @@
           </a:ln>
           <a:extLst>
             <a:ext uri="{C572A759-6A51-4108-AA02-DFA0A04FC94B}">
-              <ma14:wrappingTextBoxFlag xmlns="" xmlns:ma14="http://schemas.microsoft.com/office/mac/drawingml/2011/main" val="1"/>
+              <ma14:wrappingTextBoxFlag xmlns:ma14="http://schemas.microsoft.com/office/mac/drawingml/2011/main" xmlns="" val="1"/>
             </a:ext>
           </a:extLst>
         </p:spPr>
@@ -4836,7 +4836,7 @@
           </a:ln>
           <a:extLst>
             <a:ext uri="{C572A759-6A51-4108-AA02-DFA0A04FC94B}">
-              <ma14:wrappingTextBoxFlag xmlns="" xmlns:ma14="http://schemas.microsoft.com/office/mac/drawingml/2011/main" val="1"/>
+              <ma14:wrappingTextBoxFlag xmlns:ma14="http://schemas.microsoft.com/office/mac/drawingml/2011/main" xmlns="" val="1"/>
             </a:ext>
           </a:extLst>
         </p:spPr>
@@ -4939,7 +4939,7 @@
           </a:ln>
           <a:extLst>
             <a:ext uri="{C572A759-6A51-4108-AA02-DFA0A04FC94B}">
-              <ma14:wrappingTextBoxFlag xmlns="" xmlns:ma14="http://schemas.microsoft.com/office/mac/drawingml/2011/main" val="1"/>
+              <ma14:wrappingTextBoxFlag xmlns:ma14="http://schemas.microsoft.com/office/mac/drawingml/2011/main" xmlns="" val="1"/>
             </a:ext>
           </a:extLst>
         </p:spPr>
@@ -5029,7 +5029,7 @@
           </a:ln>
           <a:extLst>
             <a:ext uri="{C572A759-6A51-4108-AA02-DFA0A04FC94B}">
-              <ma14:wrappingTextBoxFlag xmlns="" xmlns:ma14="http://schemas.microsoft.com/office/mac/drawingml/2011/main" val="1"/>
+              <ma14:wrappingTextBoxFlag xmlns:ma14="http://schemas.microsoft.com/office/mac/drawingml/2011/main" xmlns="" val="1"/>
             </a:ext>
           </a:extLst>
         </p:spPr>
@@ -5110,7 +5110,7 @@
           </a:ln>
           <a:extLst>
             <a:ext uri="{C572A759-6A51-4108-AA02-DFA0A04FC94B}">
-              <ma14:wrappingTextBoxFlag xmlns="" xmlns:ma14="http://schemas.microsoft.com/office/mac/drawingml/2011/main" val="1"/>
+              <ma14:wrappingTextBoxFlag xmlns:ma14="http://schemas.microsoft.com/office/mac/drawingml/2011/main" xmlns="" val="1"/>
             </a:ext>
           </a:extLst>
         </p:spPr>
@@ -5213,7 +5213,7 @@
           </a:ln>
           <a:extLst>
             <a:ext uri="{C572A759-6A51-4108-AA02-DFA0A04FC94B}">
-              <ma14:wrappingTextBoxFlag xmlns="" xmlns:ma14="http://schemas.microsoft.com/office/mac/drawingml/2011/main" val="1"/>
+              <ma14:wrappingTextBoxFlag xmlns:ma14="http://schemas.microsoft.com/office/mac/drawingml/2011/main" xmlns="" val="1"/>
             </a:ext>
           </a:extLst>
         </p:spPr>
@@ -5356,7 +5356,7 @@
           </a:ln>
           <a:extLst>
             <a:ext uri="{C572A759-6A51-4108-AA02-DFA0A04FC94B}">
-              <ma14:wrappingTextBoxFlag xmlns="" xmlns:ma14="http://schemas.microsoft.com/office/mac/drawingml/2011/main" val="1"/>
+              <ma14:wrappingTextBoxFlag xmlns:ma14="http://schemas.microsoft.com/office/mac/drawingml/2011/main" xmlns="" val="1"/>
             </a:ext>
           </a:extLst>
         </p:spPr>
@@ -5412,7 +5412,7 @@
           </a:ln>
           <a:extLst>
             <a:ext uri="{C572A759-6A51-4108-AA02-DFA0A04FC94B}">
-              <ma14:wrappingTextBoxFlag xmlns="" xmlns:ma14="http://schemas.microsoft.com/office/mac/drawingml/2011/main" val="1"/>
+              <ma14:wrappingTextBoxFlag xmlns:ma14="http://schemas.microsoft.com/office/mac/drawingml/2011/main" xmlns="" val="1"/>
             </a:ext>
           </a:extLst>
         </p:spPr>
@@ -5456,7 +5456,7 @@
           </a:ln>
           <a:extLst>
             <a:ext uri="{C572A759-6A51-4108-AA02-DFA0A04FC94B}">
-              <ma14:wrappingTextBoxFlag xmlns="" xmlns:ma14="http://schemas.microsoft.com/office/mac/drawingml/2011/main" val="1"/>
+              <ma14:wrappingTextBoxFlag xmlns:ma14="http://schemas.microsoft.com/office/mac/drawingml/2011/main" xmlns="" val="1"/>
             </a:ext>
           </a:extLst>
         </p:spPr>
@@ -5616,7 +5616,7 @@
           </a:ln>
           <a:extLst>
             <a:ext uri="{C572A759-6A51-4108-AA02-DFA0A04FC94B}">
-              <ma14:wrappingTextBoxFlag xmlns="" xmlns:ma14="http://schemas.microsoft.com/office/mac/drawingml/2011/main" val="1"/>
+              <ma14:wrappingTextBoxFlag xmlns:ma14="http://schemas.microsoft.com/office/mac/drawingml/2011/main" xmlns="" val="1"/>
             </a:ext>
           </a:extLst>
         </p:spPr>
@@ -5672,7 +5672,7 @@
           </a:ln>
           <a:extLst>
             <a:ext uri="{C572A759-6A51-4108-AA02-DFA0A04FC94B}">
-              <ma14:wrappingTextBoxFlag xmlns="" xmlns:ma14="http://schemas.microsoft.com/office/mac/drawingml/2011/main" val="1"/>
+              <ma14:wrappingTextBoxFlag xmlns:ma14="http://schemas.microsoft.com/office/mac/drawingml/2011/main" xmlns="" val="1"/>
             </a:ext>
           </a:extLst>
         </p:spPr>
@@ -5716,7 +5716,7 @@
           </a:ln>
           <a:extLst>
             <a:ext uri="{C572A759-6A51-4108-AA02-DFA0A04FC94B}">
-              <ma14:wrappingTextBoxFlag xmlns="" xmlns:ma14="http://schemas.microsoft.com/office/mac/drawingml/2011/main" val="1"/>
+              <ma14:wrappingTextBoxFlag xmlns:ma14="http://schemas.microsoft.com/office/mac/drawingml/2011/main" xmlns="" val="1"/>
             </a:ext>
           </a:extLst>
         </p:spPr>
@@ -5940,7 +5940,7 @@
           </a:ln>
           <a:extLst>
             <a:ext uri="{C572A759-6A51-4108-AA02-DFA0A04FC94B}">
-              <ma14:wrappingTextBoxFlag xmlns="" xmlns:ma14="http://schemas.microsoft.com/office/mac/drawingml/2011/main" val="1"/>
+              <ma14:wrappingTextBoxFlag xmlns:ma14="http://schemas.microsoft.com/office/mac/drawingml/2011/main" xmlns="" val="1"/>
             </a:ext>
           </a:extLst>
         </p:spPr>
@@ -6044,7 +6044,7 @@
           </a:ln>
           <a:extLst>
             <a:ext uri="{C572A759-6A51-4108-AA02-DFA0A04FC94B}">
-              <ma14:wrappingTextBoxFlag xmlns="" xmlns:ma14="http://schemas.microsoft.com/office/mac/drawingml/2011/main" val="1"/>
+              <ma14:wrappingTextBoxFlag xmlns:ma14="http://schemas.microsoft.com/office/mac/drawingml/2011/main" xmlns="" val="1"/>
             </a:ext>
           </a:extLst>
         </p:spPr>
@@ -6088,7 +6088,7 @@
           </a:ln>
           <a:extLst>
             <a:ext uri="{C572A759-6A51-4108-AA02-DFA0A04FC94B}">
-              <ma14:wrappingTextBoxFlag xmlns="" xmlns:ma14="http://schemas.microsoft.com/office/mac/drawingml/2011/main" val="1"/>
+              <ma14:wrappingTextBoxFlag xmlns:ma14="http://schemas.microsoft.com/office/mac/drawingml/2011/main" xmlns="" val="1"/>
             </a:ext>
           </a:extLst>
         </p:spPr>
@@ -6184,7 +6184,7 @@
           </a:ln>
           <a:extLst>
             <a:ext uri="{C572A759-6A51-4108-AA02-DFA0A04FC94B}">
-              <ma14:wrappingTextBoxFlag xmlns="" xmlns:ma14="http://schemas.microsoft.com/office/mac/drawingml/2011/main" val="1"/>
+              <ma14:wrappingTextBoxFlag xmlns:ma14="http://schemas.microsoft.com/office/mac/drawingml/2011/main" xmlns="" val="1"/>
             </a:ext>
           </a:extLst>
         </p:spPr>
@@ -6283,10 +6283,10 @@
       </p:pic>
       <p:sp>
         <p:nvSpPr>
-          <p:cNvPr id="109" name="Where possible, use code that works when run.">
+          <p:cNvPr id="112" name="Where possible, use code that works when run.">
             <a:extLst>
               <a:ext uri="{FF2B5EF4-FFF2-40B4-BE49-F238E27FC236}">
-                <a16:creationId xmlns:a16="http://schemas.microsoft.com/office/drawing/2014/main" id="{2E9E636E-9729-4EC8-94F4-8A17822C09A1}"/>
+                <a16:creationId xmlns:a16="http://schemas.microsoft.com/office/drawing/2014/main" id="{C2BCB013-E329-453A-B40D-90925FCB2223}"/>
               </a:ext>
             </a:extLst>
           </p:cNvPr>
@@ -6295,8 +6295,8 @@
         </p:nvSpPr>
         <p:spPr>
           <a:xfrm>
-            <a:off x="7931952" y="6931548"/>
-            <a:ext cx="2408695" cy="276405"/>
+            <a:off x="4962068" y="6089224"/>
+            <a:ext cx="2609646" cy="442605"/>
           </a:xfrm>
           <a:prstGeom prst="rect">
             <a:avLst/>
@@ -6306,7 +6306,678 @@
           </a:ln>
           <a:extLst>
             <a:ext uri="{C572A759-6A51-4108-AA02-DFA0A04FC94B}">
-              <ma14:wrappingTextBoxFlag xmlns="" xmlns:ma14="http://schemas.microsoft.com/office/mac/drawingml/2011/main" val="1"/>
+              <ma14:wrappingTextBoxFlag xmlns:ma14="http://schemas.microsoft.com/office/mac/drawingml/2011/main" xmlns="" val="1"/>
+            </a:ext>
+          </a:extLst>
+        </p:spPr>
+        <p:txBody>
+          <a:bodyPr wrap="square" lIns="54570" tIns="54570" rIns="54570" bIns="54570" anchor="ctr">
+            <a:spAutoFit/>
+          </a:bodyPr>
+          <a:lstStyle/>
+          <a:p>
+            <a:pPr marL="228600" indent="-180000">
+              <a:lnSpc>
+                <a:spcPct val="90000"/>
+              </a:lnSpc>
+              <a:spcBef>
+                <a:spcPts val="0"/>
+              </a:spcBef>
+              <a:buFont typeface="+mj-lt"/>
+              <a:buAutoNum type="arabicPeriod"/>
+              <a:defRPr b="0">
+                <a:solidFill>
+                  <a:srgbClr val="000000"/>
+                </a:solidFill>
+                <a:latin typeface="+mn-lt"/>
+                <a:ea typeface="+mn-ea"/>
+                <a:cs typeface="+mn-cs"/>
+                <a:sym typeface="Source Sans Pro Light"/>
+              </a:defRPr>
+            </a:pPr>
+            <a:r>
+              <a:rPr lang="en-SG" dirty="0">
+                <a:latin typeface="Source Sans Pro"/>
+                <a:ea typeface="Source Sans Pro"/>
+                <a:cs typeface="Source Sans Pro"/>
+                <a:sym typeface="Source Sans Pro"/>
+              </a:rPr>
+              <a:t>Click on the button below to create a new sample annotation</a:t>
+            </a:r>
+            <a:endParaRPr dirty="0">
+              <a:latin typeface="Source Sans Pro"/>
+              <a:ea typeface="Source Sans Pro"/>
+              <a:cs typeface="Source Sans Pro"/>
+              <a:sym typeface="Source Sans Pro"/>
+            </a:endParaRPr>
+          </a:p>
+        </p:txBody>
+      </p:sp>
+      <p:pic>
+        <p:nvPicPr>
+          <p:cNvPr id="33" name="Picture 32">
+            <a:extLst>
+              <a:ext uri="{FF2B5EF4-FFF2-40B4-BE49-F238E27FC236}">
+                <a16:creationId xmlns:a16="http://schemas.microsoft.com/office/drawing/2014/main" id="{32D3D3E0-EF44-46BF-B8B5-91BC8831CFFD}"/>
+              </a:ext>
+            </a:extLst>
+          </p:cNvPr>
+          <p:cNvPicPr>
+            <a:picLocks noChangeAspect="1"/>
+          </p:cNvPicPr>
+          <p:nvPr/>
+        </p:nvPicPr>
+        <p:blipFill>
+          <a:blip r:embed="rId19"/>
+          <a:stretch>
+            <a:fillRect/>
+          </a:stretch>
+        </p:blipFill>
+        <p:spPr>
+          <a:xfrm>
+            <a:off x="5208887" y="6526170"/>
+            <a:ext cx="2012115" cy="292262"/>
+          </a:xfrm>
+          <a:prstGeom prst="rect">
+            <a:avLst/>
+          </a:prstGeom>
+        </p:spPr>
+      </p:pic>
+      <p:pic>
+        <p:nvPicPr>
+          <p:cNvPr id="34" name="Picture 33">
+            <a:extLst>
+              <a:ext uri="{FF2B5EF4-FFF2-40B4-BE49-F238E27FC236}">
+                <a16:creationId xmlns:a16="http://schemas.microsoft.com/office/drawing/2014/main" id="{BFDD2629-B111-4201-8455-3EFCAF49ED9F}"/>
+              </a:ext>
+            </a:extLst>
+          </p:cNvPr>
+          <p:cNvPicPr>
+            <a:picLocks noChangeAspect="1"/>
+          </p:cNvPicPr>
+          <p:nvPr/>
+        </p:nvPicPr>
+        <p:blipFill>
+          <a:blip r:embed="rId20"/>
+          <a:stretch>
+            <a:fillRect/>
+          </a:stretch>
+        </p:blipFill>
+        <p:spPr>
+          <a:xfrm>
+            <a:off x="5224400" y="6846792"/>
+            <a:ext cx="2006492" cy="292262"/>
+          </a:xfrm>
+          <a:prstGeom prst="rect">
+            <a:avLst/>
+          </a:prstGeom>
+        </p:spPr>
+      </p:pic>
+      <p:pic>
+        <p:nvPicPr>
+          <p:cNvPr id="35" name="Picture 34">
+            <a:extLst>
+              <a:ext uri="{FF2B5EF4-FFF2-40B4-BE49-F238E27FC236}">
+                <a16:creationId xmlns:a16="http://schemas.microsoft.com/office/drawing/2014/main" id="{7E1D34C7-C162-467D-9E25-102B8EA6C8B4}"/>
+              </a:ext>
+            </a:extLst>
+          </p:cNvPr>
+          <p:cNvPicPr>
+            <a:picLocks noChangeAspect="1"/>
+          </p:cNvPicPr>
+          <p:nvPr/>
+        </p:nvPicPr>
+        <p:blipFill>
+          <a:blip r:embed="rId21"/>
+          <a:stretch>
+            <a:fillRect/>
+          </a:stretch>
+        </p:blipFill>
+        <p:spPr>
+          <a:xfrm>
+            <a:off x="5102103" y="7262048"/>
+            <a:ext cx="2408585" cy="696180"/>
+          </a:xfrm>
+          <a:prstGeom prst="rect">
+            <a:avLst/>
+          </a:prstGeom>
+        </p:spPr>
+      </p:pic>
+      <p:pic>
+        <p:nvPicPr>
+          <p:cNvPr id="36" name="Picture 35">
+            <a:extLst>
+              <a:ext uri="{FF2B5EF4-FFF2-40B4-BE49-F238E27FC236}">
+                <a16:creationId xmlns:a16="http://schemas.microsoft.com/office/drawing/2014/main" id="{01BAD46D-F62B-43A8-B6A6-55E211245159}"/>
+              </a:ext>
+            </a:extLst>
+          </p:cNvPr>
+          <p:cNvPicPr>
+            <a:picLocks noChangeAspect="1"/>
+          </p:cNvPicPr>
+          <p:nvPr/>
+        </p:nvPicPr>
+        <p:blipFill>
+          <a:blip r:embed="rId22"/>
+          <a:stretch>
+            <a:fillRect/>
+          </a:stretch>
+        </p:blipFill>
+        <p:spPr>
+          <a:xfrm>
+            <a:off x="7664944" y="6520216"/>
+            <a:ext cx="2805524" cy="394981"/>
+          </a:xfrm>
+          <a:prstGeom prst="rect">
+            <a:avLst/>
+          </a:prstGeom>
+        </p:spPr>
+      </p:pic>
+      <p:pic>
+        <p:nvPicPr>
+          <p:cNvPr id="38" name="Picture 37">
+            <a:extLst>
+              <a:ext uri="{FF2B5EF4-FFF2-40B4-BE49-F238E27FC236}">
+                <a16:creationId xmlns:a16="http://schemas.microsoft.com/office/drawing/2014/main" id="{9D911DE8-C557-4FEA-8E9B-D4CE8C2615AB}"/>
+              </a:ext>
+            </a:extLst>
+          </p:cNvPr>
+          <p:cNvPicPr>
+            <a:picLocks noChangeAspect="1"/>
+          </p:cNvPicPr>
+          <p:nvPr/>
+        </p:nvPicPr>
+        <p:blipFill>
+          <a:blip r:embed="rId23"/>
+          <a:stretch>
+            <a:fillRect/>
+          </a:stretch>
+        </p:blipFill>
+        <p:spPr>
+          <a:xfrm>
+            <a:off x="11590717" y="6515796"/>
+            <a:ext cx="1545455" cy="319102"/>
+          </a:xfrm>
+          <a:prstGeom prst="rect">
+            <a:avLst/>
+          </a:prstGeom>
+        </p:spPr>
+      </p:pic>
+      <p:pic>
+        <p:nvPicPr>
+          <p:cNvPr id="136" name="Picture 135">
+            <a:extLst>
+              <a:ext uri="{FF2B5EF4-FFF2-40B4-BE49-F238E27FC236}">
+                <a16:creationId xmlns:a16="http://schemas.microsoft.com/office/drawing/2014/main" id="{DA8F1BBC-8A06-4DE7-B662-E7978BBD967E}"/>
+              </a:ext>
+            </a:extLst>
+          </p:cNvPr>
+          <p:cNvPicPr>
+            <a:picLocks noChangeAspect="1"/>
+          </p:cNvPicPr>
+          <p:nvPr/>
+        </p:nvPicPr>
+        <p:blipFill rotWithShape="1">
+          <a:blip r:embed="rId24"/>
+          <a:srcRect l="61866"/>
+          <a:stretch/>
+        </p:blipFill>
+        <p:spPr>
+          <a:xfrm>
+            <a:off x="12453376" y="7488150"/>
+            <a:ext cx="1221182" cy="396844"/>
+          </a:xfrm>
+          <a:prstGeom prst="rect">
+            <a:avLst/>
+          </a:prstGeom>
+        </p:spPr>
+      </p:pic>
+      <p:pic>
+        <p:nvPicPr>
+          <p:cNvPr id="40" name="Picture 39">
+            <a:extLst>
+              <a:ext uri="{FF2B5EF4-FFF2-40B4-BE49-F238E27FC236}">
+                <a16:creationId xmlns:a16="http://schemas.microsoft.com/office/drawing/2014/main" id="{7F1947FC-B18B-446E-A980-04EA0D7C5461}"/>
+              </a:ext>
+            </a:extLst>
+          </p:cNvPr>
+          <p:cNvPicPr>
+            <a:picLocks noChangeAspect="1"/>
+          </p:cNvPicPr>
+          <p:nvPr/>
+        </p:nvPicPr>
+        <p:blipFill>
+          <a:blip r:embed="rId25"/>
+          <a:stretch>
+            <a:fillRect/>
+          </a:stretch>
+        </p:blipFill>
+        <p:spPr>
+          <a:xfrm>
+            <a:off x="11121037" y="7361789"/>
+            <a:ext cx="1059118" cy="333426"/>
+          </a:xfrm>
+          <a:prstGeom prst="rect">
+            <a:avLst/>
+          </a:prstGeom>
+        </p:spPr>
+      </p:pic>
+      <p:pic>
+        <p:nvPicPr>
+          <p:cNvPr id="42" name="Picture 41">
+            <a:extLst>
+              <a:ext uri="{FF2B5EF4-FFF2-40B4-BE49-F238E27FC236}">
+                <a16:creationId xmlns:a16="http://schemas.microsoft.com/office/drawing/2014/main" id="{0683363D-2BF3-496B-A036-9306E28A2CE7}"/>
+              </a:ext>
+            </a:extLst>
+          </p:cNvPr>
+          <p:cNvPicPr>
+            <a:picLocks noChangeAspect="1"/>
+          </p:cNvPicPr>
+          <p:nvPr/>
+        </p:nvPicPr>
+        <p:blipFill>
+          <a:blip r:embed="rId26"/>
+          <a:stretch>
+            <a:fillRect/>
+          </a:stretch>
+        </p:blipFill>
+        <p:spPr>
+          <a:xfrm>
+            <a:off x="11105047" y="7779518"/>
+            <a:ext cx="1075108" cy="327777"/>
+          </a:xfrm>
+          <a:prstGeom prst="rect">
+            <a:avLst/>
+          </a:prstGeom>
+        </p:spPr>
+      </p:pic>
+      <p:sp>
+        <p:nvSpPr>
+          <p:cNvPr id="137" name="Where possible, use code that works when run.">
+            <a:extLst>
+              <a:ext uri="{FF2B5EF4-FFF2-40B4-BE49-F238E27FC236}">
+                <a16:creationId xmlns:a16="http://schemas.microsoft.com/office/drawing/2014/main" id="{5073F9E3-9586-4BF0-97CD-B34ED37D236A}"/>
+              </a:ext>
+            </a:extLst>
+          </p:cNvPr>
+          <p:cNvSpPr txBox="1"/>
+          <p:nvPr/>
+        </p:nvSpPr>
+        <p:spPr>
+          <a:xfrm>
+            <a:off x="7576077" y="6085632"/>
+            <a:ext cx="2894391" cy="442605"/>
+          </a:xfrm>
+          <a:prstGeom prst="rect">
+            <a:avLst/>
+          </a:prstGeom>
+          <a:ln w="12700">
+            <a:miter lim="400000"/>
+          </a:ln>
+          <a:extLst>
+            <a:ext uri="{C572A759-6A51-4108-AA02-DFA0A04FC94B}">
+              <ma14:wrappingTextBoxFlag xmlns:ma14="http://schemas.microsoft.com/office/mac/drawingml/2011/main" xmlns="" val="1"/>
+            </a:ext>
+          </a:extLst>
+        </p:spPr>
+        <p:txBody>
+          <a:bodyPr wrap="square" lIns="54570" tIns="54570" rIns="54570" bIns="54570" anchor="ctr">
+            <a:spAutoFit/>
+          </a:bodyPr>
+          <a:lstStyle/>
+          <a:p>
+            <a:pPr marL="277200" indent="-228600">
+              <a:lnSpc>
+                <a:spcPct val="90000"/>
+              </a:lnSpc>
+              <a:spcBef>
+                <a:spcPts val="0"/>
+              </a:spcBef>
+              <a:buFont typeface="+mj-lt"/>
+              <a:buAutoNum type="arabicPeriod" startAt="3"/>
+              <a:defRPr b="0">
+                <a:solidFill>
+                  <a:srgbClr val="000000"/>
+                </a:solidFill>
+                <a:latin typeface="+mn-lt"/>
+                <a:ea typeface="+mn-ea"/>
+                <a:cs typeface="+mn-cs"/>
+                <a:sym typeface="Source Sans Pro Light"/>
+              </a:defRPr>
+            </a:pPr>
+            <a:r>
+              <a:rPr lang="en-SG" dirty="0">
+                <a:latin typeface="Source Sans Pro"/>
+                <a:ea typeface="Source Sans Pro"/>
+                <a:cs typeface="Source Sans Pro"/>
+                <a:sym typeface="Source Sans Pro"/>
+              </a:rPr>
+              <a:t>Fill in the sample amount, unit and ISTD mixture volume</a:t>
+            </a:r>
+          </a:p>
+        </p:txBody>
+      </p:sp>
+      <p:sp>
+        <p:nvSpPr>
+          <p:cNvPr id="138" name="Where possible, use code that works when run.">
+            <a:extLst>
+              <a:ext uri="{FF2B5EF4-FFF2-40B4-BE49-F238E27FC236}">
+                <a16:creationId xmlns:a16="http://schemas.microsoft.com/office/drawing/2014/main" id="{CC1A34F4-41C7-4E21-9EBA-5198A3B61CEB}"/>
+              </a:ext>
+            </a:extLst>
+          </p:cNvPr>
+          <p:cNvSpPr txBox="1"/>
+          <p:nvPr/>
+        </p:nvSpPr>
+        <p:spPr>
+          <a:xfrm>
+            <a:off x="10784976" y="6085632"/>
+            <a:ext cx="2894391" cy="442605"/>
+          </a:xfrm>
+          <a:prstGeom prst="rect">
+            <a:avLst/>
+          </a:prstGeom>
+          <a:ln w="12700">
+            <a:miter lim="400000"/>
+          </a:ln>
+          <a:extLst>
+            <a:ext uri="{C572A759-6A51-4108-AA02-DFA0A04FC94B}">
+              <ma14:wrappingTextBoxFlag xmlns:ma14="http://schemas.microsoft.com/office/mac/drawingml/2011/main" xmlns="" val="1"/>
+            </a:ext>
+          </a:extLst>
+        </p:spPr>
+        <p:txBody>
+          <a:bodyPr wrap="square" lIns="54570" tIns="54570" rIns="54570" bIns="54570" anchor="ctr">
+            <a:spAutoFit/>
+          </a:bodyPr>
+          <a:lstStyle/>
+          <a:p>
+            <a:pPr marL="277200" indent="-228600">
+              <a:lnSpc>
+                <a:spcPct val="90000"/>
+              </a:lnSpc>
+              <a:spcBef>
+                <a:spcPts val="0"/>
+              </a:spcBef>
+              <a:buFont typeface="+mj-lt"/>
+              <a:buAutoNum type="arabicPeriod" startAt="4"/>
+              <a:defRPr b="0">
+                <a:solidFill>
+                  <a:srgbClr val="000000"/>
+                </a:solidFill>
+                <a:latin typeface="+mn-lt"/>
+                <a:ea typeface="+mn-ea"/>
+                <a:cs typeface="+mn-cs"/>
+                <a:sym typeface="Source Sans Pro Light"/>
+              </a:defRPr>
+            </a:pPr>
+            <a:r>
+              <a:rPr lang="en-SG" dirty="0">
+                <a:latin typeface="Source Sans Pro"/>
+                <a:ea typeface="Source Sans Pro"/>
+                <a:cs typeface="Source Sans Pro"/>
+                <a:sym typeface="Source Sans Pro"/>
+              </a:rPr>
+              <a:t>Fill in the concentration unit by clicking this button</a:t>
+            </a:r>
+          </a:p>
+        </p:txBody>
+      </p:sp>
+      <p:sp>
+        <p:nvSpPr>
+          <p:cNvPr id="139" name="Where possible, use code that works when run.">
+            <a:extLst>
+              <a:ext uri="{FF2B5EF4-FFF2-40B4-BE49-F238E27FC236}">
+                <a16:creationId xmlns:a16="http://schemas.microsoft.com/office/drawing/2014/main" id="{2412D5AB-FD3C-48A9-907B-C7654FD33EE2}"/>
+              </a:ext>
+            </a:extLst>
+          </p:cNvPr>
+          <p:cNvSpPr txBox="1"/>
+          <p:nvPr/>
+        </p:nvSpPr>
+        <p:spPr>
+          <a:xfrm>
+            <a:off x="10916248" y="6842549"/>
+            <a:ext cx="2894391" cy="442605"/>
+          </a:xfrm>
+          <a:prstGeom prst="rect">
+            <a:avLst/>
+          </a:prstGeom>
+          <a:ln w="12700">
+            <a:miter lim="400000"/>
+          </a:ln>
+          <a:extLst>
+            <a:ext uri="{C572A759-6A51-4108-AA02-DFA0A04FC94B}">
+              <ma14:wrappingTextBoxFlag xmlns:ma14="http://schemas.microsoft.com/office/mac/drawingml/2011/main" xmlns="" val="1"/>
+            </a:ext>
+          </a:extLst>
+        </p:spPr>
+        <p:txBody>
+          <a:bodyPr wrap="square" lIns="54570" tIns="54570" rIns="54570" bIns="54570" anchor="ctr">
+            <a:spAutoFit/>
+          </a:bodyPr>
+          <a:lstStyle/>
+          <a:p>
+            <a:pPr marL="48600">
+              <a:lnSpc>
+                <a:spcPct val="90000"/>
+              </a:lnSpc>
+              <a:spcBef>
+                <a:spcPts val="0"/>
+              </a:spcBef>
+              <a:defRPr b="0">
+                <a:solidFill>
+                  <a:srgbClr val="000000"/>
+                </a:solidFill>
+                <a:latin typeface="+mn-lt"/>
+                <a:ea typeface="+mn-ea"/>
+                <a:cs typeface="+mn-cs"/>
+                <a:sym typeface="Source Sans Pro Light"/>
+              </a:defRPr>
+            </a:pPr>
+            <a:r>
+              <a:rPr lang="en-SG" dirty="0">
+                <a:latin typeface="Source Sans Pro"/>
+                <a:ea typeface="Source Sans Pro"/>
+                <a:cs typeface="Source Sans Pro"/>
+                <a:sym typeface="Source Sans Pro"/>
+              </a:rPr>
+              <a:t>Concentration unit is determined by what is provided in the following columns</a:t>
+            </a:r>
+          </a:p>
+        </p:txBody>
+      </p:sp>
+      <p:sp>
+        <p:nvSpPr>
+          <p:cNvPr id="148" name="Line">
+            <a:extLst>
+              <a:ext uri="{FF2B5EF4-FFF2-40B4-BE49-F238E27FC236}">
+                <a16:creationId xmlns:a16="http://schemas.microsoft.com/office/drawing/2014/main" id="{7E6B30EF-DC8A-47F0-BC9D-0029BAA10612}"/>
+              </a:ext>
+            </a:extLst>
+          </p:cNvPr>
+          <p:cNvSpPr/>
+          <p:nvPr/>
+        </p:nvSpPr>
+        <p:spPr>
+          <a:xfrm>
+            <a:off x="9659761" y="1060800"/>
+            <a:ext cx="16281" cy="4262307"/>
+          </a:xfrm>
+          <a:prstGeom prst="line">
+            <a:avLst/>
+          </a:prstGeom>
+          <a:ln w="3175">
+            <a:solidFill>
+              <a:srgbClr val="767C85"/>
+            </a:solidFill>
+            <a:miter lim="400000"/>
+          </a:ln>
+        </p:spPr>
+        <p:txBody>
+          <a:bodyPr lIns="54570" tIns="54570" rIns="54570" bIns="54570" anchor="ctr"/>
+          <a:lstStyle/>
+          <a:p>
+            <a:pPr>
+              <a:lnSpc>
+                <a:spcPct val="80000"/>
+              </a:lnSpc>
+              <a:spcBef>
+                <a:spcPts val="600"/>
+              </a:spcBef>
+              <a:defRPr b="0">
+                <a:solidFill>
+                  <a:srgbClr val="000000"/>
+                </a:solidFill>
+              </a:defRPr>
+            </a:pPr>
+            <a:endParaRPr/>
+          </a:p>
+        </p:txBody>
+      </p:sp>
+      <p:sp>
+        <p:nvSpPr>
+          <p:cNvPr id="149" name="Line">
+            <a:extLst>
+              <a:ext uri="{FF2B5EF4-FFF2-40B4-BE49-F238E27FC236}">
+                <a16:creationId xmlns:a16="http://schemas.microsoft.com/office/drawing/2014/main" id="{1D23D88B-9D1B-4546-BE2F-1862F38A1851}"/>
+              </a:ext>
+            </a:extLst>
+          </p:cNvPr>
+          <p:cNvSpPr/>
+          <p:nvPr/>
+        </p:nvSpPr>
+        <p:spPr>
+          <a:xfrm>
+            <a:off x="4917524" y="1020997"/>
+            <a:ext cx="6281" cy="9593967"/>
+          </a:xfrm>
+          <a:prstGeom prst="line">
+            <a:avLst/>
+          </a:prstGeom>
+          <a:ln w="3175">
+            <a:solidFill>
+              <a:srgbClr val="767C85"/>
+            </a:solidFill>
+            <a:miter lim="400000"/>
+          </a:ln>
+        </p:spPr>
+        <p:txBody>
+          <a:bodyPr lIns="54570" tIns="54570" rIns="54570" bIns="54570" anchor="ctr"/>
+          <a:lstStyle/>
+          <a:p>
+            <a:pPr>
+              <a:lnSpc>
+                <a:spcPct val="80000"/>
+              </a:lnSpc>
+              <a:spcBef>
+                <a:spcPts val="600"/>
+              </a:spcBef>
+              <a:defRPr b="0">
+                <a:solidFill>
+                  <a:srgbClr val="000000"/>
+                </a:solidFill>
+              </a:defRPr>
+            </a:pPr>
+            <a:endParaRPr/>
+          </a:p>
+        </p:txBody>
+      </p:sp>
+      <p:sp>
+        <p:nvSpPr>
+          <p:cNvPr id="74" name="RStudio® is a trademark of RStudio, Inc.  •  CC BY SA Your Name •  your@email.com  •  844-448-1212 • your.website.com •  Learn more at webpage or vignette   •  package version  0.5.0 •  Updated: 2017-01">
+            <a:extLst>
+              <a:ext uri="{FF2B5EF4-FFF2-40B4-BE49-F238E27FC236}">
+                <a16:creationId xmlns:a16="http://schemas.microsoft.com/office/drawing/2014/main" id="{C15179CE-25E4-4B1E-B173-BDD05D9EB977}"/>
+              </a:ext>
+            </a:extLst>
+          </p:cNvPr>
+          <p:cNvSpPr txBox="1"/>
+          <p:nvPr/>
+        </p:nvSpPr>
+        <p:spPr>
+          <a:xfrm>
+            <a:off x="12440394" y="10441191"/>
+            <a:ext cx="1379964" cy="234855"/>
+          </a:xfrm>
+          <a:prstGeom prst="rect">
+            <a:avLst/>
+          </a:prstGeom>
+          <a:ln w="12700">
+            <a:miter lim="400000"/>
+          </a:ln>
+          <a:extLst>
+            <a:ext uri="{C572A759-6A51-4108-AA02-DFA0A04FC94B}">
+              <ma14:wrappingTextBoxFlag xmlns:ma14="http://schemas.microsoft.com/office/mac/drawingml/2011/main" xmlns="" val="1"/>
+            </a:ext>
+          </a:extLst>
+        </p:spPr>
+        <p:txBody>
+          <a:bodyPr wrap="square" lIns="54570" tIns="54570" rIns="54570" bIns="54570" anchor="ctr">
+            <a:spAutoFit/>
+          </a:bodyPr>
+          <a:lstStyle/>
+          <a:p>
+            <a:pPr algn="r">
+              <a:lnSpc>
+                <a:spcPct val="90000"/>
+              </a:lnSpc>
+              <a:spcBef>
+                <a:spcPts val="0"/>
+              </a:spcBef>
+              <a:defRPr sz="900" b="0">
+                <a:solidFill>
+                  <a:srgbClr val="000000"/>
+                </a:solidFill>
+              </a:defRPr>
+            </a:pPr>
+            <a:r>
+              <a:rPr dirty="0"/>
+              <a:t>Updated: 20</a:t>
+            </a:r>
+            <a:r>
+              <a:rPr lang="en-SG" dirty="0"/>
+              <a:t>21</a:t>
+            </a:r>
+            <a:r>
+              <a:rPr dirty="0"/>
+              <a:t>-0</a:t>
+            </a:r>
+            <a:r>
+              <a:rPr lang="en-SG" dirty="0"/>
+              <a:t>4</a:t>
+            </a:r>
+            <a:endParaRPr dirty="0"/>
+          </a:p>
+        </p:txBody>
+      </p:sp>
+      <p:sp>
+        <p:nvSpPr>
+          <p:cNvPr id="76" name="Where possible, use code that works when run.">
+            <a:extLst>
+              <a:ext uri="{FF2B5EF4-FFF2-40B4-BE49-F238E27FC236}">
+                <a16:creationId xmlns:a16="http://schemas.microsoft.com/office/drawing/2014/main" id="{B99A2C83-7FEE-4369-9089-E8BDF3EC2444}"/>
+              </a:ext>
+            </a:extLst>
+          </p:cNvPr>
+          <p:cNvSpPr txBox="1"/>
+          <p:nvPr/>
+        </p:nvSpPr>
+        <p:spPr>
+          <a:xfrm>
+            <a:off x="7832222" y="6965480"/>
+            <a:ext cx="2727623" cy="442605"/>
+          </a:xfrm>
+          <a:prstGeom prst="rect">
+            <a:avLst/>
+          </a:prstGeom>
+          <a:ln w="12700">
+            <a:miter lim="400000"/>
+          </a:ln>
+          <a:extLst>
+            <a:ext uri="{C572A759-6A51-4108-AA02-DFA0A04FC94B}">
+              <ma14:wrappingTextBoxFlag xmlns:ma14="http://schemas.microsoft.com/office/mac/drawingml/2011/main" xmlns="" val="1"/>
             </a:ext>
           </a:extLst>
         </p:spPr>
@@ -6346,7 +7017,23 @@
                 <a:ea typeface="Source Sans Pro" panose="020B0503030403020204" pitchFamily="34" charset="0"/>
                 <a:sym typeface="Source Sans Pro Light"/>
               </a:rPr>
-              <a:t>Choose your sample amount unit</a:t>
+              <a:t>For </a:t>
+            </a:r>
+            <a:r>
+              <a:rPr lang="en-SG" b="0" dirty="0" err="1">
+                <a:latin typeface="Source Sans Pro" panose="020B0503030403020204" pitchFamily="34" charset="0"/>
+                <a:ea typeface="Source Sans Pro" panose="020B0503030403020204" pitchFamily="34" charset="0"/>
+                <a:sym typeface="Source Sans Pro Light"/>
+              </a:rPr>
+              <a:t>Sample_Type</a:t>
+            </a:r>
+            <a:r>
+              <a:rPr lang="en-SG" b="0" dirty="0">
+                <a:latin typeface="Source Sans Pro" panose="020B0503030403020204" pitchFamily="34" charset="0"/>
+                <a:ea typeface="Source Sans Pro" panose="020B0503030403020204" pitchFamily="34" charset="0"/>
+                <a:sym typeface="Source Sans Pro Light"/>
+              </a:rPr>
+              <a:t> with consistent values, click on this button</a:t>
             </a:r>
             <a:endParaRPr lang="en-SG" dirty="0">
               <a:latin typeface="Source Sans Pro" panose="020B0503030403020204" pitchFamily="34" charset="0"/>
@@ -6356,329 +7043,16 @@
           </a:p>
         </p:txBody>
       </p:sp>
-      <p:sp>
-        <p:nvSpPr>
-          <p:cNvPr id="112" name="Where possible, use code that works when run.">
+      <p:pic>
+        <p:nvPicPr>
+          <p:cNvPr id="77" name="Picture 76">
             <a:extLst>
               <a:ext uri="{FF2B5EF4-FFF2-40B4-BE49-F238E27FC236}">
-                <a16:creationId xmlns:a16="http://schemas.microsoft.com/office/drawing/2014/main" id="{C2BCB013-E329-453A-B40D-90925FCB2223}"/>
+                <a16:creationId xmlns:a16="http://schemas.microsoft.com/office/drawing/2014/main" id="{922543C2-6FFD-4F7E-AC8A-1BE0D7BD9EF9}"/>
               </a:ext>
             </a:extLst>
           </p:cNvPr>
-          <p:cNvSpPr txBox="1"/>
-          <p:nvPr/>
-        </p:nvSpPr>
-        <p:spPr>
-          <a:xfrm>
-            <a:off x="4962068" y="6089224"/>
-            <a:ext cx="2609646" cy="442605"/>
-          </a:xfrm>
-          <a:prstGeom prst="rect">
-            <a:avLst/>
-          </a:prstGeom>
-          <a:ln w="12700">
-            <a:miter lim="400000"/>
-          </a:ln>
-          <a:extLst>
-            <a:ext uri="{C572A759-6A51-4108-AA02-DFA0A04FC94B}">
-              <ma14:wrappingTextBoxFlag xmlns="" xmlns:ma14="http://schemas.microsoft.com/office/mac/drawingml/2011/main" val="1"/>
-            </a:ext>
-          </a:extLst>
-        </p:spPr>
-        <p:txBody>
-          <a:bodyPr wrap="square" lIns="54570" tIns="54570" rIns="54570" bIns="54570" anchor="ctr">
-            <a:spAutoFit/>
-          </a:bodyPr>
-          <a:lstStyle/>
-          <a:p>
-            <a:pPr marL="228600" indent="-180000">
-              <a:lnSpc>
-                <a:spcPct val="90000"/>
-              </a:lnSpc>
-              <a:spcBef>
-                <a:spcPts val="0"/>
-              </a:spcBef>
-              <a:buFont typeface="+mj-lt"/>
-              <a:buAutoNum type="arabicPeriod"/>
-              <a:defRPr b="0">
-                <a:solidFill>
-                  <a:srgbClr val="000000"/>
-                </a:solidFill>
-                <a:latin typeface="+mn-lt"/>
-                <a:ea typeface="+mn-ea"/>
-                <a:cs typeface="+mn-cs"/>
-                <a:sym typeface="Source Sans Pro Light"/>
-              </a:defRPr>
-            </a:pPr>
-            <a:r>
-              <a:rPr lang="en-SG" dirty="0">
-                <a:latin typeface="Source Sans Pro"/>
-                <a:ea typeface="Source Sans Pro"/>
-                <a:cs typeface="Source Sans Pro"/>
-                <a:sym typeface="Source Sans Pro"/>
-              </a:rPr>
-              <a:t>Click on the button below to create a new sample annotation</a:t>
-            </a:r>
-            <a:endParaRPr dirty="0">
-              <a:latin typeface="Source Sans Pro"/>
-              <a:ea typeface="Source Sans Pro"/>
-              <a:cs typeface="Source Sans Pro"/>
-              <a:sym typeface="Source Sans Pro"/>
-            </a:endParaRPr>
-          </a:p>
-        </p:txBody>
-      </p:sp>
-      <p:pic>
-        <p:nvPicPr>
-          <p:cNvPr id="33" name="Picture 32">
-            <a:extLst>
-              <a:ext uri="{FF2B5EF4-FFF2-40B4-BE49-F238E27FC236}">
-                <a16:creationId xmlns:a16="http://schemas.microsoft.com/office/drawing/2014/main" id="{32D3D3E0-EF44-46BF-B8B5-91BC8831CFFD}"/>
-              </a:ext>
-            </a:extLst>
-          </p:cNvPr>
-          <p:cNvPicPr>
-            <a:picLocks noChangeAspect="1"/>
-          </p:cNvPicPr>
-          <p:nvPr/>
-        </p:nvPicPr>
-        <p:blipFill>
-          <a:blip r:embed="rId19"/>
-          <a:stretch>
-            <a:fillRect/>
-          </a:stretch>
-        </p:blipFill>
-        <p:spPr>
-          <a:xfrm>
-            <a:off x="5208887" y="6526170"/>
-            <a:ext cx="2012115" cy="292262"/>
-          </a:xfrm>
-          <a:prstGeom prst="rect">
-            <a:avLst/>
-          </a:prstGeom>
-        </p:spPr>
-      </p:pic>
-      <p:pic>
-        <p:nvPicPr>
-          <p:cNvPr id="34" name="Picture 33">
-            <a:extLst>
-              <a:ext uri="{FF2B5EF4-FFF2-40B4-BE49-F238E27FC236}">
-                <a16:creationId xmlns:a16="http://schemas.microsoft.com/office/drawing/2014/main" id="{BFDD2629-B111-4201-8455-3EFCAF49ED9F}"/>
-              </a:ext>
-            </a:extLst>
-          </p:cNvPr>
-          <p:cNvPicPr>
-            <a:picLocks noChangeAspect="1"/>
-          </p:cNvPicPr>
-          <p:nvPr/>
-        </p:nvPicPr>
-        <p:blipFill>
-          <a:blip r:embed="rId20"/>
-          <a:stretch>
-            <a:fillRect/>
-          </a:stretch>
-        </p:blipFill>
-        <p:spPr>
-          <a:xfrm>
-            <a:off x="5224400" y="6846792"/>
-            <a:ext cx="2006492" cy="292262"/>
-          </a:xfrm>
-          <a:prstGeom prst="rect">
-            <a:avLst/>
-          </a:prstGeom>
-        </p:spPr>
-      </p:pic>
-      <p:pic>
-        <p:nvPicPr>
-          <p:cNvPr id="35" name="Picture 34">
-            <a:extLst>
-              <a:ext uri="{FF2B5EF4-FFF2-40B4-BE49-F238E27FC236}">
-                <a16:creationId xmlns:a16="http://schemas.microsoft.com/office/drawing/2014/main" id="{7E1D34C7-C162-467D-9E25-102B8EA6C8B4}"/>
-              </a:ext>
-            </a:extLst>
-          </p:cNvPr>
-          <p:cNvPicPr>
-            <a:picLocks noChangeAspect="1"/>
-          </p:cNvPicPr>
-          <p:nvPr/>
-        </p:nvPicPr>
-        <p:blipFill>
-          <a:blip r:embed="rId21"/>
-          <a:stretch>
-            <a:fillRect/>
-          </a:stretch>
-        </p:blipFill>
-        <p:spPr>
-          <a:xfrm>
-            <a:off x="5102103" y="7262048"/>
-            <a:ext cx="2408585" cy="696180"/>
-          </a:xfrm>
-          <a:prstGeom prst="rect">
-            <a:avLst/>
-          </a:prstGeom>
-        </p:spPr>
-      </p:pic>
-      <p:pic>
-        <p:nvPicPr>
-          <p:cNvPr id="36" name="Picture 35">
-            <a:extLst>
-              <a:ext uri="{FF2B5EF4-FFF2-40B4-BE49-F238E27FC236}">
-                <a16:creationId xmlns:a16="http://schemas.microsoft.com/office/drawing/2014/main" id="{01BAD46D-F62B-43A8-B6A6-55E211245159}"/>
-              </a:ext>
-            </a:extLst>
-          </p:cNvPr>
-          <p:cNvPicPr>
-            <a:picLocks noChangeAspect="1"/>
-          </p:cNvPicPr>
-          <p:nvPr/>
-        </p:nvPicPr>
-        <p:blipFill>
-          <a:blip r:embed="rId22"/>
-          <a:stretch>
-            <a:fillRect/>
-          </a:stretch>
-        </p:blipFill>
-        <p:spPr>
-          <a:xfrm>
-            <a:off x="7664944" y="6520216"/>
-            <a:ext cx="2805524" cy="394981"/>
-          </a:xfrm>
-          <a:prstGeom prst="rect">
-            <a:avLst/>
-          </a:prstGeom>
-        </p:spPr>
-      </p:pic>
-      <p:pic>
-        <p:nvPicPr>
-          <p:cNvPr id="37" name="Picture 36">
-            <a:extLst>
-              <a:ext uri="{FF2B5EF4-FFF2-40B4-BE49-F238E27FC236}">
-                <a16:creationId xmlns:a16="http://schemas.microsoft.com/office/drawing/2014/main" id="{8A9EF12C-22F8-4DA8-91F5-3781D5B1BA64}"/>
-              </a:ext>
-            </a:extLst>
-          </p:cNvPr>
-          <p:cNvPicPr>
-            <a:picLocks noChangeAspect="1"/>
-          </p:cNvPicPr>
-          <p:nvPr/>
-        </p:nvPicPr>
-        <p:blipFill>
-          <a:blip r:embed="rId23"/>
-          <a:stretch>
-            <a:fillRect/>
-          </a:stretch>
-        </p:blipFill>
-        <p:spPr>
-          <a:xfrm>
-            <a:off x="8525786" y="7243995"/>
-            <a:ext cx="959885" cy="696180"/>
-          </a:xfrm>
-          <a:prstGeom prst="rect">
-            <a:avLst/>
-          </a:prstGeom>
-        </p:spPr>
-      </p:pic>
-      <p:pic>
-        <p:nvPicPr>
-          <p:cNvPr id="38" name="Picture 37">
-            <a:extLst>
-              <a:ext uri="{FF2B5EF4-FFF2-40B4-BE49-F238E27FC236}">
-                <a16:creationId xmlns:a16="http://schemas.microsoft.com/office/drawing/2014/main" id="{9D911DE8-C557-4FEA-8E9B-D4CE8C2615AB}"/>
-              </a:ext>
-            </a:extLst>
-          </p:cNvPr>
-          <p:cNvPicPr>
-            <a:picLocks noChangeAspect="1"/>
-          </p:cNvPicPr>
-          <p:nvPr/>
-        </p:nvPicPr>
-        <p:blipFill>
-          <a:blip r:embed="rId24"/>
-          <a:stretch>
-            <a:fillRect/>
-          </a:stretch>
-        </p:blipFill>
-        <p:spPr>
-          <a:xfrm>
-            <a:off x="8329819" y="8497561"/>
-            <a:ext cx="1545455" cy="319102"/>
-          </a:xfrm>
-          <a:prstGeom prst="rect">
-            <a:avLst/>
-          </a:prstGeom>
-        </p:spPr>
-      </p:pic>
-      <p:pic>
-        <p:nvPicPr>
-          <p:cNvPr id="136" name="Picture 135">
-            <a:extLst>
-              <a:ext uri="{FF2B5EF4-FFF2-40B4-BE49-F238E27FC236}">
-                <a16:creationId xmlns:a16="http://schemas.microsoft.com/office/drawing/2014/main" id="{DA8F1BBC-8A06-4DE7-B662-E7978BBD967E}"/>
-              </a:ext>
-            </a:extLst>
-          </p:cNvPr>
-          <p:cNvPicPr>
-            <a:picLocks noChangeAspect="1"/>
-          </p:cNvPicPr>
-          <p:nvPr/>
-        </p:nvPicPr>
-        <p:blipFill rotWithShape="1">
-          <a:blip r:embed="rId25"/>
-          <a:srcRect l="61866"/>
-          <a:stretch/>
-        </p:blipFill>
-        <p:spPr>
-          <a:xfrm>
-            <a:off x="9192478" y="9469915"/>
-            <a:ext cx="1221182" cy="396844"/>
-          </a:xfrm>
-          <a:prstGeom prst="rect">
-            <a:avLst/>
-          </a:prstGeom>
-        </p:spPr>
-      </p:pic>
-      <p:pic>
-        <p:nvPicPr>
-          <p:cNvPr id="40" name="Picture 39">
-            <a:extLst>
-              <a:ext uri="{FF2B5EF4-FFF2-40B4-BE49-F238E27FC236}">
-                <a16:creationId xmlns:a16="http://schemas.microsoft.com/office/drawing/2014/main" id="{7F1947FC-B18B-446E-A980-04EA0D7C5461}"/>
-              </a:ext>
-            </a:extLst>
-          </p:cNvPr>
-          <p:cNvPicPr>
-            <a:picLocks noChangeAspect="1"/>
-          </p:cNvPicPr>
-          <p:nvPr/>
-        </p:nvPicPr>
-        <p:blipFill>
-          <a:blip r:embed="rId26"/>
-          <a:stretch>
-            <a:fillRect/>
-          </a:stretch>
-        </p:blipFill>
-        <p:spPr>
-          <a:xfrm>
-            <a:off x="7860139" y="9343554"/>
-            <a:ext cx="1059118" cy="333426"/>
-          </a:xfrm>
-          <a:prstGeom prst="rect">
-            <a:avLst/>
-          </a:prstGeom>
-        </p:spPr>
-      </p:pic>
-      <p:pic>
-        <p:nvPicPr>
-          <p:cNvPr id="42" name="Picture 41">
-            <a:extLst>
-              <a:ext uri="{FF2B5EF4-FFF2-40B4-BE49-F238E27FC236}">
-                <a16:creationId xmlns:a16="http://schemas.microsoft.com/office/drawing/2014/main" id="{0683363D-2BF3-496B-A036-9306E28A2CE7}"/>
-              </a:ext>
-            </a:extLst>
-          </p:cNvPr>
-          <p:cNvPicPr>
-            <a:picLocks noChangeAspect="1"/>
-          </p:cNvPicPr>
+          <p:cNvPicPr/>
           <p:nvPr/>
         </p:nvPicPr>
         <p:blipFill>
@@ -6689,356 +7063,24 @@
         </p:blipFill>
         <p:spPr>
           <a:xfrm>
-            <a:off x="7844149" y="9761283"/>
-            <a:ext cx="1075108" cy="327777"/>
+            <a:off x="8421734" y="7394957"/>
+            <a:ext cx="1261880" cy="230344"/>
           </a:xfrm>
           <a:prstGeom prst="rect">
             <a:avLst/>
           </a:prstGeom>
         </p:spPr>
       </p:pic>
-      <p:sp>
-        <p:nvSpPr>
-          <p:cNvPr id="137" name="Where possible, use code that works when run.">
+      <p:pic>
+        <p:nvPicPr>
+          <p:cNvPr id="80" name="Picture 79">
             <a:extLst>
               <a:ext uri="{FF2B5EF4-FFF2-40B4-BE49-F238E27FC236}">
-                <a16:creationId xmlns:a16="http://schemas.microsoft.com/office/drawing/2014/main" id="{5073F9E3-9586-4BF0-97CD-B34ED37D236A}"/>
+                <a16:creationId xmlns:a16="http://schemas.microsoft.com/office/drawing/2014/main" id="{C454CBBA-B3BD-48FA-BA94-1DC4BD2C1B60}"/>
               </a:ext>
             </a:extLst>
           </p:cNvPr>
-          <p:cNvSpPr txBox="1"/>
-          <p:nvPr/>
-        </p:nvSpPr>
-        <p:spPr>
-          <a:xfrm>
-            <a:off x="7576077" y="6085632"/>
-            <a:ext cx="2894391" cy="442605"/>
-          </a:xfrm>
-          <a:prstGeom prst="rect">
-            <a:avLst/>
-          </a:prstGeom>
-          <a:ln w="12700">
-            <a:miter lim="400000"/>
-          </a:ln>
-          <a:extLst>
-            <a:ext uri="{C572A759-6A51-4108-AA02-DFA0A04FC94B}">
-              <ma14:wrappingTextBoxFlag xmlns="" xmlns:ma14="http://schemas.microsoft.com/office/mac/drawingml/2011/main" val="1"/>
-            </a:ext>
-          </a:extLst>
-        </p:spPr>
-        <p:txBody>
-          <a:bodyPr wrap="square" lIns="54570" tIns="54570" rIns="54570" bIns="54570" anchor="ctr">
-            <a:spAutoFit/>
-          </a:bodyPr>
-          <a:lstStyle/>
-          <a:p>
-            <a:pPr marL="277200" indent="-228600">
-              <a:lnSpc>
-                <a:spcPct val="90000"/>
-              </a:lnSpc>
-              <a:spcBef>
-                <a:spcPts val="0"/>
-              </a:spcBef>
-              <a:buFont typeface="+mj-lt"/>
-              <a:buAutoNum type="arabicPeriod" startAt="3"/>
-              <a:defRPr b="0">
-                <a:solidFill>
-                  <a:srgbClr val="000000"/>
-                </a:solidFill>
-                <a:latin typeface="+mn-lt"/>
-                <a:ea typeface="+mn-ea"/>
-                <a:cs typeface="+mn-cs"/>
-                <a:sym typeface="Source Sans Pro Light"/>
-              </a:defRPr>
-            </a:pPr>
-            <a:r>
-              <a:rPr lang="en-SG" dirty="0">
-                <a:latin typeface="Source Sans Pro"/>
-                <a:ea typeface="Source Sans Pro"/>
-                <a:cs typeface="Source Sans Pro"/>
-                <a:sym typeface="Source Sans Pro"/>
-              </a:rPr>
-              <a:t>Fill in the sample amount, unit and ISTD mixture volume</a:t>
-            </a:r>
-          </a:p>
-        </p:txBody>
-      </p:sp>
-      <p:sp>
-        <p:nvSpPr>
-          <p:cNvPr id="138" name="Where possible, use code that works when run.">
-            <a:extLst>
-              <a:ext uri="{FF2B5EF4-FFF2-40B4-BE49-F238E27FC236}">
-                <a16:creationId xmlns:a16="http://schemas.microsoft.com/office/drawing/2014/main" id="{CC1A34F4-41C7-4E21-9EBA-5198A3B61CEB}"/>
-              </a:ext>
-            </a:extLst>
-          </p:cNvPr>
-          <p:cNvSpPr txBox="1"/>
-          <p:nvPr/>
-        </p:nvSpPr>
-        <p:spPr>
-          <a:xfrm>
-            <a:off x="7524078" y="8067397"/>
-            <a:ext cx="2894391" cy="442605"/>
-          </a:xfrm>
-          <a:prstGeom prst="rect">
-            <a:avLst/>
-          </a:prstGeom>
-          <a:ln w="12700">
-            <a:miter lim="400000"/>
-          </a:ln>
-          <a:extLst>
-            <a:ext uri="{C572A759-6A51-4108-AA02-DFA0A04FC94B}">
-              <ma14:wrappingTextBoxFlag xmlns="" xmlns:ma14="http://schemas.microsoft.com/office/mac/drawingml/2011/main" val="1"/>
-            </a:ext>
-          </a:extLst>
-        </p:spPr>
-        <p:txBody>
-          <a:bodyPr wrap="square" lIns="54570" tIns="54570" rIns="54570" bIns="54570" anchor="ctr">
-            <a:spAutoFit/>
-          </a:bodyPr>
-          <a:lstStyle/>
-          <a:p>
-            <a:pPr marL="277200" indent="-228600">
-              <a:lnSpc>
-                <a:spcPct val="90000"/>
-              </a:lnSpc>
-              <a:spcBef>
-                <a:spcPts val="0"/>
-              </a:spcBef>
-              <a:buFont typeface="+mj-lt"/>
-              <a:buAutoNum type="arabicPeriod" startAt="4"/>
-              <a:defRPr b="0">
-                <a:solidFill>
-                  <a:srgbClr val="000000"/>
-                </a:solidFill>
-                <a:latin typeface="+mn-lt"/>
-                <a:ea typeface="+mn-ea"/>
-                <a:cs typeface="+mn-cs"/>
-                <a:sym typeface="Source Sans Pro Light"/>
-              </a:defRPr>
-            </a:pPr>
-            <a:r>
-              <a:rPr lang="en-SG" dirty="0">
-                <a:latin typeface="Source Sans Pro"/>
-                <a:ea typeface="Source Sans Pro"/>
-                <a:cs typeface="Source Sans Pro"/>
-                <a:sym typeface="Source Sans Pro"/>
-              </a:rPr>
-              <a:t>Fill in the concentration unit by clicking this button</a:t>
-            </a:r>
-          </a:p>
-        </p:txBody>
-      </p:sp>
-      <p:sp>
-        <p:nvSpPr>
-          <p:cNvPr id="139" name="Where possible, use code that works when run.">
-            <a:extLst>
-              <a:ext uri="{FF2B5EF4-FFF2-40B4-BE49-F238E27FC236}">
-                <a16:creationId xmlns:a16="http://schemas.microsoft.com/office/drawing/2014/main" id="{2412D5AB-FD3C-48A9-907B-C7654FD33EE2}"/>
-              </a:ext>
-            </a:extLst>
-          </p:cNvPr>
-          <p:cNvSpPr txBox="1"/>
-          <p:nvPr/>
-        </p:nvSpPr>
-        <p:spPr>
-          <a:xfrm>
-            <a:off x="7655350" y="8824314"/>
-            <a:ext cx="2894391" cy="442605"/>
-          </a:xfrm>
-          <a:prstGeom prst="rect">
-            <a:avLst/>
-          </a:prstGeom>
-          <a:ln w="12700">
-            <a:miter lim="400000"/>
-          </a:ln>
-          <a:extLst>
-            <a:ext uri="{C572A759-6A51-4108-AA02-DFA0A04FC94B}">
-              <ma14:wrappingTextBoxFlag xmlns="" xmlns:ma14="http://schemas.microsoft.com/office/mac/drawingml/2011/main" val="1"/>
-            </a:ext>
-          </a:extLst>
-        </p:spPr>
-        <p:txBody>
-          <a:bodyPr wrap="square" lIns="54570" tIns="54570" rIns="54570" bIns="54570" anchor="ctr">
-            <a:spAutoFit/>
-          </a:bodyPr>
-          <a:lstStyle/>
-          <a:p>
-            <a:pPr marL="48600">
-              <a:lnSpc>
-                <a:spcPct val="90000"/>
-              </a:lnSpc>
-              <a:spcBef>
-                <a:spcPts val="0"/>
-              </a:spcBef>
-              <a:defRPr b="0">
-                <a:solidFill>
-                  <a:srgbClr val="000000"/>
-                </a:solidFill>
-                <a:latin typeface="+mn-lt"/>
-                <a:ea typeface="+mn-ea"/>
-                <a:cs typeface="+mn-cs"/>
-                <a:sym typeface="Source Sans Pro Light"/>
-              </a:defRPr>
-            </a:pPr>
-            <a:r>
-              <a:rPr lang="en-SG" dirty="0">
-                <a:latin typeface="Source Sans Pro"/>
-                <a:ea typeface="Source Sans Pro"/>
-                <a:cs typeface="Source Sans Pro"/>
-                <a:sym typeface="Source Sans Pro"/>
-              </a:rPr>
-              <a:t>Concentration unit is determined by what is provided in the following columns</a:t>
-            </a:r>
-          </a:p>
-        </p:txBody>
-      </p:sp>
-      <p:sp>
-        <p:nvSpPr>
-          <p:cNvPr id="141" name="CODE">
-            <a:extLst>
-              <a:ext uri="{FF2B5EF4-FFF2-40B4-BE49-F238E27FC236}">
-                <a16:creationId xmlns:a16="http://schemas.microsoft.com/office/drawing/2014/main" id="{9BF075B3-C7A4-4B59-BC41-6F16715C7658}"/>
-              </a:ext>
-            </a:extLst>
-          </p:cNvPr>
-          <p:cNvSpPr txBox="1"/>
-          <p:nvPr/>
-        </p:nvSpPr>
-        <p:spPr>
-          <a:xfrm>
-            <a:off x="10603883" y="5752227"/>
-            <a:ext cx="4429270" cy="210314"/>
-          </a:xfrm>
-          <a:prstGeom prst="rect">
-            <a:avLst/>
-          </a:prstGeom>
-          <a:ln w="12700">
-            <a:miter lim="400000"/>
-          </a:ln>
-          <a:extLst>
-            <a:ext uri="{C572A759-6A51-4108-AA02-DFA0A04FC94B}">
-              <ma14:wrappingTextBoxFlag xmlns="" xmlns:ma14="http://schemas.microsoft.com/office/mac/drawingml/2011/main" val="1"/>
-            </a:ext>
-          </a:extLst>
-        </p:spPr>
-        <p:txBody>
-          <a:bodyPr wrap="square" lIns="12700" tIns="12700" rIns="12700" bIns="12700" anchor="ctr">
-            <a:spAutoFit/>
-          </a:bodyPr>
-          <a:lstStyle/>
-          <a:p>
-            <a:pPr marL="48600">
-              <a:spcBef>
-                <a:spcPts val="0"/>
-              </a:spcBef>
-            </a:pPr>
-            <a:r>
-              <a:rPr lang="en-SG" dirty="0"/>
-              <a:t>Merging with an existing sample annotation file</a:t>
-            </a:r>
-            <a:endParaRPr dirty="0"/>
-          </a:p>
-        </p:txBody>
-      </p:sp>
-      <p:sp>
-        <p:nvSpPr>
-          <p:cNvPr id="142" name="Where possible, use code that works when run.">
-            <a:extLst>
-              <a:ext uri="{FF2B5EF4-FFF2-40B4-BE49-F238E27FC236}">
-                <a16:creationId xmlns:a16="http://schemas.microsoft.com/office/drawing/2014/main" id="{3FFC9BB6-844F-4D3C-98AC-46505BFD064E}"/>
-              </a:ext>
-            </a:extLst>
-          </p:cNvPr>
-          <p:cNvSpPr txBox="1"/>
-          <p:nvPr/>
-        </p:nvSpPr>
-        <p:spPr>
-          <a:xfrm>
-            <a:off x="10636031" y="6125666"/>
-            <a:ext cx="3261703" cy="276405"/>
-          </a:xfrm>
-          <a:prstGeom prst="rect">
-            <a:avLst/>
-          </a:prstGeom>
-          <a:ln w="12700">
-            <a:miter lim="400000"/>
-          </a:ln>
-          <a:extLst>
-            <a:ext uri="{C572A759-6A51-4108-AA02-DFA0A04FC94B}">
-              <ma14:wrappingTextBoxFlag xmlns="" xmlns:ma14="http://schemas.microsoft.com/office/mac/drawingml/2011/main" val="1"/>
-            </a:ext>
-          </a:extLst>
-        </p:spPr>
-        <p:txBody>
-          <a:bodyPr wrap="square" lIns="54570" tIns="54570" rIns="54570" bIns="54570" anchor="ctr">
-            <a:spAutoFit/>
-          </a:bodyPr>
-          <a:lstStyle/>
-          <a:p>
-            <a:pPr marL="228600" indent="-180000">
-              <a:lnSpc>
-                <a:spcPct val="90000"/>
-              </a:lnSpc>
-              <a:spcBef>
-                <a:spcPts val="0"/>
-              </a:spcBef>
-              <a:buFont typeface="+mj-lt"/>
-              <a:buAutoNum type="arabicPeriod"/>
-              <a:defRPr b="0">
-                <a:solidFill>
-                  <a:srgbClr val="000000"/>
-                </a:solidFill>
-                <a:latin typeface="+mn-lt"/>
-                <a:ea typeface="+mn-ea"/>
-                <a:cs typeface="+mn-cs"/>
-                <a:sym typeface="Source Sans Pro Light"/>
-              </a:defRPr>
-            </a:pPr>
-            <a:r>
-              <a:rPr lang="en-SG" dirty="0">
-                <a:latin typeface="Source Sans Pro" panose="020B0503030403020204" pitchFamily="34" charset="0"/>
-                <a:ea typeface="Source Sans Pro" panose="020B0503030403020204" pitchFamily="34" charset="0"/>
-              </a:rPr>
-              <a:t>Insert MRM data and sample </a:t>
-            </a:r>
-            <a:r>
-              <a:rPr lang="en-SG" dirty="0">
-                <a:solidFill>
-                  <a:srgbClr val="000000"/>
-                </a:solidFill>
-                <a:latin typeface="Source Sans Pro" panose="020B0503030403020204" pitchFamily="34" charset="0"/>
-                <a:ea typeface="Source Sans Pro" panose="020B0503030403020204" pitchFamily="34" charset="0"/>
-              </a:rPr>
-              <a:t>annotation</a:t>
-            </a:r>
-            <a:r>
-              <a:rPr lang="en-SG" dirty="0">
-                <a:latin typeface="Source Sans Pro" panose="020B0503030403020204" pitchFamily="34" charset="0"/>
-                <a:ea typeface="Source Sans Pro" panose="020B0503030403020204" pitchFamily="34" charset="0"/>
-              </a:rPr>
-              <a:t> file</a:t>
-            </a:r>
-            <a:endParaRPr dirty="0">
-              <a:latin typeface="Source Sans Pro" panose="020B0503030403020204" pitchFamily="34" charset="0"/>
-              <a:ea typeface="Source Sans Pro" panose="020B0503030403020204" pitchFamily="34" charset="0"/>
-              <a:sym typeface="Source Sans Pro"/>
-            </a:endParaRPr>
-          </a:p>
-        </p:txBody>
-      </p:sp>
-      <p:pic>
-        <p:nvPicPr>
-          <p:cNvPr id="143" name="Picture 142">
-            <a:extLst>
-              <a:ext uri="{FF2B5EF4-FFF2-40B4-BE49-F238E27FC236}">
-                <a16:creationId xmlns:a16="http://schemas.microsoft.com/office/drawing/2014/main" id="{1121BCBA-AE5E-4E29-A27A-791AD45AFEFD}"/>
-              </a:ext>
-            </a:extLst>
-          </p:cNvPr>
-          <p:cNvPicPr>
-            <a:picLocks noChangeAspect="1"/>
-          </p:cNvPicPr>
+          <p:cNvPicPr/>
           <p:nvPr/>
         </p:nvPicPr>
         <p:blipFill>
@@ -7049,89 +7091,20 @@
         </p:blipFill>
         <p:spPr>
           <a:xfrm>
-            <a:off x="11014538" y="6448273"/>
-            <a:ext cx="2418197" cy="975541"/>
+            <a:off x="7977778" y="8097304"/>
+            <a:ext cx="2213847" cy="1266616"/>
           </a:xfrm>
           <a:prstGeom prst="rect">
             <a:avLst/>
           </a:prstGeom>
         </p:spPr>
       </p:pic>
-      <p:sp>
-        <p:nvSpPr>
-          <p:cNvPr id="144" name="Where possible, use code that works when run.">
+      <p:pic>
+        <p:nvPicPr>
+          <p:cNvPr id="4" name="Picture 3">
             <a:extLst>
               <a:ext uri="{FF2B5EF4-FFF2-40B4-BE49-F238E27FC236}">
-                <a16:creationId xmlns:a16="http://schemas.microsoft.com/office/drawing/2014/main" id="{68101527-C3EC-48E4-A2BF-9FF7292B09DE}"/>
-              </a:ext>
-            </a:extLst>
-          </p:cNvPr>
-          <p:cNvSpPr txBox="1"/>
-          <p:nvPr/>
-        </p:nvSpPr>
-        <p:spPr>
-          <a:xfrm>
-            <a:off x="10647907" y="7487378"/>
-            <a:ext cx="3261703" cy="276405"/>
-          </a:xfrm>
-          <a:prstGeom prst="rect">
-            <a:avLst/>
-          </a:prstGeom>
-          <a:ln w="12700">
-            <a:miter lim="400000"/>
-          </a:ln>
-          <a:extLst>
-            <a:ext uri="{C572A759-6A51-4108-AA02-DFA0A04FC94B}">
-              <ma14:wrappingTextBoxFlag xmlns="" xmlns:ma14="http://schemas.microsoft.com/office/mac/drawingml/2011/main" val="1"/>
-            </a:ext>
-          </a:extLst>
-        </p:spPr>
-        <p:txBody>
-          <a:bodyPr wrap="square" lIns="54570" tIns="54570" rIns="54570" bIns="54570" anchor="ctr">
-            <a:spAutoFit/>
-          </a:bodyPr>
-          <a:lstStyle/>
-          <a:p>
-            <a:pPr marL="228600" indent="-180000">
-              <a:lnSpc>
-                <a:spcPct val="90000"/>
-              </a:lnSpc>
-              <a:spcBef>
-                <a:spcPts val="0"/>
-              </a:spcBef>
-              <a:buFont typeface="+mj-lt"/>
-              <a:buAutoNum type="arabicPeriod" startAt="2"/>
-              <a:defRPr b="0">
-                <a:solidFill>
-                  <a:srgbClr val="000000"/>
-                </a:solidFill>
-                <a:latin typeface="+mn-lt"/>
-                <a:ea typeface="+mn-ea"/>
-                <a:cs typeface="+mn-cs"/>
-                <a:sym typeface="Source Sans Pro Light"/>
-              </a:defRPr>
-            </a:pPr>
-            <a:r>
-              <a:rPr lang="en-SG" dirty="0">
-                <a:latin typeface="Source Sans Pro" panose="020B0503030403020204" pitchFamily="34" charset="0"/>
-                <a:ea typeface="Source Sans Pro" panose="020B0503030403020204" pitchFamily="34" charset="0"/>
-              </a:rPr>
-              <a:t>Map the detected column and merge the data</a:t>
-            </a:r>
-            <a:endParaRPr dirty="0">
-              <a:latin typeface="Source Sans Pro" panose="020B0503030403020204" pitchFamily="34" charset="0"/>
-              <a:ea typeface="Source Sans Pro" panose="020B0503030403020204" pitchFamily="34" charset="0"/>
-              <a:sym typeface="Source Sans Pro"/>
-            </a:endParaRPr>
-          </a:p>
-        </p:txBody>
-      </p:sp>
-      <p:pic>
-        <p:nvPicPr>
-          <p:cNvPr id="145" name="Picture 144">
-            <a:extLst>
-              <a:ext uri="{FF2B5EF4-FFF2-40B4-BE49-F238E27FC236}">
-                <a16:creationId xmlns:a16="http://schemas.microsoft.com/office/drawing/2014/main" id="{8E8AB544-3A80-4826-B8D0-26354AD6E268}"/>
+                <a16:creationId xmlns:a16="http://schemas.microsoft.com/office/drawing/2014/main" id="{8E1F2498-9F65-426B-9289-B51F0E64E8EB}"/>
               </a:ext>
             </a:extLst>
           </p:cNvPr>
@@ -7148,8 +7121,8 @@
         </p:blipFill>
         <p:spPr>
           <a:xfrm>
-            <a:off x="10971439" y="7801396"/>
-            <a:ext cx="2515011" cy="940961"/>
+            <a:off x="7712802" y="9492312"/>
+            <a:ext cx="2844095" cy="747289"/>
           </a:xfrm>
           <a:prstGeom prst="rect">
             <a:avLst/>
@@ -7158,10 +7131,10 @@
       </p:pic>
       <p:sp>
         <p:nvSpPr>
-          <p:cNvPr id="146" name="Where possible, use code that works when run.">
+          <p:cNvPr id="84" name="Where possible, use code that works when run.">
             <a:extLst>
               <a:ext uri="{FF2B5EF4-FFF2-40B4-BE49-F238E27FC236}">
-                <a16:creationId xmlns:a16="http://schemas.microsoft.com/office/drawing/2014/main" id="{F6763E4C-FC34-4D3F-9A77-0E89A207DE88}"/>
+                <a16:creationId xmlns:a16="http://schemas.microsoft.com/office/drawing/2014/main" id="{104F9B17-8294-4968-875F-2C61AC423AF4}"/>
               </a:ext>
             </a:extLst>
           </p:cNvPr>
@@ -7170,8 +7143,8 @@
         </p:nvSpPr>
         <p:spPr>
           <a:xfrm>
-            <a:off x="10676411" y="8849247"/>
-            <a:ext cx="3091721" cy="276405"/>
+            <a:off x="7832221" y="7662518"/>
+            <a:ext cx="2727623" cy="442605"/>
           </a:xfrm>
           <a:prstGeom prst="rect">
             <a:avLst/>
@@ -7181,7 +7154,7 @@
           </a:ln>
           <a:extLst>
             <a:ext uri="{C572A759-6A51-4108-AA02-DFA0A04FC94B}">
-              <ma14:wrappingTextBoxFlag xmlns="" xmlns:ma14="http://schemas.microsoft.com/office/mac/drawingml/2011/main" val="1"/>
+              <ma14:wrappingTextBoxFlag xmlns:ma14="http://schemas.microsoft.com/office/mac/drawingml/2011/main" xmlns="" val="1"/>
             </a:ext>
           </a:extLst>
         </p:spPr>
@@ -7191,15 +7164,20 @@
           </a:bodyPr>
           <a:lstStyle/>
           <a:p>
-            <a:pPr marL="228600" indent="-180000">
+            <a:pPr>
               <a:lnSpc>
                 <a:spcPct val="90000"/>
               </a:lnSpc>
               <a:spcBef>
-                <a:spcPts val="0"/>
+                <a:spcPts val="300"/>
               </a:spcBef>
-              <a:buFont typeface="+mj-lt"/>
-              <a:buAutoNum type="arabicPeriod" startAt="3"/>
+              <a:buClr>
+                <a:schemeClr val="accent4">
+                  <a:hueOff val="384618"/>
+                  <a:satOff val="3869"/>
+                  <a:lumOff val="5802"/>
+                </a:schemeClr>
+              </a:buClr>
               <a:defRPr b="0">
                 <a:solidFill>
                   <a:srgbClr val="000000"/>
@@ -7214,142 +7192,10 @@
               <a:rPr lang="en-SG" dirty="0">
                 <a:latin typeface="Source Sans Pro" panose="020B0503030403020204" pitchFamily="34" charset="0"/>
                 <a:ea typeface="Source Sans Pro" panose="020B0503030403020204" pitchFamily="34" charset="0"/>
-                <a:cs typeface="+mn-cs"/>
-                <a:sym typeface="Source Sans Pro Light"/>
+                <a:sym typeface="Source Sans Pro"/>
               </a:rPr>
-              <a:t>Check if merge is successful for every row</a:t>
-            </a:r>
-            <a:endParaRPr dirty="0">
-              <a:latin typeface="Source Sans Pro" panose="020B0503030403020204" pitchFamily="34" charset="0"/>
-              <a:ea typeface="Source Sans Pro" panose="020B0503030403020204" pitchFamily="34" charset="0"/>
-              <a:sym typeface="Source Sans Pro"/>
-            </a:endParaRPr>
-          </a:p>
-        </p:txBody>
-      </p:sp>
-      <p:pic>
-        <p:nvPicPr>
-          <p:cNvPr id="147" name="Picture 146">
-            <a:extLst>
-              <a:ext uri="{FF2B5EF4-FFF2-40B4-BE49-F238E27FC236}">
-                <a16:creationId xmlns:a16="http://schemas.microsoft.com/office/drawing/2014/main" id="{3FA5C0D7-CB9B-4DCD-A6BB-3E425F5F9D37}"/>
-              </a:ext>
-            </a:extLst>
-          </p:cNvPr>
-          <p:cNvPicPr>
-            <a:picLocks noChangeAspect="1"/>
-          </p:cNvPicPr>
-          <p:nvPr/>
-        </p:nvPicPr>
-        <p:blipFill>
-          <a:blip r:embed="rId30"/>
-          <a:stretch>
-            <a:fillRect/>
-          </a:stretch>
-        </p:blipFill>
-        <p:spPr>
-          <a:xfrm>
-            <a:off x="10902612" y="9204249"/>
-            <a:ext cx="2690889" cy="543161"/>
-          </a:xfrm>
-          <a:prstGeom prst="rect">
-            <a:avLst/>
-          </a:prstGeom>
-        </p:spPr>
-      </p:pic>
-      <p:sp>
-        <p:nvSpPr>
-          <p:cNvPr id="148" name="Line">
-            <a:extLst>
-              <a:ext uri="{FF2B5EF4-FFF2-40B4-BE49-F238E27FC236}">
-                <a16:creationId xmlns:a16="http://schemas.microsoft.com/office/drawing/2014/main" id="{7E6B30EF-DC8A-47F0-BC9D-0029BAA10612}"/>
-              </a:ext>
-            </a:extLst>
-          </p:cNvPr>
-          <p:cNvSpPr/>
-          <p:nvPr/>
-        </p:nvSpPr>
-        <p:spPr>
-          <a:xfrm>
-            <a:off x="9659761" y="1060800"/>
-            <a:ext cx="16281" cy="4262307"/>
-          </a:xfrm>
-          <a:prstGeom prst="line">
-            <a:avLst/>
-          </a:prstGeom>
-          <a:ln w="3175">
-            <a:solidFill>
-              <a:srgbClr val="767C85"/>
-            </a:solidFill>
-            <a:miter lim="400000"/>
-          </a:ln>
-        </p:spPr>
-        <p:txBody>
-          <a:bodyPr lIns="54570" tIns="54570" rIns="54570" bIns="54570" anchor="ctr"/>
-          <a:lstStyle/>
-          <a:p>
-            <a:pPr>
-              <a:lnSpc>
-                <a:spcPct val="80000"/>
-              </a:lnSpc>
-              <a:spcBef>
-                <a:spcPts val="600"/>
-              </a:spcBef>
-              <a:defRPr b="0">
-                <a:solidFill>
-                  <a:srgbClr val="000000"/>
-                </a:solidFill>
-              </a:defRPr>
-            </a:pPr>
-            <a:endParaRPr/>
-          </a:p>
-        </p:txBody>
-      </p:sp>
-      <p:sp>
-        <p:nvSpPr>
-          <p:cNvPr id="149" name="Line">
-            <a:extLst>
-              <a:ext uri="{FF2B5EF4-FFF2-40B4-BE49-F238E27FC236}">
-                <a16:creationId xmlns:a16="http://schemas.microsoft.com/office/drawing/2014/main" id="{1D23D88B-9D1B-4546-BE2F-1862F38A1851}"/>
-              </a:ext>
-            </a:extLst>
-          </p:cNvPr>
-          <p:cNvSpPr/>
-          <p:nvPr/>
-        </p:nvSpPr>
-        <p:spPr>
-          <a:xfrm>
-            <a:off x="4917524" y="1020997"/>
-            <a:ext cx="6281" cy="9593967"/>
-          </a:xfrm>
-          <a:prstGeom prst="line">
-            <a:avLst/>
-          </a:prstGeom>
-          <a:ln w="3175">
-            <a:solidFill>
-              <a:srgbClr val="767C85"/>
-            </a:solidFill>
-            <a:miter lim="400000"/>
-          </a:ln>
-        </p:spPr>
-        <p:txBody>
-          <a:bodyPr lIns="54570" tIns="54570" rIns="54570" bIns="54570" anchor="ctr"/>
-          <a:lstStyle/>
-          <a:p>
-            <a:pPr>
-              <a:lnSpc>
-                <a:spcPct val="80000"/>
-              </a:lnSpc>
-              <a:spcBef>
-                <a:spcPts val="600"/>
-              </a:spcBef>
-              <a:defRPr b="0">
-                <a:solidFill>
-                  <a:srgbClr val="000000"/>
-                </a:solidFill>
-              </a:defRPr>
-            </a:pPr>
-            <a:endParaRPr/>
+              <a:t>Fill in the values and click on the respective “Autofill” buttons</a:t>
+            </a:r>
           </a:p>
         </p:txBody>
       </p:sp>
@@ -7434,7 +7280,7 @@
           </a:ln>
           <a:extLst>
             <a:ext uri="{C572A759-6A51-4108-AA02-DFA0A04FC94B}">
-              <ma14:wrappingTextBoxFlag xmlns="" xmlns:ma14="http://schemas.microsoft.com/office/mac/drawingml/2011/main" val="1"/>
+              <ma14:wrappingTextBoxFlag xmlns:ma14="http://schemas.microsoft.com/office/mac/drawingml/2011/main" xmlns="" val="1"/>
             </a:ext>
           </a:extLst>
         </p:spPr>
@@ -7471,7 +7317,7 @@
             </a:r>
             <a:r>
               <a:rPr lang="en-SG" dirty="0"/>
-              <a:t>3</a:t>
+              <a:t>4</a:t>
             </a:r>
             <a:endParaRPr dirty="0"/>
           </a:p>
@@ -7496,7 +7342,7 @@
           </a:ln>
           <a:extLst>
             <a:ext uri="{C572A759-6A51-4108-AA02-DFA0A04FC94B}">
-              <ma14:wrappingTextBoxFlag xmlns="" xmlns:ma14="http://schemas.microsoft.com/office/mac/drawingml/2011/main" val="1"/>
+              <ma14:wrappingTextBoxFlag xmlns:ma14="http://schemas.microsoft.com/office/mac/drawingml/2011/main" xmlns="" val="1"/>
             </a:ext>
           </a:extLst>
         </p:spPr>
@@ -7585,7 +7431,7 @@
         </p:nvSpPr>
         <p:spPr>
           <a:xfrm>
-            <a:off x="263649" y="1439559"/>
+            <a:off x="3936631" y="1501179"/>
             <a:ext cx="2843727" cy="210314"/>
           </a:xfrm>
           <a:prstGeom prst="rect">
@@ -7596,7 +7442,7 @@
           </a:ln>
           <a:extLst>
             <a:ext uri="{C572A759-6A51-4108-AA02-DFA0A04FC94B}">
-              <ma14:wrappingTextBoxFlag xmlns="" xmlns:ma14="http://schemas.microsoft.com/office/mac/drawingml/2011/main" val="1"/>
+              <ma14:wrappingTextBoxFlag xmlns:ma14="http://schemas.microsoft.com/office/mac/drawingml/2011/main" xmlns="" val="1"/>
             </a:ext>
           </a:extLst>
         </p:spPr>
@@ -7623,7 +7469,7 @@
         </p:nvSpPr>
         <p:spPr>
           <a:xfrm>
-            <a:off x="237455" y="1623515"/>
+            <a:off x="3823982" y="1880316"/>
             <a:ext cx="3712308" cy="276405"/>
           </a:xfrm>
           <a:prstGeom prst="rect">
@@ -7634,7 +7480,7 @@
           </a:ln>
           <a:extLst>
             <a:ext uri="{C572A759-6A51-4108-AA02-DFA0A04FC94B}">
-              <ma14:wrappingTextBoxFlag xmlns="" xmlns:ma14="http://schemas.microsoft.com/office/mac/drawingml/2011/main" val="1"/>
+              <ma14:wrappingTextBoxFlag xmlns:ma14="http://schemas.microsoft.com/office/mac/drawingml/2011/main" xmlns="" val="1"/>
             </a:ext>
           </a:extLst>
         </p:spPr>
@@ -7692,7 +7538,7 @@
           </a:ln>
           <a:extLst>
             <a:ext uri="{C572A759-6A51-4108-AA02-DFA0A04FC94B}">
-              <ma14:wrappingTextBoxFlag xmlns="" xmlns:ma14="http://schemas.microsoft.com/office/mac/drawingml/2011/main" val="1"/>
+              <ma14:wrappingTextBoxFlag xmlns:ma14="http://schemas.microsoft.com/office/mac/drawingml/2011/main" xmlns="" val="1"/>
             </a:ext>
           </a:extLst>
         </p:spPr>
@@ -7784,7 +7630,7 @@
           </a:ln>
           <a:extLst>
             <a:ext uri="{C572A759-6A51-4108-AA02-DFA0A04FC94B}">
-              <ma14:wrappingTextBoxFlag xmlns="" xmlns:ma14="http://schemas.microsoft.com/office/mac/drawingml/2011/main" val="1"/>
+              <ma14:wrappingTextBoxFlag xmlns:ma14="http://schemas.microsoft.com/office/mac/drawingml/2011/main" xmlns="" val="1"/>
             </a:ext>
           </a:extLst>
         </p:spPr>
@@ -7817,7 +7663,7 @@
         </p:nvSpPr>
         <p:spPr>
           <a:xfrm>
-            <a:off x="3889608" y="1608599"/>
+            <a:off x="3868631" y="3550348"/>
             <a:ext cx="3712308" cy="442605"/>
           </a:xfrm>
           <a:prstGeom prst="rect">
@@ -7828,7 +7674,7 @@
           </a:ln>
           <a:extLst>
             <a:ext uri="{C572A759-6A51-4108-AA02-DFA0A04FC94B}">
-              <ma14:wrappingTextBoxFlag xmlns="" xmlns:ma14="http://schemas.microsoft.com/office/mac/drawingml/2011/main" val="1"/>
+              <ma14:wrappingTextBoxFlag xmlns:ma14="http://schemas.microsoft.com/office/mac/drawingml/2011/main" xmlns="" val="1"/>
             </a:ext>
           </a:extLst>
         </p:spPr>
@@ -7889,7 +7735,7 @@
         </p:blipFill>
         <p:spPr>
           <a:xfrm>
-            <a:off x="4668642" y="2056302"/>
+            <a:off x="4449978" y="4113314"/>
             <a:ext cx="2460316" cy="342115"/>
           </a:xfrm>
           <a:prstGeom prst="rect">
@@ -7922,7 +7768,7 @@
           </a:ln>
           <a:extLst>
             <a:ext uri="{C572A759-6A51-4108-AA02-DFA0A04FC94B}">
-              <ma14:wrappingTextBoxFlag xmlns="" xmlns:ma14="http://schemas.microsoft.com/office/mac/drawingml/2011/main" val="1"/>
+              <ma14:wrappingTextBoxFlag xmlns:ma14="http://schemas.microsoft.com/office/mac/drawingml/2011/main" xmlns="" val="1"/>
             </a:ext>
           </a:extLst>
         </p:spPr>
@@ -8033,7 +7879,7 @@
         </p:blipFill>
         <p:spPr>
           <a:xfrm>
-            <a:off x="222690" y="2171286"/>
+            <a:off x="3871608" y="2232906"/>
             <a:ext cx="3727073" cy="1156705"/>
           </a:xfrm>
           <a:prstGeom prst="rect">
@@ -8063,7 +7909,7 @@
         </p:blipFill>
         <p:spPr>
           <a:xfrm>
-            <a:off x="4176274" y="2520340"/>
+            <a:off x="4117834" y="4575790"/>
             <a:ext cx="3234619" cy="971774"/>
           </a:xfrm>
           <a:prstGeom prst="rect">
@@ -8095,6 +7941,370 @@
           <a:xfrm>
             <a:off x="7925788" y="2249087"/>
             <a:ext cx="5690874" cy="831189"/>
+          </a:xfrm>
+          <a:prstGeom prst="rect">
+            <a:avLst/>
+          </a:prstGeom>
+        </p:spPr>
+      </p:pic>
+      <p:sp>
+        <p:nvSpPr>
+          <p:cNvPr id="17" name="CODE">
+            <a:extLst>
+              <a:ext uri="{FF2B5EF4-FFF2-40B4-BE49-F238E27FC236}">
+                <a16:creationId xmlns:a16="http://schemas.microsoft.com/office/drawing/2014/main" id="{AE073973-5321-4685-B085-0DC90BC84B29}"/>
+              </a:ext>
+            </a:extLst>
+          </p:cNvPr>
+          <p:cNvSpPr txBox="1"/>
+          <p:nvPr/>
+        </p:nvSpPr>
+        <p:spPr>
+          <a:xfrm>
+            <a:off x="246985" y="1501179"/>
+            <a:ext cx="4429270" cy="210314"/>
+          </a:xfrm>
+          <a:prstGeom prst="rect">
+            <a:avLst/>
+          </a:prstGeom>
+          <a:ln w="12700">
+            <a:miter lim="400000"/>
+          </a:ln>
+          <a:extLst>
+            <a:ext uri="{C572A759-6A51-4108-AA02-DFA0A04FC94B}">
+              <ma14:wrappingTextBoxFlag xmlns:ma14="http://schemas.microsoft.com/office/mac/drawingml/2011/main" xmlns="" val="1"/>
+            </a:ext>
+          </a:extLst>
+        </p:spPr>
+        <p:txBody>
+          <a:bodyPr wrap="square" lIns="12700" tIns="12700" rIns="12700" bIns="12700" anchor="ctr">
+            <a:spAutoFit/>
+          </a:bodyPr>
+          <a:lstStyle/>
+          <a:p>
+            <a:pPr marL="48600">
+              <a:spcBef>
+                <a:spcPts val="0"/>
+              </a:spcBef>
+            </a:pPr>
+            <a:r>
+              <a:rPr lang="en-SG" dirty="0"/>
+              <a:t>Merging with an existing sample annotation file</a:t>
+            </a:r>
+            <a:endParaRPr dirty="0"/>
+          </a:p>
+        </p:txBody>
+      </p:sp>
+      <p:sp>
+        <p:nvSpPr>
+          <p:cNvPr id="19" name="Where possible, use code that works when run.">
+            <a:extLst>
+              <a:ext uri="{FF2B5EF4-FFF2-40B4-BE49-F238E27FC236}">
+                <a16:creationId xmlns:a16="http://schemas.microsoft.com/office/drawing/2014/main" id="{080FD851-EA4A-43B1-A9AB-3A6734F000A3}"/>
+              </a:ext>
+            </a:extLst>
+          </p:cNvPr>
+          <p:cNvSpPr txBox="1"/>
+          <p:nvPr/>
+        </p:nvSpPr>
+        <p:spPr>
+          <a:xfrm>
+            <a:off x="279133" y="1874618"/>
+            <a:ext cx="3261703" cy="276405"/>
+          </a:xfrm>
+          <a:prstGeom prst="rect">
+            <a:avLst/>
+          </a:prstGeom>
+          <a:ln w="12700">
+            <a:miter lim="400000"/>
+          </a:ln>
+          <a:extLst>
+            <a:ext uri="{C572A759-6A51-4108-AA02-DFA0A04FC94B}">
+              <ma14:wrappingTextBoxFlag xmlns:ma14="http://schemas.microsoft.com/office/mac/drawingml/2011/main" xmlns="" val="1"/>
+            </a:ext>
+          </a:extLst>
+        </p:spPr>
+        <p:txBody>
+          <a:bodyPr wrap="square" lIns="54570" tIns="54570" rIns="54570" bIns="54570" anchor="ctr">
+            <a:spAutoFit/>
+          </a:bodyPr>
+          <a:lstStyle/>
+          <a:p>
+            <a:pPr marL="228600" indent="-180000">
+              <a:lnSpc>
+                <a:spcPct val="90000"/>
+              </a:lnSpc>
+              <a:spcBef>
+                <a:spcPts val="0"/>
+              </a:spcBef>
+              <a:buFont typeface="+mj-lt"/>
+              <a:buAutoNum type="arabicPeriod"/>
+              <a:defRPr b="0">
+                <a:solidFill>
+                  <a:srgbClr val="000000"/>
+                </a:solidFill>
+                <a:latin typeface="+mn-lt"/>
+                <a:ea typeface="+mn-ea"/>
+                <a:cs typeface="+mn-cs"/>
+                <a:sym typeface="Source Sans Pro Light"/>
+              </a:defRPr>
+            </a:pPr>
+            <a:r>
+              <a:rPr lang="en-SG" dirty="0">
+                <a:latin typeface="Source Sans Pro" panose="020B0503030403020204" pitchFamily="34" charset="0"/>
+                <a:ea typeface="Source Sans Pro" panose="020B0503030403020204" pitchFamily="34" charset="0"/>
+              </a:rPr>
+              <a:t>Insert MRM data and sample </a:t>
+            </a:r>
+            <a:r>
+              <a:rPr lang="en-SG" dirty="0">
+                <a:solidFill>
+                  <a:srgbClr val="000000"/>
+                </a:solidFill>
+                <a:latin typeface="Source Sans Pro" panose="020B0503030403020204" pitchFamily="34" charset="0"/>
+                <a:ea typeface="Source Sans Pro" panose="020B0503030403020204" pitchFamily="34" charset="0"/>
+              </a:rPr>
+              <a:t>annotation</a:t>
+            </a:r>
+            <a:r>
+              <a:rPr lang="en-SG" dirty="0">
+                <a:latin typeface="Source Sans Pro" panose="020B0503030403020204" pitchFamily="34" charset="0"/>
+                <a:ea typeface="Source Sans Pro" panose="020B0503030403020204" pitchFamily="34" charset="0"/>
+              </a:rPr>
+              <a:t> file</a:t>
+            </a:r>
+            <a:endParaRPr dirty="0">
+              <a:latin typeface="Source Sans Pro" panose="020B0503030403020204" pitchFamily="34" charset="0"/>
+              <a:ea typeface="Source Sans Pro" panose="020B0503030403020204" pitchFamily="34" charset="0"/>
+              <a:sym typeface="Source Sans Pro"/>
+            </a:endParaRPr>
+          </a:p>
+        </p:txBody>
+      </p:sp>
+      <p:pic>
+        <p:nvPicPr>
+          <p:cNvPr id="20" name="Picture 19">
+            <a:extLst>
+              <a:ext uri="{FF2B5EF4-FFF2-40B4-BE49-F238E27FC236}">
+                <a16:creationId xmlns:a16="http://schemas.microsoft.com/office/drawing/2014/main" id="{406D7551-F698-4997-8E86-FE9EF4C4F858}"/>
+              </a:ext>
+            </a:extLst>
+          </p:cNvPr>
+          <p:cNvPicPr>
+            <a:picLocks noChangeAspect="1"/>
+          </p:cNvPicPr>
+          <p:nvPr/>
+        </p:nvPicPr>
+        <p:blipFill>
+          <a:blip r:embed="rId6"/>
+          <a:stretch>
+            <a:fillRect/>
+          </a:stretch>
+        </p:blipFill>
+        <p:spPr>
+          <a:xfrm>
+            <a:off x="657640" y="2197225"/>
+            <a:ext cx="2418197" cy="975541"/>
+          </a:xfrm>
+          <a:prstGeom prst="rect">
+            <a:avLst/>
+          </a:prstGeom>
+        </p:spPr>
+      </p:pic>
+      <p:sp>
+        <p:nvSpPr>
+          <p:cNvPr id="21" name="Where possible, use code that works when run.">
+            <a:extLst>
+              <a:ext uri="{FF2B5EF4-FFF2-40B4-BE49-F238E27FC236}">
+                <a16:creationId xmlns:a16="http://schemas.microsoft.com/office/drawing/2014/main" id="{3F173CF9-BC89-4344-9CF7-94C0CD61D314}"/>
+              </a:ext>
+            </a:extLst>
+          </p:cNvPr>
+          <p:cNvSpPr txBox="1"/>
+          <p:nvPr/>
+        </p:nvSpPr>
+        <p:spPr>
+          <a:xfrm>
+            <a:off x="291009" y="3236330"/>
+            <a:ext cx="3261703" cy="276405"/>
+          </a:xfrm>
+          <a:prstGeom prst="rect">
+            <a:avLst/>
+          </a:prstGeom>
+          <a:ln w="12700">
+            <a:miter lim="400000"/>
+          </a:ln>
+          <a:extLst>
+            <a:ext uri="{C572A759-6A51-4108-AA02-DFA0A04FC94B}">
+              <ma14:wrappingTextBoxFlag xmlns:ma14="http://schemas.microsoft.com/office/mac/drawingml/2011/main" xmlns="" val="1"/>
+            </a:ext>
+          </a:extLst>
+        </p:spPr>
+        <p:txBody>
+          <a:bodyPr wrap="square" lIns="54570" tIns="54570" rIns="54570" bIns="54570" anchor="ctr">
+            <a:spAutoFit/>
+          </a:bodyPr>
+          <a:lstStyle/>
+          <a:p>
+            <a:pPr marL="228600" indent="-180000">
+              <a:lnSpc>
+                <a:spcPct val="90000"/>
+              </a:lnSpc>
+              <a:spcBef>
+                <a:spcPts val="0"/>
+              </a:spcBef>
+              <a:buFont typeface="+mj-lt"/>
+              <a:buAutoNum type="arabicPeriod" startAt="2"/>
+              <a:defRPr b="0">
+                <a:solidFill>
+                  <a:srgbClr val="000000"/>
+                </a:solidFill>
+                <a:latin typeface="+mn-lt"/>
+                <a:ea typeface="+mn-ea"/>
+                <a:cs typeface="+mn-cs"/>
+                <a:sym typeface="Source Sans Pro Light"/>
+              </a:defRPr>
+            </a:pPr>
+            <a:r>
+              <a:rPr lang="en-SG" dirty="0">
+                <a:latin typeface="Source Sans Pro" panose="020B0503030403020204" pitchFamily="34" charset="0"/>
+                <a:ea typeface="Source Sans Pro" panose="020B0503030403020204" pitchFamily="34" charset="0"/>
+              </a:rPr>
+              <a:t>Map the detected column and merge the data</a:t>
+            </a:r>
+            <a:endParaRPr dirty="0">
+              <a:latin typeface="Source Sans Pro" panose="020B0503030403020204" pitchFamily="34" charset="0"/>
+              <a:ea typeface="Source Sans Pro" panose="020B0503030403020204" pitchFamily="34" charset="0"/>
+              <a:sym typeface="Source Sans Pro"/>
+            </a:endParaRPr>
+          </a:p>
+        </p:txBody>
+      </p:sp>
+      <p:pic>
+        <p:nvPicPr>
+          <p:cNvPr id="22" name="Picture 21">
+            <a:extLst>
+              <a:ext uri="{FF2B5EF4-FFF2-40B4-BE49-F238E27FC236}">
+                <a16:creationId xmlns:a16="http://schemas.microsoft.com/office/drawing/2014/main" id="{F7C4FFA9-9727-4BBB-82BC-BF8DACD409D4}"/>
+              </a:ext>
+            </a:extLst>
+          </p:cNvPr>
+          <p:cNvPicPr>
+            <a:picLocks noChangeAspect="1"/>
+          </p:cNvPicPr>
+          <p:nvPr/>
+        </p:nvPicPr>
+        <p:blipFill>
+          <a:blip r:embed="rId7"/>
+          <a:stretch>
+            <a:fillRect/>
+          </a:stretch>
+        </p:blipFill>
+        <p:spPr>
+          <a:xfrm>
+            <a:off x="614541" y="3550348"/>
+            <a:ext cx="2515011" cy="940961"/>
+          </a:xfrm>
+          <a:prstGeom prst="rect">
+            <a:avLst/>
+          </a:prstGeom>
+        </p:spPr>
+      </p:pic>
+      <p:sp>
+        <p:nvSpPr>
+          <p:cNvPr id="23" name="Where possible, use code that works when run.">
+            <a:extLst>
+              <a:ext uri="{FF2B5EF4-FFF2-40B4-BE49-F238E27FC236}">
+                <a16:creationId xmlns:a16="http://schemas.microsoft.com/office/drawing/2014/main" id="{9DE0C78F-DECD-4FCD-9AD0-89179779E069}"/>
+              </a:ext>
+            </a:extLst>
+          </p:cNvPr>
+          <p:cNvSpPr txBox="1"/>
+          <p:nvPr/>
+        </p:nvSpPr>
+        <p:spPr>
+          <a:xfrm>
+            <a:off x="319513" y="4598199"/>
+            <a:ext cx="3091721" cy="276405"/>
+          </a:xfrm>
+          <a:prstGeom prst="rect">
+            <a:avLst/>
+          </a:prstGeom>
+          <a:ln w="12700">
+            <a:miter lim="400000"/>
+          </a:ln>
+          <a:extLst>
+            <a:ext uri="{C572A759-6A51-4108-AA02-DFA0A04FC94B}">
+              <ma14:wrappingTextBoxFlag xmlns:ma14="http://schemas.microsoft.com/office/mac/drawingml/2011/main" xmlns="" val="1"/>
+            </a:ext>
+          </a:extLst>
+        </p:spPr>
+        <p:txBody>
+          <a:bodyPr wrap="square" lIns="54570" tIns="54570" rIns="54570" bIns="54570" anchor="ctr">
+            <a:spAutoFit/>
+          </a:bodyPr>
+          <a:lstStyle/>
+          <a:p>
+            <a:pPr marL="228600" indent="-180000">
+              <a:lnSpc>
+                <a:spcPct val="90000"/>
+              </a:lnSpc>
+              <a:spcBef>
+                <a:spcPts val="0"/>
+              </a:spcBef>
+              <a:buFont typeface="+mj-lt"/>
+              <a:buAutoNum type="arabicPeriod" startAt="3"/>
+              <a:defRPr b="0">
+                <a:solidFill>
+                  <a:srgbClr val="000000"/>
+                </a:solidFill>
+                <a:latin typeface="+mn-lt"/>
+                <a:ea typeface="+mn-ea"/>
+                <a:cs typeface="+mn-cs"/>
+                <a:sym typeface="Source Sans Pro Light"/>
+              </a:defRPr>
+            </a:pPr>
+            <a:r>
+              <a:rPr lang="en-SG" dirty="0">
+                <a:latin typeface="Source Sans Pro" panose="020B0503030403020204" pitchFamily="34" charset="0"/>
+                <a:ea typeface="Source Sans Pro" panose="020B0503030403020204" pitchFamily="34" charset="0"/>
+                <a:cs typeface="+mn-cs"/>
+                <a:sym typeface="Source Sans Pro Light"/>
+              </a:rPr>
+              <a:t>Check if merge is successful for every row</a:t>
+            </a:r>
+            <a:endParaRPr dirty="0">
+              <a:latin typeface="Source Sans Pro" panose="020B0503030403020204" pitchFamily="34" charset="0"/>
+              <a:ea typeface="Source Sans Pro" panose="020B0503030403020204" pitchFamily="34" charset="0"/>
+              <a:sym typeface="Source Sans Pro"/>
+            </a:endParaRPr>
+          </a:p>
+        </p:txBody>
+      </p:sp>
+      <p:pic>
+        <p:nvPicPr>
+          <p:cNvPr id="24" name="Picture 23">
+            <a:extLst>
+              <a:ext uri="{FF2B5EF4-FFF2-40B4-BE49-F238E27FC236}">
+                <a16:creationId xmlns:a16="http://schemas.microsoft.com/office/drawing/2014/main" id="{BA4BCA0E-2761-4A72-B12C-31AA74DBA77C}"/>
+              </a:ext>
+            </a:extLst>
+          </p:cNvPr>
+          <p:cNvPicPr>
+            <a:picLocks noChangeAspect="1"/>
+          </p:cNvPicPr>
+          <p:nvPr/>
+        </p:nvPicPr>
+        <p:blipFill>
+          <a:blip r:embed="rId8"/>
+          <a:stretch>
+            <a:fillRect/>
+          </a:stretch>
+        </p:blipFill>
+        <p:spPr>
+          <a:xfrm>
+            <a:off x="545714" y="4953201"/>
+            <a:ext cx="2690889" cy="543161"/>
           </a:xfrm>
           <a:prstGeom prst="rect">
             <a:avLst/>

--- a/docs/MS_Template_Creator_Summary.pptx
+++ b/docs/MS_Template_Creator_Summary.pptx
@@ -2141,7 +2141,7 @@
           </a:ln>
           <a:extLst>
             <a:ext uri="{C572A759-6A51-4108-AA02-DFA0A04FC94B}">
-              <ma14:wrappingTextBoxFlag xmlns:ma14="http://schemas.microsoft.com/office/mac/drawingml/2011/main" xmlns="" val="1"/>
+              <ma14:wrappingTextBoxFlag xmlns="" xmlns:ma14="http://schemas.microsoft.com/office/mac/drawingml/2011/main" val="1"/>
             </a:ext>
           </a:extLst>
         </p:spPr>
@@ -2180,7 +2180,7 @@
           </a:ln>
           <a:extLst>
             <a:ext uri="{C572A759-6A51-4108-AA02-DFA0A04FC94B}">
-              <ma14:wrappingTextBoxFlag xmlns:ma14="http://schemas.microsoft.com/office/mac/drawingml/2011/main" xmlns="" val="1"/>
+              <ma14:wrappingTextBoxFlag xmlns="" xmlns:ma14="http://schemas.microsoft.com/office/mac/drawingml/2011/main" val="1"/>
             </a:ext>
           </a:extLst>
         </p:spPr>
@@ -3118,7 +3118,7 @@
           </a:ln>
           <a:extLst>
             <a:ext uri="{C572A759-6A51-4108-AA02-DFA0A04FC94B}">
-              <ma14:wrappingTextBoxFlag xmlns:ma14="http://schemas.microsoft.com/office/mac/drawingml/2011/main" xmlns="" val="1"/>
+              <ma14:wrappingTextBoxFlag xmlns="" xmlns:ma14="http://schemas.microsoft.com/office/mac/drawingml/2011/main" val="1"/>
             </a:ext>
           </a:extLst>
         </p:spPr>
@@ -4193,7 +4193,7 @@
           </a:ln>
           <a:extLst>
             <a:ext uri="{C572A759-6A51-4108-AA02-DFA0A04FC94B}">
-              <ma14:wrappingTextBoxFlag xmlns:ma14="http://schemas.microsoft.com/office/mac/drawingml/2011/main" xmlns="" val="1"/>
+              <ma14:wrappingTextBoxFlag xmlns="" xmlns:ma14="http://schemas.microsoft.com/office/mac/drawingml/2011/main" val="1"/>
             </a:ext>
           </a:extLst>
         </p:spPr>
@@ -4231,7 +4231,7 @@
           </a:ln>
           <a:extLst>
             <a:ext uri="{C572A759-6A51-4108-AA02-DFA0A04FC94B}">
-              <ma14:wrappingTextBoxFlag xmlns:ma14="http://schemas.microsoft.com/office/mac/drawingml/2011/main" xmlns="" val="1"/>
+              <ma14:wrappingTextBoxFlag xmlns="" xmlns:ma14="http://schemas.microsoft.com/office/mac/drawingml/2011/main" val="1"/>
             </a:ext>
           </a:extLst>
         </p:spPr>
@@ -4331,7 +4331,7 @@
           </a:ln>
           <a:extLst>
             <a:ext uri="{C572A759-6A51-4108-AA02-DFA0A04FC94B}">
-              <ma14:wrappingTextBoxFlag xmlns:ma14="http://schemas.microsoft.com/office/mac/drawingml/2011/main" xmlns="" val="1"/>
+              <ma14:wrappingTextBoxFlag xmlns="" xmlns:ma14="http://schemas.microsoft.com/office/mac/drawingml/2011/main" val="1"/>
             </a:ext>
           </a:extLst>
         </p:spPr>
@@ -4369,7 +4369,7 @@
           </a:ln>
           <a:extLst>
             <a:ext uri="{C572A759-6A51-4108-AA02-DFA0A04FC94B}">
-              <ma14:wrappingTextBoxFlag xmlns:ma14="http://schemas.microsoft.com/office/mac/drawingml/2011/main" xmlns="" val="1"/>
+              <ma14:wrappingTextBoxFlag xmlns="" xmlns:ma14="http://schemas.microsoft.com/office/mac/drawingml/2011/main" val="1"/>
             </a:ext>
           </a:extLst>
         </p:spPr>
@@ -4486,7 +4486,7 @@
           </a:ln>
           <a:extLst>
             <a:ext uri="{C572A759-6A51-4108-AA02-DFA0A04FC94B}">
-              <ma14:wrappingTextBoxFlag xmlns:ma14="http://schemas.microsoft.com/office/mac/drawingml/2011/main" xmlns="" val="1"/>
+              <ma14:wrappingTextBoxFlag xmlns="" xmlns:ma14="http://schemas.microsoft.com/office/mac/drawingml/2011/main" val="1"/>
             </a:ext>
           </a:extLst>
         </p:spPr>
@@ -4524,7 +4524,7 @@
           </a:ln>
           <a:extLst>
             <a:ext uri="{C572A759-6A51-4108-AA02-DFA0A04FC94B}">
-              <ma14:wrappingTextBoxFlag xmlns:ma14="http://schemas.microsoft.com/office/mac/drawingml/2011/main" xmlns="" val="1"/>
+              <ma14:wrappingTextBoxFlag xmlns="" xmlns:ma14="http://schemas.microsoft.com/office/mac/drawingml/2011/main" val="1"/>
             </a:ext>
           </a:extLst>
         </p:spPr>
@@ -4658,7 +4658,7 @@
           </a:ln>
           <a:extLst>
             <a:ext uri="{C572A759-6A51-4108-AA02-DFA0A04FC94B}">
-              <ma14:wrappingTextBoxFlag xmlns:ma14="http://schemas.microsoft.com/office/mac/drawingml/2011/main" xmlns="" val="1"/>
+              <ma14:wrappingTextBoxFlag xmlns="" xmlns:ma14="http://schemas.microsoft.com/office/mac/drawingml/2011/main" val="1"/>
             </a:ext>
           </a:extLst>
         </p:spPr>
@@ -4732,7 +4732,7 @@
           </a:ln>
           <a:extLst>
             <a:ext uri="{C572A759-6A51-4108-AA02-DFA0A04FC94B}">
-              <ma14:wrappingTextBoxFlag xmlns:ma14="http://schemas.microsoft.com/office/mac/drawingml/2011/main" xmlns="" val="1"/>
+              <ma14:wrappingTextBoxFlag xmlns="" xmlns:ma14="http://schemas.microsoft.com/office/mac/drawingml/2011/main" val="1"/>
             </a:ext>
           </a:extLst>
         </p:spPr>
@@ -4836,7 +4836,7 @@
           </a:ln>
           <a:extLst>
             <a:ext uri="{C572A759-6A51-4108-AA02-DFA0A04FC94B}">
-              <ma14:wrappingTextBoxFlag xmlns:ma14="http://schemas.microsoft.com/office/mac/drawingml/2011/main" xmlns="" val="1"/>
+              <ma14:wrappingTextBoxFlag xmlns="" xmlns:ma14="http://schemas.microsoft.com/office/mac/drawingml/2011/main" val="1"/>
             </a:ext>
           </a:extLst>
         </p:spPr>
@@ -4939,7 +4939,7 @@
           </a:ln>
           <a:extLst>
             <a:ext uri="{C572A759-6A51-4108-AA02-DFA0A04FC94B}">
-              <ma14:wrappingTextBoxFlag xmlns:ma14="http://schemas.microsoft.com/office/mac/drawingml/2011/main" xmlns="" val="1"/>
+              <ma14:wrappingTextBoxFlag xmlns="" xmlns:ma14="http://schemas.microsoft.com/office/mac/drawingml/2011/main" val="1"/>
             </a:ext>
           </a:extLst>
         </p:spPr>
@@ -5029,7 +5029,7 @@
           </a:ln>
           <a:extLst>
             <a:ext uri="{C572A759-6A51-4108-AA02-DFA0A04FC94B}">
-              <ma14:wrappingTextBoxFlag xmlns:ma14="http://schemas.microsoft.com/office/mac/drawingml/2011/main" xmlns="" val="1"/>
+              <ma14:wrappingTextBoxFlag xmlns="" xmlns:ma14="http://schemas.microsoft.com/office/mac/drawingml/2011/main" val="1"/>
             </a:ext>
           </a:extLst>
         </p:spPr>
@@ -5110,7 +5110,7 @@
           </a:ln>
           <a:extLst>
             <a:ext uri="{C572A759-6A51-4108-AA02-DFA0A04FC94B}">
-              <ma14:wrappingTextBoxFlag xmlns:ma14="http://schemas.microsoft.com/office/mac/drawingml/2011/main" xmlns="" val="1"/>
+              <ma14:wrappingTextBoxFlag xmlns="" xmlns:ma14="http://schemas.microsoft.com/office/mac/drawingml/2011/main" val="1"/>
             </a:ext>
           </a:extLst>
         </p:spPr>
@@ -5213,7 +5213,7 @@
           </a:ln>
           <a:extLst>
             <a:ext uri="{C572A759-6A51-4108-AA02-DFA0A04FC94B}">
-              <ma14:wrappingTextBoxFlag xmlns:ma14="http://schemas.microsoft.com/office/mac/drawingml/2011/main" xmlns="" val="1"/>
+              <ma14:wrappingTextBoxFlag xmlns="" xmlns:ma14="http://schemas.microsoft.com/office/mac/drawingml/2011/main" val="1"/>
             </a:ext>
           </a:extLst>
         </p:spPr>
@@ -5356,7 +5356,7 @@
           </a:ln>
           <a:extLst>
             <a:ext uri="{C572A759-6A51-4108-AA02-DFA0A04FC94B}">
-              <ma14:wrappingTextBoxFlag xmlns:ma14="http://schemas.microsoft.com/office/mac/drawingml/2011/main" xmlns="" val="1"/>
+              <ma14:wrappingTextBoxFlag xmlns="" xmlns:ma14="http://schemas.microsoft.com/office/mac/drawingml/2011/main" val="1"/>
             </a:ext>
           </a:extLst>
         </p:spPr>
@@ -5412,7 +5412,7 @@
           </a:ln>
           <a:extLst>
             <a:ext uri="{C572A759-6A51-4108-AA02-DFA0A04FC94B}">
-              <ma14:wrappingTextBoxFlag xmlns:ma14="http://schemas.microsoft.com/office/mac/drawingml/2011/main" xmlns="" val="1"/>
+              <ma14:wrappingTextBoxFlag xmlns="" xmlns:ma14="http://schemas.microsoft.com/office/mac/drawingml/2011/main" val="1"/>
             </a:ext>
           </a:extLst>
         </p:spPr>
@@ -5456,7 +5456,7 @@
           </a:ln>
           <a:extLst>
             <a:ext uri="{C572A759-6A51-4108-AA02-DFA0A04FC94B}">
-              <ma14:wrappingTextBoxFlag xmlns:ma14="http://schemas.microsoft.com/office/mac/drawingml/2011/main" xmlns="" val="1"/>
+              <ma14:wrappingTextBoxFlag xmlns="" xmlns:ma14="http://schemas.microsoft.com/office/mac/drawingml/2011/main" val="1"/>
             </a:ext>
           </a:extLst>
         </p:spPr>
@@ -5616,7 +5616,7 @@
           </a:ln>
           <a:extLst>
             <a:ext uri="{C572A759-6A51-4108-AA02-DFA0A04FC94B}">
-              <ma14:wrappingTextBoxFlag xmlns:ma14="http://schemas.microsoft.com/office/mac/drawingml/2011/main" xmlns="" val="1"/>
+              <ma14:wrappingTextBoxFlag xmlns="" xmlns:ma14="http://schemas.microsoft.com/office/mac/drawingml/2011/main" val="1"/>
             </a:ext>
           </a:extLst>
         </p:spPr>
@@ -5672,7 +5672,7 @@
           </a:ln>
           <a:extLst>
             <a:ext uri="{C572A759-6A51-4108-AA02-DFA0A04FC94B}">
-              <ma14:wrappingTextBoxFlag xmlns:ma14="http://schemas.microsoft.com/office/mac/drawingml/2011/main" xmlns="" val="1"/>
+              <ma14:wrappingTextBoxFlag xmlns="" xmlns:ma14="http://schemas.microsoft.com/office/mac/drawingml/2011/main" val="1"/>
             </a:ext>
           </a:extLst>
         </p:spPr>
@@ -5716,7 +5716,7 @@
           </a:ln>
           <a:extLst>
             <a:ext uri="{C572A759-6A51-4108-AA02-DFA0A04FC94B}">
-              <ma14:wrappingTextBoxFlag xmlns:ma14="http://schemas.microsoft.com/office/mac/drawingml/2011/main" xmlns="" val="1"/>
+              <ma14:wrappingTextBoxFlag xmlns="" xmlns:ma14="http://schemas.microsoft.com/office/mac/drawingml/2011/main" val="1"/>
             </a:ext>
           </a:extLst>
         </p:spPr>
@@ -5940,7 +5940,7 @@
           </a:ln>
           <a:extLst>
             <a:ext uri="{C572A759-6A51-4108-AA02-DFA0A04FC94B}">
-              <ma14:wrappingTextBoxFlag xmlns:ma14="http://schemas.microsoft.com/office/mac/drawingml/2011/main" xmlns="" val="1"/>
+              <ma14:wrappingTextBoxFlag xmlns="" xmlns:ma14="http://schemas.microsoft.com/office/mac/drawingml/2011/main" val="1"/>
             </a:ext>
           </a:extLst>
         </p:spPr>
@@ -6044,7 +6044,7 @@
           </a:ln>
           <a:extLst>
             <a:ext uri="{C572A759-6A51-4108-AA02-DFA0A04FC94B}">
-              <ma14:wrappingTextBoxFlag xmlns:ma14="http://schemas.microsoft.com/office/mac/drawingml/2011/main" xmlns="" val="1"/>
+              <ma14:wrappingTextBoxFlag xmlns="" xmlns:ma14="http://schemas.microsoft.com/office/mac/drawingml/2011/main" val="1"/>
             </a:ext>
           </a:extLst>
         </p:spPr>
@@ -6088,7 +6088,7 @@
           </a:ln>
           <a:extLst>
             <a:ext uri="{C572A759-6A51-4108-AA02-DFA0A04FC94B}">
-              <ma14:wrappingTextBoxFlag xmlns:ma14="http://schemas.microsoft.com/office/mac/drawingml/2011/main" xmlns="" val="1"/>
+              <ma14:wrappingTextBoxFlag xmlns="" xmlns:ma14="http://schemas.microsoft.com/office/mac/drawingml/2011/main" val="1"/>
             </a:ext>
           </a:extLst>
         </p:spPr>
@@ -6184,7 +6184,7 @@
           </a:ln>
           <a:extLst>
             <a:ext uri="{C572A759-6A51-4108-AA02-DFA0A04FC94B}">
-              <ma14:wrappingTextBoxFlag xmlns:ma14="http://schemas.microsoft.com/office/mac/drawingml/2011/main" xmlns="" val="1"/>
+              <ma14:wrappingTextBoxFlag xmlns="" xmlns:ma14="http://schemas.microsoft.com/office/mac/drawingml/2011/main" val="1"/>
             </a:ext>
           </a:extLst>
         </p:spPr>
@@ -6306,7 +6306,7 @@
           </a:ln>
           <a:extLst>
             <a:ext uri="{C572A759-6A51-4108-AA02-DFA0A04FC94B}">
-              <ma14:wrappingTextBoxFlag xmlns:ma14="http://schemas.microsoft.com/office/mac/drawingml/2011/main" xmlns="" val="1"/>
+              <ma14:wrappingTextBoxFlag xmlns="" xmlns:ma14="http://schemas.microsoft.com/office/mac/drawingml/2011/main" val="1"/>
             </a:ext>
           </a:extLst>
         </p:spPr>
@@ -6617,7 +6617,7 @@
           </a:ln>
           <a:extLst>
             <a:ext uri="{C572A759-6A51-4108-AA02-DFA0A04FC94B}">
-              <ma14:wrappingTextBoxFlag xmlns:ma14="http://schemas.microsoft.com/office/mac/drawingml/2011/main" xmlns="" val="1"/>
+              <ma14:wrappingTextBoxFlag xmlns="" xmlns:ma14="http://schemas.microsoft.com/office/mac/drawingml/2011/main" val="1"/>
             </a:ext>
           </a:extLst>
         </p:spPr>
@@ -6683,7 +6683,7 @@
           </a:ln>
           <a:extLst>
             <a:ext uri="{C572A759-6A51-4108-AA02-DFA0A04FC94B}">
-              <ma14:wrappingTextBoxFlag xmlns:ma14="http://schemas.microsoft.com/office/mac/drawingml/2011/main" xmlns="" val="1"/>
+              <ma14:wrappingTextBoxFlag xmlns="" xmlns:ma14="http://schemas.microsoft.com/office/mac/drawingml/2011/main" val="1"/>
             </a:ext>
           </a:extLst>
         </p:spPr>
@@ -6749,7 +6749,7 @@
           </a:ln>
           <a:extLst>
             <a:ext uri="{C572A759-6A51-4108-AA02-DFA0A04FC94B}">
-              <ma14:wrappingTextBoxFlag xmlns:ma14="http://schemas.microsoft.com/office/mac/drawingml/2011/main" xmlns="" val="1"/>
+              <ma14:wrappingTextBoxFlag xmlns="" xmlns:ma14="http://schemas.microsoft.com/office/mac/drawingml/2011/main" val="1"/>
             </a:ext>
           </a:extLst>
         </p:spPr>
@@ -6909,7 +6909,7 @@
           </a:ln>
           <a:extLst>
             <a:ext uri="{C572A759-6A51-4108-AA02-DFA0A04FC94B}">
-              <ma14:wrappingTextBoxFlag xmlns:ma14="http://schemas.microsoft.com/office/mac/drawingml/2011/main" xmlns="" val="1"/>
+              <ma14:wrappingTextBoxFlag xmlns="" xmlns:ma14="http://schemas.microsoft.com/office/mac/drawingml/2011/main" val="1"/>
             </a:ext>
           </a:extLst>
         </p:spPr>
@@ -6977,7 +6977,7 @@
           </a:ln>
           <a:extLst>
             <a:ext uri="{C572A759-6A51-4108-AA02-DFA0A04FC94B}">
-              <ma14:wrappingTextBoxFlag xmlns:ma14="http://schemas.microsoft.com/office/mac/drawingml/2011/main" xmlns="" val="1"/>
+              <ma14:wrappingTextBoxFlag xmlns="" xmlns:ma14="http://schemas.microsoft.com/office/mac/drawingml/2011/main" val="1"/>
             </a:ext>
           </a:extLst>
         </p:spPr>
@@ -7154,7 +7154,7 @@
           </a:ln>
           <a:extLst>
             <a:ext uri="{C572A759-6A51-4108-AA02-DFA0A04FC94B}">
-              <ma14:wrappingTextBoxFlag xmlns:ma14="http://schemas.microsoft.com/office/mac/drawingml/2011/main" xmlns="" val="1"/>
+              <ma14:wrappingTextBoxFlag xmlns="" xmlns:ma14="http://schemas.microsoft.com/office/mac/drawingml/2011/main" val="1"/>
             </a:ext>
           </a:extLst>
         </p:spPr>
@@ -7280,7 +7280,7 @@
           </a:ln>
           <a:extLst>
             <a:ext uri="{C572A759-6A51-4108-AA02-DFA0A04FC94B}">
-              <ma14:wrappingTextBoxFlag xmlns:ma14="http://schemas.microsoft.com/office/mac/drawingml/2011/main" xmlns="" val="1"/>
+              <ma14:wrappingTextBoxFlag xmlns="" xmlns:ma14="http://schemas.microsoft.com/office/mac/drawingml/2011/main" val="1"/>
             </a:ext>
           </a:extLst>
         </p:spPr>
@@ -7342,7 +7342,7 @@
           </a:ln>
           <a:extLst>
             <a:ext uri="{C572A759-6A51-4108-AA02-DFA0A04FC94B}">
-              <ma14:wrappingTextBoxFlag xmlns:ma14="http://schemas.microsoft.com/office/mac/drawingml/2011/main" xmlns="" val="1"/>
+              <ma14:wrappingTextBoxFlag xmlns="" xmlns:ma14="http://schemas.microsoft.com/office/mac/drawingml/2011/main" val="1"/>
             </a:ext>
           </a:extLst>
         </p:spPr>
@@ -7442,7 +7442,7 @@
           </a:ln>
           <a:extLst>
             <a:ext uri="{C572A759-6A51-4108-AA02-DFA0A04FC94B}">
-              <ma14:wrappingTextBoxFlag xmlns:ma14="http://schemas.microsoft.com/office/mac/drawingml/2011/main" xmlns="" val="1"/>
+              <ma14:wrappingTextBoxFlag xmlns="" xmlns:ma14="http://schemas.microsoft.com/office/mac/drawingml/2011/main" val="1"/>
             </a:ext>
           </a:extLst>
         </p:spPr>
@@ -7480,7 +7480,7 @@
           </a:ln>
           <a:extLst>
             <a:ext uri="{C572A759-6A51-4108-AA02-DFA0A04FC94B}">
-              <ma14:wrappingTextBoxFlag xmlns:ma14="http://schemas.microsoft.com/office/mac/drawingml/2011/main" xmlns="" val="1"/>
+              <ma14:wrappingTextBoxFlag xmlns="" xmlns:ma14="http://schemas.microsoft.com/office/mac/drawingml/2011/main" val="1"/>
             </a:ext>
           </a:extLst>
         </p:spPr>
@@ -7538,7 +7538,7 @@
           </a:ln>
           <a:extLst>
             <a:ext uri="{C572A759-6A51-4108-AA02-DFA0A04FC94B}">
-              <ma14:wrappingTextBoxFlag xmlns:ma14="http://schemas.microsoft.com/office/mac/drawingml/2011/main" xmlns="" val="1"/>
+              <ma14:wrappingTextBoxFlag xmlns="" xmlns:ma14="http://schemas.microsoft.com/office/mac/drawingml/2011/main" val="1"/>
             </a:ext>
           </a:extLst>
         </p:spPr>
@@ -7630,7 +7630,7 @@
           </a:ln>
           <a:extLst>
             <a:ext uri="{C572A759-6A51-4108-AA02-DFA0A04FC94B}">
-              <ma14:wrappingTextBoxFlag xmlns:ma14="http://schemas.microsoft.com/office/mac/drawingml/2011/main" xmlns="" val="1"/>
+              <ma14:wrappingTextBoxFlag xmlns="" xmlns:ma14="http://schemas.microsoft.com/office/mac/drawingml/2011/main" val="1"/>
             </a:ext>
           </a:extLst>
         </p:spPr>
@@ -7674,7 +7674,7 @@
           </a:ln>
           <a:extLst>
             <a:ext uri="{C572A759-6A51-4108-AA02-DFA0A04FC94B}">
-              <ma14:wrappingTextBoxFlag xmlns:ma14="http://schemas.microsoft.com/office/mac/drawingml/2011/main" xmlns="" val="1"/>
+              <ma14:wrappingTextBoxFlag xmlns="" xmlns:ma14="http://schemas.microsoft.com/office/mac/drawingml/2011/main" val="1"/>
             </a:ext>
           </a:extLst>
         </p:spPr>
@@ -7757,8 +7757,8 @@
         </p:nvSpPr>
         <p:spPr>
           <a:xfrm>
-            <a:off x="7819436" y="1711493"/>
-            <a:ext cx="5903579" cy="442605"/>
+            <a:off x="7819436" y="1628394"/>
+            <a:ext cx="5903579" cy="608804"/>
           </a:xfrm>
           <a:prstGeom prst="rect">
             <a:avLst/>
@@ -7768,7 +7768,7 @@
           </a:ln>
           <a:extLst>
             <a:ext uri="{C572A759-6A51-4108-AA02-DFA0A04FC94B}">
-              <ma14:wrappingTextBoxFlag xmlns:ma14="http://schemas.microsoft.com/office/mac/drawingml/2011/main" xmlns="" val="1"/>
+              <ma14:wrappingTextBoxFlag xmlns="" xmlns:ma14="http://schemas.microsoft.com/office/mac/drawingml/2011/main" val="1"/>
             </a:ext>
           </a:extLst>
         </p:spPr>
@@ -7811,7 +7811,7 @@
                 <a:ea typeface="Source Sans Pro" panose="020B0503030403020204" pitchFamily="34" charset="0"/>
                 <a:sym typeface="Source Sans Pro Light"/>
               </a:rPr>
-              <a:t>fill in the dilution batch name , the dilution factor in % and Injection volume in </a:t>
+              <a:t>fill in the dilution batch name , the relative sample amount in % and Injection volume in </a:t>
             </a:r>
             <a:r>
               <a:rPr lang="en-US" b="0" dirty="0" err="1">
@@ -7917,36 +7917,6 @@
           </a:prstGeom>
         </p:spPr>
       </p:pic>
-      <p:pic>
-        <p:nvPicPr>
-          <p:cNvPr id="5" name="Picture 4">
-            <a:extLst>
-              <a:ext uri="{FF2B5EF4-FFF2-40B4-BE49-F238E27FC236}">
-                <a16:creationId xmlns:a16="http://schemas.microsoft.com/office/drawing/2014/main" id="{9C04F100-9889-4BDC-862A-7B1310F2F077}"/>
-              </a:ext>
-            </a:extLst>
-          </p:cNvPr>
-          <p:cNvPicPr>
-            <a:picLocks noChangeAspect="1"/>
-          </p:cNvPicPr>
-          <p:nvPr/>
-        </p:nvPicPr>
-        <p:blipFill>
-          <a:blip r:embed="rId5"/>
-          <a:stretch>
-            <a:fillRect/>
-          </a:stretch>
-        </p:blipFill>
-        <p:spPr>
-          <a:xfrm>
-            <a:off x="7925788" y="2249087"/>
-            <a:ext cx="5690874" cy="831189"/>
-          </a:xfrm>
-          <a:prstGeom prst="rect">
-            <a:avLst/>
-          </a:prstGeom>
-        </p:spPr>
-      </p:pic>
       <p:sp>
         <p:nvSpPr>
           <p:cNvPr id="17" name="CODE">
@@ -7972,7 +7942,7 @@
           </a:ln>
           <a:extLst>
             <a:ext uri="{C572A759-6A51-4108-AA02-DFA0A04FC94B}">
-              <ma14:wrappingTextBoxFlag xmlns:ma14="http://schemas.microsoft.com/office/mac/drawingml/2011/main" xmlns="" val="1"/>
+              <ma14:wrappingTextBoxFlag xmlns="" xmlns:ma14="http://schemas.microsoft.com/office/mac/drawingml/2011/main" val="1"/>
             </a:ext>
           </a:extLst>
         </p:spPr>
@@ -8020,7 +7990,7 @@
           </a:ln>
           <a:extLst>
             <a:ext uri="{C572A759-6A51-4108-AA02-DFA0A04FC94B}">
-              <ma14:wrappingTextBoxFlag xmlns:ma14="http://schemas.microsoft.com/office/mac/drawingml/2011/main" xmlns="" val="1"/>
+              <ma14:wrappingTextBoxFlag xmlns="" xmlns:ma14="http://schemas.microsoft.com/office/mac/drawingml/2011/main" val="1"/>
             </a:ext>
           </a:extLst>
         </p:spPr>
@@ -8096,7 +8066,7 @@
           <p:nvPr/>
         </p:nvPicPr>
         <p:blipFill>
-          <a:blip r:embed="rId6"/>
+          <a:blip r:embed="rId5"/>
           <a:stretch>
             <a:fillRect/>
           </a:stretch>
@@ -8136,7 +8106,7 @@
           </a:ln>
           <a:extLst>
             <a:ext uri="{C572A759-6A51-4108-AA02-DFA0A04FC94B}">
-              <ma14:wrappingTextBoxFlag xmlns:ma14="http://schemas.microsoft.com/office/mac/drawingml/2011/main" xmlns="" val="1"/>
+              <ma14:wrappingTextBoxFlag xmlns="" xmlns:ma14="http://schemas.microsoft.com/office/mac/drawingml/2011/main" val="1"/>
             </a:ext>
           </a:extLst>
         </p:spPr>
@@ -8195,7 +8165,7 @@
           <p:nvPr/>
         </p:nvPicPr>
         <p:blipFill>
-          <a:blip r:embed="rId7"/>
+          <a:blip r:embed="rId6"/>
           <a:stretch>
             <a:fillRect/>
           </a:stretch>
@@ -8235,7 +8205,7 @@
           </a:ln>
           <a:extLst>
             <a:ext uri="{C572A759-6A51-4108-AA02-DFA0A04FC94B}">
-              <ma14:wrappingTextBoxFlag xmlns:ma14="http://schemas.microsoft.com/office/mac/drawingml/2011/main" xmlns="" val="1"/>
+              <ma14:wrappingTextBoxFlag xmlns="" xmlns:ma14="http://schemas.microsoft.com/office/mac/drawingml/2011/main" val="1"/>
             </a:ext>
           </a:extLst>
         </p:spPr>
@@ -8296,6 +8266,36 @@
           <p:nvPr/>
         </p:nvPicPr>
         <p:blipFill>
+          <a:blip r:embed="rId7"/>
+          <a:stretch>
+            <a:fillRect/>
+          </a:stretch>
+        </p:blipFill>
+        <p:spPr>
+          <a:xfrm>
+            <a:off x="545714" y="4953201"/>
+            <a:ext cx="2690889" cy="543161"/>
+          </a:xfrm>
+          <a:prstGeom prst="rect">
+            <a:avLst/>
+          </a:prstGeom>
+        </p:spPr>
+      </p:pic>
+      <p:pic>
+        <p:nvPicPr>
+          <p:cNvPr id="6" name="Picture 5">
+            <a:extLst>
+              <a:ext uri="{FF2B5EF4-FFF2-40B4-BE49-F238E27FC236}">
+                <a16:creationId xmlns:a16="http://schemas.microsoft.com/office/drawing/2014/main" id="{359E4FCF-5562-456C-AAB2-940B76DBADC8}"/>
+              </a:ext>
+            </a:extLst>
+          </p:cNvPr>
+          <p:cNvPicPr>
+            <a:picLocks noChangeAspect="1"/>
+          </p:cNvPicPr>
+          <p:nvPr/>
+        </p:nvPicPr>
+        <p:blipFill>
           <a:blip r:embed="rId8"/>
           <a:stretch>
             <a:fillRect/>
@@ -8303,8 +8303,8 @@
         </p:blipFill>
         <p:spPr>
           <a:xfrm>
-            <a:off x="545714" y="4953201"/>
-            <a:ext cx="2690889" cy="543161"/>
+            <a:off x="7944478" y="2151023"/>
+            <a:ext cx="5778537" cy="786552"/>
           </a:xfrm>
           <a:prstGeom prst="rect">
             <a:avLst/>

--- a/docs/MS_Template_Creator_Summary.pptx
+++ b/docs/MS_Template_Creator_Summary.pptx
@@ -2141,7 +2141,7 @@
           </a:ln>
           <a:extLst>
             <a:ext uri="{C572A759-6A51-4108-AA02-DFA0A04FC94B}">
-              <ma14:wrappingTextBoxFlag xmlns="" xmlns:ma14="http://schemas.microsoft.com/office/mac/drawingml/2011/main" val="1"/>
+              <ma14:wrappingTextBoxFlag xmlns:ma14="http://schemas.microsoft.com/office/mac/drawingml/2011/main" xmlns="" val="1"/>
             </a:ext>
           </a:extLst>
         </p:spPr>
@@ -2180,7 +2180,7 @@
           </a:ln>
           <a:extLst>
             <a:ext uri="{C572A759-6A51-4108-AA02-DFA0A04FC94B}">
-              <ma14:wrappingTextBoxFlag xmlns="" xmlns:ma14="http://schemas.microsoft.com/office/mac/drawingml/2011/main" val="1"/>
+              <ma14:wrappingTextBoxFlag xmlns:ma14="http://schemas.microsoft.com/office/mac/drawingml/2011/main" xmlns="" val="1"/>
             </a:ext>
           </a:extLst>
         </p:spPr>
@@ -3118,7 +3118,7 @@
           </a:ln>
           <a:extLst>
             <a:ext uri="{C572A759-6A51-4108-AA02-DFA0A04FC94B}">
-              <ma14:wrappingTextBoxFlag xmlns="" xmlns:ma14="http://schemas.microsoft.com/office/mac/drawingml/2011/main" val="1"/>
+              <ma14:wrappingTextBoxFlag xmlns:ma14="http://schemas.microsoft.com/office/mac/drawingml/2011/main" xmlns="" val="1"/>
             </a:ext>
           </a:extLst>
         </p:spPr>
@@ -4193,7 +4193,7 @@
           </a:ln>
           <a:extLst>
             <a:ext uri="{C572A759-6A51-4108-AA02-DFA0A04FC94B}">
-              <ma14:wrappingTextBoxFlag xmlns="" xmlns:ma14="http://schemas.microsoft.com/office/mac/drawingml/2011/main" val="1"/>
+              <ma14:wrappingTextBoxFlag xmlns:ma14="http://schemas.microsoft.com/office/mac/drawingml/2011/main" xmlns="" val="1"/>
             </a:ext>
           </a:extLst>
         </p:spPr>
@@ -4231,7 +4231,7 @@
           </a:ln>
           <a:extLst>
             <a:ext uri="{C572A759-6A51-4108-AA02-DFA0A04FC94B}">
-              <ma14:wrappingTextBoxFlag xmlns="" xmlns:ma14="http://schemas.microsoft.com/office/mac/drawingml/2011/main" val="1"/>
+              <ma14:wrappingTextBoxFlag xmlns:ma14="http://schemas.microsoft.com/office/mac/drawingml/2011/main" xmlns="" val="1"/>
             </a:ext>
           </a:extLst>
         </p:spPr>
@@ -4331,7 +4331,7 @@
           </a:ln>
           <a:extLst>
             <a:ext uri="{C572A759-6A51-4108-AA02-DFA0A04FC94B}">
-              <ma14:wrappingTextBoxFlag xmlns="" xmlns:ma14="http://schemas.microsoft.com/office/mac/drawingml/2011/main" val="1"/>
+              <ma14:wrappingTextBoxFlag xmlns:ma14="http://schemas.microsoft.com/office/mac/drawingml/2011/main" xmlns="" val="1"/>
             </a:ext>
           </a:extLst>
         </p:spPr>
@@ -4369,7 +4369,7 @@
           </a:ln>
           <a:extLst>
             <a:ext uri="{C572A759-6A51-4108-AA02-DFA0A04FC94B}">
-              <ma14:wrappingTextBoxFlag xmlns="" xmlns:ma14="http://schemas.microsoft.com/office/mac/drawingml/2011/main" val="1"/>
+              <ma14:wrappingTextBoxFlag xmlns:ma14="http://schemas.microsoft.com/office/mac/drawingml/2011/main" xmlns="" val="1"/>
             </a:ext>
           </a:extLst>
         </p:spPr>
@@ -4421,52 +4421,6 @@
           </a:p>
         </p:txBody>
       </p:sp>
-      <p:pic>
-        <p:nvPicPr>
-          <p:cNvPr id="280" name="Picture 279"/>
-          <p:cNvPicPr/>
-          <p:nvPr/>
-        </p:nvPicPr>
-        <p:blipFill>
-          <a:blip r:embed="rId3"/>
-          <a:stretch>
-            <a:fillRect/>
-          </a:stretch>
-        </p:blipFill>
-        <p:spPr>
-          <a:xfrm>
-            <a:off x="5590127" y="2385467"/>
-            <a:ext cx="1007464" cy="339949"/>
-          </a:xfrm>
-          <a:prstGeom prst="rect">
-            <a:avLst/>
-          </a:prstGeom>
-        </p:spPr>
-      </p:pic>
-      <p:pic>
-        <p:nvPicPr>
-          <p:cNvPr id="3" name="Picture 2"/>
-          <p:cNvPicPr>
-            <a:picLocks noChangeAspect="1"/>
-          </p:cNvPicPr>
-          <p:nvPr/>
-        </p:nvPicPr>
-        <p:blipFill>
-          <a:blip r:embed="rId4"/>
-          <a:stretch>
-            <a:fillRect/>
-          </a:stretch>
-        </p:blipFill>
-        <p:spPr>
-          <a:xfrm>
-            <a:off x="5071638" y="2981640"/>
-            <a:ext cx="2038406" cy="2038406"/>
-          </a:xfrm>
-          <a:prstGeom prst="rect">
-            <a:avLst/>
-          </a:prstGeom>
-        </p:spPr>
-      </p:pic>
       <p:sp>
         <p:nvSpPr>
           <p:cNvPr id="281" name="CODE"/>
@@ -4486,7 +4440,7 @@
           </a:ln>
           <a:extLst>
             <a:ext uri="{C572A759-6A51-4108-AA02-DFA0A04FC94B}">
-              <ma14:wrappingTextBoxFlag xmlns="" xmlns:ma14="http://schemas.microsoft.com/office/mac/drawingml/2011/main" val="1"/>
+              <ma14:wrappingTextBoxFlag xmlns:ma14="http://schemas.microsoft.com/office/mac/drawingml/2011/main" xmlns="" val="1"/>
             </a:ext>
           </a:extLst>
         </p:spPr>
@@ -4524,7 +4478,7 @@
           </a:ln>
           <a:extLst>
             <a:ext uri="{C572A759-6A51-4108-AA02-DFA0A04FC94B}">
-              <ma14:wrappingTextBoxFlag xmlns="" xmlns:ma14="http://schemas.microsoft.com/office/mac/drawingml/2011/main" val="1"/>
+              <ma14:wrappingTextBoxFlag xmlns:ma14="http://schemas.microsoft.com/office/mac/drawingml/2011/main" xmlns="" val="1"/>
             </a:ext>
           </a:extLst>
         </p:spPr>
@@ -4595,50 +4549,6 @@
           </a:p>
         </p:txBody>
       </p:sp>
-      <p:pic>
-        <p:nvPicPr>
-          <p:cNvPr id="286" name="Picture 285"/>
-          <p:cNvPicPr/>
-          <p:nvPr/>
-        </p:nvPicPr>
-        <p:blipFill>
-          <a:blip r:embed="rId5"/>
-          <a:stretch>
-            <a:fillRect/>
-          </a:stretch>
-        </p:blipFill>
-        <p:spPr>
-          <a:xfrm>
-            <a:off x="7549656" y="2881958"/>
-            <a:ext cx="1676913" cy="2245684"/>
-          </a:xfrm>
-          <a:prstGeom prst="rect">
-            <a:avLst/>
-          </a:prstGeom>
-        </p:spPr>
-      </p:pic>
-      <p:pic>
-        <p:nvPicPr>
-          <p:cNvPr id="287" name="Picture 286"/>
-          <p:cNvPicPr/>
-          <p:nvPr/>
-        </p:nvPicPr>
-        <p:blipFill>
-          <a:blip r:embed="rId6"/>
-          <a:stretch>
-            <a:fillRect/>
-          </a:stretch>
-        </p:blipFill>
-        <p:spPr>
-          <a:xfrm>
-            <a:off x="7507127" y="2386318"/>
-            <a:ext cx="1676913" cy="337670"/>
-          </a:xfrm>
-          <a:prstGeom prst="rect">
-            <a:avLst/>
-          </a:prstGeom>
-        </p:spPr>
-      </p:pic>
       <p:sp>
         <p:nvSpPr>
           <p:cNvPr id="321" name="CODE"/>
@@ -4658,7 +4568,7 @@
           </a:ln>
           <a:extLst>
             <a:ext uri="{C572A759-6A51-4108-AA02-DFA0A04FC94B}">
-              <ma14:wrappingTextBoxFlag xmlns="" xmlns:ma14="http://schemas.microsoft.com/office/mac/drawingml/2011/main" val="1"/>
+              <ma14:wrappingTextBoxFlag xmlns:ma14="http://schemas.microsoft.com/office/mac/drawingml/2011/main" xmlns="" val="1"/>
             </a:ext>
           </a:extLst>
         </p:spPr>
@@ -4692,7 +4602,7 @@
           <p:nvPr/>
         </p:nvPicPr>
         <p:blipFill>
-          <a:blip r:embed="rId7"/>
+          <a:blip r:embed="rId3"/>
           <a:stretch>
             <a:fillRect/>
           </a:stretch>
@@ -4732,7 +4642,7 @@
           </a:ln>
           <a:extLst>
             <a:ext uri="{C572A759-6A51-4108-AA02-DFA0A04FC94B}">
-              <ma14:wrappingTextBoxFlag xmlns="" xmlns:ma14="http://schemas.microsoft.com/office/mac/drawingml/2011/main" val="1"/>
+              <ma14:wrappingTextBoxFlag xmlns:ma14="http://schemas.microsoft.com/office/mac/drawingml/2011/main" xmlns="" val="1"/>
             </a:ext>
           </a:extLst>
         </p:spPr>
@@ -4836,7 +4746,7 @@
           </a:ln>
           <a:extLst>
             <a:ext uri="{C572A759-6A51-4108-AA02-DFA0A04FC94B}">
-              <ma14:wrappingTextBoxFlag xmlns="" xmlns:ma14="http://schemas.microsoft.com/office/mac/drawingml/2011/main" val="1"/>
+              <ma14:wrappingTextBoxFlag xmlns:ma14="http://schemas.microsoft.com/office/mac/drawingml/2011/main" xmlns="" val="1"/>
             </a:ext>
           </a:extLst>
         </p:spPr>
@@ -4870,7 +4780,7 @@
           <p:nvPr/>
         </p:nvPicPr>
         <p:blipFill rotWithShape="1">
-          <a:blip r:embed="rId8"/>
+          <a:blip r:embed="rId4"/>
           <a:srcRect b="22956"/>
           <a:stretch/>
         </p:blipFill>
@@ -4899,7 +4809,7 @@
           <p:nvPr/>
         </p:nvPicPr>
         <p:blipFill>
-          <a:blip r:embed="rId9"/>
+          <a:blip r:embed="rId5"/>
           <a:stretch>
             <a:fillRect/>
           </a:stretch>
@@ -4939,7 +4849,7 @@
           </a:ln>
           <a:extLst>
             <a:ext uri="{C572A759-6A51-4108-AA02-DFA0A04FC94B}">
-              <ma14:wrappingTextBoxFlag xmlns="" xmlns:ma14="http://schemas.microsoft.com/office/mac/drawingml/2011/main" val="1"/>
+              <ma14:wrappingTextBoxFlag xmlns:ma14="http://schemas.microsoft.com/office/mac/drawingml/2011/main" xmlns="" val="1"/>
             </a:ext>
           </a:extLst>
         </p:spPr>
@@ -5029,7 +4939,7 @@
           </a:ln>
           <a:extLst>
             <a:ext uri="{C572A759-6A51-4108-AA02-DFA0A04FC94B}">
-              <ma14:wrappingTextBoxFlag xmlns="" xmlns:ma14="http://schemas.microsoft.com/office/mac/drawingml/2011/main" val="1"/>
+              <ma14:wrappingTextBoxFlag xmlns:ma14="http://schemas.microsoft.com/office/mac/drawingml/2011/main" xmlns="" val="1"/>
             </a:ext>
           </a:extLst>
         </p:spPr>
@@ -5087,10 +4997,10 @@
       </p:sp>
       <p:sp>
         <p:nvSpPr>
-          <p:cNvPr id="81" name="Where possible, use code that works when run.">
+          <p:cNvPr id="82" name="Where possible, use code that works when run.">
             <a:extLst>
               <a:ext uri="{FF2B5EF4-FFF2-40B4-BE49-F238E27FC236}">
-                <a16:creationId xmlns:a16="http://schemas.microsoft.com/office/drawing/2014/main" id="{B5446874-9CAF-453D-8A7A-E9A5542E1E84}"/>
+                <a16:creationId xmlns:a16="http://schemas.microsoft.com/office/drawing/2014/main" id="{E3367E7C-5C46-4E45-9041-41BDC06846F2}"/>
               </a:ext>
             </a:extLst>
           </p:cNvPr>
@@ -5099,8 +5009,8 @@
         </p:nvSpPr>
         <p:spPr>
           <a:xfrm>
-            <a:off x="9718573" y="1685891"/>
-            <a:ext cx="4492591" cy="276405"/>
+            <a:off x="9718573" y="4064911"/>
+            <a:ext cx="4492591" cy="442605"/>
           </a:xfrm>
           <a:prstGeom prst="rect">
             <a:avLst/>
@@ -5110,7 +5020,7 @@
           </a:ln>
           <a:extLst>
             <a:ext uri="{C572A759-6A51-4108-AA02-DFA0A04FC94B}">
-              <ma14:wrappingTextBoxFlag xmlns="" xmlns:ma14="http://schemas.microsoft.com/office/mac/drawingml/2011/main" val="1"/>
+              <ma14:wrappingTextBoxFlag xmlns:ma14="http://schemas.microsoft.com/office/mac/drawingml/2011/main" xmlns="" val="1"/>
             </a:ext>
           </a:extLst>
         </p:spPr>
@@ -5146,43 +5056,35 @@
             </a:pPr>
             <a:r>
               <a:rPr lang="en-SG" dirty="0">
-                <a:latin typeface="Source Sans Pro" panose="020B0503030403020204" pitchFamily="34" charset="0"/>
-                <a:ea typeface="Source Sans Pro" panose="020B0503030403020204" pitchFamily="34" charset="0"/>
+                <a:latin typeface="Source Sans Pro"/>
+                <a:ea typeface="Source Sans Pro"/>
+                <a:cs typeface="Source Sans Pro"/>
+                <a:sym typeface="Source Sans Pro"/>
               </a:rPr>
-              <a:t>User must key in </a:t>
-            </a:r>
-            <a:r>
-              <a:rPr lang="en-SG" b="0" dirty="0" err="1">
-                <a:solidFill>
-                  <a:srgbClr val="000000"/>
-                </a:solidFill>
-                <a:latin typeface="Source Sans Pro" panose="020B0503030403020204" pitchFamily="34" charset="0"/>
-                <a:ea typeface="Source Sans Pro" panose="020B0503030403020204" pitchFamily="34" charset="0"/>
-                <a:sym typeface="Source Sans Pro Light"/>
+              <a:t>Conversion of concentration values from </a:t>
+            </a:r>
+            <a:r>
+              <a:rPr lang="en-SG" dirty="0" err="1">
+                <a:latin typeface="Source Sans Pro"/>
+                <a:ea typeface="Source Sans Pro"/>
+                <a:cs typeface="Source Sans Pro"/>
+                <a:sym typeface="Source Sans Pro"/>
               </a:rPr>
               <a:t>nM</a:t>
             </a:r>
             <a:r>
-              <a:rPr lang="en-SG" b="0" dirty="0">
-                <a:solidFill>
-                  <a:srgbClr val="000000"/>
-                </a:solidFill>
-                <a:latin typeface="Source Sans Pro" panose="020B0503030403020204" pitchFamily="34" charset="0"/>
-                <a:ea typeface="Source Sans Pro" panose="020B0503030403020204" pitchFamily="34" charset="0"/>
-                <a:sym typeface="Source Sans Pro Light"/>
+              <a:rPr lang="en-SG" dirty="0">
+                <a:latin typeface="Source Sans Pro"/>
+                <a:ea typeface="Source Sans Pro"/>
+                <a:cs typeface="Source Sans Pro"/>
+                <a:sym typeface="Source Sans Pro"/>
               </a:rPr>
-              <a:t> concentration value (red cell) for each ISTD</a:t>
-            </a:r>
-            <a:r>
-              <a:rPr lang="en-SG" dirty="0">
-                <a:latin typeface="Source Sans Pro" panose="020B0503030403020204" pitchFamily="34" charset="0"/>
-                <a:ea typeface="Source Sans Pro" panose="020B0503030403020204" pitchFamily="34" charset="0"/>
-              </a:rPr>
-              <a:t> </a:t>
+              <a:t> to other units are available</a:t>
             </a:r>
             <a:endParaRPr dirty="0">
-              <a:latin typeface="Source Sans Pro" panose="020B0503030403020204" pitchFamily="34" charset="0"/>
-              <a:ea typeface="Source Sans Pro" panose="020B0503030403020204" pitchFamily="34" charset="0"/>
+              <a:latin typeface="Source Sans Pro"/>
+              <a:ea typeface="Source Sans Pro"/>
+              <a:cs typeface="Source Sans Pro"/>
               <a:sym typeface="Source Sans Pro"/>
             </a:endParaRPr>
           </a:p>
@@ -5190,10 +5092,58 @@
       </p:sp>
       <p:sp>
         <p:nvSpPr>
-          <p:cNvPr id="82" name="Where possible, use code that works when run.">
+          <p:cNvPr id="85" name="Line">
             <a:extLst>
               <a:ext uri="{FF2B5EF4-FFF2-40B4-BE49-F238E27FC236}">
-                <a16:creationId xmlns:a16="http://schemas.microsoft.com/office/drawing/2014/main" id="{E3367E7C-5C46-4E45-9041-41BDC06846F2}"/>
+                <a16:creationId xmlns:a16="http://schemas.microsoft.com/office/drawing/2014/main" id="{CFDC8BBB-6810-457D-BA07-69770FEEFF83}"/>
+              </a:ext>
+            </a:extLst>
+          </p:cNvPr>
+          <p:cNvSpPr/>
+          <p:nvPr/>
+        </p:nvSpPr>
+        <p:spPr>
+          <a:xfrm flipV="1">
+            <a:off x="133340" y="8064254"/>
+            <a:ext cx="4756756" cy="13649"/>
+          </a:xfrm>
+          <a:prstGeom prst="line">
+            <a:avLst/>
+          </a:prstGeom>
+          <a:ln w="3175">
+            <a:solidFill>
+              <a:srgbClr val="767C85"/>
+            </a:solidFill>
+            <a:miter lim="400000"/>
+          </a:ln>
+        </p:spPr>
+        <p:txBody>
+          <a:bodyPr lIns="54570" tIns="54570" rIns="54570" bIns="54570" anchor="ctr"/>
+          <a:lstStyle/>
+          <a:p>
+            <a:pPr>
+              <a:lnSpc>
+                <a:spcPct val="80000"/>
+              </a:lnSpc>
+              <a:spcBef>
+                <a:spcPts val="600"/>
+              </a:spcBef>
+              <a:defRPr b="0">
+                <a:solidFill>
+                  <a:srgbClr val="000000"/>
+                </a:solidFill>
+              </a:defRPr>
+            </a:pPr>
+            <a:endParaRPr/>
+          </a:p>
+        </p:txBody>
+      </p:sp>
+      <p:sp>
+        <p:nvSpPr>
+          <p:cNvPr id="86" name="Useful Elements">
+            <a:extLst>
+              <a:ext uri="{FF2B5EF4-FFF2-40B4-BE49-F238E27FC236}">
+                <a16:creationId xmlns:a16="http://schemas.microsoft.com/office/drawing/2014/main" id="{789AF98A-8865-468A-AF50-7B5E4867C57D}"/>
               </a:ext>
             </a:extLst>
           </p:cNvPr>
@@ -5202,8 +5152,8 @@
         </p:nvSpPr>
         <p:spPr>
           <a:xfrm>
-            <a:off x="9718573" y="4064911"/>
-            <a:ext cx="4492591" cy="442605"/>
+            <a:off x="201032" y="8152129"/>
+            <a:ext cx="4030058" cy="333425"/>
           </a:xfrm>
           <a:prstGeom prst="rect">
             <a:avLst/>
@@ -5213,7 +5163,107 @@
           </a:ln>
           <a:extLst>
             <a:ext uri="{C572A759-6A51-4108-AA02-DFA0A04FC94B}">
-              <ma14:wrappingTextBoxFlag xmlns="" xmlns:ma14="http://schemas.microsoft.com/office/mac/drawingml/2011/main" val="1"/>
+              <ma14:wrappingTextBoxFlag xmlns:ma14="http://schemas.microsoft.com/office/mac/drawingml/2011/main" xmlns="" val="1"/>
+            </a:ext>
+          </a:extLst>
+        </p:spPr>
+        <p:txBody>
+          <a:bodyPr wrap="square" lIns="12700" tIns="12700" rIns="12700" bIns="12700" anchor="ctr">
+            <a:spAutoFit/>
+          </a:bodyPr>
+          <a:lstStyle/>
+          <a:p>
+            <a:pPr lvl="1" indent="0">
+              <a:lnSpc>
+                <a:spcPct val="80000"/>
+              </a:lnSpc>
+              <a:spcBef>
+                <a:spcPts val="0"/>
+              </a:spcBef>
+              <a:defRPr sz="2500" b="0">
+                <a:solidFill>
+                  <a:srgbClr val="628DB5"/>
+                </a:solidFill>
+              </a:defRPr>
+            </a:pPr>
+            <a:r>
+              <a:rPr lang="en-SG" dirty="0"/>
+              <a:t>Transition Name Annotation</a:t>
+            </a:r>
+            <a:endParaRPr dirty="0"/>
+          </a:p>
+        </p:txBody>
+      </p:sp>
+      <p:sp>
+        <p:nvSpPr>
+          <p:cNvPr id="87" name="CODE">
+            <a:extLst>
+              <a:ext uri="{FF2B5EF4-FFF2-40B4-BE49-F238E27FC236}">
+                <a16:creationId xmlns:a16="http://schemas.microsoft.com/office/drawing/2014/main" id="{D7E03777-1A15-49FA-BE1C-F89D904D3583}"/>
+              </a:ext>
+            </a:extLst>
+          </p:cNvPr>
+          <p:cNvSpPr txBox="1"/>
+          <p:nvPr/>
+        </p:nvSpPr>
+        <p:spPr>
+          <a:xfrm>
+            <a:off x="201824" y="8505492"/>
+            <a:ext cx="1617430" cy="210314"/>
+          </a:xfrm>
+          <a:prstGeom prst="rect">
+            <a:avLst/>
+          </a:prstGeom>
+          <a:ln w="12700">
+            <a:miter lim="400000"/>
+          </a:ln>
+          <a:extLst>
+            <a:ext uri="{C572A759-6A51-4108-AA02-DFA0A04FC94B}">
+              <ma14:wrappingTextBoxFlag xmlns:ma14="http://schemas.microsoft.com/office/mac/drawingml/2011/main" xmlns="" val="1"/>
+            </a:ext>
+          </a:extLst>
+        </p:spPr>
+        <p:txBody>
+          <a:bodyPr wrap="none" lIns="12700" tIns="12700" rIns="12700" bIns="12700" anchor="ctr">
+            <a:spAutoFit/>
+          </a:bodyPr>
+          <a:lstStyle/>
+          <a:p>
+            <a:pPr lvl="1" indent="0"/>
+            <a:r>
+              <a:rPr lang="en-SG" dirty="0"/>
+              <a:t> Load Transition Names</a:t>
+            </a:r>
+            <a:endParaRPr dirty="0"/>
+          </a:p>
+        </p:txBody>
+      </p:sp>
+      <p:sp>
+        <p:nvSpPr>
+          <p:cNvPr id="88" name="Where possible, use code that works when run.">
+            <a:extLst>
+              <a:ext uri="{FF2B5EF4-FFF2-40B4-BE49-F238E27FC236}">
+                <a16:creationId xmlns:a16="http://schemas.microsoft.com/office/drawing/2014/main" id="{05154C74-F53D-4E3C-A4DA-47160D05A5F8}"/>
+              </a:ext>
+            </a:extLst>
+          </p:cNvPr>
+          <p:cNvSpPr txBox="1"/>
+          <p:nvPr/>
+        </p:nvSpPr>
+        <p:spPr>
+          <a:xfrm>
+            <a:off x="192666" y="8760100"/>
+            <a:ext cx="2007353" cy="442605"/>
+          </a:xfrm>
+          <a:prstGeom prst="rect">
+            <a:avLst/>
+          </a:prstGeom>
+          <a:ln w="12700">
+            <a:miter lim="400000"/>
+          </a:ln>
+          <a:extLst>
+            <a:ext uri="{C572A759-6A51-4108-AA02-DFA0A04FC94B}">
+              <ma14:wrappingTextBoxFlag xmlns:ma14="http://schemas.microsoft.com/office/mac/drawingml/2011/main" xmlns="" val="1"/>
             </a:ext>
           </a:extLst>
         </p:spPr>
@@ -5254,25 +5304,7 @@
                 <a:cs typeface="Source Sans Pro"/>
                 <a:sym typeface="Source Sans Pro"/>
               </a:rPr>
-              <a:t>Conversion of concentration values from </a:t>
-            </a:r>
-            <a:r>
-              <a:rPr lang="en-SG" dirty="0" err="1">
-                <a:latin typeface="Source Sans Pro"/>
-                <a:ea typeface="Source Sans Pro"/>
-                <a:cs typeface="Source Sans Pro"/>
-                <a:sym typeface="Source Sans Pro"/>
-              </a:rPr>
-              <a:t>nM</a:t>
-            </a:r>
-            <a:r>
-              <a:rPr lang="en-SG" dirty="0">
-                <a:latin typeface="Source Sans Pro"/>
-                <a:ea typeface="Source Sans Pro"/>
-                <a:cs typeface="Source Sans Pro"/>
-                <a:sym typeface="Source Sans Pro"/>
-              </a:rPr>
-              <a:t> to other units are available</a:t>
+              <a:t>Click on the button below to load the transition names</a:t>
             </a:r>
             <a:endParaRPr dirty="0">
               <a:latin typeface="Source Sans Pro"/>
@@ -5285,58 +5317,10 @@
       </p:sp>
       <p:sp>
         <p:nvSpPr>
-          <p:cNvPr id="85" name="Line">
+          <p:cNvPr id="75" name="Useful Elements">
             <a:extLst>
               <a:ext uri="{FF2B5EF4-FFF2-40B4-BE49-F238E27FC236}">
-                <a16:creationId xmlns:a16="http://schemas.microsoft.com/office/drawing/2014/main" id="{CFDC8BBB-6810-457D-BA07-69770FEEFF83}"/>
-              </a:ext>
-            </a:extLst>
-          </p:cNvPr>
-          <p:cNvSpPr/>
-          <p:nvPr/>
-        </p:nvSpPr>
-        <p:spPr>
-          <a:xfrm flipV="1">
-            <a:off x="133340" y="8064254"/>
-            <a:ext cx="4756756" cy="13649"/>
-          </a:xfrm>
-          <a:prstGeom prst="line">
-            <a:avLst/>
-          </a:prstGeom>
-          <a:ln w="3175">
-            <a:solidFill>
-              <a:srgbClr val="767C85"/>
-            </a:solidFill>
-            <a:miter lim="400000"/>
-          </a:ln>
-        </p:spPr>
-        <p:txBody>
-          <a:bodyPr lIns="54570" tIns="54570" rIns="54570" bIns="54570" anchor="ctr"/>
-          <a:lstStyle/>
-          <a:p>
-            <a:pPr>
-              <a:lnSpc>
-                <a:spcPct val="80000"/>
-              </a:lnSpc>
-              <a:spcBef>
-                <a:spcPts val="600"/>
-              </a:spcBef>
-              <a:defRPr b="0">
-                <a:solidFill>
-                  <a:srgbClr val="000000"/>
-                </a:solidFill>
-              </a:defRPr>
-            </a:pPr>
-            <a:endParaRPr/>
-          </a:p>
-        </p:txBody>
-      </p:sp>
-      <p:sp>
-        <p:nvSpPr>
-          <p:cNvPr id="86" name="Useful Elements">
-            <a:extLst>
-              <a:ext uri="{FF2B5EF4-FFF2-40B4-BE49-F238E27FC236}">
-                <a16:creationId xmlns:a16="http://schemas.microsoft.com/office/drawing/2014/main" id="{789AF98A-8865-468A-AF50-7B5E4867C57D}"/>
+                <a16:creationId xmlns:a16="http://schemas.microsoft.com/office/drawing/2014/main" id="{4A4DEF98-2A59-444B-AEFA-B40B87FE4695}"/>
               </a:ext>
             </a:extLst>
           </p:cNvPr>
@@ -5345,7 +5329,7 @@
         </p:nvSpPr>
         <p:spPr>
           <a:xfrm>
-            <a:off x="201032" y="8152129"/>
+            <a:off x="9728490" y="1096081"/>
             <a:ext cx="4030058" cy="333425"/>
           </a:xfrm>
           <a:prstGeom prst="rect">
@@ -5356,7 +5340,7 @@
           </a:ln>
           <a:extLst>
             <a:ext uri="{C572A759-6A51-4108-AA02-DFA0A04FC94B}">
-              <ma14:wrappingTextBoxFlag xmlns="" xmlns:ma14="http://schemas.microsoft.com/office/mac/drawingml/2011/main" val="1"/>
+              <ma14:wrappingTextBoxFlag xmlns:ma14="http://schemas.microsoft.com/office/mac/drawingml/2011/main" xmlns="" val="1"/>
             </a:ext>
           </a:extLst>
         </p:spPr>
@@ -5381,7 +5365,7 @@
             </a:pPr>
             <a:r>
               <a:rPr lang="en-SG" dirty="0"/>
-              <a:t>Transition Name Annotation</a:t>
+              <a:t>ISTD Annotation</a:t>
             </a:r>
             <a:endParaRPr dirty="0"/>
           </a:p>
@@ -5389,10 +5373,10 @@
       </p:sp>
       <p:sp>
         <p:nvSpPr>
-          <p:cNvPr id="87" name="CODE">
+          <p:cNvPr id="78" name="CODE">
             <a:extLst>
               <a:ext uri="{FF2B5EF4-FFF2-40B4-BE49-F238E27FC236}">
-                <a16:creationId xmlns:a16="http://schemas.microsoft.com/office/drawing/2014/main" id="{D7E03777-1A15-49FA-BE1C-F89D904D3583}"/>
+                <a16:creationId xmlns:a16="http://schemas.microsoft.com/office/drawing/2014/main" id="{778A6173-D75E-4656-A345-5698D47394E5}"/>
               </a:ext>
             </a:extLst>
           </p:cNvPr>
@@ -5401,8 +5385,8 @@
         </p:nvSpPr>
         <p:spPr>
           <a:xfrm>
-            <a:off x="201824" y="8505492"/>
-            <a:ext cx="1617430" cy="210314"/>
+            <a:off x="9772629" y="1470325"/>
+            <a:ext cx="2509893" cy="210314"/>
           </a:xfrm>
           <a:prstGeom prst="rect">
             <a:avLst/>
@@ -5412,12 +5396,12 @@
           </a:ln>
           <a:extLst>
             <a:ext uri="{C572A759-6A51-4108-AA02-DFA0A04FC94B}">
-              <ma14:wrappingTextBoxFlag xmlns="" xmlns:ma14="http://schemas.microsoft.com/office/mac/drawingml/2011/main" val="1"/>
+              <ma14:wrappingTextBoxFlag xmlns:ma14="http://schemas.microsoft.com/office/mac/drawingml/2011/main" xmlns="" val="1"/>
             </a:ext>
           </a:extLst>
         </p:spPr>
         <p:txBody>
-          <a:bodyPr wrap="none" lIns="12700" tIns="12700" rIns="12700" bIns="12700" anchor="ctr">
+          <a:bodyPr wrap="square" lIns="12700" tIns="12700" rIns="12700" bIns="12700" anchor="ctr">
             <a:spAutoFit/>
           </a:bodyPr>
           <a:lstStyle/>
@@ -5425,7 +5409,7 @@
             <a:pPr lvl="1" indent="0"/>
             <a:r>
               <a:rPr lang="en-SG" dirty="0"/>
-              <a:t> Load Transition Names</a:t>
+              <a:t>ISTD concentration calculation</a:t>
             </a:r>
             <a:endParaRPr dirty="0"/>
           </a:p>
@@ -5433,10 +5417,10 @@
       </p:sp>
       <p:sp>
         <p:nvSpPr>
-          <p:cNvPr id="88" name="Where possible, use code that works when run.">
+          <p:cNvPr id="79" name="Where possible, use code that works when run.">
             <a:extLst>
               <a:ext uri="{FF2B5EF4-FFF2-40B4-BE49-F238E27FC236}">
-                <a16:creationId xmlns:a16="http://schemas.microsoft.com/office/drawing/2014/main" id="{05154C74-F53D-4E3C-A4DA-47160D05A5F8}"/>
+                <a16:creationId xmlns:a16="http://schemas.microsoft.com/office/drawing/2014/main" id="{D68E4822-32EB-4674-9B13-ADBB8EC822CB}"/>
               </a:ext>
             </a:extLst>
           </p:cNvPr>
@@ -5445,8 +5429,8 @@
         </p:nvSpPr>
         <p:spPr>
           <a:xfrm>
-            <a:off x="192666" y="8760100"/>
-            <a:ext cx="2007353" cy="442605"/>
+            <a:off x="9740508" y="1701233"/>
+            <a:ext cx="4120385" cy="608804"/>
           </a:xfrm>
           <a:prstGeom prst="rect">
             <a:avLst/>
@@ -5456,7 +5440,7 @@
           </a:ln>
           <a:extLst>
             <a:ext uri="{C572A759-6A51-4108-AA02-DFA0A04FC94B}">
-              <ma14:wrappingTextBoxFlag xmlns="" xmlns:ma14="http://schemas.microsoft.com/office/mac/drawingml/2011/main" val="1"/>
+              <ma14:wrappingTextBoxFlag xmlns:ma14="http://schemas.microsoft.com/office/mac/drawingml/2011/main" xmlns="" val="1"/>
             </a:ext>
           </a:extLst>
         </p:spPr>
@@ -5497,7 +5481,76 @@
                 <a:cs typeface="Source Sans Pro"/>
                 <a:sym typeface="Source Sans Pro"/>
               </a:rPr>
-              <a:t>Click on the button below to load the transition names</a:t>
+              <a:t>Click on the button “Convert to </a:t>
+            </a:r>
+            <a:r>
+              <a:rPr lang="en-SG" dirty="0" err="1">
+                <a:latin typeface="Source Sans Pro"/>
+                <a:ea typeface="Source Sans Pro"/>
+                <a:cs typeface="Source Sans Pro"/>
+                <a:sym typeface="Source Sans Pro"/>
+              </a:rPr>
+              <a:t>nM</a:t>
+            </a:r>
+            <a:r>
+              <a:rPr lang="en-SG" dirty="0">
+                <a:latin typeface="Source Sans Pro"/>
+                <a:ea typeface="Source Sans Pro"/>
+                <a:cs typeface="Source Sans Pro"/>
+                <a:sym typeface="Source Sans Pro"/>
+              </a:rPr>
+              <a:t> and Verify” to change the given ISTD calculations from ng/mL to </a:t>
+            </a:r>
+            <a:r>
+              <a:rPr lang="en-SG" dirty="0" err="1">
+                <a:latin typeface="Source Sans Pro"/>
+                <a:ea typeface="Source Sans Pro"/>
+                <a:cs typeface="Source Sans Pro"/>
+                <a:sym typeface="Source Sans Pro"/>
+              </a:rPr>
+              <a:t>nM.</a:t>
+            </a:r>
+            <a:r>
+              <a:rPr lang="en-SG" dirty="0">
+                <a:latin typeface="Source Sans Pro"/>
+                <a:ea typeface="Source Sans Pro"/>
+                <a:cs typeface="Source Sans Pro"/>
+                <a:sym typeface="Source Sans Pro"/>
+              </a:rPr>
+              <a:t> Users may </a:t>
+            </a:r>
+            <a:r>
+              <a:rPr lang="en-SG" b="0" dirty="0">
+                <a:solidFill>
+                  <a:srgbClr val="000000"/>
+                </a:solidFill>
+                <a:latin typeface="Source Sans Pro" panose="020B0503030403020204" pitchFamily="34" charset="0"/>
+                <a:ea typeface="Source Sans Pro" panose="020B0503030403020204" pitchFamily="34" charset="0"/>
+                <a:sym typeface="Source Sans Pro Light"/>
+              </a:rPr>
+              <a:t>key in the concentration in </a:t>
+            </a:r>
+            <a:r>
+              <a:rPr lang="en-SG" b="0" dirty="0" err="1">
+                <a:solidFill>
+                  <a:srgbClr val="000000"/>
+                </a:solidFill>
+                <a:latin typeface="Source Sans Pro" panose="020B0503030403020204" pitchFamily="34" charset="0"/>
+                <a:ea typeface="Source Sans Pro" panose="020B0503030403020204" pitchFamily="34" charset="0"/>
+                <a:sym typeface="Source Sans Pro Light"/>
+              </a:rPr>
+              <a:t>nM</a:t>
+            </a:r>
+            <a:r>
+              <a:rPr lang="en-SG" b="0" dirty="0">
+                <a:solidFill>
+                  <a:srgbClr val="000000"/>
+                </a:solidFill>
+                <a:latin typeface="Source Sans Pro" panose="020B0503030403020204" pitchFamily="34" charset="0"/>
+                <a:ea typeface="Source Sans Pro" panose="020B0503030403020204" pitchFamily="34" charset="0"/>
+                <a:sym typeface="Source Sans Pro Light"/>
+              </a:rPr>
+              <a:t> directly as well.</a:t>
             </a:r>
             <a:endParaRPr dirty="0">
               <a:latin typeface="Source Sans Pro"/>
@@ -5508,95 +5561,12 @@
           </a:p>
         </p:txBody>
       </p:sp>
-      <p:pic>
-        <p:nvPicPr>
-          <p:cNvPr id="89" name="Picture 88">
+      <p:sp>
+        <p:nvSpPr>
+          <p:cNvPr id="97" name="Useful Elements">
             <a:extLst>
               <a:ext uri="{FF2B5EF4-FFF2-40B4-BE49-F238E27FC236}">
-                <a16:creationId xmlns:a16="http://schemas.microsoft.com/office/drawing/2014/main" id="{D67452E2-A970-40F0-8EE7-80A2576060E2}"/>
-              </a:ext>
-            </a:extLst>
-          </p:cNvPr>
-          <p:cNvPicPr/>
-          <p:nvPr/>
-        </p:nvPicPr>
-        <p:blipFill rotWithShape="1">
-          <a:blip r:embed="rId10"/>
-          <a:srcRect r="18559"/>
-          <a:stretch/>
-        </p:blipFill>
-        <p:spPr>
-          <a:xfrm>
-            <a:off x="2608105" y="8603750"/>
-            <a:ext cx="2007353" cy="1735949"/>
-          </a:xfrm>
-          <a:prstGeom prst="rect">
-            <a:avLst/>
-          </a:prstGeom>
-        </p:spPr>
-      </p:pic>
-      <p:pic>
-        <p:nvPicPr>
-          <p:cNvPr id="90" name="Picture 89">
-            <a:extLst>
-              <a:ext uri="{FF2B5EF4-FFF2-40B4-BE49-F238E27FC236}">
-                <a16:creationId xmlns:a16="http://schemas.microsoft.com/office/drawing/2014/main" id="{88C62F02-1234-4E88-9120-28E6DEA72A98}"/>
-              </a:ext>
-            </a:extLst>
-          </p:cNvPr>
-          <p:cNvPicPr/>
-          <p:nvPr/>
-        </p:nvPicPr>
-        <p:blipFill>
-          <a:blip r:embed="rId11"/>
-          <a:stretch>
-            <a:fillRect/>
-          </a:stretch>
-        </p:blipFill>
-        <p:spPr>
-          <a:xfrm>
-            <a:off x="116263" y="9218695"/>
-            <a:ext cx="2227887" cy="390465"/>
-          </a:xfrm>
-          <a:prstGeom prst="rect">
-            <a:avLst/>
-          </a:prstGeom>
-        </p:spPr>
-      </p:pic>
-      <p:pic>
-        <p:nvPicPr>
-          <p:cNvPr id="91" name="Picture 90">
-            <a:extLst>
-              <a:ext uri="{FF2B5EF4-FFF2-40B4-BE49-F238E27FC236}">
-                <a16:creationId xmlns:a16="http://schemas.microsoft.com/office/drawing/2014/main" id="{13365BC9-8091-4288-921A-30C830E807BF}"/>
-              </a:ext>
-            </a:extLst>
-          </p:cNvPr>
-          <p:cNvPicPr/>
-          <p:nvPr/>
-        </p:nvPicPr>
-        <p:blipFill>
-          <a:blip r:embed="rId12"/>
-          <a:stretch>
-            <a:fillRect/>
-          </a:stretch>
-        </p:blipFill>
-        <p:spPr>
-          <a:xfrm>
-            <a:off x="151951" y="9716725"/>
-            <a:ext cx="2181566" cy="298465"/>
-          </a:xfrm>
-          <a:prstGeom prst="rect">
-            <a:avLst/>
-          </a:prstGeom>
-        </p:spPr>
-      </p:pic>
-      <p:sp>
-        <p:nvSpPr>
-          <p:cNvPr id="75" name="Useful Elements">
-            <a:extLst>
-              <a:ext uri="{FF2B5EF4-FFF2-40B4-BE49-F238E27FC236}">
-                <a16:creationId xmlns:a16="http://schemas.microsoft.com/office/drawing/2014/main" id="{4A4DEF98-2A59-444B-AEFA-B40B87FE4695}"/>
+                <a16:creationId xmlns:a16="http://schemas.microsoft.com/office/drawing/2014/main" id="{C5D21B2A-99F2-4E07-A6E6-A42DD87C3658}"/>
               </a:ext>
             </a:extLst>
           </p:cNvPr>
@@ -5605,7 +5575,7 @@
         </p:nvSpPr>
         <p:spPr>
           <a:xfrm>
-            <a:off x="9728490" y="1096081"/>
+            <a:off x="4996683" y="5395567"/>
             <a:ext cx="4030058" cy="333425"/>
           </a:xfrm>
           <a:prstGeom prst="rect">
@@ -5616,7 +5586,7 @@
           </a:ln>
           <a:extLst>
             <a:ext uri="{C572A759-6A51-4108-AA02-DFA0A04FC94B}">
-              <ma14:wrappingTextBoxFlag xmlns="" xmlns:ma14="http://schemas.microsoft.com/office/mac/drawingml/2011/main" val="1"/>
+              <ma14:wrappingTextBoxFlag xmlns:ma14="http://schemas.microsoft.com/office/mac/drawingml/2011/main" xmlns="" val="1"/>
             </a:ext>
           </a:extLst>
         </p:spPr>
@@ -5641,7 +5611,7 @@
             </a:pPr>
             <a:r>
               <a:rPr lang="en-SG" dirty="0"/>
-              <a:t>ISTD Annotation</a:t>
+              <a:t>Sample Annotation</a:t>
             </a:r>
             <a:endParaRPr dirty="0"/>
           </a:p>
@@ -5649,10 +5619,58 @@
       </p:sp>
       <p:sp>
         <p:nvSpPr>
-          <p:cNvPr id="78" name="CODE">
+          <p:cNvPr id="98" name="Line">
             <a:extLst>
               <a:ext uri="{FF2B5EF4-FFF2-40B4-BE49-F238E27FC236}">
-                <a16:creationId xmlns:a16="http://schemas.microsoft.com/office/drawing/2014/main" id="{778A6173-D75E-4656-A345-5698D47394E5}"/>
+                <a16:creationId xmlns:a16="http://schemas.microsoft.com/office/drawing/2014/main" id="{CDC5B9E0-8BF4-4681-8038-4261BB8A6686}"/>
+              </a:ext>
+            </a:extLst>
+          </p:cNvPr>
+          <p:cNvSpPr/>
+          <p:nvPr/>
+        </p:nvSpPr>
+        <p:spPr>
+          <a:xfrm>
+            <a:off x="4938255" y="5317335"/>
+            <a:ext cx="8943437" cy="3399"/>
+          </a:xfrm>
+          <a:prstGeom prst="line">
+            <a:avLst/>
+          </a:prstGeom>
+          <a:ln w="3175">
+            <a:solidFill>
+              <a:srgbClr val="767C85"/>
+            </a:solidFill>
+            <a:miter lim="400000"/>
+          </a:ln>
+        </p:spPr>
+        <p:txBody>
+          <a:bodyPr lIns="54570" tIns="54570" rIns="54570" bIns="54570" anchor="ctr"/>
+          <a:lstStyle/>
+          <a:p>
+            <a:pPr>
+              <a:lnSpc>
+                <a:spcPct val="80000"/>
+              </a:lnSpc>
+              <a:spcBef>
+                <a:spcPts val="600"/>
+              </a:spcBef>
+              <a:defRPr b="0">
+                <a:solidFill>
+                  <a:srgbClr val="000000"/>
+                </a:solidFill>
+              </a:defRPr>
+            </a:pPr>
+            <a:endParaRPr/>
+          </a:p>
+        </p:txBody>
+      </p:sp>
+      <p:sp>
+        <p:nvSpPr>
+          <p:cNvPr id="99" name="CODE">
+            <a:extLst>
+              <a:ext uri="{FF2B5EF4-FFF2-40B4-BE49-F238E27FC236}">
+                <a16:creationId xmlns:a16="http://schemas.microsoft.com/office/drawing/2014/main" id="{63D21447-3172-4644-BE55-D8E563400ADA}"/>
               </a:ext>
             </a:extLst>
           </p:cNvPr>
@@ -5661,8 +5679,8 @@
         </p:nvSpPr>
         <p:spPr>
           <a:xfrm>
-            <a:off x="9772629" y="1470325"/>
-            <a:ext cx="2509893" cy="210314"/>
+            <a:off x="5029206" y="5779349"/>
+            <a:ext cx="2420534" cy="210314"/>
           </a:xfrm>
           <a:prstGeom prst="rect">
             <a:avLst/>
@@ -5672,12 +5690,12 @@
           </a:ln>
           <a:extLst>
             <a:ext uri="{C572A759-6A51-4108-AA02-DFA0A04FC94B}">
-              <ma14:wrappingTextBoxFlag xmlns="" xmlns:ma14="http://schemas.microsoft.com/office/mac/drawingml/2011/main" val="1"/>
+              <ma14:wrappingTextBoxFlag xmlns:ma14="http://schemas.microsoft.com/office/mac/drawingml/2011/main" xmlns="" val="1"/>
             </a:ext>
           </a:extLst>
         </p:spPr>
         <p:txBody>
-          <a:bodyPr wrap="square" lIns="12700" tIns="12700" rIns="12700" bIns="12700" anchor="ctr">
+          <a:bodyPr wrap="none" lIns="12700" tIns="12700" rIns="12700" bIns="12700" anchor="ctr">
             <a:spAutoFit/>
           </a:bodyPr>
           <a:lstStyle/>
@@ -5685,7 +5703,7 @@
             <a:pPr lvl="1" indent="0"/>
             <a:r>
               <a:rPr lang="en-SG" dirty="0"/>
-              <a:t>ISTD concentration calculation</a:t>
+              <a:t>Create a new Sample Annotation</a:t>
             </a:r>
             <a:endParaRPr dirty="0"/>
           </a:p>
@@ -5693,10 +5711,10 @@
       </p:sp>
       <p:sp>
         <p:nvSpPr>
-          <p:cNvPr id="79" name="Where possible, use code that works when run.">
+          <p:cNvPr id="103" name="Where possible, use code that works when run.">
             <a:extLst>
               <a:ext uri="{FF2B5EF4-FFF2-40B4-BE49-F238E27FC236}">
-                <a16:creationId xmlns:a16="http://schemas.microsoft.com/office/drawing/2014/main" id="{D68E4822-32EB-4674-9B13-ADBB8EC822CB}"/>
+                <a16:creationId xmlns:a16="http://schemas.microsoft.com/office/drawing/2014/main" id="{FCE8DFDA-5AF0-472B-8603-590155997D3A}"/>
               </a:ext>
             </a:extLst>
           </p:cNvPr>
@@ -5705,8 +5723,8 @@
         </p:nvSpPr>
         <p:spPr>
           <a:xfrm>
-            <a:off x="9723207" y="2761914"/>
-            <a:ext cx="4120385" cy="442605"/>
+            <a:off x="5041078" y="8048458"/>
+            <a:ext cx="2165721" cy="276405"/>
           </a:xfrm>
           <a:prstGeom prst="rect">
             <a:avLst/>
@@ -5716,7 +5734,73 @@
           </a:ln>
           <a:extLst>
             <a:ext uri="{C572A759-6A51-4108-AA02-DFA0A04FC94B}">
-              <ma14:wrappingTextBoxFlag xmlns="" xmlns:ma14="http://schemas.microsoft.com/office/mac/drawingml/2011/main" val="1"/>
+              <ma14:wrappingTextBoxFlag xmlns:ma14="http://schemas.microsoft.com/office/mac/drawingml/2011/main" xmlns="" val="1"/>
+            </a:ext>
+          </a:extLst>
+        </p:spPr>
+        <p:txBody>
+          <a:bodyPr wrap="square" lIns="54570" tIns="54570" rIns="54570" bIns="54570" anchor="ctr">
+            <a:spAutoFit/>
+          </a:bodyPr>
+          <a:lstStyle/>
+          <a:p>
+            <a:pPr marL="228600" indent="-180000">
+              <a:lnSpc>
+                <a:spcPct val="90000"/>
+              </a:lnSpc>
+              <a:spcBef>
+                <a:spcPts val="0"/>
+              </a:spcBef>
+              <a:buFont typeface="+mj-lt"/>
+              <a:buAutoNum type="arabicPeriod" startAt="2"/>
+              <a:defRPr b="0">
+                <a:solidFill>
+                  <a:srgbClr val="000000"/>
+                </a:solidFill>
+                <a:latin typeface="+mn-lt"/>
+                <a:ea typeface="+mn-ea"/>
+                <a:cs typeface="+mn-cs"/>
+                <a:sym typeface="Source Sans Pro Light"/>
+              </a:defRPr>
+            </a:pPr>
+            <a:r>
+              <a:rPr lang="en-SG" dirty="0">
+                <a:latin typeface="Source Sans Pro"/>
+                <a:ea typeface="Source Sans Pro"/>
+                <a:cs typeface="Source Sans Pro"/>
+                <a:sym typeface="Source Sans Pro"/>
+              </a:rPr>
+              <a:t>Choose the Sample type</a:t>
+            </a:r>
+          </a:p>
+        </p:txBody>
+      </p:sp>
+      <p:sp>
+        <p:nvSpPr>
+          <p:cNvPr id="106" name="Where possible, use code that works when run.">
+            <a:extLst>
+              <a:ext uri="{FF2B5EF4-FFF2-40B4-BE49-F238E27FC236}">
+                <a16:creationId xmlns:a16="http://schemas.microsoft.com/office/drawing/2014/main" id="{EE6DCF4F-1C90-4813-B418-5A4E8254F763}"/>
+              </a:ext>
+            </a:extLst>
+          </p:cNvPr>
+          <p:cNvSpPr txBox="1"/>
+          <p:nvPr/>
+        </p:nvSpPr>
+        <p:spPr>
+          <a:xfrm>
+            <a:off x="5127149" y="9124238"/>
+            <a:ext cx="2382309" cy="608804"/>
+          </a:xfrm>
+          <a:prstGeom prst="rect">
+            <a:avLst/>
+          </a:prstGeom>
+          <a:ln w="12700">
+            <a:miter lim="400000"/>
+          </a:ln>
+          <a:extLst>
+            <a:ext uri="{C572A759-6A51-4108-AA02-DFA0A04FC94B}">
+              <ma14:wrappingTextBoxFlag xmlns:ma14="http://schemas.microsoft.com/office/mac/drawingml/2011/main" xmlns="" val="1"/>
             </a:ext>
           </a:extLst>
         </p:spPr>
@@ -5751,40 +5835,102 @@
               </a:defRPr>
             </a:pPr>
             <a:r>
+              <a:rPr lang="en-SG" b="0" dirty="0">
+                <a:latin typeface="Source Sans Pro" panose="020B0503030403020204" pitchFamily="34" charset="0"/>
+                <a:ea typeface="Source Sans Pro" panose="020B0503030403020204" pitchFamily="34" charset="0"/>
+                <a:sym typeface="Source Sans Pro Light"/>
+              </a:rPr>
+              <a:t>Fill any blank cells under the </a:t>
+            </a:r>
+            <a:r>
+              <a:rPr lang="en-SG" b="0" dirty="0" err="1">
+                <a:latin typeface="Source Sans Pro" panose="020B0503030403020204" pitchFamily="34" charset="0"/>
+                <a:ea typeface="Source Sans Pro" panose="020B0503030403020204" pitchFamily="34" charset="0"/>
+                <a:sym typeface="Source Sans Pro Light"/>
+              </a:rPr>
+              <a:t>Sample_Type</a:t>
+            </a:r>
+            <a:r>
+              <a:rPr lang="en-SG" b="0" dirty="0">
+                <a:latin typeface="Source Sans Pro" panose="020B0503030403020204" pitchFamily="34" charset="0"/>
+                <a:ea typeface="Source Sans Pro" panose="020B0503030403020204" pitchFamily="34" charset="0"/>
+                <a:sym typeface="Source Sans Pro Light"/>
+              </a:rPr>
+              <a:t> column with “SPL” by clicking this button</a:t>
+            </a:r>
+            <a:r>
+              <a:rPr lang="en-SG" dirty="0">
+                <a:latin typeface="Source Sans Pro" panose="020B0503030403020204" pitchFamily="34" charset="0"/>
+                <a:ea typeface="Source Sans Pro" panose="020B0503030403020204" pitchFamily="34" charset="0"/>
+                <a:sym typeface="Source Sans Pro"/>
+              </a:rPr>
+              <a:t>.</a:t>
+            </a:r>
+          </a:p>
+        </p:txBody>
+      </p:sp>
+      <p:sp>
+        <p:nvSpPr>
+          <p:cNvPr id="112" name="Where possible, use code that works when run.">
+            <a:extLst>
+              <a:ext uri="{FF2B5EF4-FFF2-40B4-BE49-F238E27FC236}">
+                <a16:creationId xmlns:a16="http://schemas.microsoft.com/office/drawing/2014/main" id="{C2BCB013-E329-453A-B40D-90925FCB2223}"/>
+              </a:ext>
+            </a:extLst>
+          </p:cNvPr>
+          <p:cNvSpPr txBox="1"/>
+          <p:nvPr/>
+        </p:nvSpPr>
+        <p:spPr>
+          <a:xfrm>
+            <a:off x="4962068" y="6089224"/>
+            <a:ext cx="2609646" cy="442605"/>
+          </a:xfrm>
+          <a:prstGeom prst="rect">
+            <a:avLst/>
+          </a:prstGeom>
+          <a:ln w="12700">
+            <a:miter lim="400000"/>
+          </a:ln>
+          <a:extLst>
+            <a:ext uri="{C572A759-6A51-4108-AA02-DFA0A04FC94B}">
+              <ma14:wrappingTextBoxFlag xmlns:ma14="http://schemas.microsoft.com/office/mac/drawingml/2011/main" xmlns="" val="1"/>
+            </a:ext>
+          </a:extLst>
+        </p:spPr>
+        <p:txBody>
+          <a:bodyPr wrap="square" lIns="54570" tIns="54570" rIns="54570" bIns="54570" anchor="ctr">
+            <a:spAutoFit/>
+          </a:bodyPr>
+          <a:lstStyle/>
+          <a:p>
+            <a:pPr marL="228600" indent="-180000">
+              <a:lnSpc>
+                <a:spcPct val="90000"/>
+              </a:lnSpc>
+              <a:spcBef>
+                <a:spcPts val="0"/>
+              </a:spcBef>
+              <a:buFont typeface="+mj-lt"/>
+              <a:buAutoNum type="arabicPeriod"/>
+              <a:defRPr b="0">
+                <a:solidFill>
+                  <a:srgbClr val="000000"/>
+                </a:solidFill>
+                <a:latin typeface="+mn-lt"/>
+                <a:ea typeface="+mn-ea"/>
+                <a:cs typeface="+mn-cs"/>
+                <a:sym typeface="Source Sans Pro Light"/>
+              </a:defRPr>
+            </a:pPr>
+            <a:r>
               <a:rPr lang="en-SG" dirty="0">
                 <a:latin typeface="Source Sans Pro"/>
                 <a:ea typeface="Source Sans Pro"/>
                 <a:cs typeface="Source Sans Pro"/>
                 <a:sym typeface="Source Sans Pro"/>
               </a:rPr>
-              <a:t>Click on the button “Convert to </a:t>
-            </a:r>
-            <a:r>
-              <a:rPr lang="en-SG" dirty="0" err="1">
-                <a:latin typeface="Source Sans Pro"/>
-                <a:ea typeface="Source Sans Pro"/>
-                <a:cs typeface="Source Sans Pro"/>
-                <a:sym typeface="Source Sans Pro"/>
-              </a:rPr>
-              <a:t>nM</a:t>
-            </a:r>
-            <a:r>
-              <a:rPr lang="en-SG" dirty="0">
-                <a:latin typeface="Source Sans Pro"/>
-                <a:ea typeface="Source Sans Pro"/>
-                <a:cs typeface="Source Sans Pro"/>
-                <a:sym typeface="Source Sans Pro"/>
-              </a:rPr>
-              <a:t> and Verify” to change the given ISTD calculations from ng/mL to </a:t>
-            </a:r>
-            <a:r>
-              <a:rPr lang="en-SG" dirty="0" err="1">
-                <a:latin typeface="Source Sans Pro"/>
-                <a:ea typeface="Source Sans Pro"/>
-                <a:cs typeface="Source Sans Pro"/>
-                <a:sym typeface="Source Sans Pro"/>
-              </a:rPr>
-              <a:t>nM</a:t>
+              <a:t>Click on the button below to create a new sample annotation</a:t>
             </a:r>
             <a:endParaRPr dirty="0">
               <a:latin typeface="Source Sans Pro"/>
@@ -5797,10 +5943,10 @@
       </p:sp>
       <p:pic>
         <p:nvPicPr>
-          <p:cNvPr id="23" name="Picture 22">
+          <p:cNvPr id="38" name="Picture 37">
             <a:extLst>
               <a:ext uri="{FF2B5EF4-FFF2-40B4-BE49-F238E27FC236}">
-                <a16:creationId xmlns:a16="http://schemas.microsoft.com/office/drawing/2014/main" id="{BB55FE8B-1860-4D0A-B5AC-2F7616D035DC}"/>
+                <a16:creationId xmlns:a16="http://schemas.microsoft.com/office/drawing/2014/main" id="{9D911DE8-C557-4FEA-8E9B-D4CE8C2615AB}"/>
               </a:ext>
             </a:extLst>
           </p:cNvPr>
@@ -5810,105 +5956,15 @@
           <p:nvPr/>
         </p:nvPicPr>
         <p:blipFill>
-          <a:blip r:embed="rId13"/>
+          <a:blip r:embed="rId6"/>
           <a:stretch>
             <a:fillRect/>
           </a:stretch>
         </p:blipFill>
         <p:spPr>
           <a:xfrm>
-            <a:off x="11792682" y="4533744"/>
-            <a:ext cx="1902259" cy="572008"/>
-          </a:xfrm>
-          <a:prstGeom prst="rect">
-            <a:avLst/>
-          </a:prstGeom>
-        </p:spPr>
-      </p:pic>
-      <p:pic>
-        <p:nvPicPr>
-          <p:cNvPr id="24" name="Picture 23">
-            <a:extLst>
-              <a:ext uri="{FF2B5EF4-FFF2-40B4-BE49-F238E27FC236}">
-                <a16:creationId xmlns:a16="http://schemas.microsoft.com/office/drawing/2014/main" id="{EA3E897F-0E56-4A5B-AF4D-27949D2714CE}"/>
-              </a:ext>
-            </a:extLst>
-          </p:cNvPr>
-          <p:cNvPicPr>
-            <a:picLocks noChangeAspect="1"/>
-          </p:cNvPicPr>
-          <p:nvPr/>
-        </p:nvPicPr>
-        <p:blipFill>
-          <a:blip r:embed="rId14"/>
-          <a:stretch>
-            <a:fillRect/>
-          </a:stretch>
-        </p:blipFill>
-        <p:spPr>
-          <a:xfrm>
-            <a:off x="9827276" y="4516137"/>
-            <a:ext cx="1731313" cy="556712"/>
-          </a:xfrm>
-          <a:prstGeom prst="rect">
-            <a:avLst/>
-          </a:prstGeom>
-        </p:spPr>
-      </p:pic>
-      <p:pic>
-        <p:nvPicPr>
-          <p:cNvPr id="25" name="Picture 24">
-            <a:extLst>
-              <a:ext uri="{FF2B5EF4-FFF2-40B4-BE49-F238E27FC236}">
-                <a16:creationId xmlns:a16="http://schemas.microsoft.com/office/drawing/2014/main" id="{668CB80E-6811-4816-B756-F52B42E24DF3}"/>
-              </a:ext>
-            </a:extLst>
-          </p:cNvPr>
-          <p:cNvPicPr>
-            <a:picLocks noChangeAspect="1"/>
-          </p:cNvPicPr>
-          <p:nvPr/>
-        </p:nvPicPr>
-        <p:blipFill>
-          <a:blip r:embed="rId15"/>
-          <a:stretch>
-            <a:fillRect/>
-          </a:stretch>
-        </p:blipFill>
-        <p:spPr>
-          <a:xfrm>
-            <a:off x="10191625" y="3266305"/>
-            <a:ext cx="3202113" cy="745441"/>
-          </a:xfrm>
-          <a:prstGeom prst="rect">
-            <a:avLst/>
-          </a:prstGeom>
-        </p:spPr>
-      </p:pic>
-      <p:pic>
-        <p:nvPicPr>
-          <p:cNvPr id="26" name="Picture 25">
-            <a:extLst>
-              <a:ext uri="{FF2B5EF4-FFF2-40B4-BE49-F238E27FC236}">
-                <a16:creationId xmlns:a16="http://schemas.microsoft.com/office/drawing/2014/main" id="{5C958F04-E6DF-4C83-AB1B-DC13B899AC47}"/>
-              </a:ext>
-            </a:extLst>
-          </p:cNvPr>
-          <p:cNvPicPr>
-            <a:picLocks noChangeAspect="1"/>
-          </p:cNvPicPr>
-          <p:nvPr/>
-        </p:nvPicPr>
-        <p:blipFill>
-          <a:blip r:embed="rId16"/>
-          <a:stretch>
-            <a:fillRect/>
-          </a:stretch>
-        </p:blipFill>
-        <p:spPr>
-          <a:xfrm>
-            <a:off x="10363297" y="2003917"/>
-            <a:ext cx="2717912" cy="713352"/>
+            <a:off x="11590717" y="6515796"/>
+            <a:ext cx="1545455" cy="319102"/>
           </a:xfrm>
           <a:prstGeom prst="rect">
             <a:avLst/>
@@ -5917,10 +5973,10 @@
       </p:pic>
       <p:sp>
         <p:nvSpPr>
-          <p:cNvPr id="97" name="Useful Elements">
+          <p:cNvPr id="137" name="Where possible, use code that works when run.">
             <a:extLst>
               <a:ext uri="{FF2B5EF4-FFF2-40B4-BE49-F238E27FC236}">
-                <a16:creationId xmlns:a16="http://schemas.microsoft.com/office/drawing/2014/main" id="{C5D21B2A-99F2-4E07-A6E6-A42DD87C3658}"/>
+                <a16:creationId xmlns:a16="http://schemas.microsoft.com/office/drawing/2014/main" id="{5073F9E3-9586-4BF0-97CD-B34ED37D236A}"/>
               </a:ext>
             </a:extLst>
           </p:cNvPr>
@@ -5929,8 +5985,8 @@
         </p:nvSpPr>
         <p:spPr>
           <a:xfrm>
-            <a:off x="4996683" y="5395567"/>
-            <a:ext cx="4030058" cy="333425"/>
+            <a:off x="7576077" y="6085632"/>
+            <a:ext cx="2894391" cy="442605"/>
           </a:xfrm>
           <a:prstGeom prst="rect">
             <a:avLst/>
@@ -5940,43 +5996,183 @@
           </a:ln>
           <a:extLst>
             <a:ext uri="{C572A759-6A51-4108-AA02-DFA0A04FC94B}">
-              <ma14:wrappingTextBoxFlag xmlns="" xmlns:ma14="http://schemas.microsoft.com/office/mac/drawingml/2011/main" val="1"/>
+              <ma14:wrappingTextBoxFlag xmlns:ma14="http://schemas.microsoft.com/office/mac/drawingml/2011/main" xmlns="" val="1"/>
             </a:ext>
           </a:extLst>
         </p:spPr>
         <p:txBody>
-          <a:bodyPr wrap="square" lIns="12700" tIns="12700" rIns="12700" bIns="12700" anchor="ctr">
+          <a:bodyPr wrap="square" lIns="54570" tIns="54570" rIns="54570" bIns="54570" anchor="ctr">
             <a:spAutoFit/>
           </a:bodyPr>
           <a:lstStyle/>
           <a:p>
-            <a:pPr lvl="1" indent="0">
+            <a:pPr marL="277200" indent="-228600">
               <a:lnSpc>
-                <a:spcPct val="80000"/>
+                <a:spcPct val="90000"/>
               </a:lnSpc>
               <a:spcBef>
                 <a:spcPts val="0"/>
               </a:spcBef>
-              <a:defRPr sz="2500" b="0">
+              <a:buFont typeface="+mj-lt"/>
+              <a:buAutoNum type="arabicPeriod" startAt="3"/>
+              <a:defRPr b="0">
                 <a:solidFill>
-                  <a:srgbClr val="628DB5"/>
+                  <a:srgbClr val="000000"/>
                 </a:solidFill>
+                <a:latin typeface="+mn-lt"/>
+                <a:ea typeface="+mn-ea"/>
+                <a:cs typeface="+mn-cs"/>
+                <a:sym typeface="Source Sans Pro Light"/>
               </a:defRPr>
             </a:pPr>
             <a:r>
-              <a:rPr lang="en-SG" dirty="0"/>
-              <a:t>Sample Annotation</a:t>
-            </a:r>
-            <a:endParaRPr dirty="0"/>
+              <a:rPr lang="en-SG" dirty="0">
+                <a:latin typeface="Source Sans Pro"/>
+                <a:ea typeface="Source Sans Pro"/>
+                <a:cs typeface="Source Sans Pro"/>
+                <a:sym typeface="Source Sans Pro"/>
+              </a:rPr>
+              <a:t>Fill in the sample amount, unit and ISTD mixture volume</a:t>
+            </a:r>
           </a:p>
         </p:txBody>
       </p:sp>
       <p:sp>
         <p:nvSpPr>
-          <p:cNvPr id="98" name="Line">
+          <p:cNvPr id="138" name="Where possible, use code that works when run.">
             <a:extLst>
               <a:ext uri="{FF2B5EF4-FFF2-40B4-BE49-F238E27FC236}">
-                <a16:creationId xmlns:a16="http://schemas.microsoft.com/office/drawing/2014/main" id="{CDC5B9E0-8BF4-4681-8038-4261BB8A6686}"/>
+                <a16:creationId xmlns:a16="http://schemas.microsoft.com/office/drawing/2014/main" id="{CC1A34F4-41C7-4E21-9EBA-5198A3B61CEB}"/>
+              </a:ext>
+            </a:extLst>
+          </p:cNvPr>
+          <p:cNvSpPr txBox="1"/>
+          <p:nvPr/>
+        </p:nvSpPr>
+        <p:spPr>
+          <a:xfrm>
+            <a:off x="10784976" y="6085632"/>
+            <a:ext cx="2894391" cy="442605"/>
+          </a:xfrm>
+          <a:prstGeom prst="rect">
+            <a:avLst/>
+          </a:prstGeom>
+          <a:ln w="12700">
+            <a:miter lim="400000"/>
+          </a:ln>
+          <a:extLst>
+            <a:ext uri="{C572A759-6A51-4108-AA02-DFA0A04FC94B}">
+              <ma14:wrappingTextBoxFlag xmlns:ma14="http://schemas.microsoft.com/office/mac/drawingml/2011/main" xmlns="" val="1"/>
+            </a:ext>
+          </a:extLst>
+        </p:spPr>
+        <p:txBody>
+          <a:bodyPr wrap="square" lIns="54570" tIns="54570" rIns="54570" bIns="54570" anchor="ctr">
+            <a:spAutoFit/>
+          </a:bodyPr>
+          <a:lstStyle/>
+          <a:p>
+            <a:pPr marL="277200" indent="-228600">
+              <a:lnSpc>
+                <a:spcPct val="90000"/>
+              </a:lnSpc>
+              <a:spcBef>
+                <a:spcPts val="0"/>
+              </a:spcBef>
+              <a:buFont typeface="+mj-lt"/>
+              <a:buAutoNum type="arabicPeriod" startAt="4"/>
+              <a:defRPr b="0">
+                <a:solidFill>
+                  <a:srgbClr val="000000"/>
+                </a:solidFill>
+                <a:latin typeface="+mn-lt"/>
+                <a:ea typeface="+mn-ea"/>
+                <a:cs typeface="+mn-cs"/>
+                <a:sym typeface="Source Sans Pro Light"/>
+              </a:defRPr>
+            </a:pPr>
+            <a:r>
+              <a:rPr lang="en-SG" dirty="0">
+                <a:latin typeface="Source Sans Pro"/>
+                <a:ea typeface="Source Sans Pro"/>
+                <a:cs typeface="Source Sans Pro"/>
+                <a:sym typeface="Source Sans Pro"/>
+              </a:rPr>
+              <a:t>Fill in the concentration unit by clicking this button</a:t>
+            </a:r>
+          </a:p>
+        </p:txBody>
+      </p:sp>
+      <p:sp>
+        <p:nvSpPr>
+          <p:cNvPr id="139" name="Where possible, use code that works when run.">
+            <a:extLst>
+              <a:ext uri="{FF2B5EF4-FFF2-40B4-BE49-F238E27FC236}">
+                <a16:creationId xmlns:a16="http://schemas.microsoft.com/office/drawing/2014/main" id="{2412D5AB-FD3C-48A9-907B-C7654FD33EE2}"/>
+              </a:ext>
+            </a:extLst>
+          </p:cNvPr>
+          <p:cNvSpPr txBox="1"/>
+          <p:nvPr/>
+        </p:nvSpPr>
+        <p:spPr>
+          <a:xfrm>
+            <a:off x="10916248" y="6842549"/>
+            <a:ext cx="2894391" cy="442605"/>
+          </a:xfrm>
+          <a:prstGeom prst="rect">
+            <a:avLst/>
+          </a:prstGeom>
+          <a:ln w="12700">
+            <a:miter lim="400000"/>
+          </a:ln>
+          <a:extLst>
+            <a:ext uri="{C572A759-6A51-4108-AA02-DFA0A04FC94B}">
+              <ma14:wrappingTextBoxFlag xmlns:ma14="http://schemas.microsoft.com/office/mac/drawingml/2011/main" xmlns="" val="1"/>
+            </a:ext>
+          </a:extLst>
+        </p:spPr>
+        <p:txBody>
+          <a:bodyPr wrap="square" lIns="54570" tIns="54570" rIns="54570" bIns="54570" anchor="ctr">
+            <a:spAutoFit/>
+          </a:bodyPr>
+          <a:lstStyle/>
+          <a:p>
+            <a:pPr marL="48600">
+              <a:lnSpc>
+                <a:spcPct val="90000"/>
+              </a:lnSpc>
+              <a:spcBef>
+                <a:spcPts val="0"/>
+              </a:spcBef>
+              <a:defRPr b="0">
+                <a:solidFill>
+                  <a:srgbClr val="000000"/>
+                </a:solidFill>
+                <a:latin typeface="+mn-lt"/>
+                <a:ea typeface="+mn-ea"/>
+                <a:cs typeface="+mn-cs"/>
+                <a:sym typeface="Source Sans Pro Light"/>
+              </a:defRPr>
+            </a:pPr>
+            <a:r>
+              <a:rPr lang="en-SG" dirty="0">
+                <a:latin typeface="Source Sans Pro"/>
+                <a:ea typeface="Source Sans Pro"/>
+                <a:cs typeface="Source Sans Pro"/>
+                <a:sym typeface="Source Sans Pro"/>
+              </a:rPr>
+              <a:t>Concentration unit is determined by what is provided in the following columns</a:t>
+            </a:r>
+          </a:p>
+        </p:txBody>
+      </p:sp>
+      <p:sp>
+        <p:nvSpPr>
+          <p:cNvPr id="148" name="Line">
+            <a:extLst>
+              <a:ext uri="{FF2B5EF4-FFF2-40B4-BE49-F238E27FC236}">
+                <a16:creationId xmlns:a16="http://schemas.microsoft.com/office/drawing/2014/main" id="{7E6B30EF-DC8A-47F0-BC9D-0029BAA10612}"/>
               </a:ext>
             </a:extLst>
           </p:cNvPr>
@@ -5985,8 +6181,8 @@
         </p:nvSpPr>
         <p:spPr>
           <a:xfrm>
-            <a:off x="4938255" y="5317335"/>
-            <a:ext cx="8943437" cy="3399"/>
+            <a:off x="9659761" y="1060800"/>
+            <a:ext cx="16281" cy="4262307"/>
           </a:xfrm>
           <a:prstGeom prst="line">
             <a:avLst/>
@@ -6021,10 +6217,58 @@
       </p:sp>
       <p:sp>
         <p:nvSpPr>
-          <p:cNvPr id="99" name="CODE">
+          <p:cNvPr id="149" name="Line">
             <a:extLst>
               <a:ext uri="{FF2B5EF4-FFF2-40B4-BE49-F238E27FC236}">
-                <a16:creationId xmlns:a16="http://schemas.microsoft.com/office/drawing/2014/main" id="{63D21447-3172-4644-BE55-D8E563400ADA}"/>
+                <a16:creationId xmlns:a16="http://schemas.microsoft.com/office/drawing/2014/main" id="{1D23D88B-9D1B-4546-BE2F-1862F38A1851}"/>
+              </a:ext>
+            </a:extLst>
+          </p:cNvPr>
+          <p:cNvSpPr/>
+          <p:nvPr/>
+        </p:nvSpPr>
+        <p:spPr>
+          <a:xfrm>
+            <a:off x="4917524" y="1020997"/>
+            <a:ext cx="6281" cy="9593967"/>
+          </a:xfrm>
+          <a:prstGeom prst="line">
+            <a:avLst/>
+          </a:prstGeom>
+          <a:ln w="3175">
+            <a:solidFill>
+              <a:srgbClr val="767C85"/>
+            </a:solidFill>
+            <a:miter lim="400000"/>
+          </a:ln>
+        </p:spPr>
+        <p:txBody>
+          <a:bodyPr lIns="54570" tIns="54570" rIns="54570" bIns="54570" anchor="ctr"/>
+          <a:lstStyle/>
+          <a:p>
+            <a:pPr>
+              <a:lnSpc>
+                <a:spcPct val="80000"/>
+              </a:lnSpc>
+              <a:spcBef>
+                <a:spcPts val="600"/>
+              </a:spcBef>
+              <a:defRPr b="0">
+                <a:solidFill>
+                  <a:srgbClr val="000000"/>
+                </a:solidFill>
+              </a:defRPr>
+            </a:pPr>
+            <a:endParaRPr/>
+          </a:p>
+        </p:txBody>
+      </p:sp>
+      <p:sp>
+        <p:nvSpPr>
+          <p:cNvPr id="74" name="RStudio® is a trademark of RStudio, Inc.  •  CC BY SA Your Name •  your@email.com  •  844-448-1212 • your.website.com •  Learn more at webpage or vignette   •  package version  0.5.0 •  Updated: 2017-01">
+            <a:extLst>
+              <a:ext uri="{FF2B5EF4-FFF2-40B4-BE49-F238E27FC236}">
+                <a16:creationId xmlns:a16="http://schemas.microsoft.com/office/drawing/2014/main" id="{C15179CE-25E4-4B1E-B173-BDD05D9EB977}"/>
               </a:ext>
             </a:extLst>
           </p:cNvPr>
@@ -6033,8 +6277,8 @@
         </p:nvSpPr>
         <p:spPr>
           <a:xfrm>
-            <a:off x="5029206" y="5779349"/>
-            <a:ext cx="2420534" cy="210314"/>
+            <a:off x="12440394" y="10441191"/>
+            <a:ext cx="1379964" cy="234855"/>
           </a:xfrm>
           <a:prstGeom prst="rect">
             <a:avLst/>
@@ -6044,20 +6288,44 @@
           </a:ln>
           <a:extLst>
             <a:ext uri="{C572A759-6A51-4108-AA02-DFA0A04FC94B}">
-              <ma14:wrappingTextBoxFlag xmlns="" xmlns:ma14="http://schemas.microsoft.com/office/mac/drawingml/2011/main" val="1"/>
+              <ma14:wrappingTextBoxFlag xmlns:ma14="http://schemas.microsoft.com/office/mac/drawingml/2011/main" xmlns="" val="1"/>
             </a:ext>
           </a:extLst>
         </p:spPr>
         <p:txBody>
-          <a:bodyPr wrap="none" lIns="12700" tIns="12700" rIns="12700" bIns="12700" anchor="ctr">
+          <a:bodyPr wrap="square" lIns="54570" tIns="54570" rIns="54570" bIns="54570" anchor="ctr">
             <a:spAutoFit/>
           </a:bodyPr>
           <a:lstStyle/>
           <a:p>
-            <a:pPr lvl="1" indent="0"/>
+            <a:pPr algn="r">
+              <a:lnSpc>
+                <a:spcPct val="90000"/>
+              </a:lnSpc>
+              <a:spcBef>
+                <a:spcPts val="0"/>
+              </a:spcBef>
+              <a:defRPr sz="900" b="0">
+                <a:solidFill>
+                  <a:srgbClr val="000000"/>
+                </a:solidFill>
+              </a:defRPr>
+            </a:pPr>
+            <a:r>
+              <a:rPr dirty="0"/>
+              <a:t>Updated: 20</a:t>
+            </a:r>
             <a:r>
               <a:rPr lang="en-SG" dirty="0"/>
-              <a:t>Create a new Sample Annotation</a:t>
+              <a:t>21</a:t>
+            </a:r>
+            <a:r>
+              <a:rPr dirty="0"/>
+              <a:t>-0</a:t>
+            </a:r>
+            <a:r>
+              <a:rPr lang="en-SG" dirty="0"/>
+              <a:t>9</a:t>
             </a:r>
             <a:endParaRPr dirty="0"/>
           </a:p>
@@ -6065,10 +6333,10 @@
       </p:sp>
       <p:sp>
         <p:nvSpPr>
-          <p:cNvPr id="103" name="Where possible, use code that works when run.">
+          <p:cNvPr id="76" name="Where possible, use code that works when run.">
             <a:extLst>
               <a:ext uri="{FF2B5EF4-FFF2-40B4-BE49-F238E27FC236}">
-                <a16:creationId xmlns:a16="http://schemas.microsoft.com/office/drawing/2014/main" id="{FCE8DFDA-5AF0-472B-8603-590155997D3A}"/>
+                <a16:creationId xmlns:a16="http://schemas.microsoft.com/office/drawing/2014/main" id="{B99A2C83-7FEE-4369-9089-E8BDF3EC2444}"/>
               </a:ext>
             </a:extLst>
           </p:cNvPr>
@@ -6077,8 +6345,8 @@
         </p:nvSpPr>
         <p:spPr>
           <a:xfrm>
-            <a:off x="5041078" y="8048458"/>
-            <a:ext cx="2165721" cy="276405"/>
+            <a:off x="7832222" y="6965480"/>
+            <a:ext cx="2727623" cy="442605"/>
           </a:xfrm>
           <a:prstGeom prst="rect">
             <a:avLst/>
@@ -6088,103 +6356,7 @@
           </a:ln>
           <a:extLst>
             <a:ext uri="{C572A759-6A51-4108-AA02-DFA0A04FC94B}">
-              <ma14:wrappingTextBoxFlag xmlns="" xmlns:ma14="http://schemas.microsoft.com/office/mac/drawingml/2011/main" val="1"/>
-            </a:ext>
-          </a:extLst>
-        </p:spPr>
-        <p:txBody>
-          <a:bodyPr wrap="square" lIns="54570" tIns="54570" rIns="54570" bIns="54570" anchor="ctr">
-            <a:spAutoFit/>
-          </a:bodyPr>
-          <a:lstStyle/>
-          <a:p>
-            <a:pPr marL="228600" indent="-180000">
-              <a:lnSpc>
-                <a:spcPct val="90000"/>
-              </a:lnSpc>
-              <a:spcBef>
-                <a:spcPts val="0"/>
-              </a:spcBef>
-              <a:buFont typeface="+mj-lt"/>
-              <a:buAutoNum type="arabicPeriod" startAt="2"/>
-              <a:defRPr b="0">
-                <a:solidFill>
-                  <a:srgbClr val="000000"/>
-                </a:solidFill>
-                <a:latin typeface="+mn-lt"/>
-                <a:ea typeface="+mn-ea"/>
-                <a:cs typeface="+mn-cs"/>
-                <a:sym typeface="Source Sans Pro Light"/>
-              </a:defRPr>
-            </a:pPr>
-            <a:r>
-              <a:rPr lang="en-SG" dirty="0">
-                <a:latin typeface="Source Sans Pro"/>
-                <a:ea typeface="Source Sans Pro"/>
-                <a:cs typeface="Source Sans Pro"/>
-                <a:sym typeface="Source Sans Pro"/>
-              </a:rPr>
-              <a:t>Choose the Sample type</a:t>
-            </a:r>
-          </a:p>
-        </p:txBody>
-      </p:sp>
-      <p:pic>
-        <p:nvPicPr>
-          <p:cNvPr id="104" name="Picture 103">
-            <a:extLst>
-              <a:ext uri="{FF2B5EF4-FFF2-40B4-BE49-F238E27FC236}">
-                <a16:creationId xmlns:a16="http://schemas.microsoft.com/office/drawing/2014/main" id="{3A3EBA04-02BF-4824-A284-FE6948108535}"/>
-              </a:ext>
-            </a:extLst>
-          </p:cNvPr>
-          <p:cNvPicPr>
-            <a:picLocks noChangeAspect="1"/>
-          </p:cNvPicPr>
-          <p:nvPr/>
-        </p:nvPicPr>
-        <p:blipFill>
-          <a:blip r:embed="rId17"/>
-          <a:stretch>
-            <a:fillRect/>
-          </a:stretch>
-        </p:blipFill>
-        <p:spPr>
-          <a:xfrm>
-            <a:off x="5386255" y="8354631"/>
-            <a:ext cx="1631610" cy="697991"/>
-          </a:xfrm>
-          <a:prstGeom prst="rect">
-            <a:avLst/>
-          </a:prstGeom>
-        </p:spPr>
-      </p:pic>
-      <p:sp>
-        <p:nvSpPr>
-          <p:cNvPr id="106" name="Where possible, use code that works when run.">
-            <a:extLst>
-              <a:ext uri="{FF2B5EF4-FFF2-40B4-BE49-F238E27FC236}">
-                <a16:creationId xmlns:a16="http://schemas.microsoft.com/office/drawing/2014/main" id="{EE6DCF4F-1C90-4813-B418-5A4E8254F763}"/>
-              </a:ext>
-            </a:extLst>
-          </p:cNvPr>
-          <p:cNvSpPr txBox="1"/>
-          <p:nvPr/>
-        </p:nvSpPr>
-        <p:spPr>
-          <a:xfrm>
-            <a:off x="5127149" y="9124238"/>
-            <a:ext cx="2382309" cy="608804"/>
-          </a:xfrm>
-          <a:prstGeom prst="rect">
-            <a:avLst/>
-          </a:prstGeom>
-          <a:ln w="12700">
-            <a:miter lim="400000"/>
-          </a:ln>
-          <a:extLst>
-            <a:ext uri="{C572A759-6A51-4108-AA02-DFA0A04FC94B}">
-              <ma14:wrappingTextBoxFlag xmlns="" xmlns:ma14="http://schemas.microsoft.com/office/mac/drawingml/2011/main" val="1"/>
+              <ma14:wrappingTextBoxFlag xmlns:ma14="http://schemas.microsoft.com/office/mac/drawingml/2011/main" xmlns="" val="1"/>
             </a:ext>
           </a:extLst>
         </p:spPr>
@@ -6224,7 +6396,7 @@
                 <a:ea typeface="Source Sans Pro" panose="020B0503030403020204" pitchFamily="34" charset="0"/>
                 <a:sym typeface="Source Sans Pro Light"/>
               </a:rPr>
-              <a:t>Fill any blank cells under the </a:t>
+              <a:t>For </a:t>
             </a:r>
             <a:r>
               <a:rPr lang="en-SG" b="0" dirty="0" err="1">
@@ -6240,25 +6412,22 @@
                 <a:ea typeface="Source Sans Pro" panose="020B0503030403020204" pitchFamily="34" charset="0"/>
                 <a:sym typeface="Source Sans Pro Light"/>
               </a:rPr>
-              <a:t> column with “SPL” by clicking this button</a:t>
-            </a:r>
-            <a:r>
-              <a:rPr lang="en-SG" dirty="0">
-                <a:latin typeface="Source Sans Pro" panose="020B0503030403020204" pitchFamily="34" charset="0"/>
-                <a:ea typeface="Source Sans Pro" panose="020B0503030403020204" pitchFamily="34" charset="0"/>
-                <a:sym typeface="Source Sans Pro"/>
-              </a:rPr>
-              <a:t>.</a:t>
-            </a:r>
+              <a:t> with consistent values, click on this button</a:t>
+            </a:r>
+            <a:endParaRPr lang="en-SG" dirty="0">
+              <a:latin typeface="Source Sans Pro" panose="020B0503030403020204" pitchFamily="34" charset="0"/>
+              <a:ea typeface="Source Sans Pro" panose="020B0503030403020204" pitchFamily="34" charset="0"/>
+              <a:sym typeface="Source Sans Pro"/>
+            </a:endParaRPr>
           </a:p>
         </p:txBody>
       </p:sp>
       <p:pic>
         <p:nvPicPr>
-          <p:cNvPr id="107" name="Picture 106">
+          <p:cNvPr id="77" name="Picture 76">
             <a:extLst>
               <a:ext uri="{FF2B5EF4-FFF2-40B4-BE49-F238E27FC236}">
-                <a16:creationId xmlns:a16="http://schemas.microsoft.com/office/drawing/2014/main" id="{AD7CC4F8-9F00-4D23-9F62-E747BC622B0D}"/>
+                <a16:creationId xmlns:a16="http://schemas.microsoft.com/office/drawing/2014/main" id="{922543C2-6FFD-4F7E-AC8A-1BE0D7BD9EF9}"/>
               </a:ext>
             </a:extLst>
           </p:cNvPr>
@@ -6266,99 +6435,55 @@
           <p:nvPr/>
         </p:nvPicPr>
         <p:blipFill>
-          <a:blip r:embed="rId18"/>
+          <a:blip r:embed="rId7"/>
           <a:stretch>
             <a:fillRect/>
           </a:stretch>
         </p:blipFill>
         <p:spPr>
           <a:xfrm>
-            <a:off x="5266889" y="9782531"/>
-            <a:ext cx="1872628" cy="375511"/>
+            <a:off x="8421734" y="7394957"/>
+            <a:ext cx="1261880" cy="230344"/>
           </a:xfrm>
           <a:prstGeom prst="rect">
             <a:avLst/>
           </a:prstGeom>
         </p:spPr>
       </p:pic>
-      <p:sp>
-        <p:nvSpPr>
-          <p:cNvPr id="112" name="Where possible, use code that works when run.">
+      <p:pic>
+        <p:nvPicPr>
+          <p:cNvPr id="80" name="Picture 79">
             <a:extLst>
               <a:ext uri="{FF2B5EF4-FFF2-40B4-BE49-F238E27FC236}">
-                <a16:creationId xmlns:a16="http://schemas.microsoft.com/office/drawing/2014/main" id="{C2BCB013-E329-453A-B40D-90925FCB2223}"/>
+                <a16:creationId xmlns:a16="http://schemas.microsoft.com/office/drawing/2014/main" id="{C454CBBA-B3BD-48FA-BA94-1DC4BD2C1B60}"/>
               </a:ext>
             </a:extLst>
           </p:cNvPr>
-          <p:cNvSpPr txBox="1"/>
+          <p:cNvPicPr/>
           <p:nvPr/>
-        </p:nvSpPr>
-        <p:spPr>
-          <a:xfrm>
-            <a:off x="4962068" y="6089224"/>
-            <a:ext cx="2609646" cy="442605"/>
-          </a:xfrm>
-          <a:prstGeom prst="rect">
-            <a:avLst/>
-          </a:prstGeom>
-          <a:ln w="12700">
-            <a:miter lim="400000"/>
-          </a:ln>
-          <a:extLst>
-            <a:ext uri="{C572A759-6A51-4108-AA02-DFA0A04FC94B}">
-              <ma14:wrappingTextBoxFlag xmlns="" xmlns:ma14="http://schemas.microsoft.com/office/mac/drawingml/2011/main" val="1"/>
-            </a:ext>
-          </a:extLst>
-        </p:spPr>
-        <p:txBody>
-          <a:bodyPr wrap="square" lIns="54570" tIns="54570" rIns="54570" bIns="54570" anchor="ctr">
-            <a:spAutoFit/>
-          </a:bodyPr>
-          <a:lstStyle/>
-          <a:p>
-            <a:pPr marL="228600" indent="-180000">
-              <a:lnSpc>
-                <a:spcPct val="90000"/>
-              </a:lnSpc>
-              <a:spcBef>
-                <a:spcPts val="0"/>
-              </a:spcBef>
-              <a:buFont typeface="+mj-lt"/>
-              <a:buAutoNum type="arabicPeriod"/>
-              <a:defRPr b="0">
-                <a:solidFill>
-                  <a:srgbClr val="000000"/>
-                </a:solidFill>
-                <a:latin typeface="+mn-lt"/>
-                <a:ea typeface="+mn-ea"/>
-                <a:cs typeface="+mn-cs"/>
-                <a:sym typeface="Source Sans Pro Light"/>
-              </a:defRPr>
-            </a:pPr>
-            <a:r>
-              <a:rPr lang="en-SG" dirty="0">
-                <a:latin typeface="Source Sans Pro"/>
-                <a:ea typeface="Source Sans Pro"/>
-                <a:cs typeface="Source Sans Pro"/>
-                <a:sym typeface="Source Sans Pro"/>
-              </a:rPr>
-              <a:t>Click on the button below to create a new sample annotation</a:t>
-            </a:r>
-            <a:endParaRPr dirty="0">
-              <a:latin typeface="Source Sans Pro"/>
-              <a:ea typeface="Source Sans Pro"/>
-              <a:cs typeface="Source Sans Pro"/>
-              <a:sym typeface="Source Sans Pro"/>
-            </a:endParaRPr>
-          </a:p>
-        </p:txBody>
-      </p:sp>
+        </p:nvPicPr>
+        <p:blipFill>
+          <a:blip r:embed="rId8"/>
+          <a:stretch>
+            <a:fillRect/>
+          </a:stretch>
+        </p:blipFill>
+        <p:spPr>
+          <a:xfrm>
+            <a:off x="7977778" y="8097304"/>
+            <a:ext cx="2213847" cy="1266616"/>
+          </a:xfrm>
+          <a:prstGeom prst="rect">
+            <a:avLst/>
+          </a:prstGeom>
+        </p:spPr>
+      </p:pic>
       <p:pic>
         <p:nvPicPr>
-          <p:cNvPr id="33" name="Picture 32">
+          <p:cNvPr id="4" name="Picture 3">
             <a:extLst>
               <a:ext uri="{FF2B5EF4-FFF2-40B4-BE49-F238E27FC236}">
-                <a16:creationId xmlns:a16="http://schemas.microsoft.com/office/drawing/2014/main" id="{32D3D3E0-EF44-46BF-B8B5-91BC8831CFFD}"/>
+                <a16:creationId xmlns:a16="http://schemas.microsoft.com/office/drawing/2014/main" id="{8E1F2498-9F65-426B-9289-B51F0E64E8EB}"/>
               </a:ext>
             </a:extLst>
           </p:cNvPr>
@@ -6368,224 +6493,15 @@
           <p:nvPr/>
         </p:nvPicPr>
         <p:blipFill>
-          <a:blip r:embed="rId19"/>
+          <a:blip r:embed="rId9"/>
           <a:stretch>
             <a:fillRect/>
           </a:stretch>
         </p:blipFill>
         <p:spPr>
           <a:xfrm>
-            <a:off x="5208887" y="6526170"/>
-            <a:ext cx="2012115" cy="292262"/>
-          </a:xfrm>
-          <a:prstGeom prst="rect">
-            <a:avLst/>
-          </a:prstGeom>
-        </p:spPr>
-      </p:pic>
-      <p:pic>
-        <p:nvPicPr>
-          <p:cNvPr id="34" name="Picture 33">
-            <a:extLst>
-              <a:ext uri="{FF2B5EF4-FFF2-40B4-BE49-F238E27FC236}">
-                <a16:creationId xmlns:a16="http://schemas.microsoft.com/office/drawing/2014/main" id="{BFDD2629-B111-4201-8455-3EFCAF49ED9F}"/>
-              </a:ext>
-            </a:extLst>
-          </p:cNvPr>
-          <p:cNvPicPr>
-            <a:picLocks noChangeAspect="1"/>
-          </p:cNvPicPr>
-          <p:nvPr/>
-        </p:nvPicPr>
-        <p:blipFill>
-          <a:blip r:embed="rId20"/>
-          <a:stretch>
-            <a:fillRect/>
-          </a:stretch>
-        </p:blipFill>
-        <p:spPr>
-          <a:xfrm>
-            <a:off x="5224400" y="6846792"/>
-            <a:ext cx="2006492" cy="292262"/>
-          </a:xfrm>
-          <a:prstGeom prst="rect">
-            <a:avLst/>
-          </a:prstGeom>
-        </p:spPr>
-      </p:pic>
-      <p:pic>
-        <p:nvPicPr>
-          <p:cNvPr id="35" name="Picture 34">
-            <a:extLst>
-              <a:ext uri="{FF2B5EF4-FFF2-40B4-BE49-F238E27FC236}">
-                <a16:creationId xmlns:a16="http://schemas.microsoft.com/office/drawing/2014/main" id="{7E1D34C7-C162-467D-9E25-102B8EA6C8B4}"/>
-              </a:ext>
-            </a:extLst>
-          </p:cNvPr>
-          <p:cNvPicPr>
-            <a:picLocks noChangeAspect="1"/>
-          </p:cNvPicPr>
-          <p:nvPr/>
-        </p:nvPicPr>
-        <p:blipFill>
-          <a:blip r:embed="rId21"/>
-          <a:stretch>
-            <a:fillRect/>
-          </a:stretch>
-        </p:blipFill>
-        <p:spPr>
-          <a:xfrm>
-            <a:off x="5102103" y="7262048"/>
-            <a:ext cx="2408585" cy="696180"/>
-          </a:xfrm>
-          <a:prstGeom prst="rect">
-            <a:avLst/>
-          </a:prstGeom>
-        </p:spPr>
-      </p:pic>
-      <p:pic>
-        <p:nvPicPr>
-          <p:cNvPr id="36" name="Picture 35">
-            <a:extLst>
-              <a:ext uri="{FF2B5EF4-FFF2-40B4-BE49-F238E27FC236}">
-                <a16:creationId xmlns:a16="http://schemas.microsoft.com/office/drawing/2014/main" id="{01BAD46D-F62B-43A8-B6A6-55E211245159}"/>
-              </a:ext>
-            </a:extLst>
-          </p:cNvPr>
-          <p:cNvPicPr>
-            <a:picLocks noChangeAspect="1"/>
-          </p:cNvPicPr>
-          <p:nvPr/>
-        </p:nvPicPr>
-        <p:blipFill>
-          <a:blip r:embed="rId22"/>
-          <a:stretch>
-            <a:fillRect/>
-          </a:stretch>
-        </p:blipFill>
-        <p:spPr>
-          <a:xfrm>
-            <a:off x="7664944" y="6520216"/>
-            <a:ext cx="2805524" cy="394981"/>
-          </a:xfrm>
-          <a:prstGeom prst="rect">
-            <a:avLst/>
-          </a:prstGeom>
-        </p:spPr>
-      </p:pic>
-      <p:pic>
-        <p:nvPicPr>
-          <p:cNvPr id="38" name="Picture 37">
-            <a:extLst>
-              <a:ext uri="{FF2B5EF4-FFF2-40B4-BE49-F238E27FC236}">
-                <a16:creationId xmlns:a16="http://schemas.microsoft.com/office/drawing/2014/main" id="{9D911DE8-C557-4FEA-8E9B-D4CE8C2615AB}"/>
-              </a:ext>
-            </a:extLst>
-          </p:cNvPr>
-          <p:cNvPicPr>
-            <a:picLocks noChangeAspect="1"/>
-          </p:cNvPicPr>
-          <p:nvPr/>
-        </p:nvPicPr>
-        <p:blipFill>
-          <a:blip r:embed="rId23"/>
-          <a:stretch>
-            <a:fillRect/>
-          </a:stretch>
-        </p:blipFill>
-        <p:spPr>
-          <a:xfrm>
-            <a:off x="11590717" y="6515796"/>
-            <a:ext cx="1545455" cy="319102"/>
-          </a:xfrm>
-          <a:prstGeom prst="rect">
-            <a:avLst/>
-          </a:prstGeom>
-        </p:spPr>
-      </p:pic>
-      <p:pic>
-        <p:nvPicPr>
-          <p:cNvPr id="136" name="Picture 135">
-            <a:extLst>
-              <a:ext uri="{FF2B5EF4-FFF2-40B4-BE49-F238E27FC236}">
-                <a16:creationId xmlns:a16="http://schemas.microsoft.com/office/drawing/2014/main" id="{DA8F1BBC-8A06-4DE7-B662-E7978BBD967E}"/>
-              </a:ext>
-            </a:extLst>
-          </p:cNvPr>
-          <p:cNvPicPr>
-            <a:picLocks noChangeAspect="1"/>
-          </p:cNvPicPr>
-          <p:nvPr/>
-        </p:nvPicPr>
-        <p:blipFill rotWithShape="1">
-          <a:blip r:embed="rId24"/>
-          <a:srcRect l="61866"/>
-          <a:stretch/>
-        </p:blipFill>
-        <p:spPr>
-          <a:xfrm>
-            <a:off x="12453376" y="7488150"/>
-            <a:ext cx="1221182" cy="396844"/>
-          </a:xfrm>
-          <a:prstGeom prst="rect">
-            <a:avLst/>
-          </a:prstGeom>
-        </p:spPr>
-      </p:pic>
-      <p:pic>
-        <p:nvPicPr>
-          <p:cNvPr id="40" name="Picture 39">
-            <a:extLst>
-              <a:ext uri="{FF2B5EF4-FFF2-40B4-BE49-F238E27FC236}">
-                <a16:creationId xmlns:a16="http://schemas.microsoft.com/office/drawing/2014/main" id="{7F1947FC-B18B-446E-A980-04EA0D7C5461}"/>
-              </a:ext>
-            </a:extLst>
-          </p:cNvPr>
-          <p:cNvPicPr>
-            <a:picLocks noChangeAspect="1"/>
-          </p:cNvPicPr>
-          <p:nvPr/>
-        </p:nvPicPr>
-        <p:blipFill>
-          <a:blip r:embed="rId25"/>
-          <a:stretch>
-            <a:fillRect/>
-          </a:stretch>
-        </p:blipFill>
-        <p:spPr>
-          <a:xfrm>
-            <a:off x="11121037" y="7361789"/>
-            <a:ext cx="1059118" cy="333426"/>
-          </a:xfrm>
-          <a:prstGeom prst="rect">
-            <a:avLst/>
-          </a:prstGeom>
-        </p:spPr>
-      </p:pic>
-      <p:pic>
-        <p:nvPicPr>
-          <p:cNvPr id="42" name="Picture 41">
-            <a:extLst>
-              <a:ext uri="{FF2B5EF4-FFF2-40B4-BE49-F238E27FC236}">
-                <a16:creationId xmlns:a16="http://schemas.microsoft.com/office/drawing/2014/main" id="{0683363D-2BF3-496B-A036-9306E28A2CE7}"/>
-              </a:ext>
-            </a:extLst>
-          </p:cNvPr>
-          <p:cNvPicPr>
-            <a:picLocks noChangeAspect="1"/>
-          </p:cNvPicPr>
-          <p:nvPr/>
-        </p:nvPicPr>
-        <p:blipFill>
-          <a:blip r:embed="rId26"/>
-          <a:stretch>
-            <a:fillRect/>
-          </a:stretch>
-        </p:blipFill>
-        <p:spPr>
-          <a:xfrm>
-            <a:off x="11105047" y="7779518"/>
-            <a:ext cx="1075108" cy="327777"/>
+            <a:off x="7712802" y="9492312"/>
+            <a:ext cx="2844095" cy="747289"/>
           </a:xfrm>
           <a:prstGeom prst="rect">
             <a:avLst/>
@@ -6594,10 +6510,10 @@
       </p:pic>
       <p:sp>
         <p:nvSpPr>
-          <p:cNvPr id="137" name="Where possible, use code that works when run.">
+          <p:cNvPr id="84" name="Where possible, use code that works when run.">
             <a:extLst>
               <a:ext uri="{FF2B5EF4-FFF2-40B4-BE49-F238E27FC236}">
-                <a16:creationId xmlns:a16="http://schemas.microsoft.com/office/drawing/2014/main" id="{5073F9E3-9586-4BF0-97CD-B34ED37D236A}"/>
+                <a16:creationId xmlns:a16="http://schemas.microsoft.com/office/drawing/2014/main" id="{104F9B17-8294-4968-875F-2C61AC423AF4}"/>
               </a:ext>
             </a:extLst>
           </p:cNvPr>
@@ -6606,8 +6522,8 @@
         </p:nvSpPr>
         <p:spPr>
           <a:xfrm>
-            <a:off x="7576077" y="6085632"/>
-            <a:ext cx="2894391" cy="442605"/>
+            <a:off x="7832221" y="7662518"/>
+            <a:ext cx="2727623" cy="442605"/>
           </a:xfrm>
           <a:prstGeom prst="rect">
             <a:avLst/>
@@ -6617,367 +6533,7 @@
           </a:ln>
           <a:extLst>
             <a:ext uri="{C572A759-6A51-4108-AA02-DFA0A04FC94B}">
-              <ma14:wrappingTextBoxFlag xmlns="" xmlns:ma14="http://schemas.microsoft.com/office/mac/drawingml/2011/main" val="1"/>
-            </a:ext>
-          </a:extLst>
-        </p:spPr>
-        <p:txBody>
-          <a:bodyPr wrap="square" lIns="54570" tIns="54570" rIns="54570" bIns="54570" anchor="ctr">
-            <a:spAutoFit/>
-          </a:bodyPr>
-          <a:lstStyle/>
-          <a:p>
-            <a:pPr marL="277200" indent="-228600">
-              <a:lnSpc>
-                <a:spcPct val="90000"/>
-              </a:lnSpc>
-              <a:spcBef>
-                <a:spcPts val="0"/>
-              </a:spcBef>
-              <a:buFont typeface="+mj-lt"/>
-              <a:buAutoNum type="arabicPeriod" startAt="3"/>
-              <a:defRPr b="0">
-                <a:solidFill>
-                  <a:srgbClr val="000000"/>
-                </a:solidFill>
-                <a:latin typeface="+mn-lt"/>
-                <a:ea typeface="+mn-ea"/>
-                <a:cs typeface="+mn-cs"/>
-                <a:sym typeface="Source Sans Pro Light"/>
-              </a:defRPr>
-            </a:pPr>
-            <a:r>
-              <a:rPr lang="en-SG" dirty="0">
-                <a:latin typeface="Source Sans Pro"/>
-                <a:ea typeface="Source Sans Pro"/>
-                <a:cs typeface="Source Sans Pro"/>
-                <a:sym typeface="Source Sans Pro"/>
-              </a:rPr>
-              <a:t>Fill in the sample amount, unit and ISTD mixture volume</a:t>
-            </a:r>
-          </a:p>
-        </p:txBody>
-      </p:sp>
-      <p:sp>
-        <p:nvSpPr>
-          <p:cNvPr id="138" name="Where possible, use code that works when run.">
-            <a:extLst>
-              <a:ext uri="{FF2B5EF4-FFF2-40B4-BE49-F238E27FC236}">
-                <a16:creationId xmlns:a16="http://schemas.microsoft.com/office/drawing/2014/main" id="{CC1A34F4-41C7-4E21-9EBA-5198A3B61CEB}"/>
-              </a:ext>
-            </a:extLst>
-          </p:cNvPr>
-          <p:cNvSpPr txBox="1"/>
-          <p:nvPr/>
-        </p:nvSpPr>
-        <p:spPr>
-          <a:xfrm>
-            <a:off x="10784976" y="6085632"/>
-            <a:ext cx="2894391" cy="442605"/>
-          </a:xfrm>
-          <a:prstGeom prst="rect">
-            <a:avLst/>
-          </a:prstGeom>
-          <a:ln w="12700">
-            <a:miter lim="400000"/>
-          </a:ln>
-          <a:extLst>
-            <a:ext uri="{C572A759-6A51-4108-AA02-DFA0A04FC94B}">
-              <ma14:wrappingTextBoxFlag xmlns="" xmlns:ma14="http://schemas.microsoft.com/office/mac/drawingml/2011/main" val="1"/>
-            </a:ext>
-          </a:extLst>
-        </p:spPr>
-        <p:txBody>
-          <a:bodyPr wrap="square" lIns="54570" tIns="54570" rIns="54570" bIns="54570" anchor="ctr">
-            <a:spAutoFit/>
-          </a:bodyPr>
-          <a:lstStyle/>
-          <a:p>
-            <a:pPr marL="277200" indent="-228600">
-              <a:lnSpc>
-                <a:spcPct val="90000"/>
-              </a:lnSpc>
-              <a:spcBef>
-                <a:spcPts val="0"/>
-              </a:spcBef>
-              <a:buFont typeface="+mj-lt"/>
-              <a:buAutoNum type="arabicPeriod" startAt="4"/>
-              <a:defRPr b="0">
-                <a:solidFill>
-                  <a:srgbClr val="000000"/>
-                </a:solidFill>
-                <a:latin typeface="+mn-lt"/>
-                <a:ea typeface="+mn-ea"/>
-                <a:cs typeface="+mn-cs"/>
-                <a:sym typeface="Source Sans Pro Light"/>
-              </a:defRPr>
-            </a:pPr>
-            <a:r>
-              <a:rPr lang="en-SG" dirty="0">
-                <a:latin typeface="Source Sans Pro"/>
-                <a:ea typeface="Source Sans Pro"/>
-                <a:cs typeface="Source Sans Pro"/>
-                <a:sym typeface="Source Sans Pro"/>
-              </a:rPr>
-              <a:t>Fill in the concentration unit by clicking this button</a:t>
-            </a:r>
-          </a:p>
-        </p:txBody>
-      </p:sp>
-      <p:sp>
-        <p:nvSpPr>
-          <p:cNvPr id="139" name="Where possible, use code that works when run.">
-            <a:extLst>
-              <a:ext uri="{FF2B5EF4-FFF2-40B4-BE49-F238E27FC236}">
-                <a16:creationId xmlns:a16="http://schemas.microsoft.com/office/drawing/2014/main" id="{2412D5AB-FD3C-48A9-907B-C7654FD33EE2}"/>
-              </a:ext>
-            </a:extLst>
-          </p:cNvPr>
-          <p:cNvSpPr txBox="1"/>
-          <p:nvPr/>
-        </p:nvSpPr>
-        <p:spPr>
-          <a:xfrm>
-            <a:off x="10916248" y="6842549"/>
-            <a:ext cx="2894391" cy="442605"/>
-          </a:xfrm>
-          <a:prstGeom prst="rect">
-            <a:avLst/>
-          </a:prstGeom>
-          <a:ln w="12700">
-            <a:miter lim="400000"/>
-          </a:ln>
-          <a:extLst>
-            <a:ext uri="{C572A759-6A51-4108-AA02-DFA0A04FC94B}">
-              <ma14:wrappingTextBoxFlag xmlns="" xmlns:ma14="http://schemas.microsoft.com/office/mac/drawingml/2011/main" val="1"/>
-            </a:ext>
-          </a:extLst>
-        </p:spPr>
-        <p:txBody>
-          <a:bodyPr wrap="square" lIns="54570" tIns="54570" rIns="54570" bIns="54570" anchor="ctr">
-            <a:spAutoFit/>
-          </a:bodyPr>
-          <a:lstStyle/>
-          <a:p>
-            <a:pPr marL="48600">
-              <a:lnSpc>
-                <a:spcPct val="90000"/>
-              </a:lnSpc>
-              <a:spcBef>
-                <a:spcPts val="0"/>
-              </a:spcBef>
-              <a:defRPr b="0">
-                <a:solidFill>
-                  <a:srgbClr val="000000"/>
-                </a:solidFill>
-                <a:latin typeface="+mn-lt"/>
-                <a:ea typeface="+mn-ea"/>
-                <a:cs typeface="+mn-cs"/>
-                <a:sym typeface="Source Sans Pro Light"/>
-              </a:defRPr>
-            </a:pPr>
-            <a:r>
-              <a:rPr lang="en-SG" dirty="0">
-                <a:latin typeface="Source Sans Pro"/>
-                <a:ea typeface="Source Sans Pro"/>
-                <a:cs typeface="Source Sans Pro"/>
-                <a:sym typeface="Source Sans Pro"/>
-              </a:rPr>
-              <a:t>Concentration unit is determined by what is provided in the following columns</a:t>
-            </a:r>
-          </a:p>
-        </p:txBody>
-      </p:sp>
-      <p:sp>
-        <p:nvSpPr>
-          <p:cNvPr id="148" name="Line">
-            <a:extLst>
-              <a:ext uri="{FF2B5EF4-FFF2-40B4-BE49-F238E27FC236}">
-                <a16:creationId xmlns:a16="http://schemas.microsoft.com/office/drawing/2014/main" id="{7E6B30EF-DC8A-47F0-BC9D-0029BAA10612}"/>
-              </a:ext>
-            </a:extLst>
-          </p:cNvPr>
-          <p:cNvSpPr/>
-          <p:nvPr/>
-        </p:nvSpPr>
-        <p:spPr>
-          <a:xfrm>
-            <a:off x="9659761" y="1060800"/>
-            <a:ext cx="16281" cy="4262307"/>
-          </a:xfrm>
-          <a:prstGeom prst="line">
-            <a:avLst/>
-          </a:prstGeom>
-          <a:ln w="3175">
-            <a:solidFill>
-              <a:srgbClr val="767C85"/>
-            </a:solidFill>
-            <a:miter lim="400000"/>
-          </a:ln>
-        </p:spPr>
-        <p:txBody>
-          <a:bodyPr lIns="54570" tIns="54570" rIns="54570" bIns="54570" anchor="ctr"/>
-          <a:lstStyle/>
-          <a:p>
-            <a:pPr>
-              <a:lnSpc>
-                <a:spcPct val="80000"/>
-              </a:lnSpc>
-              <a:spcBef>
-                <a:spcPts val="600"/>
-              </a:spcBef>
-              <a:defRPr b="0">
-                <a:solidFill>
-                  <a:srgbClr val="000000"/>
-                </a:solidFill>
-              </a:defRPr>
-            </a:pPr>
-            <a:endParaRPr/>
-          </a:p>
-        </p:txBody>
-      </p:sp>
-      <p:sp>
-        <p:nvSpPr>
-          <p:cNvPr id="149" name="Line">
-            <a:extLst>
-              <a:ext uri="{FF2B5EF4-FFF2-40B4-BE49-F238E27FC236}">
-                <a16:creationId xmlns:a16="http://schemas.microsoft.com/office/drawing/2014/main" id="{1D23D88B-9D1B-4546-BE2F-1862F38A1851}"/>
-              </a:ext>
-            </a:extLst>
-          </p:cNvPr>
-          <p:cNvSpPr/>
-          <p:nvPr/>
-        </p:nvSpPr>
-        <p:spPr>
-          <a:xfrm>
-            <a:off x="4917524" y="1020997"/>
-            <a:ext cx="6281" cy="9593967"/>
-          </a:xfrm>
-          <a:prstGeom prst="line">
-            <a:avLst/>
-          </a:prstGeom>
-          <a:ln w="3175">
-            <a:solidFill>
-              <a:srgbClr val="767C85"/>
-            </a:solidFill>
-            <a:miter lim="400000"/>
-          </a:ln>
-        </p:spPr>
-        <p:txBody>
-          <a:bodyPr lIns="54570" tIns="54570" rIns="54570" bIns="54570" anchor="ctr"/>
-          <a:lstStyle/>
-          <a:p>
-            <a:pPr>
-              <a:lnSpc>
-                <a:spcPct val="80000"/>
-              </a:lnSpc>
-              <a:spcBef>
-                <a:spcPts val="600"/>
-              </a:spcBef>
-              <a:defRPr b="0">
-                <a:solidFill>
-                  <a:srgbClr val="000000"/>
-                </a:solidFill>
-              </a:defRPr>
-            </a:pPr>
-            <a:endParaRPr/>
-          </a:p>
-        </p:txBody>
-      </p:sp>
-      <p:sp>
-        <p:nvSpPr>
-          <p:cNvPr id="74" name="RStudio® is a trademark of RStudio, Inc.  •  CC BY SA Your Name •  your@email.com  •  844-448-1212 • your.website.com •  Learn more at webpage or vignette   •  package version  0.5.0 •  Updated: 2017-01">
-            <a:extLst>
-              <a:ext uri="{FF2B5EF4-FFF2-40B4-BE49-F238E27FC236}">
-                <a16:creationId xmlns:a16="http://schemas.microsoft.com/office/drawing/2014/main" id="{C15179CE-25E4-4B1E-B173-BDD05D9EB977}"/>
-              </a:ext>
-            </a:extLst>
-          </p:cNvPr>
-          <p:cNvSpPr txBox="1"/>
-          <p:nvPr/>
-        </p:nvSpPr>
-        <p:spPr>
-          <a:xfrm>
-            <a:off x="12440394" y="10441191"/>
-            <a:ext cx="1379964" cy="234855"/>
-          </a:xfrm>
-          <a:prstGeom prst="rect">
-            <a:avLst/>
-          </a:prstGeom>
-          <a:ln w="12700">
-            <a:miter lim="400000"/>
-          </a:ln>
-          <a:extLst>
-            <a:ext uri="{C572A759-6A51-4108-AA02-DFA0A04FC94B}">
-              <ma14:wrappingTextBoxFlag xmlns="" xmlns:ma14="http://schemas.microsoft.com/office/mac/drawingml/2011/main" val="1"/>
-            </a:ext>
-          </a:extLst>
-        </p:spPr>
-        <p:txBody>
-          <a:bodyPr wrap="square" lIns="54570" tIns="54570" rIns="54570" bIns="54570" anchor="ctr">
-            <a:spAutoFit/>
-          </a:bodyPr>
-          <a:lstStyle/>
-          <a:p>
-            <a:pPr algn="r">
-              <a:lnSpc>
-                <a:spcPct val="90000"/>
-              </a:lnSpc>
-              <a:spcBef>
-                <a:spcPts val="0"/>
-              </a:spcBef>
-              <a:defRPr sz="900" b="0">
-                <a:solidFill>
-                  <a:srgbClr val="000000"/>
-                </a:solidFill>
-              </a:defRPr>
-            </a:pPr>
-            <a:r>
-              <a:rPr dirty="0"/>
-              <a:t>Updated: 20</a:t>
-            </a:r>
-            <a:r>
-              <a:rPr lang="en-SG" dirty="0"/>
-              <a:t>21</a:t>
-            </a:r>
-            <a:r>
-              <a:rPr dirty="0"/>
-              <a:t>-0</a:t>
-            </a:r>
-            <a:r>
-              <a:rPr lang="en-SG" dirty="0"/>
-              <a:t>4</a:t>
-            </a:r>
-            <a:endParaRPr dirty="0"/>
-          </a:p>
-        </p:txBody>
-      </p:sp>
-      <p:sp>
-        <p:nvSpPr>
-          <p:cNvPr id="76" name="Where possible, use code that works when run.">
-            <a:extLst>
-              <a:ext uri="{FF2B5EF4-FFF2-40B4-BE49-F238E27FC236}">
-                <a16:creationId xmlns:a16="http://schemas.microsoft.com/office/drawing/2014/main" id="{B99A2C83-7FEE-4369-9089-E8BDF3EC2444}"/>
-              </a:ext>
-            </a:extLst>
-          </p:cNvPr>
-          <p:cNvSpPr txBox="1"/>
-          <p:nvPr/>
-        </p:nvSpPr>
-        <p:spPr>
-          <a:xfrm>
-            <a:off x="7832222" y="6965480"/>
-            <a:ext cx="2727623" cy="442605"/>
-          </a:xfrm>
-          <a:prstGeom prst="rect">
-            <a:avLst/>
-          </a:prstGeom>
-          <a:ln w="12700">
-            <a:miter lim="400000"/>
-          </a:ln>
-          <a:extLst>
-            <a:ext uri="{C572A759-6A51-4108-AA02-DFA0A04FC94B}">
-              <ma14:wrappingTextBoxFlag xmlns="" xmlns:ma14="http://schemas.microsoft.com/office/mac/drawingml/2011/main" val="1"/>
+              <ma14:wrappingTextBoxFlag xmlns:ma14="http://schemas.microsoft.com/office/mac/drawingml/2011/main" xmlns="" val="1"/>
             </a:ext>
           </a:extLst>
         </p:spPr>
@@ -7012,47 +6568,542 @@
               </a:defRPr>
             </a:pPr>
             <a:r>
-              <a:rPr lang="en-SG" b="0" dirty="0">
+              <a:rPr lang="en-SG" dirty="0">
                 <a:latin typeface="Source Sans Pro" panose="020B0503030403020204" pitchFamily="34" charset="0"/>
                 <a:ea typeface="Source Sans Pro" panose="020B0503030403020204" pitchFamily="34" charset="0"/>
-                <a:sym typeface="Source Sans Pro Light"/>
+                <a:sym typeface="Source Sans Pro"/>
               </a:rPr>
-              <a:t>For </a:t>
-            </a:r>
-            <a:r>
-              <a:rPr lang="en-SG" b="0" dirty="0" err="1">
-                <a:latin typeface="Source Sans Pro" panose="020B0503030403020204" pitchFamily="34" charset="0"/>
-                <a:ea typeface="Source Sans Pro" panose="020B0503030403020204" pitchFamily="34" charset="0"/>
-                <a:sym typeface="Source Sans Pro Light"/>
-              </a:rPr>
-              <a:t>Sample_Type</a:t>
-            </a:r>
-            <a:r>
-              <a:rPr lang="en-SG" b="0" dirty="0">
-                <a:latin typeface="Source Sans Pro" panose="020B0503030403020204" pitchFamily="34" charset="0"/>
-                <a:ea typeface="Source Sans Pro" panose="020B0503030403020204" pitchFamily="34" charset="0"/>
-                <a:sym typeface="Source Sans Pro Light"/>
-              </a:rPr>
-              <a:t> with consistent values, click on this button</a:t>
-            </a:r>
-            <a:endParaRPr lang="en-SG" dirty="0">
-              <a:latin typeface="Source Sans Pro" panose="020B0503030403020204" pitchFamily="34" charset="0"/>
-              <a:ea typeface="Source Sans Pro" panose="020B0503030403020204" pitchFamily="34" charset="0"/>
-              <a:sym typeface="Source Sans Pro"/>
-            </a:endParaRPr>
+              <a:t>Fill in the values and click on the respective “Autofill” buttons</a:t>
+            </a:r>
           </a:p>
         </p:txBody>
       </p:sp>
       <p:pic>
         <p:nvPicPr>
-          <p:cNvPr id="77" name="Picture 76">
+          <p:cNvPr id="5" name="Picture 4">
             <a:extLst>
               <a:ext uri="{FF2B5EF4-FFF2-40B4-BE49-F238E27FC236}">
-                <a16:creationId xmlns:a16="http://schemas.microsoft.com/office/drawing/2014/main" id="{922543C2-6FFD-4F7E-AC8A-1BE0D7BD9EF9}"/>
+                <a16:creationId xmlns:a16="http://schemas.microsoft.com/office/drawing/2014/main" id="{449F0643-72A1-4BA7-9AA8-4DB871589E5C}"/>
               </a:ext>
             </a:extLst>
           </p:cNvPr>
-          <p:cNvPicPr/>
+          <p:cNvPicPr>
+            <a:picLocks noChangeAspect="1"/>
+          </p:cNvPicPr>
+          <p:nvPr/>
+        </p:nvPicPr>
+        <p:blipFill>
+          <a:blip r:embed="rId10"/>
+          <a:stretch>
+            <a:fillRect/>
+          </a:stretch>
+        </p:blipFill>
+        <p:spPr>
+          <a:xfrm>
+            <a:off x="9788566" y="4553332"/>
+            <a:ext cx="1891591" cy="522831"/>
+          </a:xfrm>
+          <a:prstGeom prst="rect">
+            <a:avLst/>
+          </a:prstGeom>
+        </p:spPr>
+      </p:pic>
+      <p:pic>
+        <p:nvPicPr>
+          <p:cNvPr id="6" name="Picture 5">
+            <a:extLst>
+              <a:ext uri="{FF2B5EF4-FFF2-40B4-BE49-F238E27FC236}">
+                <a16:creationId xmlns:a16="http://schemas.microsoft.com/office/drawing/2014/main" id="{A65E3BA8-3CD7-4B65-A247-84A9F2BB5CAD}"/>
+              </a:ext>
+            </a:extLst>
+          </p:cNvPr>
+          <p:cNvPicPr>
+            <a:picLocks noChangeAspect="1"/>
+          </p:cNvPicPr>
+          <p:nvPr/>
+        </p:nvPicPr>
+        <p:blipFill>
+          <a:blip r:embed="rId11"/>
+          <a:stretch>
+            <a:fillRect/>
+          </a:stretch>
+        </p:blipFill>
+        <p:spPr>
+          <a:xfrm>
+            <a:off x="11816514" y="4547540"/>
+            <a:ext cx="2009151" cy="576701"/>
+          </a:xfrm>
+          <a:prstGeom prst="rect">
+            <a:avLst/>
+          </a:prstGeom>
+        </p:spPr>
+      </p:pic>
+      <p:pic>
+        <p:nvPicPr>
+          <p:cNvPr id="7" name="Picture 6">
+            <a:extLst>
+              <a:ext uri="{FF2B5EF4-FFF2-40B4-BE49-F238E27FC236}">
+                <a16:creationId xmlns:a16="http://schemas.microsoft.com/office/drawing/2014/main" id="{09FE4DEA-4583-4FA8-B3C6-E162C50AA0B7}"/>
+              </a:ext>
+            </a:extLst>
+          </p:cNvPr>
+          <p:cNvPicPr>
+            <a:picLocks noChangeAspect="1"/>
+          </p:cNvPicPr>
+          <p:nvPr/>
+        </p:nvPicPr>
+        <p:blipFill>
+          <a:blip r:embed="rId12"/>
+          <a:stretch>
+            <a:fillRect/>
+          </a:stretch>
+        </p:blipFill>
+        <p:spPr>
+          <a:xfrm>
+            <a:off x="11054138" y="7330468"/>
+            <a:ext cx="1225886" cy="327777"/>
+          </a:xfrm>
+          <a:prstGeom prst="rect">
+            <a:avLst/>
+          </a:prstGeom>
+        </p:spPr>
+      </p:pic>
+      <p:pic>
+        <p:nvPicPr>
+          <p:cNvPr id="8" name="Picture 7">
+            <a:extLst>
+              <a:ext uri="{FF2B5EF4-FFF2-40B4-BE49-F238E27FC236}">
+                <a16:creationId xmlns:a16="http://schemas.microsoft.com/office/drawing/2014/main" id="{CBF83B1F-129D-44A3-A304-C794E4E26402}"/>
+              </a:ext>
+            </a:extLst>
+          </p:cNvPr>
+          <p:cNvPicPr>
+            <a:picLocks noChangeAspect="1"/>
+          </p:cNvPicPr>
+          <p:nvPr/>
+        </p:nvPicPr>
+        <p:blipFill>
+          <a:blip r:embed="rId13"/>
+          <a:stretch>
+            <a:fillRect/>
+          </a:stretch>
+        </p:blipFill>
+        <p:spPr>
+          <a:xfrm>
+            <a:off x="11027575" y="7821602"/>
+            <a:ext cx="1252449" cy="450319"/>
+          </a:xfrm>
+          <a:prstGeom prst="rect">
+            <a:avLst/>
+          </a:prstGeom>
+        </p:spPr>
+      </p:pic>
+      <p:pic>
+        <p:nvPicPr>
+          <p:cNvPr id="9" name="Picture 8">
+            <a:extLst>
+              <a:ext uri="{FF2B5EF4-FFF2-40B4-BE49-F238E27FC236}">
+                <a16:creationId xmlns:a16="http://schemas.microsoft.com/office/drawing/2014/main" id="{CD0D7956-CD93-4107-8D5A-6F155E984DC9}"/>
+              </a:ext>
+            </a:extLst>
+          </p:cNvPr>
+          <p:cNvPicPr>
+            <a:picLocks noChangeAspect="1"/>
+          </p:cNvPicPr>
+          <p:nvPr/>
+        </p:nvPicPr>
+        <p:blipFill>
+          <a:blip r:embed="rId14"/>
+          <a:stretch>
+            <a:fillRect/>
+          </a:stretch>
+        </p:blipFill>
+        <p:spPr>
+          <a:xfrm>
+            <a:off x="12421072" y="7548134"/>
+            <a:ext cx="1275765" cy="490679"/>
+          </a:xfrm>
+          <a:prstGeom prst="rect">
+            <a:avLst/>
+          </a:prstGeom>
+        </p:spPr>
+      </p:pic>
+      <p:pic>
+        <p:nvPicPr>
+          <p:cNvPr id="10" name="Picture 9">
+            <a:extLst>
+              <a:ext uri="{FF2B5EF4-FFF2-40B4-BE49-F238E27FC236}">
+                <a16:creationId xmlns:a16="http://schemas.microsoft.com/office/drawing/2014/main" id="{360CD6E0-03AB-4766-BF7C-94F660AE6B95}"/>
+              </a:ext>
+            </a:extLst>
+          </p:cNvPr>
+          <p:cNvPicPr>
+            <a:picLocks noChangeAspect="1"/>
+          </p:cNvPicPr>
+          <p:nvPr/>
+        </p:nvPicPr>
+        <p:blipFill>
+          <a:blip r:embed="rId15"/>
+          <a:stretch>
+            <a:fillRect/>
+          </a:stretch>
+        </p:blipFill>
+        <p:spPr>
+          <a:xfrm>
+            <a:off x="229607" y="9248752"/>
+            <a:ext cx="2112563" cy="240084"/>
+          </a:xfrm>
+          <a:prstGeom prst="rect">
+            <a:avLst/>
+          </a:prstGeom>
+        </p:spPr>
+      </p:pic>
+      <p:pic>
+        <p:nvPicPr>
+          <p:cNvPr id="11" name="Picture 10">
+            <a:extLst>
+              <a:ext uri="{FF2B5EF4-FFF2-40B4-BE49-F238E27FC236}">
+                <a16:creationId xmlns:a16="http://schemas.microsoft.com/office/drawing/2014/main" id="{741DF8ED-8F65-4BD3-940C-59BF75B6BE3F}"/>
+              </a:ext>
+            </a:extLst>
+          </p:cNvPr>
+          <p:cNvPicPr>
+            <a:picLocks noChangeAspect="1"/>
+          </p:cNvPicPr>
+          <p:nvPr/>
+        </p:nvPicPr>
+        <p:blipFill>
+          <a:blip r:embed="rId16"/>
+          <a:stretch>
+            <a:fillRect/>
+          </a:stretch>
+        </p:blipFill>
+        <p:spPr>
+          <a:xfrm>
+            <a:off x="210143" y="9559113"/>
+            <a:ext cx="2152634" cy="233715"/>
+          </a:xfrm>
+          <a:prstGeom prst="rect">
+            <a:avLst/>
+          </a:prstGeom>
+        </p:spPr>
+      </p:pic>
+      <p:pic>
+        <p:nvPicPr>
+          <p:cNvPr id="12" name="Picture 11">
+            <a:extLst>
+              <a:ext uri="{FF2B5EF4-FFF2-40B4-BE49-F238E27FC236}">
+                <a16:creationId xmlns:a16="http://schemas.microsoft.com/office/drawing/2014/main" id="{95D01495-5C68-4A9B-BD75-56C9B978F45A}"/>
+              </a:ext>
+            </a:extLst>
+          </p:cNvPr>
+          <p:cNvPicPr>
+            <a:picLocks noChangeAspect="1"/>
+          </p:cNvPicPr>
+          <p:nvPr/>
+        </p:nvPicPr>
+        <p:blipFill>
+          <a:blip r:embed="rId17"/>
+          <a:stretch>
+            <a:fillRect/>
+          </a:stretch>
+        </p:blipFill>
+        <p:spPr>
+          <a:xfrm>
+            <a:off x="5648571" y="2373548"/>
+            <a:ext cx="950733" cy="285220"/>
+          </a:xfrm>
+          <a:prstGeom prst="rect">
+            <a:avLst/>
+          </a:prstGeom>
+        </p:spPr>
+      </p:pic>
+      <p:pic>
+        <p:nvPicPr>
+          <p:cNvPr id="13" name="Picture 12">
+            <a:extLst>
+              <a:ext uri="{FF2B5EF4-FFF2-40B4-BE49-F238E27FC236}">
+                <a16:creationId xmlns:a16="http://schemas.microsoft.com/office/drawing/2014/main" id="{38A8F300-BD92-4190-961C-7CA283A59CC3}"/>
+              </a:ext>
+            </a:extLst>
+          </p:cNvPr>
+          <p:cNvPicPr>
+            <a:picLocks noChangeAspect="1"/>
+          </p:cNvPicPr>
+          <p:nvPr/>
+        </p:nvPicPr>
+        <p:blipFill>
+          <a:blip r:embed="rId18"/>
+          <a:stretch>
+            <a:fillRect/>
+          </a:stretch>
+        </p:blipFill>
+        <p:spPr>
+          <a:xfrm>
+            <a:off x="7647735" y="2380761"/>
+            <a:ext cx="1447600" cy="263200"/>
+          </a:xfrm>
+          <a:prstGeom prst="rect">
+            <a:avLst/>
+          </a:prstGeom>
+        </p:spPr>
+      </p:pic>
+      <p:pic>
+        <p:nvPicPr>
+          <p:cNvPr id="14" name="Picture 13">
+            <a:extLst>
+              <a:ext uri="{FF2B5EF4-FFF2-40B4-BE49-F238E27FC236}">
+                <a16:creationId xmlns:a16="http://schemas.microsoft.com/office/drawing/2014/main" id="{7189939D-CB80-427C-AA67-EA1722DA1153}"/>
+              </a:ext>
+            </a:extLst>
+          </p:cNvPr>
+          <p:cNvPicPr>
+            <a:picLocks noChangeAspect="1"/>
+          </p:cNvPicPr>
+          <p:nvPr/>
+        </p:nvPicPr>
+        <p:blipFill>
+          <a:blip r:embed="rId19"/>
+          <a:stretch>
+            <a:fillRect/>
+          </a:stretch>
+        </p:blipFill>
+        <p:spPr>
+          <a:xfrm>
+            <a:off x="2518064" y="8644219"/>
+            <a:ext cx="2272326" cy="1088823"/>
+          </a:xfrm>
+          <a:prstGeom prst="rect">
+            <a:avLst/>
+          </a:prstGeom>
+        </p:spPr>
+      </p:pic>
+      <p:pic>
+        <p:nvPicPr>
+          <p:cNvPr id="15" name="Picture 14">
+            <a:extLst>
+              <a:ext uri="{FF2B5EF4-FFF2-40B4-BE49-F238E27FC236}">
+                <a16:creationId xmlns:a16="http://schemas.microsoft.com/office/drawing/2014/main" id="{2E4A521D-B836-4A10-A746-B7F5DD2F9B0C}"/>
+              </a:ext>
+            </a:extLst>
+          </p:cNvPr>
+          <p:cNvPicPr>
+            <a:picLocks noChangeAspect="1"/>
+          </p:cNvPicPr>
+          <p:nvPr/>
+        </p:nvPicPr>
+        <p:blipFill rotWithShape="1">
+          <a:blip r:embed="rId20" cstate="print">
+            <a:extLst>
+              <a:ext uri="{28A0092B-C50C-407E-A947-70E740481C1C}">
+                <a14:useLocalDpi xmlns:a14="http://schemas.microsoft.com/office/drawing/2010/main"/>
+              </a:ext>
+            </a:extLst>
+          </a:blip>
+          <a:srcRect t="1115" r="2807"/>
+          <a:stretch/>
+        </p:blipFill>
+        <p:spPr>
+          <a:xfrm>
+            <a:off x="5127149" y="2832812"/>
+            <a:ext cx="1975195" cy="1847972"/>
+          </a:xfrm>
+          <a:prstGeom prst="rect">
+            <a:avLst/>
+          </a:prstGeom>
+        </p:spPr>
+      </p:pic>
+      <p:pic>
+        <p:nvPicPr>
+          <p:cNvPr id="16" name="Picture 15">
+            <a:extLst>
+              <a:ext uri="{FF2B5EF4-FFF2-40B4-BE49-F238E27FC236}">
+                <a16:creationId xmlns:a16="http://schemas.microsoft.com/office/drawing/2014/main" id="{9CF86B33-6513-4C03-90BD-DD84CF799EB9}"/>
+              </a:ext>
+            </a:extLst>
+          </p:cNvPr>
+          <p:cNvPicPr>
+            <a:picLocks noChangeAspect="1"/>
+          </p:cNvPicPr>
+          <p:nvPr/>
+        </p:nvPicPr>
+        <p:blipFill>
+          <a:blip r:embed="rId21"/>
+          <a:stretch>
+            <a:fillRect/>
+          </a:stretch>
+        </p:blipFill>
+        <p:spPr>
+          <a:xfrm>
+            <a:off x="7487774" y="2858995"/>
+            <a:ext cx="1752695" cy="1299649"/>
+          </a:xfrm>
+          <a:prstGeom prst="rect">
+            <a:avLst/>
+          </a:prstGeom>
+        </p:spPr>
+      </p:pic>
+      <p:pic>
+        <p:nvPicPr>
+          <p:cNvPr id="17" name="Picture 16">
+            <a:extLst>
+              <a:ext uri="{FF2B5EF4-FFF2-40B4-BE49-F238E27FC236}">
+                <a16:creationId xmlns:a16="http://schemas.microsoft.com/office/drawing/2014/main" id="{7137C525-DBCF-45BD-9583-58D10041DDC1}"/>
+              </a:ext>
+            </a:extLst>
+          </p:cNvPr>
+          <p:cNvPicPr>
+            <a:picLocks noChangeAspect="1"/>
+          </p:cNvPicPr>
+          <p:nvPr/>
+        </p:nvPicPr>
+        <p:blipFill>
+          <a:blip r:embed="rId22"/>
+          <a:stretch>
+            <a:fillRect/>
+          </a:stretch>
+        </p:blipFill>
+        <p:spPr>
+          <a:xfrm>
+            <a:off x="10305642" y="2324527"/>
+            <a:ext cx="2993243" cy="757279"/>
+          </a:xfrm>
+          <a:prstGeom prst="rect">
+            <a:avLst/>
+          </a:prstGeom>
+        </p:spPr>
+      </p:pic>
+      <p:pic>
+        <p:nvPicPr>
+          <p:cNvPr id="18" name="Picture 17">
+            <a:extLst>
+              <a:ext uri="{FF2B5EF4-FFF2-40B4-BE49-F238E27FC236}">
+                <a16:creationId xmlns:a16="http://schemas.microsoft.com/office/drawing/2014/main" id="{A0DDA467-9B4A-4AD1-A457-6040F9A39C59}"/>
+              </a:ext>
+            </a:extLst>
+          </p:cNvPr>
+          <p:cNvPicPr>
+            <a:picLocks noChangeAspect="1"/>
+          </p:cNvPicPr>
+          <p:nvPr/>
+        </p:nvPicPr>
+        <p:blipFill>
+          <a:blip r:embed="rId23"/>
+          <a:stretch>
+            <a:fillRect/>
+          </a:stretch>
+        </p:blipFill>
+        <p:spPr>
+          <a:xfrm>
+            <a:off x="10301920" y="3243895"/>
+            <a:ext cx="2976962" cy="738255"/>
+          </a:xfrm>
+          <a:prstGeom prst="rect">
+            <a:avLst/>
+          </a:prstGeom>
+        </p:spPr>
+      </p:pic>
+      <p:pic>
+        <p:nvPicPr>
+          <p:cNvPr id="21" name="Picture 20">
+            <a:extLst>
+              <a:ext uri="{FF2B5EF4-FFF2-40B4-BE49-F238E27FC236}">
+                <a16:creationId xmlns:a16="http://schemas.microsoft.com/office/drawing/2014/main" id="{16D4073A-02B7-414E-B9EF-FE96C2BA4174}"/>
+              </a:ext>
+            </a:extLst>
+          </p:cNvPr>
+          <p:cNvPicPr>
+            <a:picLocks noChangeAspect="1"/>
+          </p:cNvPicPr>
+          <p:nvPr/>
+        </p:nvPicPr>
+        <p:blipFill rotWithShape="1">
+          <a:blip r:embed="rId24"/>
+          <a:srcRect l="359" t="2162" r="1"/>
+          <a:stretch/>
+        </p:blipFill>
+        <p:spPr>
+          <a:xfrm>
+            <a:off x="5101906" y="7273193"/>
+            <a:ext cx="2400157" cy="639950"/>
+          </a:xfrm>
+          <a:prstGeom prst="rect">
+            <a:avLst/>
+          </a:prstGeom>
+        </p:spPr>
+      </p:pic>
+      <p:pic>
+        <p:nvPicPr>
+          <p:cNvPr id="28" name="Picture 27">
+            <a:extLst>
+              <a:ext uri="{FF2B5EF4-FFF2-40B4-BE49-F238E27FC236}">
+                <a16:creationId xmlns:a16="http://schemas.microsoft.com/office/drawing/2014/main" id="{07C80755-C865-4BCF-8D3E-CCF76E59BC68}"/>
+              </a:ext>
+            </a:extLst>
+          </p:cNvPr>
+          <p:cNvPicPr>
+            <a:picLocks noChangeAspect="1"/>
+          </p:cNvPicPr>
+          <p:nvPr/>
+        </p:nvPicPr>
+        <p:blipFill>
+          <a:blip r:embed="rId25"/>
+          <a:stretch>
+            <a:fillRect/>
+          </a:stretch>
+        </p:blipFill>
+        <p:spPr>
+          <a:xfrm>
+            <a:off x="5218055" y="6520417"/>
+            <a:ext cx="2001110" cy="226212"/>
+          </a:xfrm>
+          <a:prstGeom prst="rect">
+            <a:avLst/>
+          </a:prstGeom>
+        </p:spPr>
+      </p:pic>
+      <p:pic>
+        <p:nvPicPr>
+          <p:cNvPr id="29" name="Picture 28">
+            <a:extLst>
+              <a:ext uri="{FF2B5EF4-FFF2-40B4-BE49-F238E27FC236}">
+                <a16:creationId xmlns:a16="http://schemas.microsoft.com/office/drawing/2014/main" id="{E856F32D-9031-4241-9246-0D76A1CA9EDE}"/>
+              </a:ext>
+            </a:extLst>
+          </p:cNvPr>
+          <p:cNvPicPr>
+            <a:picLocks noChangeAspect="1"/>
+          </p:cNvPicPr>
+          <p:nvPr/>
+        </p:nvPicPr>
+        <p:blipFill>
+          <a:blip r:embed="rId26"/>
+          <a:stretch>
+            <a:fillRect/>
+          </a:stretch>
+        </p:blipFill>
+        <p:spPr>
+          <a:xfrm>
+            <a:off x="5242851" y="6818245"/>
+            <a:ext cx="1973473" cy="256666"/>
+          </a:xfrm>
+          <a:prstGeom prst="rect">
+            <a:avLst/>
+          </a:prstGeom>
+        </p:spPr>
+      </p:pic>
+      <p:pic>
+        <p:nvPicPr>
+          <p:cNvPr id="30" name="Picture 29">
+            <a:extLst>
+              <a:ext uri="{FF2B5EF4-FFF2-40B4-BE49-F238E27FC236}">
+                <a16:creationId xmlns:a16="http://schemas.microsoft.com/office/drawing/2014/main" id="{C06939F7-BF4E-44E4-9D22-BA0C10BE364F}"/>
+              </a:ext>
+            </a:extLst>
+          </p:cNvPr>
+          <p:cNvPicPr>
+            <a:picLocks noChangeAspect="1"/>
+          </p:cNvPicPr>
           <p:nvPr/>
         </p:nvPicPr>
         <p:blipFill>
@@ -7063,8 +7114,8 @@
         </p:blipFill>
         <p:spPr>
           <a:xfrm>
-            <a:off x="8421734" y="7394957"/>
-            <a:ext cx="1261880" cy="230344"/>
+            <a:off x="5444504" y="8339138"/>
+            <a:ext cx="1658598" cy="671630"/>
           </a:xfrm>
           <a:prstGeom prst="rect">
             <a:avLst/>
@@ -7073,14 +7124,16 @@
       </p:pic>
       <p:pic>
         <p:nvPicPr>
-          <p:cNvPr id="80" name="Picture 79">
+          <p:cNvPr id="31" name="Picture 30">
             <a:extLst>
               <a:ext uri="{FF2B5EF4-FFF2-40B4-BE49-F238E27FC236}">
-                <a16:creationId xmlns:a16="http://schemas.microsoft.com/office/drawing/2014/main" id="{C454CBBA-B3BD-48FA-BA94-1DC4BD2C1B60}"/>
+                <a16:creationId xmlns:a16="http://schemas.microsoft.com/office/drawing/2014/main" id="{D9FADB6D-7915-474D-9E4E-9F91CB75402D}"/>
               </a:ext>
             </a:extLst>
           </p:cNvPr>
-          <p:cNvPicPr/>
+          <p:cNvPicPr>
+            <a:picLocks noChangeAspect="1"/>
+          </p:cNvPicPr>
           <p:nvPr/>
         </p:nvPicPr>
         <p:blipFill>
@@ -7091,8 +7144,8 @@
         </p:blipFill>
         <p:spPr>
           <a:xfrm>
-            <a:off x="7977778" y="8097304"/>
-            <a:ext cx="2213847" cy="1266616"/>
+            <a:off x="5337534" y="9810143"/>
+            <a:ext cx="1784106" cy="241096"/>
           </a:xfrm>
           <a:prstGeom prst="rect">
             <a:avLst/>
@@ -7101,10 +7154,10 @@
       </p:pic>
       <p:pic>
         <p:nvPicPr>
-          <p:cNvPr id="4" name="Picture 3">
+          <p:cNvPr id="32" name="Picture 31">
             <a:extLst>
               <a:ext uri="{FF2B5EF4-FFF2-40B4-BE49-F238E27FC236}">
-                <a16:creationId xmlns:a16="http://schemas.microsoft.com/office/drawing/2014/main" id="{8E1F2498-9F65-426B-9289-B51F0E64E8EB}"/>
+                <a16:creationId xmlns:a16="http://schemas.microsoft.com/office/drawing/2014/main" id="{DDB3FE27-4CEA-4C1A-8215-FB84F0C84527}"/>
               </a:ext>
             </a:extLst>
           </p:cNvPr>
@@ -7121,84 +7174,14 @@
         </p:blipFill>
         <p:spPr>
           <a:xfrm>
-            <a:off x="7712802" y="9492312"/>
-            <a:ext cx="2844095" cy="747289"/>
+            <a:off x="7882272" y="6554143"/>
+            <a:ext cx="2672487" cy="319103"/>
           </a:xfrm>
           <a:prstGeom prst="rect">
             <a:avLst/>
           </a:prstGeom>
         </p:spPr>
       </p:pic>
-      <p:sp>
-        <p:nvSpPr>
-          <p:cNvPr id="84" name="Where possible, use code that works when run.">
-            <a:extLst>
-              <a:ext uri="{FF2B5EF4-FFF2-40B4-BE49-F238E27FC236}">
-                <a16:creationId xmlns:a16="http://schemas.microsoft.com/office/drawing/2014/main" id="{104F9B17-8294-4968-875F-2C61AC423AF4}"/>
-              </a:ext>
-            </a:extLst>
-          </p:cNvPr>
-          <p:cNvSpPr txBox="1"/>
-          <p:nvPr/>
-        </p:nvSpPr>
-        <p:spPr>
-          <a:xfrm>
-            <a:off x="7832221" y="7662518"/>
-            <a:ext cx="2727623" cy="442605"/>
-          </a:xfrm>
-          <a:prstGeom prst="rect">
-            <a:avLst/>
-          </a:prstGeom>
-          <a:ln w="12700">
-            <a:miter lim="400000"/>
-          </a:ln>
-          <a:extLst>
-            <a:ext uri="{C572A759-6A51-4108-AA02-DFA0A04FC94B}">
-              <ma14:wrappingTextBoxFlag xmlns="" xmlns:ma14="http://schemas.microsoft.com/office/mac/drawingml/2011/main" val="1"/>
-            </a:ext>
-          </a:extLst>
-        </p:spPr>
-        <p:txBody>
-          <a:bodyPr wrap="square" lIns="54570" tIns="54570" rIns="54570" bIns="54570" anchor="ctr">
-            <a:spAutoFit/>
-          </a:bodyPr>
-          <a:lstStyle/>
-          <a:p>
-            <a:pPr>
-              <a:lnSpc>
-                <a:spcPct val="90000"/>
-              </a:lnSpc>
-              <a:spcBef>
-                <a:spcPts val="300"/>
-              </a:spcBef>
-              <a:buClr>
-                <a:schemeClr val="accent4">
-                  <a:hueOff val="384618"/>
-                  <a:satOff val="3869"/>
-                  <a:lumOff val="5802"/>
-                </a:schemeClr>
-              </a:buClr>
-              <a:defRPr b="0">
-                <a:solidFill>
-                  <a:srgbClr val="000000"/>
-                </a:solidFill>
-                <a:latin typeface="+mn-lt"/>
-                <a:ea typeface="+mn-ea"/>
-                <a:cs typeface="+mn-cs"/>
-                <a:sym typeface="Source Sans Pro Light"/>
-              </a:defRPr>
-            </a:pPr>
-            <a:r>
-              <a:rPr lang="en-SG" dirty="0">
-                <a:latin typeface="Source Sans Pro" panose="020B0503030403020204" pitchFamily="34" charset="0"/>
-                <a:ea typeface="Source Sans Pro" panose="020B0503030403020204" pitchFamily="34" charset="0"/>
-                <a:sym typeface="Source Sans Pro"/>
-              </a:rPr>
-              <a:t>Fill in the values and click on the respective “Autofill” buttons</a:t>
-            </a:r>
-          </a:p>
-        </p:txBody>
-      </p:sp>
     </p:spTree>
     <p:extLst>
       <p:ext uri="{BB962C8B-B14F-4D97-AF65-F5344CB8AC3E}">
@@ -7280,7 +7263,7 @@
           </a:ln>
           <a:extLst>
             <a:ext uri="{C572A759-6A51-4108-AA02-DFA0A04FC94B}">
-              <ma14:wrappingTextBoxFlag xmlns="" xmlns:ma14="http://schemas.microsoft.com/office/mac/drawingml/2011/main" val="1"/>
+              <ma14:wrappingTextBoxFlag xmlns:ma14="http://schemas.microsoft.com/office/mac/drawingml/2011/main" xmlns="" val="1"/>
             </a:ext>
           </a:extLst>
         </p:spPr>
@@ -7317,7 +7300,7 @@
             </a:r>
             <a:r>
               <a:rPr lang="en-SG" dirty="0"/>
-              <a:t>4</a:t>
+              <a:t>9</a:t>
             </a:r>
             <a:endParaRPr dirty="0"/>
           </a:p>
@@ -7342,7 +7325,7 @@
           </a:ln>
           <a:extLst>
             <a:ext uri="{C572A759-6A51-4108-AA02-DFA0A04FC94B}">
-              <ma14:wrappingTextBoxFlag xmlns="" xmlns:ma14="http://schemas.microsoft.com/office/mac/drawingml/2011/main" val="1"/>
+              <ma14:wrappingTextBoxFlag xmlns:ma14="http://schemas.microsoft.com/office/mac/drawingml/2011/main" xmlns="" val="1"/>
             </a:ext>
           </a:extLst>
         </p:spPr>
@@ -7442,7 +7425,7 @@
           </a:ln>
           <a:extLst>
             <a:ext uri="{C572A759-6A51-4108-AA02-DFA0A04FC94B}">
-              <ma14:wrappingTextBoxFlag xmlns="" xmlns:ma14="http://schemas.microsoft.com/office/mac/drawingml/2011/main" val="1"/>
+              <ma14:wrappingTextBoxFlag xmlns:ma14="http://schemas.microsoft.com/office/mac/drawingml/2011/main" xmlns="" val="1"/>
             </a:ext>
           </a:extLst>
         </p:spPr>
@@ -7469,7 +7452,7 @@
         </p:nvSpPr>
         <p:spPr>
           <a:xfrm>
-            <a:off x="3823982" y="1880316"/>
+            <a:off x="3823982" y="1861266"/>
             <a:ext cx="3712308" cy="276405"/>
           </a:xfrm>
           <a:prstGeom prst="rect">
@@ -7480,7 +7463,7 @@
           </a:ln>
           <a:extLst>
             <a:ext uri="{C572A759-6A51-4108-AA02-DFA0A04FC94B}">
-              <ma14:wrappingTextBoxFlag xmlns="" xmlns:ma14="http://schemas.microsoft.com/office/mac/drawingml/2011/main" val="1"/>
+              <ma14:wrappingTextBoxFlag xmlns:ma14="http://schemas.microsoft.com/office/mac/drawingml/2011/main" xmlns="" val="1"/>
             </a:ext>
           </a:extLst>
         </p:spPr>
@@ -7538,7 +7521,7 @@
           </a:ln>
           <a:extLst>
             <a:ext uri="{C572A759-6A51-4108-AA02-DFA0A04FC94B}">
-              <ma14:wrappingTextBoxFlag xmlns="" xmlns:ma14="http://schemas.microsoft.com/office/mac/drawingml/2011/main" val="1"/>
+              <ma14:wrappingTextBoxFlag xmlns:ma14="http://schemas.microsoft.com/office/mac/drawingml/2011/main" xmlns="" val="1"/>
             </a:ext>
           </a:extLst>
         </p:spPr>
@@ -7630,7 +7613,7 @@
           </a:ln>
           <a:extLst>
             <a:ext uri="{C572A759-6A51-4108-AA02-DFA0A04FC94B}">
-              <ma14:wrappingTextBoxFlag xmlns="" xmlns:ma14="http://schemas.microsoft.com/office/mac/drawingml/2011/main" val="1"/>
+              <ma14:wrappingTextBoxFlag xmlns:ma14="http://schemas.microsoft.com/office/mac/drawingml/2011/main" xmlns="" val="1"/>
             </a:ext>
           </a:extLst>
         </p:spPr>
@@ -7674,7 +7657,7 @@
           </a:ln>
           <a:extLst>
             <a:ext uri="{C572A759-6A51-4108-AA02-DFA0A04FC94B}">
-              <ma14:wrappingTextBoxFlag xmlns="" xmlns:ma14="http://schemas.microsoft.com/office/mac/drawingml/2011/main" val="1"/>
+              <ma14:wrappingTextBoxFlag xmlns:ma14="http://schemas.microsoft.com/office/mac/drawingml/2011/main" xmlns="" val="1"/>
             </a:ext>
           </a:extLst>
         </p:spPr>
@@ -7713,36 +7696,6 @@
           </a:p>
         </p:txBody>
       </p:sp>
-      <p:pic>
-        <p:nvPicPr>
-          <p:cNvPr id="18" name="Picture 17">
-            <a:extLst>
-              <a:ext uri="{FF2B5EF4-FFF2-40B4-BE49-F238E27FC236}">
-                <a16:creationId xmlns:a16="http://schemas.microsoft.com/office/drawing/2014/main" id="{F04DAA89-8EB3-48B3-8288-30177EDEA076}"/>
-              </a:ext>
-            </a:extLst>
-          </p:cNvPr>
-          <p:cNvPicPr>
-            <a:picLocks noChangeAspect="1"/>
-          </p:cNvPicPr>
-          <p:nvPr/>
-        </p:nvPicPr>
-        <p:blipFill>
-          <a:blip r:embed="rId2"/>
-          <a:stretch>
-            <a:fillRect/>
-          </a:stretch>
-        </p:blipFill>
-        <p:spPr>
-          <a:xfrm>
-            <a:off x="4449978" y="4113314"/>
-            <a:ext cx="2460316" cy="342115"/>
-          </a:xfrm>
-          <a:prstGeom prst="rect">
-            <a:avLst/>
-          </a:prstGeom>
-        </p:spPr>
-      </p:pic>
       <p:sp>
         <p:nvSpPr>
           <p:cNvPr id="65" name="Where possible, use code that works when run.">
@@ -7768,7 +7721,7 @@
           </a:ln>
           <a:extLst>
             <a:ext uri="{C572A759-6A51-4108-AA02-DFA0A04FC94B}">
-              <ma14:wrappingTextBoxFlag xmlns="" xmlns:ma14="http://schemas.microsoft.com/office/mac/drawingml/2011/main" val="1"/>
+              <ma14:wrappingTextBoxFlag xmlns:ma14="http://schemas.microsoft.com/office/mac/drawingml/2011/main" xmlns="" val="1"/>
             </a:ext>
           </a:extLst>
         </p:spPr>
@@ -7858,65 +7811,6 @@
           </a:p>
         </p:txBody>
       </p:sp>
-      <p:pic>
-        <p:nvPicPr>
-          <p:cNvPr id="2" name="Picture 1">
-            <a:extLst>
-              <a:ext uri="{FF2B5EF4-FFF2-40B4-BE49-F238E27FC236}">
-                <a16:creationId xmlns:a16="http://schemas.microsoft.com/office/drawing/2014/main" id="{89395D9E-DA26-4990-9C5E-CFCA2A481D99}"/>
-              </a:ext>
-            </a:extLst>
-          </p:cNvPr>
-          <p:cNvPicPr>
-            <a:picLocks noChangeAspect="1"/>
-          </p:cNvPicPr>
-          <p:nvPr/>
-        </p:nvPicPr>
-        <p:blipFill rotWithShape="1">
-          <a:blip r:embed="rId3"/>
-          <a:srcRect b="9716"/>
-          <a:stretch/>
-        </p:blipFill>
-        <p:spPr>
-          <a:xfrm>
-            <a:off x="3871608" y="2232906"/>
-            <a:ext cx="3727073" cy="1156705"/>
-          </a:xfrm>
-          <a:prstGeom prst="rect">
-            <a:avLst/>
-          </a:prstGeom>
-        </p:spPr>
-      </p:pic>
-      <p:pic>
-        <p:nvPicPr>
-          <p:cNvPr id="4" name="Picture 3">
-            <a:extLst>
-              <a:ext uri="{FF2B5EF4-FFF2-40B4-BE49-F238E27FC236}">
-                <a16:creationId xmlns:a16="http://schemas.microsoft.com/office/drawing/2014/main" id="{990650AB-2FFE-482A-BE5B-EFBF0D17A4E0}"/>
-              </a:ext>
-            </a:extLst>
-          </p:cNvPr>
-          <p:cNvPicPr>
-            <a:picLocks noChangeAspect="1"/>
-          </p:cNvPicPr>
-          <p:nvPr/>
-        </p:nvPicPr>
-        <p:blipFill>
-          <a:blip r:embed="rId4"/>
-          <a:stretch>
-            <a:fillRect/>
-          </a:stretch>
-        </p:blipFill>
-        <p:spPr>
-          <a:xfrm>
-            <a:off x="4117834" y="4575790"/>
-            <a:ext cx="3234619" cy="971774"/>
-          </a:xfrm>
-          <a:prstGeom prst="rect">
-            <a:avLst/>
-          </a:prstGeom>
-        </p:spPr>
-      </p:pic>
       <p:sp>
         <p:nvSpPr>
           <p:cNvPr id="17" name="CODE">
@@ -7942,7 +7836,7 @@
           </a:ln>
           <a:extLst>
             <a:ext uri="{C572A759-6A51-4108-AA02-DFA0A04FC94B}">
-              <ma14:wrappingTextBoxFlag xmlns="" xmlns:ma14="http://schemas.microsoft.com/office/mac/drawingml/2011/main" val="1"/>
+              <ma14:wrappingTextBoxFlag xmlns:ma14="http://schemas.microsoft.com/office/mac/drawingml/2011/main" xmlns="" val="1"/>
             </a:ext>
           </a:extLst>
         </p:spPr>
@@ -7990,7 +7884,7 @@
           </a:ln>
           <a:extLst>
             <a:ext uri="{C572A759-6A51-4108-AA02-DFA0A04FC94B}">
-              <ma14:wrappingTextBoxFlag xmlns="" xmlns:ma14="http://schemas.microsoft.com/office/mac/drawingml/2011/main" val="1"/>
+              <ma14:wrappingTextBoxFlag xmlns:ma14="http://schemas.microsoft.com/office/mac/drawingml/2011/main" xmlns="" val="1"/>
             </a:ext>
           </a:extLst>
         </p:spPr>
@@ -8066,7 +7960,7 @@
           <p:nvPr/>
         </p:nvPicPr>
         <p:blipFill>
-          <a:blip r:embed="rId5"/>
+          <a:blip r:embed="rId2"/>
           <a:stretch>
             <a:fillRect/>
           </a:stretch>
@@ -8106,7 +8000,7 @@
           </a:ln>
           <a:extLst>
             <a:ext uri="{C572A759-6A51-4108-AA02-DFA0A04FC94B}">
-              <ma14:wrappingTextBoxFlag xmlns="" xmlns:ma14="http://schemas.microsoft.com/office/mac/drawingml/2011/main" val="1"/>
+              <ma14:wrappingTextBoxFlag xmlns:ma14="http://schemas.microsoft.com/office/mac/drawingml/2011/main" xmlns="" val="1"/>
             </a:ext>
           </a:extLst>
         </p:spPr>
@@ -8165,7 +8059,7 @@
           <p:nvPr/>
         </p:nvPicPr>
         <p:blipFill>
-          <a:blip r:embed="rId6"/>
+          <a:blip r:embed="rId3"/>
           <a:stretch>
             <a:fillRect/>
           </a:stretch>
@@ -8205,7 +8099,7 @@
           </a:ln>
           <a:extLst>
             <a:ext uri="{C572A759-6A51-4108-AA02-DFA0A04FC94B}">
-              <ma14:wrappingTextBoxFlag xmlns="" xmlns:ma14="http://schemas.microsoft.com/office/mac/drawingml/2011/main" val="1"/>
+              <ma14:wrappingTextBoxFlag xmlns:ma14="http://schemas.microsoft.com/office/mac/drawingml/2011/main" xmlns="" val="1"/>
             </a:ext>
           </a:extLst>
         </p:spPr>
@@ -8253,10 +8147,100 @@
       </p:sp>
       <p:pic>
         <p:nvPicPr>
-          <p:cNvPr id="24" name="Picture 23">
+          <p:cNvPr id="3" name="Picture 2">
             <a:extLst>
               <a:ext uri="{FF2B5EF4-FFF2-40B4-BE49-F238E27FC236}">
-                <a16:creationId xmlns:a16="http://schemas.microsoft.com/office/drawing/2014/main" id="{BA4BCA0E-2761-4A72-B12C-31AA74DBA77C}"/>
+                <a16:creationId xmlns:a16="http://schemas.microsoft.com/office/drawing/2014/main" id="{A560AF00-D508-47B6-A7F1-BAF09E5283F0}"/>
+              </a:ext>
+            </a:extLst>
+          </p:cNvPr>
+          <p:cNvPicPr>
+            <a:picLocks noChangeAspect="1"/>
+          </p:cNvPicPr>
+          <p:nvPr/>
+        </p:nvPicPr>
+        <p:blipFill>
+          <a:blip r:embed="rId4"/>
+          <a:stretch>
+            <a:fillRect/>
+          </a:stretch>
+        </p:blipFill>
+        <p:spPr>
+          <a:xfrm>
+            <a:off x="443231" y="4991020"/>
+            <a:ext cx="3128532" cy="504602"/>
+          </a:xfrm>
+          <a:prstGeom prst="rect">
+            <a:avLst/>
+          </a:prstGeom>
+        </p:spPr>
+      </p:pic>
+      <p:pic>
+        <p:nvPicPr>
+          <p:cNvPr id="5" name="Picture 4">
+            <a:extLst>
+              <a:ext uri="{FF2B5EF4-FFF2-40B4-BE49-F238E27FC236}">
+                <a16:creationId xmlns:a16="http://schemas.microsoft.com/office/drawing/2014/main" id="{7E19EB5F-5739-42C4-8886-EA4F8D0BCB8E}"/>
+              </a:ext>
+            </a:extLst>
+          </p:cNvPr>
+          <p:cNvPicPr>
+            <a:picLocks noChangeAspect="1"/>
+          </p:cNvPicPr>
+          <p:nvPr/>
+        </p:nvPicPr>
+        <p:blipFill>
+          <a:blip r:embed="rId5"/>
+          <a:stretch>
+            <a:fillRect/>
+          </a:stretch>
+        </p:blipFill>
+        <p:spPr>
+          <a:xfrm>
+            <a:off x="3913280" y="2180030"/>
+            <a:ext cx="3667659" cy="1075911"/>
+          </a:xfrm>
+          <a:prstGeom prst="rect">
+            <a:avLst/>
+          </a:prstGeom>
+        </p:spPr>
+      </p:pic>
+      <p:pic>
+        <p:nvPicPr>
+          <p:cNvPr id="7" name="Picture 6">
+            <a:extLst>
+              <a:ext uri="{FF2B5EF4-FFF2-40B4-BE49-F238E27FC236}">
+                <a16:creationId xmlns:a16="http://schemas.microsoft.com/office/drawing/2014/main" id="{F9A9B7BD-173B-491C-9626-5BB094149A0E}"/>
+              </a:ext>
+            </a:extLst>
+          </p:cNvPr>
+          <p:cNvPicPr>
+            <a:picLocks noChangeAspect="1"/>
+          </p:cNvPicPr>
+          <p:nvPr/>
+        </p:nvPicPr>
+        <p:blipFill>
+          <a:blip r:embed="rId6"/>
+          <a:stretch>
+            <a:fillRect/>
+          </a:stretch>
+        </p:blipFill>
+        <p:spPr>
+          <a:xfrm>
+            <a:off x="4285576" y="4063176"/>
+            <a:ext cx="2899134" cy="366655"/>
+          </a:xfrm>
+          <a:prstGeom prst="rect">
+            <a:avLst/>
+          </a:prstGeom>
+        </p:spPr>
+      </p:pic>
+      <p:pic>
+        <p:nvPicPr>
+          <p:cNvPr id="8" name="Picture 7">
+            <a:extLst>
+              <a:ext uri="{FF2B5EF4-FFF2-40B4-BE49-F238E27FC236}">
+                <a16:creationId xmlns:a16="http://schemas.microsoft.com/office/drawing/2014/main" id="{4352083D-02B0-450F-972B-39459EB53597}"/>
               </a:ext>
             </a:extLst>
           </p:cNvPr>
@@ -8273,8 +8257,8 @@
         </p:blipFill>
         <p:spPr>
           <a:xfrm>
-            <a:off x="545714" y="4953201"/>
-            <a:ext cx="2690889" cy="543161"/>
+            <a:off x="4031841" y="4572952"/>
+            <a:ext cx="3493482" cy="998138"/>
           </a:xfrm>
           <a:prstGeom prst="rect">
             <a:avLst/>
@@ -8283,10 +8267,10 @@
       </p:pic>
       <p:pic>
         <p:nvPicPr>
-          <p:cNvPr id="6" name="Picture 5">
+          <p:cNvPr id="9" name="Picture 8">
             <a:extLst>
               <a:ext uri="{FF2B5EF4-FFF2-40B4-BE49-F238E27FC236}">
-                <a16:creationId xmlns:a16="http://schemas.microsoft.com/office/drawing/2014/main" id="{359E4FCF-5562-456C-AAB2-940B76DBADC8}"/>
+                <a16:creationId xmlns:a16="http://schemas.microsoft.com/office/drawing/2014/main" id="{1CBDD4DE-DE3B-4638-9216-12A92522F579}"/>
               </a:ext>
             </a:extLst>
           </p:cNvPr>
@@ -8303,8 +8287,8 @@
         </p:blipFill>
         <p:spPr>
           <a:xfrm>
-            <a:off x="7944478" y="2151023"/>
-            <a:ext cx="5778537" cy="786552"/>
+            <a:off x="7934095" y="2187411"/>
+            <a:ext cx="5638291" cy="736764"/>
           </a:xfrm>
           <a:prstGeom prst="rect">
             <a:avLst/>

--- a/docs/MS_Template_Creator_Summary.pptx
+++ b/docs/MS_Template_Creator_Summary.pptx
@@ -2141,7 +2141,7 @@
           </a:ln>
           <a:extLst>
             <a:ext uri="{C572A759-6A51-4108-AA02-DFA0A04FC94B}">
-              <ma14:wrappingTextBoxFlag xmlns:ma14="http://schemas.microsoft.com/office/mac/drawingml/2011/main" xmlns="" val="1"/>
+              <ma14:wrappingTextBoxFlag xmlns="" xmlns:ma14="http://schemas.microsoft.com/office/mac/drawingml/2011/main" val="1"/>
             </a:ext>
           </a:extLst>
         </p:spPr>
@@ -2180,7 +2180,7 @@
           </a:ln>
           <a:extLst>
             <a:ext uri="{C572A759-6A51-4108-AA02-DFA0A04FC94B}">
-              <ma14:wrappingTextBoxFlag xmlns:ma14="http://schemas.microsoft.com/office/mac/drawingml/2011/main" xmlns="" val="1"/>
+              <ma14:wrappingTextBoxFlag xmlns="" xmlns:ma14="http://schemas.microsoft.com/office/mac/drawingml/2011/main" val="1"/>
             </a:ext>
           </a:extLst>
         </p:spPr>
@@ -3107,7 +3107,7 @@
         </p:nvSpPr>
         <p:spPr>
           <a:xfrm>
-            <a:off x="244588" y="1108677"/>
+            <a:off x="244588" y="1137253"/>
             <a:ext cx="2061462" cy="340029"/>
           </a:xfrm>
           <a:prstGeom prst="rect">
@@ -3118,7 +3118,7 @@
           </a:ln>
           <a:extLst>
             <a:ext uri="{C572A759-6A51-4108-AA02-DFA0A04FC94B}">
-              <ma14:wrappingTextBoxFlag xmlns:ma14="http://schemas.microsoft.com/office/mac/drawingml/2011/main" xmlns="" val="1"/>
+              <ma14:wrappingTextBoxFlag xmlns="" xmlns:ma14="http://schemas.microsoft.com/office/mac/drawingml/2011/main" val="1"/>
             </a:ext>
           </a:extLst>
         </p:spPr>
@@ -3157,7 +3157,7 @@
         </p:nvSpPr>
         <p:spPr>
           <a:xfrm>
-            <a:off x="305939" y="1060800"/>
+            <a:off x="305939" y="1089376"/>
             <a:ext cx="3037294" cy="1"/>
           </a:xfrm>
           <a:prstGeom prst="line">
@@ -3224,48 +3224,6 @@
           </a:p>
         </p:txBody>
       </p:sp>
-      <p:sp>
-        <p:nvSpPr>
-          <p:cNvPr id="135" name="Line"/>
-          <p:cNvSpPr/>
-          <p:nvPr/>
-        </p:nvSpPr>
-        <p:spPr>
-          <a:xfrm flipV="1">
-            <a:off x="253238" y="1039190"/>
-            <a:ext cx="4643140" cy="39644"/>
-          </a:xfrm>
-          <a:prstGeom prst="line">
-            <a:avLst/>
-          </a:prstGeom>
-          <a:ln w="3175">
-            <a:solidFill>
-              <a:srgbClr val="767C85"/>
-            </a:solidFill>
-            <a:miter lim="400000"/>
-          </a:ln>
-        </p:spPr>
-        <p:txBody>
-          <a:bodyPr lIns="54570" tIns="54570" rIns="54570" bIns="54570" anchor="ctr"/>
-          <a:lstStyle/>
-          <a:p>
-            <a:pPr>
-              <a:lnSpc>
-                <a:spcPct val="80000"/>
-              </a:lnSpc>
-              <a:spcBef>
-                <a:spcPts val="600"/>
-              </a:spcBef>
-              <a:defRPr b="0">
-                <a:solidFill>
-                  <a:srgbClr val="000000"/>
-                </a:solidFill>
-              </a:defRPr>
-            </a:pPr>
-            <a:endParaRPr/>
-          </a:p>
-        </p:txBody>
-      </p:sp>
       <p:graphicFrame>
         <p:nvGraphicFramePr>
           <p:cNvPr id="2" name="Table 1"/>
@@ -3275,35 +3233,42 @@
           <p:nvPr>
             <p:extLst>
               <p:ext uri="{D42A27DB-BD31-4B8C-83A1-F6EECF244321}">
-                <p14:modId xmlns:p14="http://schemas.microsoft.com/office/powerpoint/2010/main" val="3247451939"/>
+                <p14:modId xmlns:p14="http://schemas.microsoft.com/office/powerpoint/2010/main" val="3536547813"/>
               </p:ext>
             </p:extLst>
           </p:nvPr>
         </p:nvGraphicFramePr>
         <p:xfrm>
-          <a:off x="273856" y="1792736"/>
-          <a:ext cx="4512087" cy="1920177"/>
+          <a:off x="273856" y="1841267"/>
+          <a:ext cx="4421440" cy="2003837"/>
         </p:xfrm>
         <a:graphic>
           <a:graphicData uri="http://schemas.openxmlformats.org/drawingml/2006/table">
             <a:tbl>
               <a:tblPr firstRow="1" firstCol="1" bandRow="1"/>
               <a:tblGrid>
-                <a:gridCol w="1168501">
+                <a:gridCol w="1095581">
                   <a:extLst>
                     <a:ext uri="{9D8B030D-6E8A-4147-A177-3AD203B41FA5}">
                       <a16:colId xmlns:a16="http://schemas.microsoft.com/office/drawing/2014/main" val="2286104041"/>
                     </a:ext>
                   </a:extLst>
                 </a:gridCol>
-                <a:gridCol w="1448111">
+                <a:gridCol w="1175643">
                   <a:extLst>
                     <a:ext uri="{9D8B030D-6E8A-4147-A177-3AD203B41FA5}">
                       <a16:colId xmlns:a16="http://schemas.microsoft.com/office/drawing/2014/main" val="4176594841"/>
                     </a:ext>
                   </a:extLst>
                 </a:gridCol>
-                <a:gridCol w="1895475">
+                <a:gridCol w="990600">
+                  <a:extLst>
+                    <a:ext uri="{9D8B030D-6E8A-4147-A177-3AD203B41FA5}">
+                      <a16:colId xmlns:a16="http://schemas.microsoft.com/office/drawing/2014/main" val="3056500363"/>
+                    </a:ext>
+                  </a:extLst>
+                </a:gridCol>
+                <a:gridCol w="1159616">
                   <a:extLst>
                     <a:ext uri="{9D8B030D-6E8A-4147-A177-3AD203B41FA5}">
                       <a16:colId xmlns:a16="http://schemas.microsoft.com/office/drawing/2014/main" val="1444976199"/>
@@ -3311,8 +3276,8 @@
                   </a:extLst>
                 </a:gridCol>
               </a:tblGrid>
-              <a:tr h="0">
-                <a:tc>
+              <a:tr h="166396">
+                <a:tc rowSpan="2">
                   <a:txBody>
                     <a:bodyPr/>
                     <a:lstStyle/>
@@ -3326,7 +3291,7 @@
                         </a:spcAft>
                       </a:pPr>
                       <a:r>
-                        <a:rPr lang="en-SG" sz="1000" b="1">
+                        <a:rPr lang="en-SG" sz="1000" b="1" dirty="0">
                           <a:effectLst/>
                           <a:latin typeface="Corbel" panose="020B0503020204020204" pitchFamily="34" charset="0"/>
                           <a:ea typeface="STKaiti"/>
@@ -3334,7 +3299,7 @@
                         </a:rPr>
                         <a:t>MRM transition names data form</a:t>
                       </a:r>
-                      <a:endParaRPr lang="en-SG" sz="1000">
+                      <a:endParaRPr lang="en-SG" sz="1000" dirty="0">
                         <a:effectLst/>
                         <a:latin typeface="Corbel" panose="020B0503020204020204" pitchFamily="34" charset="0"/>
                         <a:ea typeface="STKaiti"/>
@@ -3384,7 +3349,7 @@
                     </a:solidFill>
                   </a:tcPr>
                 </a:tc>
-                <a:tc>
+                <a:tc gridSpan="2">
                   <a:txBody>
                     <a:bodyPr/>
                     <a:lstStyle/>
@@ -3456,7 +3421,27 @@
                     </a:solidFill>
                   </a:tcPr>
                 </a:tc>
-                <a:tc>
+                <a:tc hMerge="1">
+                  <a:txBody>
+                    <a:bodyPr/>
+                    <a:lstStyle/>
+                    <a:p>
+                      <a:endParaRPr lang="en-SG"/>
+                    </a:p>
+                  </a:txBody>
+                  <a:tcPr>
+                    <a:lnL w="12700" cap="flat" cmpd="sng" algn="ctr">
+                      <a:solidFill>
+                        <a:srgbClr val="000000"/>
+                      </a:solidFill>
+                      <a:prstDash val="solid"/>
+                      <a:round/>
+                      <a:headEnd type="none" w="med" len="med"/>
+                      <a:tailEnd type="none" w="med" len="med"/>
+                    </a:lnL>
+                  </a:tcPr>
+                </a:tc>
+                <a:tc rowSpan="2">
                   <a:txBody>
                     <a:bodyPr/>
                     <a:lstStyle/>
@@ -3534,7 +3519,187 @@
                   </a:ext>
                 </a:extLst>
               </a:tr>
-              <a:tr h="0">
+              <a:tr h="166396">
+                <a:tc vMerge="1">
+                  <a:txBody>
+                    <a:bodyPr/>
+                    <a:lstStyle/>
+                    <a:p>
+                      <a:endParaRPr lang="en-SG"/>
+                    </a:p>
+                  </a:txBody>
+                  <a:tcPr/>
+                </a:tc>
+                <a:tc>
+                  <a:txBody>
+                    <a:bodyPr/>
+                    <a:lstStyle/>
+                    <a:p>
+                      <a:pPr marL="0" marR="0" lvl="0" indent="0" algn="ctr" defTabSz="584200" rtl="0" eaLnBrk="1" fontAlgn="auto" latinLnBrk="0" hangingPunct="1">
+                        <a:lnSpc>
+                          <a:spcPct val="107000"/>
+                        </a:lnSpc>
+                        <a:spcBef>
+                          <a:spcPts val="0"/>
+                        </a:spcBef>
+                        <a:spcAft>
+                          <a:spcPts val="0"/>
+                        </a:spcAft>
+                        <a:buClrTx/>
+                        <a:buSzTx/>
+                        <a:buFontTx/>
+                        <a:buNone/>
+                        <a:tabLst/>
+                        <a:defRPr/>
+                      </a:pPr>
+                      <a:r>
+                        <a:rPr lang="en-SG" sz="1000" b="1" dirty="0">
+                          <a:effectLst/>
+                          <a:latin typeface="Corbel" panose="020B0503020204020204" pitchFamily="34" charset="0"/>
+                          <a:ea typeface="STKaiti"/>
+                          <a:cs typeface="Times New Roman" panose="02020603050405020304" pitchFamily="18" charset="0"/>
+                        </a:rPr>
+                        <a:t>Without Qualifiers</a:t>
+                      </a:r>
+                      <a:endParaRPr lang="en-SG" sz="1000" dirty="0">
+                        <a:effectLst/>
+                        <a:latin typeface="Corbel" panose="020B0503020204020204" pitchFamily="34" charset="0"/>
+                        <a:ea typeface="STKaiti"/>
+                        <a:cs typeface="Times New Roman" panose="02020603050405020304" pitchFamily="18" charset="0"/>
+                      </a:endParaRPr>
+                    </a:p>
+                  </a:txBody>
+                  <a:tcPr marL="68580" marR="68580" marT="0" marB="0">
+                    <a:lnL w="12700" cap="flat" cmpd="sng" algn="ctr">
+                      <a:solidFill>
+                        <a:srgbClr val="000000"/>
+                      </a:solidFill>
+                      <a:prstDash val="solid"/>
+                      <a:round/>
+                      <a:headEnd type="none" w="med" len="med"/>
+                      <a:tailEnd type="none" w="med" len="med"/>
+                    </a:lnL>
+                    <a:lnR w="12700" cap="flat" cmpd="sng" algn="ctr">
+                      <a:solidFill>
+                        <a:srgbClr val="000000"/>
+                      </a:solidFill>
+                      <a:prstDash val="solid"/>
+                      <a:round/>
+                      <a:headEnd type="none" w="med" len="med"/>
+                      <a:tailEnd type="none" w="med" len="med"/>
+                    </a:lnR>
+                    <a:lnT w="12700" cap="flat" cmpd="sng" algn="ctr">
+                      <a:solidFill>
+                        <a:srgbClr val="000000"/>
+                      </a:solidFill>
+                      <a:prstDash val="solid"/>
+                      <a:round/>
+                      <a:headEnd type="none" w="med" len="med"/>
+                      <a:tailEnd type="none" w="med" len="med"/>
+                    </a:lnT>
+                    <a:lnB w="12700" cap="flat" cmpd="sng" algn="ctr">
+                      <a:solidFill>
+                        <a:srgbClr val="000000"/>
+                      </a:solidFill>
+                      <a:prstDash val="solid"/>
+                      <a:round/>
+                      <a:headEnd type="none" w="med" len="med"/>
+                      <a:tailEnd type="none" w="med" len="med"/>
+                    </a:lnB>
+                    <a:solidFill>
+                      <a:srgbClr val="D9D9D9"/>
+                    </a:solidFill>
+                  </a:tcPr>
+                </a:tc>
+                <a:tc>
+                  <a:txBody>
+                    <a:bodyPr/>
+                    <a:lstStyle/>
+                    <a:p>
+                      <a:pPr marL="0" marR="0" lvl="0" indent="0" algn="ctr" defTabSz="584200" rtl="0" eaLnBrk="1" fontAlgn="auto" latinLnBrk="0" hangingPunct="1">
+                        <a:lnSpc>
+                          <a:spcPct val="100000"/>
+                        </a:lnSpc>
+                        <a:spcBef>
+                          <a:spcPts val="0"/>
+                        </a:spcBef>
+                        <a:spcAft>
+                          <a:spcPts val="0"/>
+                        </a:spcAft>
+                        <a:buClrTx/>
+                        <a:buSzTx/>
+                        <a:buFontTx/>
+                        <a:buNone/>
+                        <a:tabLst/>
+                        <a:defRPr/>
+                      </a:pPr>
+                      <a:r>
+                        <a:rPr lang="en-SG" sz="1000" b="1" dirty="0">
+                          <a:effectLst/>
+                          <a:latin typeface="Corbel" panose="020B0503020204020204" pitchFamily="34" charset="0"/>
+                          <a:ea typeface="STKaiti"/>
+                          <a:cs typeface="Times New Roman" panose="02020603050405020304" pitchFamily="18" charset="0"/>
+                        </a:rPr>
+                        <a:t>With Qualifiers</a:t>
+                      </a:r>
+                      <a:endParaRPr lang="en-SG" sz="1000" dirty="0">
+                        <a:effectLst/>
+                        <a:latin typeface="Corbel" panose="020B0503020204020204" pitchFamily="34" charset="0"/>
+                        <a:ea typeface="STKaiti"/>
+                        <a:cs typeface="Times New Roman" panose="02020603050405020304" pitchFamily="18" charset="0"/>
+                      </a:endParaRPr>
+                    </a:p>
+                  </a:txBody>
+                  <a:tcPr marL="68580" marR="68580" marT="0" marB="0">
+                    <a:lnL w="12700" cap="flat" cmpd="sng" algn="ctr">
+                      <a:solidFill>
+                        <a:srgbClr val="000000"/>
+                      </a:solidFill>
+                      <a:prstDash val="solid"/>
+                      <a:round/>
+                      <a:headEnd type="none" w="med" len="med"/>
+                      <a:tailEnd type="none" w="med" len="med"/>
+                    </a:lnL>
+                    <a:lnR w="12700" cap="flat" cmpd="sng" algn="ctr">
+                      <a:solidFill>
+                        <a:srgbClr val="000000"/>
+                      </a:solidFill>
+                      <a:prstDash val="solid"/>
+                      <a:round/>
+                      <a:headEnd type="none" w="med" len="med"/>
+                      <a:tailEnd type="none" w="med" len="med"/>
+                    </a:lnR>
+                    <a:lnB w="12700" cap="flat" cmpd="sng" algn="ctr">
+                      <a:solidFill>
+                        <a:srgbClr val="000000"/>
+                      </a:solidFill>
+                      <a:prstDash val="solid"/>
+                      <a:round/>
+                      <a:headEnd type="none" w="med" len="med"/>
+                      <a:tailEnd type="none" w="med" len="med"/>
+                    </a:lnB>
+                    <a:solidFill>
+                      <a:srgbClr val="D9D9D9"/>
+                    </a:solidFill>
+                  </a:tcPr>
+                </a:tc>
+                <a:tc vMerge="1">
+                  <a:txBody>
+                    <a:bodyPr/>
+                    <a:lstStyle/>
+                    <a:p>
+                      <a:endParaRPr lang="en-SG"/>
+                    </a:p>
+                  </a:txBody>
+                  <a:tcPr/>
+                </a:tc>
+                <a:extLst>
+                  <a:ext uri="{0D108BD9-81ED-4DB2-BD59-A6C34878D82A}">
+                    <a16:rowId xmlns:a16="http://schemas.microsoft.com/office/drawing/2014/main" val="1080260798"/>
+                  </a:ext>
+                </a:extLst>
+              </a:tr>
+              <a:tr h="758952">
                 <a:tc>
                   <a:txBody>
                     <a:bodyPr/>
@@ -3621,7 +3786,7 @@
                     <a:bodyPr/>
                     <a:lstStyle/>
                     <a:p>
-                      <a:pPr>
+                      <a:pPr algn="l">
                         <a:lnSpc>
                           <a:spcPct val="107000"/>
                         </a:lnSpc>
@@ -3636,8 +3801,87 @@
                           <a:ea typeface="STKaiti"/>
                           <a:cs typeface="Times New Roman" panose="02020603050405020304" pitchFamily="18" charset="0"/>
                         </a:rPr>
-                        <a:t>Data File (from Sample)</a:t>
+                        <a:t>Sample</a:t>
                       </a:r>
+                    </a:p>
+                    <a:p>
+                      <a:pPr marL="144000" lvl="0" indent="-108000" algn="l">
+                        <a:lnSpc>
+                          <a:spcPct val="107000"/>
+                        </a:lnSpc>
+                        <a:spcAft>
+                          <a:spcPts val="0"/>
+                        </a:spcAft>
+                        <a:buFont typeface="Symbol" panose="05050102010706020507" pitchFamily="18" charset="2"/>
+                        <a:buChar char=""/>
+                      </a:pPr>
+                      <a:r>
+                        <a:rPr lang="en-SG" sz="900" dirty="0">
+                          <a:effectLst/>
+                          <a:latin typeface="Corbel" panose="020B0503020204020204" pitchFamily="34" charset="0"/>
+                          <a:ea typeface="STKaiti"/>
+                          <a:cs typeface="Times New Roman" panose="02020603050405020304" pitchFamily="18" charset="0"/>
+                        </a:rPr>
+                        <a:t>Data File</a:t>
+                      </a:r>
+                    </a:p>
+                    <a:p>
+                      <a:pPr algn="l">
+                        <a:lnSpc>
+                          <a:spcPct val="107000"/>
+                        </a:lnSpc>
+                        <a:spcAft>
+                          <a:spcPts val="0"/>
+                        </a:spcAft>
+                      </a:pPr>
+                      <a:r>
+                        <a:rPr lang="en-SG" sz="900" dirty="0">
+                          <a:effectLst/>
+                          <a:latin typeface="Corbel" panose="020B0503020204020204" pitchFamily="34" charset="0"/>
+                          <a:ea typeface="STKaiti"/>
+                          <a:cs typeface="Times New Roman" panose="02020603050405020304" pitchFamily="18" charset="0"/>
+                        </a:rPr>
+                        <a:t>Compound Results</a:t>
+                      </a:r>
+                    </a:p>
+                    <a:p>
+                      <a:pPr marL="144000" lvl="0" indent="-108000" algn="l">
+                        <a:lnSpc>
+                          <a:spcPct val="107000"/>
+                        </a:lnSpc>
+                        <a:spcAft>
+                          <a:spcPts val="0"/>
+                        </a:spcAft>
+                        <a:buFont typeface="Symbol" panose="05050102010706020507" pitchFamily="18" charset="2"/>
+                        <a:buChar char=""/>
+                      </a:pPr>
+                      <a:r>
+                        <a:rPr lang="en-SG" sz="900" dirty="0">
+                          <a:effectLst/>
+                          <a:latin typeface="Corbel" panose="020B0503020204020204" pitchFamily="34" charset="0"/>
+                          <a:ea typeface="STKaiti"/>
+                          <a:cs typeface="Times New Roman" panose="02020603050405020304" pitchFamily="18" charset="0"/>
+                        </a:rPr>
+                        <a:t>Area</a:t>
+                      </a:r>
+                    </a:p>
+                    <a:p>
+                      <a:pPr marL="36000" lvl="0" indent="0" algn="l">
+                        <a:lnSpc>
+                          <a:spcPct val="107000"/>
+                        </a:lnSpc>
+                        <a:spcAft>
+                          <a:spcPts val="0"/>
+                        </a:spcAft>
+                        <a:buFont typeface="Symbol" panose="05050102010706020507" pitchFamily="18" charset="2"/>
+                        <a:buNone/>
+                      </a:pPr>
+                      <a:endParaRPr lang="en-SG" sz="900" dirty="0">
+                        <a:effectLst/>
+                        <a:latin typeface="Corbel" panose="020B0503020204020204" pitchFamily="34" charset="0"/>
+                        <a:ea typeface="STKaiti"/>
+                        <a:cs typeface="Times New Roman" panose="02020603050405020304" pitchFamily="18" charset="0"/>
+                      </a:endParaRPr>
                     </a:p>
                   </a:txBody>
                   <a:tcPr marL="68580" marR="68580" marT="0" marB="0">
@@ -3699,7 +3943,113 @@
                           <a:ea typeface="STKaiti"/>
                           <a:cs typeface="Times New Roman" panose="02020603050405020304" pitchFamily="18" charset="0"/>
                         </a:rPr>
-                        <a:t>Quantitation Message (from Sample)</a:t>
+                        <a:t>Qualifier Results</a:t>
+                      </a:r>
+                    </a:p>
+                    <a:p>
+                      <a:pPr marL="144000" lvl="0" indent="-108000" algn="l">
+                        <a:lnSpc>
+                          <a:spcPct val="107000"/>
+                        </a:lnSpc>
+                        <a:spcAft>
+                          <a:spcPts val="0"/>
+                        </a:spcAft>
+                        <a:buFont typeface="Symbol" panose="05050102010706020507" pitchFamily="18" charset="2"/>
+                        <a:buChar char=""/>
+                      </a:pPr>
+                      <a:r>
+                        <a:rPr lang="en-SG" sz="900" dirty="0">
+                          <a:effectLst/>
+                          <a:latin typeface="Corbel" panose="020B0503020204020204" pitchFamily="34" charset="0"/>
+                          <a:ea typeface="STKaiti"/>
+                          <a:cs typeface="Times New Roman" panose="02020603050405020304" pitchFamily="18" charset="0"/>
+                        </a:rPr>
+                        <a:t>Area</a:t>
+                      </a:r>
+                      <a:endParaRPr lang="en-SG" dirty="0"/>
+                    </a:p>
+                  </a:txBody>
+                  <a:tcPr marL="68580" marR="68580" marT="0" marB="0">
+                    <a:lnL w="12700" cap="flat" cmpd="sng" algn="ctr">
+                      <a:solidFill>
+                        <a:srgbClr val="000000"/>
+                      </a:solidFill>
+                      <a:prstDash val="solid"/>
+                      <a:round/>
+                      <a:headEnd type="none" w="med" len="med"/>
+                      <a:tailEnd type="none" w="med" len="med"/>
+                    </a:lnL>
+                    <a:lnR w="12700" cap="flat" cmpd="sng" algn="ctr">
+                      <a:solidFill>
+                        <a:srgbClr val="000000"/>
+                      </a:solidFill>
+                      <a:prstDash val="solid"/>
+                      <a:round/>
+                      <a:headEnd type="none" w="med" len="med"/>
+                      <a:tailEnd type="none" w="med" len="med"/>
+                    </a:lnR>
+                    <a:lnT w="12700" cap="flat" cmpd="sng" algn="ctr">
+                      <a:solidFill>
+                        <a:srgbClr val="000000"/>
+                      </a:solidFill>
+                      <a:prstDash val="solid"/>
+                      <a:round/>
+                      <a:headEnd type="none" w="med" len="med"/>
+                      <a:tailEnd type="none" w="med" len="med"/>
+                    </a:lnT>
+                    <a:lnB w="12700" cap="flat" cmpd="sng" algn="ctr">
+                      <a:solidFill>
+                        <a:srgbClr val="000000"/>
+                      </a:solidFill>
+                      <a:prstDash val="solid"/>
+                      <a:round/>
+                      <a:headEnd type="none" w="med" len="med"/>
+                      <a:tailEnd type="none" w="med" len="med"/>
+                    </a:lnB>
+                  </a:tcPr>
+                </a:tc>
+                <a:tc rowSpan="2">
+                  <a:txBody>
+                    <a:bodyPr/>
+                    <a:lstStyle/>
+                    <a:p>
+                      <a:pPr algn="l">
+                        <a:lnSpc>
+                          <a:spcPct val="107000"/>
+                        </a:lnSpc>
+                        <a:spcAft>
+                          <a:spcPts val="0"/>
+                        </a:spcAft>
+                      </a:pPr>
+                      <a:r>
+                        <a:rPr lang="en-SG" sz="900" dirty="0">
+                          <a:effectLst/>
+                          <a:latin typeface="Corbel" panose="020B0503020204020204" pitchFamily="34" charset="0"/>
+                          <a:ea typeface="STKaiti"/>
+                          <a:cs typeface="Times New Roman" panose="02020603050405020304" pitchFamily="18" charset="0"/>
+                        </a:rPr>
+                        <a:t>Sample </a:t>
+                      </a:r>
+                    </a:p>
+                    <a:p>
+                      <a:pPr marL="144000" lvl="0" indent="-108000" algn="l">
+                        <a:lnSpc>
+                          <a:spcPct val="107000"/>
+                        </a:lnSpc>
+                        <a:spcAft>
+                          <a:spcPts val="0"/>
+                        </a:spcAft>
+                        <a:buFont typeface="Symbol" panose="05050102010706020507" pitchFamily="18" charset="2"/>
+                        <a:buChar char=""/>
+                      </a:pPr>
+                      <a:r>
+                        <a:rPr lang="en-SG" sz="900" dirty="0">
+                          <a:effectLst/>
+                          <a:latin typeface="Corbel" panose="020B0503020204020204" pitchFamily="34" charset="0"/>
+                          <a:ea typeface="STKaiti"/>
+                          <a:cs typeface="Times New Roman" panose="02020603050405020304" pitchFamily="18" charset="0"/>
+                        </a:rPr>
+                        <a:t>Quantification Message</a:t>
                       </a:r>
                     </a:p>
                     <a:p>
@@ -3722,28 +4072,7 @@
                       </a:r>
                     </a:p>
                     <a:p>
-                      <a:pPr marL="216000" lvl="0" indent="-108000" algn="l">
-                        <a:lnSpc>
-                          <a:spcPct val="107000"/>
-                        </a:lnSpc>
-                        <a:spcAft>
-                          <a:spcPts val="0"/>
-                        </a:spcAft>
-                        <a:buFont typeface="Symbol" panose="05050102010706020507" pitchFamily="18" charset="2"/>
-                        <a:buChar char=""/>
-                      </a:pPr>
-                      <a:r>
-                        <a:rPr lang="en-SG" sz="900" dirty="0">
-                          <a:effectLst/>
-                          <a:latin typeface="Corbel" panose="020B0503020204020204" pitchFamily="34" charset="0"/>
-                          <a:ea typeface="STKaiti"/>
-                          <a:cs typeface="Times New Roman" panose="02020603050405020304" pitchFamily="18" charset="0"/>
-                        </a:rPr>
-                        <a:t>Qualifier Methods</a:t>
-                      </a:r>
-                    </a:p>
-                    <a:p>
-                      <a:pPr marL="216000" lvl="0" indent="-108000" algn="l">
+                      <a:pPr marL="144000" lvl="0" indent="-108000" algn="l">
                         <a:lnSpc>
                           <a:spcPct val="107000"/>
                         </a:lnSpc>
@@ -3764,7 +4093,7 @@
                       </a:r>
                     </a:p>
                     <a:p>
-                      <a:pPr marL="216000" lvl="0" indent="-108000" algn="l">
+                      <a:pPr marL="144000" lvl="0" indent="-108000" algn="l">
                         <a:lnSpc>
                           <a:spcPct val="107000"/>
                         </a:lnSpc>
@@ -3830,70 +4159,7 @@
                   </a:ext>
                 </a:extLst>
               </a:tr>
-              <a:tr h="697230">
-                <a:tc>
-                  <a:txBody>
-                    <a:bodyPr/>
-                    <a:lstStyle/>
-                    <a:p>
-                      <a:pPr>
-                        <a:lnSpc>
-                          <a:spcPct val="107000"/>
-                        </a:lnSpc>
-                        <a:spcAft>
-                          <a:spcPts val="0"/>
-                        </a:spcAft>
-                      </a:pPr>
-                      <a:r>
-                        <a:rPr lang="en-SG" sz="900">
-                          <a:effectLst/>
-                          <a:latin typeface="Corbel" panose="020B0503020204020204" pitchFamily="34" charset="0"/>
-                          <a:ea typeface="STKaiti"/>
-                          <a:cs typeface="Times New Roman" panose="02020603050405020304" pitchFamily="18" charset="0"/>
-                        </a:rPr>
-                        <a:t>Agilent’s CompoundTable form</a:t>
-                      </a:r>
-                    </a:p>
-                  </a:txBody>
-                  <a:tcPr marL="68580" marR="68580" marT="0" marB="0">
-                    <a:lnL w="12700" cap="flat" cmpd="sng" algn="ctr">
-                      <a:solidFill>
-                        <a:srgbClr val="000000"/>
-                      </a:solidFill>
-                      <a:prstDash val="solid"/>
-                      <a:round/>
-                      <a:headEnd type="none" w="med" len="med"/>
-                      <a:tailEnd type="none" w="med" len="med"/>
-                    </a:lnL>
-                    <a:lnR w="12700" cap="flat" cmpd="sng" algn="ctr">
-                      <a:solidFill>
-                        <a:srgbClr val="000000"/>
-                      </a:solidFill>
-                      <a:prstDash val="solid"/>
-                      <a:round/>
-                      <a:headEnd type="none" w="med" len="med"/>
-                      <a:tailEnd type="none" w="med" len="med"/>
-                    </a:lnR>
-                    <a:lnT w="12700" cap="flat" cmpd="sng" algn="ctr">
-                      <a:solidFill>
-                        <a:srgbClr val="000000"/>
-                      </a:solidFill>
-                      <a:prstDash val="solid"/>
-                      <a:round/>
-                      <a:headEnd type="none" w="med" len="med"/>
-                      <a:tailEnd type="none" w="med" len="med"/>
-                    </a:lnT>
-                    <a:lnB w="12700" cap="flat" cmpd="sng" algn="ctr">
-                      <a:solidFill>
-                        <a:srgbClr val="000000"/>
-                      </a:solidFill>
-                      <a:prstDash val="solid"/>
-                      <a:round/>
-                      <a:headEnd type="none" w="med" len="med"/>
-                      <a:tailEnd type="none" w="med" len="med"/>
-                    </a:lnB>
-                  </a:tcPr>
-                </a:tc>
+              <a:tr h="912093">
                 <a:tc>
                   <a:txBody>
                     <a:bodyPr/>
@@ -3914,18 +4180,17 @@
                           <a:ea typeface="STKaiti"/>
                           <a:cs typeface="Times New Roman" panose="02020603050405020304" pitchFamily="18" charset="0"/>
                         </a:rPr>
-                        <a:t>Name (from Compound Method)</a:t>
+                        <a:t>Agilent’s </a:t>
                       </a:r>
-                    </a:p>
-                    <a:p>
-                      <a:pPr>
-                        <a:lnSpc>
-                          <a:spcPct val="107000"/>
-                        </a:lnSpc>
-                        <a:spcAft>
-                          <a:spcPts val="0"/>
-                        </a:spcAft>
-                      </a:pPr>
+                      <a:r>
+                        <a:rPr lang="en-SG" sz="900" dirty="0" err="1">
+                          <a:effectLst/>
+                          <a:latin typeface="Corbel" panose="020B0503020204020204" pitchFamily="34" charset="0"/>
+                          <a:ea typeface="STKaiti"/>
+                          <a:cs typeface="Times New Roman" panose="02020603050405020304" pitchFamily="18" charset="0"/>
+                        </a:rPr>
+                        <a:t>CompoundTable</a:t>
+                      </a:r>
                       <a:r>
                         <a:rPr lang="en-SG" sz="900" dirty="0">
                           <a:effectLst/>
@@ -3933,7 +4198,7 @@
                           <a:ea typeface="STKaiti"/>
                           <a:cs typeface="Times New Roman" panose="02020603050405020304" pitchFamily="18" charset="0"/>
                         </a:rPr>
-                        <a:t>Data File (from Sample)</a:t>
+                        <a:t> form</a:t>
                       </a:r>
                     </a:p>
                   </a:txBody>
@@ -3996,7 +4261,28 @@
                           <a:ea typeface="STKaiti"/>
                           <a:cs typeface="Times New Roman" panose="02020603050405020304" pitchFamily="18" charset="0"/>
                         </a:rPr>
-                        <a:t>Quantitation Message (from Sample)</a:t>
+                        <a:t>Sample</a:t>
+                      </a:r>
+                    </a:p>
+                    <a:p>
+                      <a:pPr marL="144000" lvl="0" indent="-108000" algn="l">
+                        <a:lnSpc>
+                          <a:spcPct val="107000"/>
+                        </a:lnSpc>
+                        <a:spcAft>
+                          <a:spcPts val="0"/>
+                        </a:spcAft>
+                        <a:buFont typeface="Symbol" panose="05050102010706020507" pitchFamily="18" charset="2"/>
+                        <a:buChar char=""/>
+                      </a:pPr>
+                      <a:r>
+                        <a:rPr lang="en-SG" sz="900" dirty="0">
+                          <a:effectLst/>
+                          <a:latin typeface="Corbel" panose="020B0503020204020204" pitchFamily="34" charset="0"/>
+                          <a:ea typeface="STKaiti"/>
+                          <a:cs typeface="Times New Roman" panose="02020603050405020304" pitchFamily="18" charset="0"/>
+                        </a:rPr>
+                        <a:t>Data File</a:t>
                       </a:r>
                     </a:p>
                     <a:p>
@@ -4015,11 +4301,11 @@
                           <a:ea typeface="STKaiti"/>
                           <a:cs typeface="Times New Roman" panose="02020603050405020304" pitchFamily="18" charset="0"/>
                         </a:rPr>
-                        <a:t>Columns from </a:t>
+                        <a:t>Compound Method</a:t>
                       </a:r>
                     </a:p>
                     <a:p>
-                      <a:pPr marL="216000" lvl="0" indent="-108000" algn="l">
+                      <a:pPr marL="144000" lvl="0" indent="-108000" algn="l">
                         <a:lnSpc>
                           <a:spcPct val="107000"/>
                         </a:lnSpc>
@@ -4036,11 +4322,30 @@
                           <a:ea typeface="STKaiti"/>
                           <a:cs typeface="Times New Roman" panose="02020603050405020304" pitchFamily="18" charset="0"/>
                         </a:rPr>
-                        <a:t>Qualifier Methods</a:t>
+                        <a:t>Name</a:t>
                       </a:r>
                     </a:p>
                     <a:p>
-                      <a:pPr marL="216000" lvl="0" indent="-108000" algn="l">
+                      <a:pPr algn="l">
+                        <a:lnSpc>
+                          <a:spcPct val="107000"/>
+                        </a:lnSpc>
+                        <a:spcAft>
+                          <a:spcPts val="0"/>
+                        </a:spcAft>
+                      </a:pPr>
+                      <a:r>
+                        <a:rPr lang="en-SG" sz="900" dirty="0">
+                          <a:effectLst/>
+                          <a:latin typeface="Corbel" panose="020B0503020204020204" pitchFamily="34" charset="0"/>
+                          <a:ea typeface="STKaiti"/>
+                          <a:cs typeface="Times New Roman" panose="02020603050405020304" pitchFamily="18" charset="0"/>
+                        </a:rPr>
+                        <a:t>Compound Results</a:t>
+                      </a:r>
+                    </a:p>
+                    <a:p>
+                      <a:pPr marL="144000" lvl="0" indent="-108000" algn="l">
                         <a:lnSpc>
                           <a:spcPct val="107000"/>
                         </a:lnSpc>
@@ -4057,11 +4362,74 @@
                           <a:ea typeface="STKaiti"/>
                           <a:cs typeface="Times New Roman" panose="02020603050405020304" pitchFamily="18" charset="0"/>
                         </a:rPr>
-                        <a:t>Qualifier Results</a:t>
+                        <a:t>Area</a:t>
+                      </a:r>
+                    </a:p>
+                  </a:txBody>
+                  <a:tcPr marL="68580" marR="68580" marT="0" marB="0">
+                    <a:lnL w="12700" cap="flat" cmpd="sng" algn="ctr">
+                      <a:solidFill>
+                        <a:srgbClr val="000000"/>
+                      </a:solidFill>
+                      <a:prstDash val="solid"/>
+                      <a:round/>
+                      <a:headEnd type="none" w="med" len="med"/>
+                      <a:tailEnd type="none" w="med" len="med"/>
+                    </a:lnL>
+                    <a:lnR w="12700" cap="flat" cmpd="sng" algn="ctr">
+                      <a:solidFill>
+                        <a:srgbClr val="000000"/>
+                      </a:solidFill>
+                      <a:prstDash val="solid"/>
+                      <a:round/>
+                      <a:headEnd type="none" w="med" len="med"/>
+                      <a:tailEnd type="none" w="med" len="med"/>
+                    </a:lnR>
+                    <a:lnT w="12700" cap="flat" cmpd="sng" algn="ctr">
+                      <a:solidFill>
+                        <a:srgbClr val="000000"/>
+                      </a:solidFill>
+                      <a:prstDash val="solid"/>
+                      <a:round/>
+                      <a:headEnd type="none" w="med" len="med"/>
+                      <a:tailEnd type="none" w="med" len="med"/>
+                    </a:lnT>
+                    <a:lnB w="12700" cap="flat" cmpd="sng" algn="ctr">
+                      <a:solidFill>
+                        <a:srgbClr val="000000"/>
+                      </a:solidFill>
+                      <a:prstDash val="solid"/>
+                      <a:round/>
+                      <a:headEnd type="none" w="med" len="med"/>
+                      <a:tailEnd type="none" w="med" len="med"/>
+                    </a:lnB>
+                  </a:tcPr>
+                </a:tc>
+                <a:tc>
+                  <a:txBody>
+                    <a:bodyPr/>
+                    <a:lstStyle/>
+                    <a:p>
+                      <a:pPr algn="l">
+                        <a:lnSpc>
+                          <a:spcPct val="107000"/>
+                        </a:lnSpc>
+                        <a:spcAft>
+                          <a:spcPts val="0"/>
+                        </a:spcAft>
+                      </a:pPr>
+                      <a:r>
+                        <a:rPr lang="en-SG" sz="900" dirty="0">
+                          <a:effectLst/>
+                          <a:latin typeface="Corbel" panose="020B0503020204020204" pitchFamily="34" charset="0"/>
+                          <a:ea typeface="STKaiti"/>
+                          <a:cs typeface="Times New Roman" panose="02020603050405020304" pitchFamily="18" charset="0"/>
+                        </a:rPr>
+                        <a:t>Qualifier Method</a:t>
                       </a:r>
                     </a:p>
                     <a:p>
-                      <a:pPr marL="216000" lvl="0" indent="-108000" algn="l">
+                      <a:pPr marL="144000" lvl="0" indent="-108000" algn="l">
                         <a:lnSpc>
                           <a:spcPct val="107000"/>
                         </a:lnSpc>
@@ -4078,11 +4446,30 @@
                           <a:ea typeface="STKaiti"/>
                           <a:cs typeface="Times New Roman" panose="02020603050405020304" pitchFamily="18" charset="0"/>
                         </a:rPr>
-                        <a:t>ISTD Compound Methods</a:t>
+                        <a:t>Transition</a:t>
                       </a:r>
                     </a:p>
                     <a:p>
-                      <a:pPr marL="216000" lvl="0" indent="-108000" algn="l">
+                      <a:pPr algn="l">
+                        <a:lnSpc>
+                          <a:spcPct val="107000"/>
+                        </a:lnSpc>
+                        <a:spcAft>
+                          <a:spcPts val="0"/>
+                        </a:spcAft>
+                      </a:pPr>
+                      <a:r>
+                        <a:rPr lang="en-SG" sz="900" dirty="0">
+                          <a:effectLst/>
+                          <a:latin typeface="Corbel" panose="020B0503020204020204" pitchFamily="34" charset="0"/>
+                          <a:ea typeface="STKaiti"/>
+                          <a:cs typeface="Times New Roman" panose="02020603050405020304" pitchFamily="18" charset="0"/>
+                        </a:rPr>
+                        <a:t>Qualifier Results</a:t>
+                      </a:r>
+                    </a:p>
+                    <a:p>
+                      <a:pPr marL="144000" lvl="0" indent="-108000" algn="l">
                         <a:lnSpc>
                           <a:spcPct val="107000"/>
                         </a:lnSpc>
@@ -4099,8 +4486,88 @@
                           <a:ea typeface="STKaiti"/>
                           <a:cs typeface="Times New Roman" panose="02020603050405020304" pitchFamily="18" charset="0"/>
                         </a:rPr>
-                        <a:t>ISTD Compound Results</a:t>
+                        <a:t>Area</a:t>
                       </a:r>
+                    </a:p>
+                    <a:p>
+                      <a:pPr marL="36000" lvl="0" indent="0" algn="l">
+                        <a:lnSpc>
+                          <a:spcPct val="107000"/>
+                        </a:lnSpc>
+                        <a:spcAft>
+                          <a:spcPts val="0"/>
+                        </a:spcAft>
+                        <a:buFont typeface="Symbol" panose="05050102010706020507" pitchFamily="18" charset="2"/>
+                        <a:buNone/>
+                      </a:pPr>
+                      <a:endParaRPr lang="en-SG" sz="900" dirty="0">
+                        <a:effectLst/>
+                        <a:latin typeface="Corbel" panose="020B0503020204020204" pitchFamily="34" charset="0"/>
+                        <a:ea typeface="STKaiti"/>
+                        <a:cs typeface="Times New Roman" panose="02020603050405020304" pitchFamily="18" charset="0"/>
+                      </a:endParaRPr>
+                    </a:p>
+                  </a:txBody>
+                  <a:tcPr marL="68580" marR="68580" marT="0" marB="0">
+                    <a:lnL w="12700" cap="flat" cmpd="sng" algn="ctr">
+                      <a:solidFill>
+                        <a:srgbClr val="000000"/>
+                      </a:solidFill>
+                      <a:prstDash val="solid"/>
+                      <a:round/>
+                      <a:headEnd type="none" w="med" len="med"/>
+                      <a:tailEnd type="none" w="med" len="med"/>
+                    </a:lnL>
+                    <a:lnR w="12700" cap="flat" cmpd="sng" algn="ctr">
+                      <a:solidFill>
+                        <a:srgbClr val="000000"/>
+                      </a:solidFill>
+                      <a:prstDash val="solid"/>
+                      <a:round/>
+                      <a:headEnd type="none" w="med" len="med"/>
+                      <a:tailEnd type="none" w="med" len="med"/>
+                    </a:lnR>
+                    <a:lnT w="12700" cap="flat" cmpd="sng" algn="ctr">
+                      <a:solidFill>
+                        <a:srgbClr val="000000"/>
+                      </a:solidFill>
+                      <a:prstDash val="solid"/>
+                      <a:round/>
+                      <a:headEnd type="none" w="med" len="med"/>
+                      <a:tailEnd type="none" w="med" len="med"/>
+                    </a:lnT>
+                    <a:lnB w="12700" cap="flat" cmpd="sng" algn="ctr">
+                      <a:solidFill>
+                        <a:srgbClr val="000000"/>
+                      </a:solidFill>
+                      <a:prstDash val="solid"/>
+                      <a:round/>
+                      <a:headEnd type="none" w="med" len="med"/>
+                      <a:tailEnd type="none" w="med" len="med"/>
+                    </a:lnB>
+                  </a:tcPr>
+                </a:tc>
+                <a:tc vMerge="1">
+                  <a:txBody>
+                    <a:bodyPr/>
+                    <a:lstStyle/>
+                    <a:p>
+                      <a:pPr marL="108000" lvl="0" indent="0" algn="l">
+                        <a:lnSpc>
+                          <a:spcPct val="107000"/>
+                        </a:lnSpc>
+                        <a:spcAft>
+                          <a:spcPts val="0"/>
+                        </a:spcAft>
+                        <a:buFont typeface="Symbol" panose="05050102010706020507" pitchFamily="18" charset="2"/>
+                        <a:buNone/>
+                      </a:pPr>
+                      <a:endParaRPr lang="en-SG" sz="900" dirty="0">
+                        <a:effectLst/>
+                        <a:latin typeface="Corbel" panose="020B0503020204020204" pitchFamily="34" charset="0"/>
+                        <a:ea typeface="STKaiti"/>
+                        <a:cs typeface="Times New Roman" panose="02020603050405020304" pitchFamily="18" charset="0"/>
+                      </a:endParaRPr>
                     </a:p>
                   </a:txBody>
                   <a:tcPr marL="68580" marR="68580" marT="0" marB="0">
@@ -4144,7 +4611,7 @@
                 </a:tc>
                 <a:extLst>
                   <a:ext uri="{0D108BD9-81ED-4DB2-BD59-A6C34878D82A}">
-                    <a16:rowId xmlns:a16="http://schemas.microsoft.com/office/drawing/2014/main" val="402862090"/>
+                    <a16:rowId xmlns:a16="http://schemas.microsoft.com/office/drawing/2014/main" val="2015100388"/>
                   </a:ext>
                 </a:extLst>
               </a:tr>
@@ -4152,28 +4619,6 @@
           </a:graphicData>
         </a:graphic>
       </p:graphicFrame>
-      <p:pic>
-        <p:nvPicPr>
-          <p:cNvPr id="273" name="Picture 272"/>
-          <p:cNvPicPr/>
-          <p:nvPr/>
-        </p:nvPicPr>
-        <p:blipFill>
-          <a:blip r:embed="rId2"/>
-          <a:stretch>
-            <a:fillRect/>
-          </a:stretch>
-        </p:blipFill>
-        <p:spPr>
-          <a:xfrm>
-            <a:off x="254498" y="4047332"/>
-            <a:ext cx="4512087" cy="759804"/>
-          </a:xfrm>
-          <a:prstGeom prst="rect">
-            <a:avLst/>
-          </a:prstGeom>
-        </p:spPr>
-      </p:pic>
       <p:sp>
         <p:nvSpPr>
           <p:cNvPr id="274" name="ICONS"/>
@@ -4182,7 +4627,7 @@
         </p:nvSpPr>
         <p:spPr>
           <a:xfrm>
-            <a:off x="263781" y="3801162"/>
+            <a:off x="272923" y="4087267"/>
             <a:ext cx="657231" cy="210314"/>
           </a:xfrm>
           <a:prstGeom prst="rect">
@@ -4193,7 +4638,7 @@
           </a:ln>
           <a:extLst>
             <a:ext uri="{C572A759-6A51-4108-AA02-DFA0A04FC94B}">
-              <ma14:wrappingTextBoxFlag xmlns:ma14="http://schemas.microsoft.com/office/mac/drawingml/2011/main" xmlns="" val="1"/>
+              <ma14:wrappingTextBoxFlag xmlns="" xmlns:ma14="http://schemas.microsoft.com/office/mac/drawingml/2011/main" val="1"/>
             </a:ext>
           </a:extLst>
         </p:spPr>
@@ -4231,7 +4676,7 @@
           </a:ln>
           <a:extLst>
             <a:ext uri="{C572A759-6A51-4108-AA02-DFA0A04FC94B}">
-              <ma14:wrappingTextBoxFlag xmlns:ma14="http://schemas.microsoft.com/office/mac/drawingml/2011/main" xmlns="" val="1"/>
+              <ma14:wrappingTextBoxFlag xmlns="" xmlns:ma14="http://schemas.microsoft.com/office/mac/drawingml/2011/main" val="1"/>
             </a:ext>
           </a:extLst>
         </p:spPr>
@@ -4256,15 +4701,7 @@
             </a:pPr>
             <a:r>
               <a:rPr lang="en-SG" dirty="0"/>
-              <a:t>Transition Name Annotation (</a:t>
-            </a:r>
-            <a:r>
-              <a:rPr lang="en-SG" dirty="0" err="1"/>
-              <a:t>cont</a:t>
-            </a:r>
-            <a:r>
-              <a:rPr lang="en-SG" dirty="0"/>
-              <a:t>)</a:t>
+              <a:t>Transition Name Annotation</a:t>
             </a:r>
             <a:endParaRPr dirty="0"/>
           </a:p>
@@ -4278,8 +4715,8 @@
         </p:nvSpPr>
         <p:spPr>
           <a:xfrm flipV="1">
-            <a:off x="4896378" y="1024465"/>
-            <a:ext cx="8985314" cy="1799"/>
+            <a:off x="0" y="1016734"/>
+            <a:ext cx="13963719" cy="48592"/>
           </a:xfrm>
           <a:prstGeom prst="line">
             <a:avLst/>
@@ -4320,7 +4757,7 @@
         </p:nvSpPr>
         <p:spPr>
           <a:xfrm>
-            <a:off x="5039997" y="1463325"/>
+            <a:off x="5079918" y="2915531"/>
             <a:ext cx="721351" cy="210314"/>
           </a:xfrm>
           <a:prstGeom prst="rect">
@@ -4331,7 +4768,7 @@
           </a:ln>
           <a:extLst>
             <a:ext uri="{C572A759-6A51-4108-AA02-DFA0A04FC94B}">
-              <ma14:wrappingTextBoxFlag xmlns:ma14="http://schemas.microsoft.com/office/mac/drawingml/2011/main" xmlns="" val="1"/>
+              <ma14:wrappingTextBoxFlag xmlns="" xmlns:ma14="http://schemas.microsoft.com/office/mac/drawingml/2011/main" val="1"/>
             </a:ext>
           </a:extLst>
         </p:spPr>
@@ -4358,7 +4795,7 @@
         </p:nvSpPr>
         <p:spPr>
           <a:xfrm>
-            <a:off x="5003917" y="1676835"/>
+            <a:off x="5156317" y="3174176"/>
             <a:ext cx="1963608" cy="442605"/>
           </a:xfrm>
           <a:prstGeom prst="rect">
@@ -4369,7 +4806,7 @@
           </a:ln>
           <a:extLst>
             <a:ext uri="{C572A759-6A51-4108-AA02-DFA0A04FC94B}">
-              <ma14:wrappingTextBoxFlag xmlns:ma14="http://schemas.microsoft.com/office/mac/drawingml/2011/main" xmlns="" val="1"/>
+              <ma14:wrappingTextBoxFlag xmlns="" xmlns:ma14="http://schemas.microsoft.com/office/mac/drawingml/2011/main" val="1"/>
             </a:ext>
           </a:extLst>
         </p:spPr>
@@ -4429,7 +4866,7 @@
         </p:nvSpPr>
         <p:spPr>
           <a:xfrm>
-            <a:off x="7393103" y="1470486"/>
+            <a:off x="7393103" y="2924012"/>
             <a:ext cx="1966885" cy="210314"/>
           </a:xfrm>
           <a:prstGeom prst="rect">
@@ -4440,7 +4877,7 @@
           </a:ln>
           <a:extLst>
             <a:ext uri="{C572A759-6A51-4108-AA02-DFA0A04FC94B}">
-              <ma14:wrappingTextBoxFlag xmlns:ma14="http://schemas.microsoft.com/office/mac/drawingml/2011/main" xmlns="" val="1"/>
+              <ma14:wrappingTextBoxFlag xmlns="" xmlns:ma14="http://schemas.microsoft.com/office/mac/drawingml/2011/main" val="1"/>
             </a:ext>
           </a:extLst>
         </p:spPr>
@@ -4467,7 +4904,7 @@
         </p:nvSpPr>
         <p:spPr>
           <a:xfrm>
-            <a:off x="7362618" y="1676884"/>
+            <a:off x="7362618" y="3130410"/>
             <a:ext cx="2297144" cy="608804"/>
           </a:xfrm>
           <a:prstGeom prst="rect">
@@ -4478,7 +4915,7 @@
           </a:ln>
           <a:extLst>
             <a:ext uri="{C572A759-6A51-4108-AA02-DFA0A04FC94B}">
-              <ma14:wrappingTextBoxFlag xmlns:ma14="http://schemas.microsoft.com/office/mac/drawingml/2011/main" xmlns="" val="1"/>
+              <ma14:wrappingTextBoxFlag xmlns="" xmlns:ma14="http://schemas.microsoft.com/office/mac/drawingml/2011/main" val="1"/>
             </a:ext>
           </a:extLst>
         </p:spPr>
@@ -4557,7 +4994,7 @@
         </p:nvSpPr>
         <p:spPr>
           <a:xfrm>
-            <a:off x="263781" y="1462822"/>
+            <a:off x="263781" y="1519973"/>
             <a:ext cx="2386872" cy="210314"/>
           </a:xfrm>
           <a:prstGeom prst="rect">
@@ -4568,7 +5005,7 @@
           </a:ln>
           <a:extLst>
             <a:ext uri="{C572A759-6A51-4108-AA02-DFA0A04FC94B}">
-              <ma14:wrappingTextBoxFlag xmlns:ma14="http://schemas.microsoft.com/office/mac/drawingml/2011/main" xmlns="" val="1"/>
+              <ma14:wrappingTextBoxFlag xmlns="" xmlns:ma14="http://schemas.microsoft.com/office/mac/drawingml/2011/main" val="1"/>
             </a:ext>
           </a:extLst>
         </p:spPr>
@@ -4587,36 +5024,6 @@
           </a:p>
         </p:txBody>
       </p:sp>
-      <p:pic>
-        <p:nvPicPr>
-          <p:cNvPr id="19" name="Picture 18">
-            <a:extLst>
-              <a:ext uri="{FF2B5EF4-FFF2-40B4-BE49-F238E27FC236}">
-                <a16:creationId xmlns:a16="http://schemas.microsoft.com/office/drawing/2014/main" id="{043A0BD0-3B02-4BEC-BE20-9E259415AB11}"/>
-              </a:ext>
-            </a:extLst>
-          </p:cNvPr>
-          <p:cNvPicPr>
-            <a:picLocks noChangeAspect="1"/>
-          </p:cNvPicPr>
-          <p:nvPr/>
-        </p:nvPicPr>
-        <p:blipFill>
-          <a:blip r:embed="rId3"/>
-          <a:stretch>
-            <a:fillRect/>
-          </a:stretch>
-        </p:blipFill>
-        <p:spPr>
-          <a:xfrm>
-            <a:off x="257147" y="4929270"/>
-            <a:ext cx="4512087" cy="794382"/>
-          </a:xfrm>
-          <a:prstGeom prst="rect">
-            <a:avLst/>
-          </a:prstGeom>
-        </p:spPr>
-      </p:pic>
       <p:sp>
         <p:nvSpPr>
           <p:cNvPr id="60" name="Basics">
@@ -4631,7 +5038,7 @@
         </p:nvSpPr>
         <p:spPr>
           <a:xfrm>
-            <a:off x="277924" y="6004533"/>
+            <a:off x="277924" y="8247667"/>
             <a:ext cx="2526333" cy="340029"/>
           </a:xfrm>
           <a:prstGeom prst="rect">
@@ -4642,7 +5049,7 @@
           </a:ln>
           <a:extLst>
             <a:ext uri="{C572A759-6A51-4108-AA02-DFA0A04FC94B}">
-              <ma14:wrappingTextBoxFlag xmlns:ma14="http://schemas.microsoft.com/office/mac/drawingml/2011/main" xmlns="" val="1"/>
+              <ma14:wrappingTextBoxFlag xmlns="" xmlns:ma14="http://schemas.microsoft.com/office/mac/drawingml/2011/main" val="1"/>
             </a:ext>
           </a:extLst>
         </p:spPr>
@@ -4686,9 +5093,9 @@
           <p:nvPr/>
         </p:nvSpPr>
         <p:spPr>
-          <a:xfrm>
-            <a:off x="273163" y="5925178"/>
-            <a:ext cx="4671788" cy="0"/>
+          <a:xfrm flipV="1">
+            <a:off x="40516" y="8111161"/>
+            <a:ext cx="4904435" cy="12456"/>
           </a:xfrm>
           <a:prstGeom prst="line">
             <a:avLst/>
@@ -4735,7 +5142,7 @@
         </p:nvSpPr>
         <p:spPr>
           <a:xfrm>
-            <a:off x="284949" y="6375028"/>
+            <a:off x="284949" y="8618162"/>
             <a:ext cx="657231" cy="210314"/>
           </a:xfrm>
           <a:prstGeom prst="rect">
@@ -4746,7 +5153,7 @@
           </a:ln>
           <a:extLst>
             <a:ext uri="{C572A759-6A51-4108-AA02-DFA0A04FC94B}">
-              <ma14:wrappingTextBoxFlag xmlns:ma14="http://schemas.microsoft.com/office/mac/drawingml/2011/main" xmlns="" val="1"/>
+              <ma14:wrappingTextBoxFlag xmlns="" xmlns:ma14="http://schemas.microsoft.com/office/mac/drawingml/2011/main" val="1"/>
             </a:ext>
           </a:extLst>
         </p:spPr>
@@ -4780,13 +5187,13 @@
           <p:nvPr/>
         </p:nvPicPr>
         <p:blipFill rotWithShape="1">
-          <a:blip r:embed="rId4"/>
+          <a:blip r:embed="rId2"/>
           <a:srcRect b="22956"/>
           <a:stretch/>
         </p:blipFill>
         <p:spPr>
           <a:xfrm>
-            <a:off x="273163" y="6975565"/>
+            <a:off x="273163" y="9218699"/>
             <a:ext cx="1718436" cy="970494"/>
           </a:xfrm>
           <a:prstGeom prst="rect">
@@ -4809,14 +5216,14 @@
           <p:nvPr/>
         </p:nvPicPr>
         <p:blipFill>
-          <a:blip r:embed="rId5"/>
+          <a:blip r:embed="rId3"/>
           <a:stretch>
             <a:fillRect/>
           </a:stretch>
         </p:blipFill>
         <p:spPr>
           <a:xfrm>
-            <a:off x="2248145" y="6959869"/>
+            <a:off x="2248145" y="9203003"/>
             <a:ext cx="2526332" cy="510125"/>
           </a:xfrm>
           <a:prstGeom prst="rect">
@@ -4838,7 +5245,7 @@
         </p:nvSpPr>
         <p:spPr>
           <a:xfrm>
-            <a:off x="256671" y="6560239"/>
+            <a:off x="256671" y="8803373"/>
             <a:ext cx="1718436" cy="414905"/>
           </a:xfrm>
           <a:prstGeom prst="rect">
@@ -4849,7 +5256,7 @@
           </a:ln>
           <a:extLst>
             <a:ext uri="{C572A759-6A51-4108-AA02-DFA0A04FC94B}">
-              <ma14:wrappingTextBoxFlag xmlns:ma14="http://schemas.microsoft.com/office/mac/drawingml/2011/main" xmlns="" val="1"/>
+              <ma14:wrappingTextBoxFlag xmlns="" xmlns:ma14="http://schemas.microsoft.com/office/mac/drawingml/2011/main" val="1"/>
             </a:ext>
           </a:extLst>
         </p:spPr>
@@ -4928,7 +5335,7 @@
         </p:nvSpPr>
         <p:spPr>
           <a:xfrm>
-            <a:off x="2257669" y="6604982"/>
+            <a:off x="2257669" y="8848116"/>
             <a:ext cx="2526333" cy="262555"/>
           </a:xfrm>
           <a:prstGeom prst="rect">
@@ -4939,7 +5346,7 @@
           </a:ln>
           <a:extLst>
             <a:ext uri="{C572A759-6A51-4108-AA02-DFA0A04FC94B}">
-              <ma14:wrappingTextBoxFlag xmlns:ma14="http://schemas.microsoft.com/office/mac/drawingml/2011/main" xmlns="" val="1"/>
+              <ma14:wrappingTextBoxFlag xmlns="" xmlns:ma14="http://schemas.microsoft.com/office/mac/drawingml/2011/main" val="1"/>
             </a:ext>
           </a:extLst>
         </p:spPr>
@@ -5020,7 +5427,7 @@
           </a:ln>
           <a:extLst>
             <a:ext uri="{C572A759-6A51-4108-AA02-DFA0A04FC94B}">
-              <ma14:wrappingTextBoxFlag xmlns:ma14="http://schemas.microsoft.com/office/mac/drawingml/2011/main" xmlns="" val="1"/>
+              <ma14:wrappingTextBoxFlag xmlns="" xmlns:ma14="http://schemas.microsoft.com/office/mac/drawingml/2011/main" val="1"/>
             </a:ext>
           </a:extLst>
         </p:spPr>
@@ -5092,110 +5499,6 @@
       </p:sp>
       <p:sp>
         <p:nvSpPr>
-          <p:cNvPr id="85" name="Line">
-            <a:extLst>
-              <a:ext uri="{FF2B5EF4-FFF2-40B4-BE49-F238E27FC236}">
-                <a16:creationId xmlns:a16="http://schemas.microsoft.com/office/drawing/2014/main" id="{CFDC8BBB-6810-457D-BA07-69770FEEFF83}"/>
-              </a:ext>
-            </a:extLst>
-          </p:cNvPr>
-          <p:cNvSpPr/>
-          <p:nvPr/>
-        </p:nvSpPr>
-        <p:spPr>
-          <a:xfrm flipV="1">
-            <a:off x="133340" y="8064254"/>
-            <a:ext cx="4756756" cy="13649"/>
-          </a:xfrm>
-          <a:prstGeom prst="line">
-            <a:avLst/>
-          </a:prstGeom>
-          <a:ln w="3175">
-            <a:solidFill>
-              <a:srgbClr val="767C85"/>
-            </a:solidFill>
-            <a:miter lim="400000"/>
-          </a:ln>
-        </p:spPr>
-        <p:txBody>
-          <a:bodyPr lIns="54570" tIns="54570" rIns="54570" bIns="54570" anchor="ctr"/>
-          <a:lstStyle/>
-          <a:p>
-            <a:pPr>
-              <a:lnSpc>
-                <a:spcPct val="80000"/>
-              </a:lnSpc>
-              <a:spcBef>
-                <a:spcPts val="600"/>
-              </a:spcBef>
-              <a:defRPr b="0">
-                <a:solidFill>
-                  <a:srgbClr val="000000"/>
-                </a:solidFill>
-              </a:defRPr>
-            </a:pPr>
-            <a:endParaRPr/>
-          </a:p>
-        </p:txBody>
-      </p:sp>
-      <p:sp>
-        <p:nvSpPr>
-          <p:cNvPr id="86" name="Useful Elements">
-            <a:extLst>
-              <a:ext uri="{FF2B5EF4-FFF2-40B4-BE49-F238E27FC236}">
-                <a16:creationId xmlns:a16="http://schemas.microsoft.com/office/drawing/2014/main" id="{789AF98A-8865-468A-AF50-7B5E4867C57D}"/>
-              </a:ext>
-            </a:extLst>
-          </p:cNvPr>
-          <p:cNvSpPr txBox="1"/>
-          <p:nvPr/>
-        </p:nvSpPr>
-        <p:spPr>
-          <a:xfrm>
-            <a:off x="201032" y="8152129"/>
-            <a:ext cx="4030058" cy="333425"/>
-          </a:xfrm>
-          <a:prstGeom prst="rect">
-            <a:avLst/>
-          </a:prstGeom>
-          <a:ln w="12700">
-            <a:miter lim="400000"/>
-          </a:ln>
-          <a:extLst>
-            <a:ext uri="{C572A759-6A51-4108-AA02-DFA0A04FC94B}">
-              <ma14:wrappingTextBoxFlag xmlns:ma14="http://schemas.microsoft.com/office/mac/drawingml/2011/main" xmlns="" val="1"/>
-            </a:ext>
-          </a:extLst>
-        </p:spPr>
-        <p:txBody>
-          <a:bodyPr wrap="square" lIns="12700" tIns="12700" rIns="12700" bIns="12700" anchor="ctr">
-            <a:spAutoFit/>
-          </a:bodyPr>
-          <a:lstStyle/>
-          <a:p>
-            <a:pPr lvl="1" indent="0">
-              <a:lnSpc>
-                <a:spcPct val="80000"/>
-              </a:lnSpc>
-              <a:spcBef>
-                <a:spcPts val="0"/>
-              </a:spcBef>
-              <a:defRPr sz="2500" b="0">
-                <a:solidFill>
-                  <a:srgbClr val="628DB5"/>
-                </a:solidFill>
-              </a:defRPr>
-            </a:pPr>
-            <a:r>
-              <a:rPr lang="en-SG" dirty="0"/>
-              <a:t>Transition Name Annotation</a:t>
-            </a:r>
-            <a:endParaRPr dirty="0"/>
-          </a:p>
-        </p:txBody>
-      </p:sp>
-      <p:sp>
-        <p:nvSpPr>
           <p:cNvPr id="87" name="CODE">
             <a:extLst>
               <a:ext uri="{FF2B5EF4-FFF2-40B4-BE49-F238E27FC236}">
@@ -5208,7 +5511,7 @@
         </p:nvSpPr>
         <p:spPr>
           <a:xfrm>
-            <a:off x="201824" y="8505492"/>
+            <a:off x="5028385" y="1495278"/>
             <a:ext cx="1617430" cy="210314"/>
           </a:xfrm>
           <a:prstGeom prst="rect">
@@ -5219,7 +5522,7 @@
           </a:ln>
           <a:extLst>
             <a:ext uri="{C572A759-6A51-4108-AA02-DFA0A04FC94B}">
-              <ma14:wrappingTextBoxFlag xmlns:ma14="http://schemas.microsoft.com/office/mac/drawingml/2011/main" xmlns="" val="1"/>
+              <ma14:wrappingTextBoxFlag xmlns="" xmlns:ma14="http://schemas.microsoft.com/office/mac/drawingml/2011/main" val="1"/>
             </a:ext>
           </a:extLst>
         </p:spPr>
@@ -5252,7 +5555,7 @@
         </p:nvSpPr>
         <p:spPr>
           <a:xfrm>
-            <a:off x="192666" y="8760100"/>
+            <a:off x="5085902" y="1759411"/>
             <a:ext cx="2007353" cy="442605"/>
           </a:xfrm>
           <a:prstGeom prst="rect">
@@ -5263,7 +5566,7 @@
           </a:ln>
           <a:extLst>
             <a:ext uri="{C572A759-6A51-4108-AA02-DFA0A04FC94B}">
-              <ma14:wrappingTextBoxFlag xmlns:ma14="http://schemas.microsoft.com/office/mac/drawingml/2011/main" xmlns="" val="1"/>
+              <ma14:wrappingTextBoxFlag xmlns="" xmlns:ma14="http://schemas.microsoft.com/office/mac/drawingml/2011/main" val="1"/>
             </a:ext>
           </a:extLst>
         </p:spPr>
@@ -5340,7 +5643,7 @@
           </a:ln>
           <a:extLst>
             <a:ext uri="{C572A759-6A51-4108-AA02-DFA0A04FC94B}">
-              <ma14:wrappingTextBoxFlag xmlns:ma14="http://schemas.microsoft.com/office/mac/drawingml/2011/main" xmlns="" val="1"/>
+              <ma14:wrappingTextBoxFlag xmlns="" xmlns:ma14="http://schemas.microsoft.com/office/mac/drawingml/2011/main" val="1"/>
             </a:ext>
           </a:extLst>
         </p:spPr>
@@ -5396,7 +5699,7 @@
           </a:ln>
           <a:extLst>
             <a:ext uri="{C572A759-6A51-4108-AA02-DFA0A04FC94B}">
-              <ma14:wrappingTextBoxFlag xmlns:ma14="http://schemas.microsoft.com/office/mac/drawingml/2011/main" xmlns="" val="1"/>
+              <ma14:wrappingTextBoxFlag xmlns="" xmlns:ma14="http://schemas.microsoft.com/office/mac/drawingml/2011/main" val="1"/>
             </a:ext>
           </a:extLst>
         </p:spPr>
@@ -5440,7 +5743,7 @@
           </a:ln>
           <a:extLst>
             <a:ext uri="{C572A759-6A51-4108-AA02-DFA0A04FC94B}">
-              <ma14:wrappingTextBoxFlag xmlns:ma14="http://schemas.microsoft.com/office/mac/drawingml/2011/main" xmlns="" val="1"/>
+              <ma14:wrappingTextBoxFlag xmlns="" xmlns:ma14="http://schemas.microsoft.com/office/mac/drawingml/2011/main" val="1"/>
             </a:ext>
           </a:extLst>
         </p:spPr>
@@ -5575,7 +5878,7 @@
         </p:nvSpPr>
         <p:spPr>
           <a:xfrm>
-            <a:off x="4996683" y="5395567"/>
+            <a:off x="4996683" y="5809912"/>
             <a:ext cx="4030058" cy="333425"/>
           </a:xfrm>
           <a:prstGeom prst="rect">
@@ -5586,7 +5889,7 @@
           </a:ln>
           <a:extLst>
             <a:ext uri="{C572A759-6A51-4108-AA02-DFA0A04FC94B}">
-              <ma14:wrappingTextBoxFlag xmlns:ma14="http://schemas.microsoft.com/office/mac/drawingml/2011/main" xmlns="" val="1"/>
+              <ma14:wrappingTextBoxFlag xmlns="" xmlns:ma14="http://schemas.microsoft.com/office/mac/drawingml/2011/main" val="1"/>
             </a:ext>
           </a:extLst>
         </p:spPr>
@@ -5631,8 +5934,8 @@
         </p:nvSpPr>
         <p:spPr>
           <a:xfrm>
-            <a:off x="4938255" y="5317335"/>
-            <a:ext cx="8943437" cy="3399"/>
+            <a:off x="4938255" y="5731680"/>
+            <a:ext cx="8994977" cy="48592"/>
           </a:xfrm>
           <a:prstGeom prst="line">
             <a:avLst/>
@@ -5679,7 +5982,7 @@
         </p:nvSpPr>
         <p:spPr>
           <a:xfrm>
-            <a:off x="5029206" y="5779349"/>
+            <a:off x="5029206" y="6193694"/>
             <a:ext cx="2420534" cy="210314"/>
           </a:xfrm>
           <a:prstGeom prst="rect">
@@ -5690,7 +5993,7 @@
           </a:ln>
           <a:extLst>
             <a:ext uri="{C572A759-6A51-4108-AA02-DFA0A04FC94B}">
-              <ma14:wrappingTextBoxFlag xmlns:ma14="http://schemas.microsoft.com/office/mac/drawingml/2011/main" xmlns="" val="1"/>
+              <ma14:wrappingTextBoxFlag xmlns="" xmlns:ma14="http://schemas.microsoft.com/office/mac/drawingml/2011/main" val="1"/>
             </a:ext>
           </a:extLst>
         </p:spPr>
@@ -5723,7 +6026,7 @@
         </p:nvSpPr>
         <p:spPr>
           <a:xfrm>
-            <a:off x="5041078" y="8048458"/>
+            <a:off x="5041078" y="8462803"/>
             <a:ext cx="2165721" cy="276405"/>
           </a:xfrm>
           <a:prstGeom prst="rect">
@@ -5734,7 +6037,7 @@
           </a:ln>
           <a:extLst>
             <a:ext uri="{C572A759-6A51-4108-AA02-DFA0A04FC94B}">
-              <ma14:wrappingTextBoxFlag xmlns:ma14="http://schemas.microsoft.com/office/mac/drawingml/2011/main" xmlns="" val="1"/>
+              <ma14:wrappingTextBoxFlag xmlns="" xmlns:ma14="http://schemas.microsoft.com/office/mac/drawingml/2011/main" val="1"/>
             </a:ext>
           </a:extLst>
         </p:spPr>
@@ -5789,7 +6092,7 @@
         </p:nvSpPr>
         <p:spPr>
           <a:xfrm>
-            <a:off x="5127149" y="9124238"/>
+            <a:off x="5127149" y="9538583"/>
             <a:ext cx="2382309" cy="608804"/>
           </a:xfrm>
           <a:prstGeom prst="rect">
@@ -5800,7 +6103,7 @@
           </a:ln>
           <a:extLst>
             <a:ext uri="{C572A759-6A51-4108-AA02-DFA0A04FC94B}">
-              <ma14:wrappingTextBoxFlag xmlns:ma14="http://schemas.microsoft.com/office/mac/drawingml/2011/main" xmlns="" val="1"/>
+              <ma14:wrappingTextBoxFlag xmlns="" xmlns:ma14="http://schemas.microsoft.com/office/mac/drawingml/2011/main" val="1"/>
             </a:ext>
           </a:extLst>
         </p:spPr>
@@ -5883,7 +6186,7 @@
         </p:nvSpPr>
         <p:spPr>
           <a:xfrm>
-            <a:off x="4962068" y="6089224"/>
+            <a:off x="4962068" y="6503569"/>
             <a:ext cx="2609646" cy="442605"/>
           </a:xfrm>
           <a:prstGeom prst="rect">
@@ -5894,7 +6197,7 @@
           </a:ln>
           <a:extLst>
             <a:ext uri="{C572A759-6A51-4108-AA02-DFA0A04FC94B}">
-              <ma14:wrappingTextBoxFlag xmlns:ma14="http://schemas.microsoft.com/office/mac/drawingml/2011/main" xmlns="" val="1"/>
+              <ma14:wrappingTextBoxFlag xmlns="" xmlns:ma14="http://schemas.microsoft.com/office/mac/drawingml/2011/main" val="1"/>
             </a:ext>
           </a:extLst>
         </p:spPr>
@@ -5956,14 +6259,14 @@
           <p:nvPr/>
         </p:nvPicPr>
         <p:blipFill>
-          <a:blip r:embed="rId6"/>
+          <a:blip r:embed="rId4"/>
           <a:stretch>
             <a:fillRect/>
           </a:stretch>
         </p:blipFill>
         <p:spPr>
           <a:xfrm>
-            <a:off x="11590717" y="6515796"/>
+            <a:off x="11590717" y="6930141"/>
             <a:ext cx="1545455" cy="319102"/>
           </a:xfrm>
           <a:prstGeom prst="rect">
@@ -5985,7 +6288,7 @@
         </p:nvSpPr>
         <p:spPr>
           <a:xfrm>
-            <a:off x="7576077" y="6085632"/>
+            <a:off x="7576077" y="6499977"/>
             <a:ext cx="2894391" cy="442605"/>
           </a:xfrm>
           <a:prstGeom prst="rect">
@@ -5996,7 +6299,7 @@
           </a:ln>
           <a:extLst>
             <a:ext uri="{C572A759-6A51-4108-AA02-DFA0A04FC94B}">
-              <ma14:wrappingTextBoxFlag xmlns:ma14="http://schemas.microsoft.com/office/mac/drawingml/2011/main" xmlns="" val="1"/>
+              <ma14:wrappingTextBoxFlag xmlns="" xmlns:ma14="http://schemas.microsoft.com/office/mac/drawingml/2011/main" val="1"/>
             </a:ext>
           </a:extLst>
         </p:spPr>
@@ -6051,7 +6354,7 @@
         </p:nvSpPr>
         <p:spPr>
           <a:xfrm>
-            <a:off x="10784976" y="6085632"/>
+            <a:off x="10784976" y="6499977"/>
             <a:ext cx="2894391" cy="442605"/>
           </a:xfrm>
           <a:prstGeom prst="rect">
@@ -6062,7 +6365,7 @@
           </a:ln>
           <a:extLst>
             <a:ext uri="{C572A759-6A51-4108-AA02-DFA0A04FC94B}">
-              <ma14:wrappingTextBoxFlag xmlns:ma14="http://schemas.microsoft.com/office/mac/drawingml/2011/main" xmlns="" val="1"/>
+              <ma14:wrappingTextBoxFlag xmlns="" xmlns:ma14="http://schemas.microsoft.com/office/mac/drawingml/2011/main" val="1"/>
             </a:ext>
           </a:extLst>
         </p:spPr>
@@ -6117,7 +6420,7 @@
         </p:nvSpPr>
         <p:spPr>
           <a:xfrm>
-            <a:off x="10916248" y="6842549"/>
+            <a:off x="10916248" y="7256894"/>
             <a:ext cx="2894391" cy="442605"/>
           </a:xfrm>
           <a:prstGeom prst="rect">
@@ -6128,7 +6431,7 @@
           </a:ln>
           <a:extLst>
             <a:ext uri="{C572A759-6A51-4108-AA02-DFA0A04FC94B}">
-              <ma14:wrappingTextBoxFlag xmlns:ma14="http://schemas.microsoft.com/office/mac/drawingml/2011/main" xmlns="" val="1"/>
+              <ma14:wrappingTextBoxFlag xmlns="" xmlns:ma14="http://schemas.microsoft.com/office/mac/drawingml/2011/main" val="1"/>
             </a:ext>
           </a:extLst>
         </p:spPr>
@@ -6181,8 +6484,8 @@
         </p:nvSpPr>
         <p:spPr>
           <a:xfrm>
-            <a:off x="9659761" y="1060800"/>
-            <a:ext cx="16281" cy="4262307"/>
+            <a:off x="9627455" y="1047667"/>
+            <a:ext cx="24754" cy="4684013"/>
           </a:xfrm>
           <a:prstGeom prst="line">
             <a:avLst/>
@@ -6228,9 +6531,9 @@
           <p:nvPr/>
         </p:nvSpPr>
         <p:spPr>
-          <a:xfrm>
-            <a:off x="4917524" y="1020997"/>
-            <a:ext cx="6281" cy="9593967"/>
+          <a:xfrm flipH="1">
+            <a:off x="4929661" y="1077788"/>
+            <a:ext cx="1" cy="9704756"/>
           </a:xfrm>
           <a:prstGeom prst="line">
             <a:avLst/>
@@ -6265,74 +6568,6 @@
       </p:sp>
       <p:sp>
         <p:nvSpPr>
-          <p:cNvPr id="74" name="RStudio® is a trademark of RStudio, Inc.  •  CC BY SA Your Name •  your@email.com  •  844-448-1212 • your.website.com •  Learn more at webpage or vignette   •  package version  0.5.0 •  Updated: 2017-01">
-            <a:extLst>
-              <a:ext uri="{FF2B5EF4-FFF2-40B4-BE49-F238E27FC236}">
-                <a16:creationId xmlns:a16="http://schemas.microsoft.com/office/drawing/2014/main" id="{C15179CE-25E4-4B1E-B173-BDD05D9EB977}"/>
-              </a:ext>
-            </a:extLst>
-          </p:cNvPr>
-          <p:cNvSpPr txBox="1"/>
-          <p:nvPr/>
-        </p:nvSpPr>
-        <p:spPr>
-          <a:xfrm>
-            <a:off x="12440394" y="10441191"/>
-            <a:ext cx="1379964" cy="234855"/>
-          </a:xfrm>
-          <a:prstGeom prst="rect">
-            <a:avLst/>
-          </a:prstGeom>
-          <a:ln w="12700">
-            <a:miter lim="400000"/>
-          </a:ln>
-          <a:extLst>
-            <a:ext uri="{C572A759-6A51-4108-AA02-DFA0A04FC94B}">
-              <ma14:wrappingTextBoxFlag xmlns:ma14="http://schemas.microsoft.com/office/mac/drawingml/2011/main" xmlns="" val="1"/>
-            </a:ext>
-          </a:extLst>
-        </p:spPr>
-        <p:txBody>
-          <a:bodyPr wrap="square" lIns="54570" tIns="54570" rIns="54570" bIns="54570" anchor="ctr">
-            <a:spAutoFit/>
-          </a:bodyPr>
-          <a:lstStyle/>
-          <a:p>
-            <a:pPr algn="r">
-              <a:lnSpc>
-                <a:spcPct val="90000"/>
-              </a:lnSpc>
-              <a:spcBef>
-                <a:spcPts val="0"/>
-              </a:spcBef>
-              <a:defRPr sz="900" b="0">
-                <a:solidFill>
-                  <a:srgbClr val="000000"/>
-                </a:solidFill>
-              </a:defRPr>
-            </a:pPr>
-            <a:r>
-              <a:rPr dirty="0"/>
-              <a:t>Updated: 20</a:t>
-            </a:r>
-            <a:r>
-              <a:rPr lang="en-SG" dirty="0"/>
-              <a:t>21</a:t>
-            </a:r>
-            <a:r>
-              <a:rPr dirty="0"/>
-              <a:t>-0</a:t>
-            </a:r>
-            <a:r>
-              <a:rPr lang="en-SG" dirty="0"/>
-              <a:t>9</a:t>
-            </a:r>
-            <a:endParaRPr dirty="0"/>
-          </a:p>
-        </p:txBody>
-      </p:sp>
-      <p:sp>
-        <p:nvSpPr>
           <p:cNvPr id="76" name="Where possible, use code that works when run.">
             <a:extLst>
               <a:ext uri="{FF2B5EF4-FFF2-40B4-BE49-F238E27FC236}">
@@ -6345,7 +6580,7 @@
         </p:nvSpPr>
         <p:spPr>
           <a:xfrm>
-            <a:off x="7832222" y="6965480"/>
+            <a:off x="7832222" y="7379825"/>
             <a:ext cx="2727623" cy="442605"/>
           </a:xfrm>
           <a:prstGeom prst="rect">
@@ -6356,7 +6591,7 @@
           </a:ln>
           <a:extLst>
             <a:ext uri="{C572A759-6A51-4108-AA02-DFA0A04FC94B}">
-              <ma14:wrappingTextBoxFlag xmlns:ma14="http://schemas.microsoft.com/office/mac/drawingml/2011/main" xmlns="" val="1"/>
+              <ma14:wrappingTextBoxFlag xmlns="" xmlns:ma14="http://schemas.microsoft.com/office/mac/drawingml/2011/main" val="1"/>
             </a:ext>
           </a:extLst>
         </p:spPr>
@@ -6435,14 +6670,14 @@
           <p:nvPr/>
         </p:nvPicPr>
         <p:blipFill>
-          <a:blip r:embed="rId7"/>
+          <a:blip r:embed="rId5"/>
           <a:stretch>
             <a:fillRect/>
           </a:stretch>
         </p:blipFill>
         <p:spPr>
           <a:xfrm>
-            <a:off x="8421734" y="7394957"/>
+            <a:off x="8421734" y="7809302"/>
             <a:ext cx="1261880" cy="230344"/>
           </a:xfrm>
           <a:prstGeom prst="rect">
@@ -6463,14 +6698,14 @@
           <p:nvPr/>
         </p:nvPicPr>
         <p:blipFill>
-          <a:blip r:embed="rId8"/>
+          <a:blip r:embed="rId6"/>
           <a:stretch>
             <a:fillRect/>
           </a:stretch>
         </p:blipFill>
         <p:spPr>
           <a:xfrm>
-            <a:off x="7977778" y="8097304"/>
+            <a:off x="7977778" y="8511649"/>
             <a:ext cx="2213847" cy="1266616"/>
           </a:xfrm>
           <a:prstGeom prst="rect">
@@ -6493,14 +6728,14 @@
           <p:nvPr/>
         </p:nvPicPr>
         <p:blipFill>
-          <a:blip r:embed="rId9"/>
+          <a:blip r:embed="rId7"/>
           <a:stretch>
             <a:fillRect/>
           </a:stretch>
         </p:blipFill>
         <p:spPr>
           <a:xfrm>
-            <a:off x="7712802" y="9492312"/>
+            <a:off x="7712802" y="9906657"/>
             <a:ext cx="2844095" cy="747289"/>
           </a:xfrm>
           <a:prstGeom prst="rect">
@@ -6522,7 +6757,7 @@
         </p:nvSpPr>
         <p:spPr>
           <a:xfrm>
-            <a:off x="7832221" y="7662518"/>
+            <a:off x="7832221" y="8076863"/>
             <a:ext cx="2727623" cy="442605"/>
           </a:xfrm>
           <a:prstGeom prst="rect">
@@ -6533,7 +6768,7 @@
           </a:ln>
           <a:extLst>
             <a:ext uri="{C572A759-6A51-4108-AA02-DFA0A04FC94B}">
-              <ma14:wrappingTextBoxFlag xmlns:ma14="http://schemas.microsoft.com/office/mac/drawingml/2011/main" xmlns="" val="1"/>
+              <ma14:wrappingTextBoxFlag xmlns="" xmlns:ma14="http://schemas.microsoft.com/office/mac/drawingml/2011/main" val="1"/>
             </a:ext>
           </a:extLst>
         </p:spPr>
@@ -6593,7 +6828,7 @@
           <p:nvPr/>
         </p:nvPicPr>
         <p:blipFill>
-          <a:blip r:embed="rId10"/>
+          <a:blip r:embed="rId8"/>
           <a:stretch>
             <a:fillRect/>
           </a:stretch>
@@ -6623,7 +6858,7 @@
           <p:nvPr/>
         </p:nvPicPr>
         <p:blipFill>
-          <a:blip r:embed="rId11"/>
+          <a:blip r:embed="rId9"/>
           <a:stretch>
             <a:fillRect/>
           </a:stretch>
@@ -6653,14 +6888,14 @@
           <p:nvPr/>
         </p:nvPicPr>
         <p:blipFill>
-          <a:blip r:embed="rId12"/>
+          <a:blip r:embed="rId10"/>
           <a:stretch>
             <a:fillRect/>
           </a:stretch>
         </p:blipFill>
         <p:spPr>
           <a:xfrm>
-            <a:off x="11054138" y="7330468"/>
+            <a:off x="11054138" y="7744813"/>
             <a:ext cx="1225886" cy="327777"/>
           </a:xfrm>
           <a:prstGeom prst="rect">
@@ -6683,14 +6918,14 @@
           <p:nvPr/>
         </p:nvPicPr>
         <p:blipFill>
-          <a:blip r:embed="rId13"/>
+          <a:blip r:embed="rId11"/>
           <a:stretch>
             <a:fillRect/>
           </a:stretch>
         </p:blipFill>
         <p:spPr>
           <a:xfrm>
-            <a:off x="11027575" y="7821602"/>
+            <a:off x="11027575" y="8235947"/>
             <a:ext cx="1252449" cy="450319"/>
           </a:xfrm>
           <a:prstGeom prst="rect">
@@ -6713,14 +6948,14 @@
           <p:nvPr/>
         </p:nvPicPr>
         <p:blipFill>
-          <a:blip r:embed="rId14"/>
+          <a:blip r:embed="rId12"/>
           <a:stretch>
             <a:fillRect/>
           </a:stretch>
         </p:blipFill>
         <p:spPr>
           <a:xfrm>
-            <a:off x="12421072" y="7548134"/>
+            <a:off x="12421072" y="7962479"/>
             <a:ext cx="1275765" cy="490679"/>
           </a:xfrm>
           <a:prstGeom prst="rect">
@@ -6743,15 +6978,15 @@
           <p:nvPr/>
         </p:nvPicPr>
         <p:blipFill>
-          <a:blip r:embed="rId15"/>
+          <a:blip r:embed="rId13"/>
           <a:stretch>
             <a:fillRect/>
           </a:stretch>
         </p:blipFill>
         <p:spPr>
           <a:xfrm>
-            <a:off x="229607" y="9248752"/>
-            <a:ext cx="2112563" cy="240084"/>
+            <a:off x="5113318" y="2238538"/>
+            <a:ext cx="2018037" cy="229342"/>
           </a:xfrm>
           <a:prstGeom prst="rect">
             <a:avLst/>
@@ -6773,15 +7008,15 @@
           <p:nvPr/>
         </p:nvPicPr>
         <p:blipFill>
-          <a:blip r:embed="rId16"/>
+          <a:blip r:embed="rId14"/>
           <a:stretch>
             <a:fillRect/>
           </a:stretch>
         </p:blipFill>
         <p:spPr>
           <a:xfrm>
-            <a:off x="210143" y="9559113"/>
-            <a:ext cx="2152634" cy="233715"/>
+            <a:off x="5093854" y="2548900"/>
+            <a:ext cx="2064171" cy="224110"/>
           </a:xfrm>
           <a:prstGeom prst="rect">
             <a:avLst/>
@@ -6803,15 +7038,15 @@
           <p:nvPr/>
         </p:nvPicPr>
         <p:blipFill>
-          <a:blip r:embed="rId17"/>
+          <a:blip r:embed="rId15"/>
           <a:stretch>
             <a:fillRect/>
           </a:stretch>
         </p:blipFill>
         <p:spPr>
           <a:xfrm>
-            <a:off x="5648571" y="2373548"/>
-            <a:ext cx="950733" cy="285220"/>
+            <a:off x="5696254" y="3610914"/>
+            <a:ext cx="787080" cy="236124"/>
           </a:xfrm>
           <a:prstGeom prst="rect">
             <a:avLst/>
@@ -6833,14 +7068,14 @@
           <p:nvPr/>
         </p:nvPicPr>
         <p:blipFill>
-          <a:blip r:embed="rId18"/>
+          <a:blip r:embed="rId16"/>
           <a:stretch>
             <a:fillRect/>
           </a:stretch>
         </p:blipFill>
         <p:spPr>
           <a:xfrm>
-            <a:off x="7647735" y="2380761"/>
+            <a:off x="7647735" y="3815237"/>
             <a:ext cx="1447600" cy="263200"/>
           </a:xfrm>
           <a:prstGeom prst="rect">
@@ -6863,15 +7098,15 @@
           <p:nvPr/>
         </p:nvPicPr>
         <p:blipFill>
-          <a:blip r:embed="rId19"/>
+          <a:blip r:embed="rId17"/>
           <a:stretch>
             <a:fillRect/>
           </a:stretch>
         </p:blipFill>
         <p:spPr>
           <a:xfrm>
-            <a:off x="2518064" y="8644219"/>
-            <a:ext cx="2272326" cy="1088823"/>
+            <a:off x="7383503" y="1609096"/>
+            <a:ext cx="2070859" cy="992286"/>
           </a:xfrm>
           <a:prstGeom prst="rect">
             <a:avLst/>
@@ -6893,7 +7128,7 @@
           <p:nvPr/>
         </p:nvPicPr>
         <p:blipFill rotWithShape="1">
-          <a:blip r:embed="rId20" cstate="print">
+          <a:blip r:embed="rId18" cstate="print">
             <a:extLst>
               <a:ext uri="{28A0092B-C50C-407E-A947-70E740481C1C}">
                 <a14:useLocalDpi xmlns:a14="http://schemas.microsoft.com/office/drawing/2010/main"/>
@@ -6905,8 +7140,8 @@
         </p:blipFill>
         <p:spPr>
           <a:xfrm>
-            <a:off x="5127149" y="2832812"/>
-            <a:ext cx="1975195" cy="1847972"/>
+            <a:off x="5279644" y="3942186"/>
+            <a:ext cx="1752696" cy="1639804"/>
           </a:xfrm>
           <a:prstGeom prst="rect">
             <a:avLst/>
@@ -6928,14 +7163,14 @@
           <p:nvPr/>
         </p:nvPicPr>
         <p:blipFill>
-          <a:blip r:embed="rId21"/>
+          <a:blip r:embed="rId19"/>
           <a:stretch>
             <a:fillRect/>
           </a:stretch>
         </p:blipFill>
         <p:spPr>
           <a:xfrm>
-            <a:off x="7487774" y="2858995"/>
+            <a:off x="7487774" y="4236321"/>
             <a:ext cx="1752695" cy="1299649"/>
           </a:xfrm>
           <a:prstGeom prst="rect">
@@ -6958,7 +7193,7 @@
           <p:nvPr/>
         </p:nvPicPr>
         <p:blipFill>
-          <a:blip r:embed="rId22"/>
+          <a:blip r:embed="rId20"/>
           <a:stretch>
             <a:fillRect/>
           </a:stretch>
@@ -6988,7 +7223,7 @@
           <p:nvPr/>
         </p:nvPicPr>
         <p:blipFill>
-          <a:blip r:embed="rId23"/>
+          <a:blip r:embed="rId21"/>
           <a:stretch>
             <a:fillRect/>
           </a:stretch>
@@ -7018,13 +7253,13 @@
           <p:nvPr/>
         </p:nvPicPr>
         <p:blipFill rotWithShape="1">
-          <a:blip r:embed="rId24"/>
+          <a:blip r:embed="rId22"/>
           <a:srcRect l="359" t="2162" r="1"/>
           <a:stretch/>
         </p:blipFill>
         <p:spPr>
           <a:xfrm>
-            <a:off x="5101906" y="7273193"/>
+            <a:off x="5101906" y="7687538"/>
             <a:ext cx="2400157" cy="639950"/>
           </a:xfrm>
           <a:prstGeom prst="rect">
@@ -7047,14 +7282,14 @@
           <p:nvPr/>
         </p:nvPicPr>
         <p:blipFill>
-          <a:blip r:embed="rId25"/>
+          <a:blip r:embed="rId23"/>
           <a:stretch>
             <a:fillRect/>
           </a:stretch>
         </p:blipFill>
         <p:spPr>
           <a:xfrm>
-            <a:off x="5218055" y="6520417"/>
+            <a:off x="5218055" y="6934762"/>
             <a:ext cx="2001110" cy="226212"/>
           </a:xfrm>
           <a:prstGeom prst="rect">
@@ -7077,14 +7312,14 @@
           <p:nvPr/>
         </p:nvPicPr>
         <p:blipFill>
-          <a:blip r:embed="rId26"/>
+          <a:blip r:embed="rId24"/>
           <a:stretch>
             <a:fillRect/>
           </a:stretch>
         </p:blipFill>
         <p:spPr>
           <a:xfrm>
-            <a:off x="5242851" y="6818245"/>
+            <a:off x="5242851" y="7232590"/>
             <a:ext cx="1973473" cy="256666"/>
           </a:xfrm>
           <a:prstGeom prst="rect">
@@ -7107,14 +7342,14 @@
           <p:nvPr/>
         </p:nvPicPr>
         <p:blipFill>
-          <a:blip r:embed="rId27"/>
+          <a:blip r:embed="rId25"/>
           <a:stretch>
             <a:fillRect/>
           </a:stretch>
         </p:blipFill>
         <p:spPr>
           <a:xfrm>
-            <a:off x="5444504" y="8339138"/>
+            <a:off x="5444504" y="8753483"/>
             <a:ext cx="1658598" cy="671630"/>
           </a:xfrm>
           <a:prstGeom prst="rect">
@@ -7137,14 +7372,14 @@
           <p:nvPr/>
         </p:nvPicPr>
         <p:blipFill>
-          <a:blip r:embed="rId28"/>
+          <a:blip r:embed="rId26"/>
           <a:stretch>
             <a:fillRect/>
           </a:stretch>
         </p:blipFill>
         <p:spPr>
           <a:xfrm>
-            <a:off x="5337534" y="9810143"/>
+            <a:off x="5337534" y="10224488"/>
             <a:ext cx="1784106" cy="241096"/>
           </a:xfrm>
           <a:prstGeom prst="rect">
@@ -7167,14 +7402,14 @@
           <p:nvPr/>
         </p:nvPicPr>
         <p:blipFill>
-          <a:blip r:embed="rId29"/>
+          <a:blip r:embed="rId27"/>
           <a:stretch>
             <a:fillRect/>
           </a:stretch>
         </p:blipFill>
         <p:spPr>
           <a:xfrm>
-            <a:off x="7882272" y="6554143"/>
+            <a:off x="7882272" y="6968488"/>
             <a:ext cx="2672487" cy="319103"/>
           </a:xfrm>
           <a:prstGeom prst="rect">
@@ -7182,6 +7417,468 @@
           </a:prstGeom>
         </p:spPr>
       </p:pic>
+      <p:sp>
+        <p:nvSpPr>
+          <p:cNvPr id="72" name="RStudio® is a trademark of RStudio, Inc.  •  CC BY SA Your Name •  your@email.com  •  844-448-1212 • your.website.com •  Learn more at webpage or vignette   •  package version  0.5.0 •  Updated: 2017-01">
+            <a:extLst>
+              <a:ext uri="{FF2B5EF4-FFF2-40B4-BE49-F238E27FC236}">
+                <a16:creationId xmlns:a16="http://schemas.microsoft.com/office/drawing/2014/main" id="{8AF37261-35CD-4173-8955-318FAC944085}"/>
+              </a:ext>
+            </a:extLst>
+          </p:cNvPr>
+          <p:cNvSpPr txBox="1"/>
+          <p:nvPr/>
+        </p:nvSpPr>
+        <p:spPr>
+          <a:xfrm>
+            <a:off x="12440394" y="10441191"/>
+            <a:ext cx="1379964" cy="234855"/>
+          </a:xfrm>
+          <a:prstGeom prst="rect">
+            <a:avLst/>
+          </a:prstGeom>
+          <a:ln w="12700">
+            <a:miter lim="400000"/>
+          </a:ln>
+          <a:extLst>
+            <a:ext uri="{C572A759-6A51-4108-AA02-DFA0A04FC94B}">
+              <ma14:wrappingTextBoxFlag xmlns="" xmlns:ma14="http://schemas.microsoft.com/office/mac/drawingml/2011/main" val="1"/>
+            </a:ext>
+          </a:extLst>
+        </p:spPr>
+        <p:txBody>
+          <a:bodyPr wrap="square" lIns="54570" tIns="54570" rIns="54570" bIns="54570" anchor="ctr">
+            <a:spAutoFit/>
+          </a:bodyPr>
+          <a:lstStyle/>
+          <a:p>
+            <a:pPr algn="r">
+              <a:lnSpc>
+                <a:spcPct val="90000"/>
+              </a:lnSpc>
+              <a:spcBef>
+                <a:spcPts val="0"/>
+              </a:spcBef>
+              <a:defRPr sz="900" b="0">
+                <a:solidFill>
+                  <a:srgbClr val="000000"/>
+                </a:solidFill>
+              </a:defRPr>
+            </a:pPr>
+            <a:r>
+              <a:rPr dirty="0"/>
+              <a:t>Updated: 20</a:t>
+            </a:r>
+            <a:r>
+              <a:rPr lang="en-SG" dirty="0"/>
+              <a:t>21</a:t>
+            </a:r>
+            <a:r>
+              <a:rPr dirty="0"/>
+              <a:t>-</a:t>
+            </a:r>
+            <a:r>
+              <a:rPr lang="en-SG" dirty="0"/>
+              <a:t>10</a:t>
+            </a:r>
+            <a:endParaRPr dirty="0"/>
+          </a:p>
+        </p:txBody>
+      </p:sp>
+      <p:pic>
+        <p:nvPicPr>
+          <p:cNvPr id="3" name="Picture 2">
+            <a:extLst>
+              <a:ext uri="{FF2B5EF4-FFF2-40B4-BE49-F238E27FC236}">
+                <a16:creationId xmlns:a16="http://schemas.microsoft.com/office/drawing/2014/main" id="{69E9605A-C61D-4E79-8630-D1CC687A76D9}"/>
+              </a:ext>
+            </a:extLst>
+          </p:cNvPr>
+          <p:cNvPicPr>
+            <a:picLocks noChangeAspect="1"/>
+          </p:cNvPicPr>
+          <p:nvPr/>
+        </p:nvPicPr>
+        <p:blipFill>
+          <a:blip r:embed="rId28"/>
+          <a:stretch>
+            <a:fillRect/>
+          </a:stretch>
+        </p:blipFill>
+        <p:spPr>
+          <a:xfrm>
+            <a:off x="154757" y="7376295"/>
+            <a:ext cx="4671780" cy="566483"/>
+          </a:xfrm>
+          <a:prstGeom prst="rect">
+            <a:avLst/>
+          </a:prstGeom>
+        </p:spPr>
+      </p:pic>
+      <p:pic>
+        <p:nvPicPr>
+          <p:cNvPr id="23" name="Picture 22">
+            <a:extLst>
+              <a:ext uri="{FF2B5EF4-FFF2-40B4-BE49-F238E27FC236}">
+                <a16:creationId xmlns:a16="http://schemas.microsoft.com/office/drawing/2014/main" id="{B2149A40-7DAC-4CB3-8538-AA64FB187012}"/>
+              </a:ext>
+            </a:extLst>
+          </p:cNvPr>
+          <p:cNvPicPr>
+            <a:picLocks noChangeAspect="1"/>
+          </p:cNvPicPr>
+          <p:nvPr/>
+        </p:nvPicPr>
+        <p:blipFill rotWithShape="1">
+          <a:blip r:embed="rId29"/>
+          <a:srcRect b="37713"/>
+          <a:stretch/>
+        </p:blipFill>
+        <p:spPr>
+          <a:xfrm>
+            <a:off x="152781" y="6456827"/>
+            <a:ext cx="4666548" cy="581853"/>
+          </a:xfrm>
+          <a:prstGeom prst="rect">
+            <a:avLst/>
+          </a:prstGeom>
+        </p:spPr>
+      </p:pic>
+      <p:pic>
+        <p:nvPicPr>
+          <p:cNvPr id="24" name="Picture 23">
+            <a:extLst>
+              <a:ext uri="{FF2B5EF4-FFF2-40B4-BE49-F238E27FC236}">
+                <a16:creationId xmlns:a16="http://schemas.microsoft.com/office/drawing/2014/main" id="{43C089B0-0996-4CCF-AA00-6B1748A3447C}"/>
+              </a:ext>
+            </a:extLst>
+          </p:cNvPr>
+          <p:cNvPicPr>
+            <a:picLocks noChangeAspect="1"/>
+          </p:cNvPicPr>
+          <p:nvPr/>
+        </p:nvPicPr>
+        <p:blipFill rotWithShape="1">
+          <a:blip r:embed="rId30"/>
+          <a:srcRect r="12962"/>
+          <a:stretch/>
+        </p:blipFill>
+        <p:spPr>
+          <a:xfrm>
+            <a:off x="171036" y="5495331"/>
+            <a:ext cx="4642657" cy="635915"/>
+          </a:xfrm>
+          <a:prstGeom prst="rect">
+            <a:avLst/>
+          </a:prstGeom>
+        </p:spPr>
+      </p:pic>
+      <p:pic>
+        <p:nvPicPr>
+          <p:cNvPr id="26" name="Picture 25">
+            <a:extLst>
+              <a:ext uri="{FF2B5EF4-FFF2-40B4-BE49-F238E27FC236}">
+                <a16:creationId xmlns:a16="http://schemas.microsoft.com/office/drawing/2014/main" id="{F99F8727-9362-42FC-9924-3B25A1A45697}"/>
+              </a:ext>
+            </a:extLst>
+          </p:cNvPr>
+          <p:cNvPicPr>
+            <a:picLocks noChangeAspect="1"/>
+          </p:cNvPicPr>
+          <p:nvPr/>
+        </p:nvPicPr>
+        <p:blipFill>
+          <a:blip r:embed="rId31"/>
+          <a:stretch>
+            <a:fillRect/>
+          </a:stretch>
+        </p:blipFill>
+        <p:spPr>
+          <a:xfrm>
+            <a:off x="181568" y="4590357"/>
+            <a:ext cx="4615687" cy="593704"/>
+          </a:xfrm>
+          <a:prstGeom prst="rect">
+            <a:avLst/>
+          </a:prstGeom>
+        </p:spPr>
+      </p:pic>
+      <p:sp>
+        <p:nvSpPr>
+          <p:cNvPr id="81" name="Where possible, use code that works when run.">
+            <a:extLst>
+              <a:ext uri="{FF2B5EF4-FFF2-40B4-BE49-F238E27FC236}">
+                <a16:creationId xmlns:a16="http://schemas.microsoft.com/office/drawing/2014/main" id="{D9B7748A-A0A0-403C-8144-C4705028FB62}"/>
+              </a:ext>
+            </a:extLst>
+          </p:cNvPr>
+          <p:cNvSpPr txBox="1"/>
+          <p:nvPr/>
+        </p:nvSpPr>
+        <p:spPr>
+          <a:xfrm>
+            <a:off x="240792" y="4331398"/>
+            <a:ext cx="2007353" cy="262555"/>
+          </a:xfrm>
+          <a:prstGeom prst="rect">
+            <a:avLst/>
+          </a:prstGeom>
+          <a:ln w="12700">
+            <a:miter lim="400000"/>
+          </a:ln>
+          <a:extLst>
+            <a:ext uri="{C572A759-6A51-4108-AA02-DFA0A04FC94B}">
+              <ma14:wrappingTextBoxFlag xmlns="" xmlns:ma14="http://schemas.microsoft.com/office/mac/drawingml/2011/main" val="1"/>
+            </a:ext>
+          </a:extLst>
+        </p:spPr>
+        <p:txBody>
+          <a:bodyPr wrap="square" lIns="54570" tIns="54570" rIns="54570" bIns="54570" anchor="ctr">
+            <a:spAutoFit/>
+          </a:bodyPr>
+          <a:lstStyle/>
+          <a:p>
+            <a:pPr>
+              <a:lnSpc>
+                <a:spcPct val="90000"/>
+              </a:lnSpc>
+              <a:spcBef>
+                <a:spcPts val="300"/>
+              </a:spcBef>
+              <a:buClr>
+                <a:schemeClr val="accent4">
+                  <a:hueOff val="384618"/>
+                  <a:satOff val="3869"/>
+                  <a:lumOff val="5802"/>
+                </a:schemeClr>
+              </a:buClr>
+              <a:defRPr b="0">
+                <a:solidFill>
+                  <a:srgbClr val="000000"/>
+                </a:solidFill>
+                <a:latin typeface="+mn-lt"/>
+                <a:ea typeface="+mn-ea"/>
+                <a:cs typeface="+mn-cs"/>
+                <a:sym typeface="Source Sans Pro Light"/>
+              </a:defRPr>
+            </a:pPr>
+            <a:r>
+              <a:rPr lang="en-SG" sz="1100" dirty="0">
+                <a:latin typeface="Source Sans Pro" panose="020B0503030403020204" pitchFamily="34" charset="0"/>
+                <a:ea typeface="Source Sans Pro" panose="020B0503030403020204" pitchFamily="34" charset="0"/>
+              </a:rPr>
+              <a:t>Agilent’s Wide Table form</a:t>
+            </a:r>
+          </a:p>
+        </p:txBody>
+      </p:sp>
+      <p:sp>
+        <p:nvSpPr>
+          <p:cNvPr id="83" name="Where possible, use code that works when run.">
+            <a:extLst>
+              <a:ext uri="{FF2B5EF4-FFF2-40B4-BE49-F238E27FC236}">
+                <a16:creationId xmlns:a16="http://schemas.microsoft.com/office/drawing/2014/main" id="{08EBE30F-3865-4ED9-BA27-78324AB648F6}"/>
+              </a:ext>
+            </a:extLst>
+          </p:cNvPr>
+          <p:cNvSpPr txBox="1"/>
+          <p:nvPr/>
+        </p:nvSpPr>
+        <p:spPr>
+          <a:xfrm>
+            <a:off x="213813" y="5222152"/>
+            <a:ext cx="3231071" cy="262555"/>
+          </a:xfrm>
+          <a:prstGeom prst="rect">
+            <a:avLst/>
+          </a:prstGeom>
+          <a:ln w="12700">
+            <a:miter lim="400000"/>
+          </a:ln>
+          <a:extLst>
+            <a:ext uri="{C572A759-6A51-4108-AA02-DFA0A04FC94B}">
+              <ma14:wrappingTextBoxFlag xmlns="" xmlns:ma14="http://schemas.microsoft.com/office/mac/drawingml/2011/main" val="1"/>
+            </a:ext>
+          </a:extLst>
+        </p:spPr>
+        <p:txBody>
+          <a:bodyPr wrap="square" lIns="54570" tIns="54570" rIns="54570" bIns="54570" anchor="ctr">
+            <a:spAutoFit/>
+          </a:bodyPr>
+          <a:lstStyle/>
+          <a:p>
+            <a:pPr>
+              <a:lnSpc>
+                <a:spcPct val="90000"/>
+              </a:lnSpc>
+              <a:spcBef>
+                <a:spcPts val="300"/>
+              </a:spcBef>
+              <a:buClr>
+                <a:schemeClr val="accent4">
+                  <a:hueOff val="384618"/>
+                  <a:satOff val="3869"/>
+                  <a:lumOff val="5802"/>
+                </a:schemeClr>
+              </a:buClr>
+              <a:defRPr b="0">
+                <a:solidFill>
+                  <a:srgbClr val="000000"/>
+                </a:solidFill>
+                <a:latin typeface="+mn-lt"/>
+                <a:ea typeface="+mn-ea"/>
+                <a:cs typeface="+mn-cs"/>
+                <a:sym typeface="Source Sans Pro Light"/>
+              </a:defRPr>
+            </a:pPr>
+            <a:r>
+              <a:rPr lang="en-SG" sz="1100" dirty="0">
+                <a:latin typeface="Source Sans Pro" panose="020B0503030403020204" pitchFamily="34" charset="0"/>
+                <a:ea typeface="Source Sans Pro" panose="020B0503030403020204" pitchFamily="34" charset="0"/>
+              </a:rPr>
+              <a:t>Agilent’s Wide Table form with Qualifier</a:t>
+            </a:r>
+          </a:p>
+        </p:txBody>
+      </p:sp>
+      <p:sp>
+        <p:nvSpPr>
+          <p:cNvPr id="89" name="Where possible, use code that works when run.">
+            <a:extLst>
+              <a:ext uri="{FF2B5EF4-FFF2-40B4-BE49-F238E27FC236}">
+                <a16:creationId xmlns:a16="http://schemas.microsoft.com/office/drawing/2014/main" id="{38BC9629-0A25-4B93-B3F2-05DCF909EBF7}"/>
+              </a:ext>
+            </a:extLst>
+          </p:cNvPr>
+          <p:cNvSpPr txBox="1"/>
+          <p:nvPr/>
+        </p:nvSpPr>
+        <p:spPr>
+          <a:xfrm>
+            <a:off x="194824" y="6175063"/>
+            <a:ext cx="3231071" cy="262555"/>
+          </a:xfrm>
+          <a:prstGeom prst="rect">
+            <a:avLst/>
+          </a:prstGeom>
+          <a:ln w="12700">
+            <a:miter lim="400000"/>
+          </a:ln>
+          <a:extLst>
+            <a:ext uri="{C572A759-6A51-4108-AA02-DFA0A04FC94B}">
+              <ma14:wrappingTextBoxFlag xmlns="" xmlns:ma14="http://schemas.microsoft.com/office/mac/drawingml/2011/main" val="1"/>
+            </a:ext>
+          </a:extLst>
+        </p:spPr>
+        <p:txBody>
+          <a:bodyPr wrap="square" lIns="54570" tIns="54570" rIns="54570" bIns="54570" anchor="ctr">
+            <a:spAutoFit/>
+          </a:bodyPr>
+          <a:lstStyle/>
+          <a:p>
+            <a:pPr>
+              <a:lnSpc>
+                <a:spcPct val="90000"/>
+              </a:lnSpc>
+              <a:spcBef>
+                <a:spcPts val="300"/>
+              </a:spcBef>
+              <a:buClr>
+                <a:schemeClr val="accent4">
+                  <a:hueOff val="384618"/>
+                  <a:satOff val="3869"/>
+                  <a:lumOff val="5802"/>
+                </a:schemeClr>
+              </a:buClr>
+              <a:defRPr b="0">
+                <a:solidFill>
+                  <a:srgbClr val="000000"/>
+                </a:solidFill>
+                <a:latin typeface="+mn-lt"/>
+                <a:ea typeface="+mn-ea"/>
+                <a:cs typeface="+mn-cs"/>
+                <a:sym typeface="Source Sans Pro Light"/>
+              </a:defRPr>
+            </a:pPr>
+            <a:r>
+              <a:rPr lang="en-SG" sz="1100" dirty="0">
+                <a:latin typeface="Source Sans Pro" panose="020B0503030403020204" pitchFamily="34" charset="0"/>
+                <a:ea typeface="Source Sans Pro" panose="020B0503030403020204" pitchFamily="34" charset="0"/>
+              </a:rPr>
+              <a:t>Agilent’s Compound Table form</a:t>
+            </a:r>
+          </a:p>
+        </p:txBody>
+      </p:sp>
+      <p:sp>
+        <p:nvSpPr>
+          <p:cNvPr id="90" name="Where possible, use code that works when run.">
+            <a:extLst>
+              <a:ext uri="{FF2B5EF4-FFF2-40B4-BE49-F238E27FC236}">
+                <a16:creationId xmlns:a16="http://schemas.microsoft.com/office/drawing/2014/main" id="{14012B44-ECF0-4EAF-9D25-C8C44C354B56}"/>
+              </a:ext>
+            </a:extLst>
+          </p:cNvPr>
+          <p:cNvSpPr txBox="1"/>
+          <p:nvPr/>
+        </p:nvSpPr>
+        <p:spPr>
+          <a:xfrm>
+            <a:off x="177281" y="7079492"/>
+            <a:ext cx="3231071" cy="262555"/>
+          </a:xfrm>
+          <a:prstGeom prst="rect">
+            <a:avLst/>
+          </a:prstGeom>
+          <a:ln w="12700">
+            <a:miter lim="400000"/>
+          </a:ln>
+          <a:extLst>
+            <a:ext uri="{C572A759-6A51-4108-AA02-DFA0A04FC94B}">
+              <ma14:wrappingTextBoxFlag xmlns="" xmlns:ma14="http://schemas.microsoft.com/office/mac/drawingml/2011/main" val="1"/>
+            </a:ext>
+          </a:extLst>
+        </p:spPr>
+        <p:txBody>
+          <a:bodyPr wrap="square" lIns="54570" tIns="54570" rIns="54570" bIns="54570" anchor="ctr">
+            <a:spAutoFit/>
+          </a:bodyPr>
+          <a:lstStyle/>
+          <a:p>
+            <a:pPr>
+              <a:lnSpc>
+                <a:spcPct val="90000"/>
+              </a:lnSpc>
+              <a:spcBef>
+                <a:spcPts val="300"/>
+              </a:spcBef>
+              <a:buClr>
+                <a:schemeClr val="accent4">
+                  <a:hueOff val="384618"/>
+                  <a:satOff val="3869"/>
+                  <a:lumOff val="5802"/>
+                </a:schemeClr>
+              </a:buClr>
+              <a:defRPr b="0">
+                <a:solidFill>
+                  <a:srgbClr val="000000"/>
+                </a:solidFill>
+                <a:latin typeface="+mn-lt"/>
+                <a:ea typeface="+mn-ea"/>
+                <a:cs typeface="+mn-cs"/>
+                <a:sym typeface="Source Sans Pro Light"/>
+              </a:defRPr>
+            </a:pPr>
+            <a:r>
+              <a:rPr lang="en-SG" sz="1100" dirty="0">
+                <a:latin typeface="Source Sans Pro" panose="020B0503030403020204" pitchFamily="34" charset="0"/>
+                <a:ea typeface="Source Sans Pro" panose="020B0503030403020204" pitchFamily="34" charset="0"/>
+              </a:rPr>
+              <a:t>Agilent’s Compound Table form with Qualifier</a:t>
+            </a:r>
+          </a:p>
+        </p:txBody>
+      </p:sp>
     </p:spTree>
     <p:extLst>
       <p:ext uri="{BB962C8B-B14F-4D97-AF65-F5344CB8AC3E}">
@@ -7263,7 +7960,7 @@
           </a:ln>
           <a:extLst>
             <a:ext uri="{C572A759-6A51-4108-AA02-DFA0A04FC94B}">
-              <ma14:wrappingTextBoxFlag xmlns:ma14="http://schemas.microsoft.com/office/mac/drawingml/2011/main" xmlns="" val="1"/>
+              <ma14:wrappingTextBoxFlag xmlns="" xmlns:ma14="http://schemas.microsoft.com/office/mac/drawingml/2011/main" val="1"/>
             </a:ext>
           </a:extLst>
         </p:spPr>
@@ -7296,11 +7993,11 @@
             </a:r>
             <a:r>
               <a:rPr dirty="0"/>
-              <a:t>-0</a:t>
+              <a:t>-</a:t>
             </a:r>
             <a:r>
               <a:rPr lang="en-SG" dirty="0"/>
-              <a:t>9</a:t>
+              <a:t>10</a:t>
             </a:r>
             <a:endParaRPr dirty="0"/>
           </a:p>
@@ -7325,7 +8022,7 @@
           </a:ln>
           <a:extLst>
             <a:ext uri="{C572A759-6A51-4108-AA02-DFA0A04FC94B}">
-              <ma14:wrappingTextBoxFlag xmlns:ma14="http://schemas.microsoft.com/office/mac/drawingml/2011/main" xmlns="" val="1"/>
+              <ma14:wrappingTextBoxFlag xmlns="" xmlns:ma14="http://schemas.microsoft.com/office/mac/drawingml/2011/main" val="1"/>
             </a:ext>
           </a:extLst>
         </p:spPr>
@@ -7366,48 +8063,6 @@
       </p:sp>
       <p:sp>
         <p:nvSpPr>
-          <p:cNvPr id="296" name="Line"/>
-          <p:cNvSpPr/>
-          <p:nvPr/>
-        </p:nvSpPr>
-        <p:spPr>
-          <a:xfrm>
-            <a:off x="263649" y="1057059"/>
-            <a:ext cx="7338267" cy="23737"/>
-          </a:xfrm>
-          <a:prstGeom prst="line">
-            <a:avLst/>
-          </a:prstGeom>
-          <a:ln w="3175">
-            <a:solidFill>
-              <a:srgbClr val="767C85"/>
-            </a:solidFill>
-            <a:miter lim="400000"/>
-          </a:ln>
-        </p:spPr>
-        <p:txBody>
-          <a:bodyPr lIns="54570" tIns="54570" rIns="54570" bIns="54570" anchor="ctr"/>
-          <a:lstStyle/>
-          <a:p>
-            <a:pPr>
-              <a:lnSpc>
-                <a:spcPct val="80000"/>
-              </a:lnSpc>
-              <a:spcBef>
-                <a:spcPts val="600"/>
-              </a:spcBef>
-              <a:defRPr b="0">
-                <a:solidFill>
-                  <a:srgbClr val="000000"/>
-                </a:solidFill>
-              </a:defRPr>
-            </a:pPr>
-            <a:endParaRPr/>
-          </a:p>
-        </p:txBody>
-      </p:sp>
-      <p:sp>
-        <p:nvSpPr>
           <p:cNvPr id="298" name="CODE"/>
           <p:cNvSpPr txBox="1"/>
           <p:nvPr/>
@@ -7425,7 +8080,7 @@
           </a:ln>
           <a:extLst>
             <a:ext uri="{C572A759-6A51-4108-AA02-DFA0A04FC94B}">
-              <ma14:wrappingTextBoxFlag xmlns:ma14="http://schemas.microsoft.com/office/mac/drawingml/2011/main" xmlns="" val="1"/>
+              <ma14:wrappingTextBoxFlag xmlns="" xmlns:ma14="http://schemas.microsoft.com/office/mac/drawingml/2011/main" val="1"/>
             </a:ext>
           </a:extLst>
         </p:spPr>
@@ -7463,7 +8118,7 @@
           </a:ln>
           <a:extLst>
             <a:ext uri="{C572A759-6A51-4108-AA02-DFA0A04FC94B}">
-              <ma14:wrappingTextBoxFlag xmlns:ma14="http://schemas.microsoft.com/office/mac/drawingml/2011/main" xmlns="" val="1"/>
+              <ma14:wrappingTextBoxFlag xmlns="" xmlns:ma14="http://schemas.microsoft.com/office/mac/drawingml/2011/main" val="1"/>
             </a:ext>
           </a:extLst>
         </p:spPr>
@@ -7521,7 +8176,7 @@
           </a:ln>
           <a:extLst>
             <a:ext uri="{C572A759-6A51-4108-AA02-DFA0A04FC94B}">
-              <ma14:wrappingTextBoxFlag xmlns:ma14="http://schemas.microsoft.com/office/mac/drawingml/2011/main" xmlns="" val="1"/>
+              <ma14:wrappingTextBoxFlag xmlns="" xmlns:ma14="http://schemas.microsoft.com/office/mac/drawingml/2011/main" val="1"/>
             </a:ext>
           </a:extLst>
         </p:spPr>
@@ -7554,48 +8209,6 @@
       </p:sp>
       <p:sp>
         <p:nvSpPr>
-          <p:cNvPr id="289" name="Line"/>
-          <p:cNvSpPr/>
-          <p:nvPr/>
-        </p:nvSpPr>
-        <p:spPr>
-          <a:xfrm flipV="1">
-            <a:off x="7892715" y="1068764"/>
-            <a:ext cx="5903579" cy="1"/>
-          </a:xfrm>
-          <a:prstGeom prst="line">
-            <a:avLst/>
-          </a:prstGeom>
-          <a:ln w="3175">
-            <a:solidFill>
-              <a:srgbClr val="767C85"/>
-            </a:solidFill>
-            <a:miter lim="400000"/>
-          </a:ln>
-        </p:spPr>
-        <p:txBody>
-          <a:bodyPr lIns="54570" tIns="54570" rIns="54570" bIns="54570" anchor="ctr"/>
-          <a:lstStyle/>
-          <a:p>
-            <a:pPr>
-              <a:lnSpc>
-                <a:spcPct val="80000"/>
-              </a:lnSpc>
-              <a:spcBef>
-                <a:spcPts val="600"/>
-              </a:spcBef>
-              <a:defRPr b="0">
-                <a:solidFill>
-                  <a:srgbClr val="000000"/>
-                </a:solidFill>
-              </a:defRPr>
-            </a:pPr>
-            <a:endParaRPr/>
-          </a:p>
-        </p:txBody>
-      </p:sp>
-      <p:sp>
-        <p:nvSpPr>
           <p:cNvPr id="291" name="CODE"/>
           <p:cNvSpPr txBox="1"/>
           <p:nvPr/>
@@ -7613,7 +8226,7 @@
           </a:ln>
           <a:extLst>
             <a:ext uri="{C572A759-6A51-4108-AA02-DFA0A04FC94B}">
-              <ma14:wrappingTextBoxFlag xmlns:ma14="http://schemas.microsoft.com/office/mac/drawingml/2011/main" xmlns="" val="1"/>
+              <ma14:wrappingTextBoxFlag xmlns="" xmlns:ma14="http://schemas.microsoft.com/office/mac/drawingml/2011/main" val="1"/>
             </a:ext>
           </a:extLst>
         </p:spPr>
@@ -7657,7 +8270,7 @@
           </a:ln>
           <a:extLst>
             <a:ext uri="{C572A759-6A51-4108-AA02-DFA0A04FC94B}">
-              <ma14:wrappingTextBoxFlag xmlns:ma14="http://schemas.microsoft.com/office/mac/drawingml/2011/main" xmlns="" val="1"/>
+              <ma14:wrappingTextBoxFlag xmlns="" xmlns:ma14="http://schemas.microsoft.com/office/mac/drawingml/2011/main" val="1"/>
             </a:ext>
           </a:extLst>
         </p:spPr>
@@ -7721,7 +8334,7 @@
           </a:ln>
           <a:extLst>
             <a:ext uri="{C572A759-6A51-4108-AA02-DFA0A04FC94B}">
-              <ma14:wrappingTextBoxFlag xmlns:ma14="http://schemas.microsoft.com/office/mac/drawingml/2011/main" xmlns="" val="1"/>
+              <ma14:wrappingTextBoxFlag xmlns="" xmlns:ma14="http://schemas.microsoft.com/office/mac/drawingml/2011/main" val="1"/>
             </a:ext>
           </a:extLst>
         </p:spPr>
@@ -7836,7 +8449,7 @@
           </a:ln>
           <a:extLst>
             <a:ext uri="{C572A759-6A51-4108-AA02-DFA0A04FC94B}">
-              <ma14:wrappingTextBoxFlag xmlns:ma14="http://schemas.microsoft.com/office/mac/drawingml/2011/main" xmlns="" val="1"/>
+              <ma14:wrappingTextBoxFlag xmlns="" xmlns:ma14="http://schemas.microsoft.com/office/mac/drawingml/2011/main" val="1"/>
             </a:ext>
           </a:extLst>
         </p:spPr>
@@ -7884,7 +8497,7 @@
           </a:ln>
           <a:extLst>
             <a:ext uri="{C572A759-6A51-4108-AA02-DFA0A04FC94B}">
-              <ma14:wrappingTextBoxFlag xmlns:ma14="http://schemas.microsoft.com/office/mac/drawingml/2011/main" xmlns="" val="1"/>
+              <ma14:wrappingTextBoxFlag xmlns="" xmlns:ma14="http://schemas.microsoft.com/office/mac/drawingml/2011/main" val="1"/>
             </a:ext>
           </a:extLst>
         </p:spPr>
@@ -8000,7 +8613,7 @@
           </a:ln>
           <a:extLst>
             <a:ext uri="{C572A759-6A51-4108-AA02-DFA0A04FC94B}">
-              <ma14:wrappingTextBoxFlag xmlns:ma14="http://schemas.microsoft.com/office/mac/drawingml/2011/main" xmlns="" val="1"/>
+              <ma14:wrappingTextBoxFlag xmlns="" xmlns:ma14="http://schemas.microsoft.com/office/mac/drawingml/2011/main" val="1"/>
             </a:ext>
           </a:extLst>
         </p:spPr>
@@ -8099,7 +8712,7 @@
           </a:ln>
           <a:extLst>
             <a:ext uri="{C572A759-6A51-4108-AA02-DFA0A04FC94B}">
-              <ma14:wrappingTextBoxFlag xmlns:ma14="http://schemas.microsoft.com/office/mac/drawingml/2011/main" xmlns="" val="1"/>
+              <ma14:wrappingTextBoxFlag xmlns="" xmlns:ma14="http://schemas.microsoft.com/office/mac/drawingml/2011/main" val="1"/>
             </a:ext>
           </a:extLst>
         </p:spPr>
@@ -8295,6 +8908,54 @@
           </a:prstGeom>
         </p:spPr>
       </p:pic>
+      <p:sp>
+        <p:nvSpPr>
+          <p:cNvPr id="24" name="Line">
+            <a:extLst>
+              <a:ext uri="{FF2B5EF4-FFF2-40B4-BE49-F238E27FC236}">
+                <a16:creationId xmlns:a16="http://schemas.microsoft.com/office/drawing/2014/main" id="{FFC3C9A8-CD88-49B3-9CB8-F069967CF200}"/>
+              </a:ext>
+            </a:extLst>
+          </p:cNvPr>
+          <p:cNvSpPr/>
+          <p:nvPr/>
+        </p:nvSpPr>
+        <p:spPr>
+          <a:xfrm flipV="1">
+            <a:off x="0" y="1016734"/>
+            <a:ext cx="13963719" cy="48592"/>
+          </a:xfrm>
+          <a:prstGeom prst="line">
+            <a:avLst/>
+          </a:prstGeom>
+          <a:ln w="3175">
+            <a:solidFill>
+              <a:srgbClr val="767C85"/>
+            </a:solidFill>
+            <a:miter lim="400000"/>
+          </a:ln>
+        </p:spPr>
+        <p:txBody>
+          <a:bodyPr lIns="54570" tIns="54570" rIns="54570" bIns="54570" anchor="ctr"/>
+          <a:lstStyle/>
+          <a:p>
+            <a:pPr>
+              <a:lnSpc>
+                <a:spcPct val="80000"/>
+              </a:lnSpc>
+              <a:spcBef>
+                <a:spcPts val="600"/>
+              </a:spcBef>
+              <a:defRPr b="0">
+                <a:solidFill>
+                  <a:srgbClr val="000000"/>
+                </a:solidFill>
+              </a:defRPr>
+            </a:pPr>
+            <a:endParaRPr/>
+          </a:p>
+        </p:txBody>
+      </p:sp>
     </p:spTree>
     <p:extLst>
       <p:ext uri="{BB962C8B-B14F-4D97-AF65-F5344CB8AC3E}">
